--- a/Ngo_Van_Hieu/Xây dựng ứng dụng Với Hadoop.pptx
+++ b/Ngo_Van_Hieu/Xây dựng ứng dụng Với Hadoop.pptx
@@ -5,15 +5,16 @@
     <p:sldMasterId id="2147483672" r:id="rId1"/>
     <p:sldMasterId id="2147483689" r:id="rId2"/>
     <p:sldMasterId id="2147483707" r:id="rId3"/>
+    <p:sldMasterId id="2147483749" r:id="rId4"/>
   </p:sldMasterIdLst>
   <p:sldIdLst>
-    <p:sldId id="256" r:id="rId4"/>
-    <p:sldId id="257" r:id="rId5"/>
-    <p:sldId id="259" r:id="rId6"/>
-    <p:sldId id="261" r:id="rId7"/>
-    <p:sldId id="262" r:id="rId8"/>
-    <p:sldId id="263" r:id="rId9"/>
-    <p:sldId id="264" r:id="rId10"/>
+    <p:sldId id="256" r:id="rId5"/>
+    <p:sldId id="257" r:id="rId6"/>
+    <p:sldId id="259" r:id="rId7"/>
+    <p:sldId id="261" r:id="rId8"/>
+    <p:sldId id="262" r:id="rId9"/>
+    <p:sldId id="263" r:id="rId10"/>
+    <p:sldId id="264" r:id="rId11"/>
   </p:sldIdLst>
   <p:sldSz cx="12192000" cy="6858000"/>
   <p:notesSz cx="6858000" cy="9144000"/>
@@ -308,7 +309,7 @@
           <a:p>
             <a:fld id="{BF8696C7-E952-45D4-832F-98B384FD62F5}" type="datetimeFigureOut">
               <a:rPr lang="en-US" smtClean="0"/>
-              <a:t>9/13/2014</a:t>
+              <a:t>9/20/2014</a:t>
             </a:fld>
             <a:endParaRPr lang="en-US"/>
           </a:p>
@@ -646,7 +647,7 @@
           <a:p>
             <a:fld id="{BF8696C7-E952-45D4-832F-98B384FD62F5}" type="datetimeFigureOut">
               <a:rPr lang="en-US" smtClean="0"/>
-              <a:t>9/13/2014</a:t>
+              <a:t>9/20/2014</a:t>
             </a:fld>
             <a:endParaRPr lang="en-US"/>
           </a:p>
@@ -1047,7 +1048,7 @@
           <a:p>
             <a:fld id="{BF8696C7-E952-45D4-832F-98B384FD62F5}" type="datetimeFigureOut">
               <a:rPr lang="en-US" smtClean="0"/>
-              <a:t>9/13/2014</a:t>
+              <a:t>9/20/2014</a:t>
             </a:fld>
             <a:endParaRPr lang="en-US"/>
           </a:p>
@@ -1383,7 +1384,7 @@
           <a:p>
             <a:fld id="{BF8696C7-E952-45D4-832F-98B384FD62F5}" type="datetimeFigureOut">
               <a:rPr lang="en-US" smtClean="0"/>
-              <a:t>9/13/2014</a:t>
+              <a:t>9/20/2014</a:t>
             </a:fld>
             <a:endParaRPr lang="en-US"/>
           </a:p>
@@ -1703,7 +1704,7 @@
           <a:p>
             <a:fld id="{BF8696C7-E952-45D4-832F-98B384FD62F5}" type="datetimeFigureOut">
               <a:rPr lang="en-US" smtClean="0"/>
-              <a:t>9/13/2014</a:t>
+              <a:t>9/20/2014</a:t>
             </a:fld>
             <a:endParaRPr lang="en-US"/>
           </a:p>
@@ -2099,7 +2100,7 @@
           <a:p>
             <a:fld id="{BF8696C7-E952-45D4-832F-98B384FD62F5}" type="datetimeFigureOut">
               <a:rPr lang="en-US" smtClean="0"/>
-              <a:t>9/13/2014</a:t>
+              <a:t>9/20/2014</a:t>
             </a:fld>
             <a:endParaRPr lang="en-US"/>
           </a:p>
@@ -2356,7 +2357,7 @@
           <a:p>
             <a:fld id="{BF8696C7-E952-45D4-832F-98B384FD62F5}" type="datetimeFigureOut">
               <a:rPr lang="en-US" smtClean="0"/>
-              <a:t>9/13/2014</a:t>
+              <a:t>9/20/2014</a:t>
             </a:fld>
             <a:endParaRPr lang="en-US"/>
           </a:p>
@@ -2618,7 +2619,7 @@
           <a:p>
             <a:fld id="{BF8696C7-E952-45D4-832F-98B384FD62F5}" type="datetimeFigureOut">
               <a:rPr lang="en-US" smtClean="0"/>
-              <a:t>9/13/2014</a:t>
+              <a:t>9/20/2014</a:t>
             </a:fld>
             <a:endParaRPr lang="en-US"/>
           </a:p>
@@ -3092,7 +3093,7 @@
           <a:p>
             <a:fld id="{BF8696C7-E952-45D4-832F-98B384FD62F5}" type="datetimeFigureOut">
               <a:rPr lang="en-US" smtClean="0"/>
-              <a:t>9/13/2014</a:t>
+              <a:t>9/20/2014</a:t>
             </a:fld>
             <a:endParaRPr lang="en-US"/>
           </a:p>
@@ -3333,7 +3334,7 @@
           <a:p>
             <a:fld id="{BF8696C7-E952-45D4-832F-98B384FD62F5}" type="datetimeFigureOut">
               <a:rPr lang="en-US" smtClean="0"/>
-              <a:t>9/13/2014</a:t>
+              <a:t>9/20/2014</a:t>
             </a:fld>
             <a:endParaRPr lang="en-US"/>
           </a:p>
@@ -3581,7 +3582,7 @@
           <a:p>
             <a:fld id="{BF8696C7-E952-45D4-832F-98B384FD62F5}" type="datetimeFigureOut">
               <a:rPr lang="en-US" smtClean="0"/>
-              <a:t>9/13/2014</a:t>
+              <a:t>9/20/2014</a:t>
             </a:fld>
             <a:endParaRPr lang="en-US"/>
           </a:p>
@@ -3792,7 +3793,7 @@
           <a:p>
             <a:fld id="{BF8696C7-E952-45D4-832F-98B384FD62F5}" type="datetimeFigureOut">
               <a:rPr lang="en-US" smtClean="0"/>
-              <a:t>9/13/2014</a:t>
+              <a:t>9/20/2014</a:t>
             </a:fld>
             <a:endParaRPr lang="en-US"/>
           </a:p>
@@ -4141,7 +4142,7 @@
           <a:p>
             <a:fld id="{BF8696C7-E952-45D4-832F-98B384FD62F5}" type="datetimeFigureOut">
               <a:rPr lang="en-US" smtClean="0"/>
-              <a:t>9/13/2014</a:t>
+              <a:t>9/20/2014</a:t>
             </a:fld>
             <a:endParaRPr lang="en-US"/>
           </a:p>
@@ -4535,7 +4536,7 @@
           <a:p>
             <a:fld id="{BF8696C7-E952-45D4-832F-98B384FD62F5}" type="datetimeFigureOut">
               <a:rPr lang="en-US" smtClean="0"/>
-              <a:t>9/13/2014</a:t>
+              <a:t>9/20/2014</a:t>
             </a:fld>
             <a:endParaRPr lang="en-US"/>
           </a:p>
@@ -4684,7 +4685,7 @@
           <a:p>
             <a:fld id="{BF8696C7-E952-45D4-832F-98B384FD62F5}" type="datetimeFigureOut">
               <a:rPr lang="en-US" smtClean="0"/>
-              <a:t>9/13/2014</a:t>
+              <a:t>9/20/2014</a:t>
             </a:fld>
             <a:endParaRPr lang="en-US"/>
           </a:p>
@@ -4810,7 +4811,7 @@
           <a:p>
             <a:fld id="{BF8696C7-E952-45D4-832F-98B384FD62F5}" type="datetimeFigureOut">
               <a:rPr lang="en-US" smtClean="0"/>
-              <a:t>9/13/2014</a:t>
+              <a:t>9/20/2014</a:t>
             </a:fld>
             <a:endParaRPr lang="en-US"/>
           </a:p>
@@ -5065,7 +5066,7 @@
           <a:p>
             <a:fld id="{BF8696C7-E952-45D4-832F-98B384FD62F5}" type="datetimeFigureOut">
               <a:rPr lang="en-US" smtClean="0"/>
-              <a:t>9/13/2014</a:t>
+              <a:t>9/20/2014</a:t>
             </a:fld>
             <a:endParaRPr lang="en-US"/>
           </a:p>
@@ -5380,7 +5381,7 @@
           <a:p>
             <a:fld id="{BF8696C7-E952-45D4-832F-98B384FD62F5}" type="datetimeFigureOut">
               <a:rPr lang="en-US" smtClean="0"/>
-              <a:t>9/13/2014</a:t>
+              <a:t>9/20/2014</a:t>
             </a:fld>
             <a:endParaRPr lang="en-US"/>
           </a:p>
@@ -5664,7 +5665,7 @@
           <a:p>
             <a:fld id="{BF8696C7-E952-45D4-832F-98B384FD62F5}" type="datetimeFigureOut">
               <a:rPr lang="en-US" smtClean="0"/>
-              <a:t>9/13/2014</a:t>
+              <a:t>9/20/2014</a:t>
             </a:fld>
             <a:endParaRPr lang="en-US"/>
           </a:p>
@@ -5912,7 +5913,7 @@
           <a:p>
             <a:fld id="{BF8696C7-E952-45D4-832F-98B384FD62F5}" type="datetimeFigureOut">
               <a:rPr lang="en-US" smtClean="0"/>
-              <a:t>9/13/2014</a:t>
+              <a:t>9/20/2014</a:t>
             </a:fld>
             <a:endParaRPr lang="en-US"/>
           </a:p>
@@ -6251,7 +6252,7 @@
           <a:p>
             <a:fld id="{BF8696C7-E952-45D4-832F-98B384FD62F5}" type="datetimeFigureOut">
               <a:rPr lang="en-US" smtClean="0"/>
-              <a:t>9/13/2014</a:t>
+              <a:t>9/20/2014</a:t>
             </a:fld>
             <a:endParaRPr lang="en-US"/>
           </a:p>
@@ -6598,7 +6599,7 @@
           <a:p>
             <a:fld id="{BF8696C7-E952-45D4-832F-98B384FD62F5}" type="datetimeFigureOut">
               <a:rPr lang="en-US" smtClean="0"/>
-              <a:t>9/13/2014</a:t>
+              <a:t>9/20/2014</a:t>
             </a:fld>
             <a:endParaRPr lang="en-US"/>
           </a:p>
@@ -6845,7 +6846,7 @@
           <a:p>
             <a:fld id="{BF8696C7-E952-45D4-832F-98B384FD62F5}" type="datetimeFigureOut">
               <a:rPr lang="en-US" smtClean="0"/>
-              <a:t>9/13/2014</a:t>
+              <a:t>9/20/2014</a:t>
             </a:fld>
             <a:endParaRPr lang="en-US"/>
           </a:p>
@@ -7306,7 +7307,7 @@
           <a:p>
             <a:fld id="{BF8696C7-E952-45D4-832F-98B384FD62F5}" type="datetimeFigureOut">
               <a:rPr lang="en-US" smtClean="0"/>
-              <a:t>9/13/2014</a:t>
+              <a:t>9/20/2014</a:t>
             </a:fld>
             <a:endParaRPr lang="en-US"/>
           </a:p>
@@ -7776,7 +7777,7 @@
           <a:p>
             <a:fld id="{BF8696C7-E952-45D4-832F-98B384FD62F5}" type="datetimeFigureOut">
               <a:rPr lang="en-US" smtClean="0"/>
-              <a:t>9/13/2014</a:t>
+              <a:t>9/20/2014</a:t>
             </a:fld>
             <a:endParaRPr lang="en-US"/>
           </a:p>
@@ -7981,7 +7982,7 @@
           <a:p>
             <a:fld id="{BF8696C7-E952-45D4-832F-98B384FD62F5}" type="datetimeFigureOut">
               <a:rPr lang="en-US" smtClean="0"/>
-              <a:t>9/13/2014</a:t>
+              <a:t>9/20/2014</a:t>
             </a:fld>
             <a:endParaRPr lang="en-US"/>
           </a:p>
@@ -8192,7 +8193,7 @@
           <a:p>
             <a:fld id="{BF8696C7-E952-45D4-832F-98B384FD62F5}" type="datetimeFigureOut">
               <a:rPr lang="en-US" smtClean="0"/>
-              <a:t>9/13/2014</a:t>
+              <a:t>9/20/2014</a:t>
             </a:fld>
             <a:endParaRPr lang="en-US"/>
           </a:p>
@@ -8510,7 +8511,7 @@
           <a:p>
             <a:fld id="{BF8696C7-E952-45D4-832F-98B384FD62F5}" type="datetimeFigureOut">
               <a:rPr lang="en-US" smtClean="0"/>
-              <a:t>9/13/2014</a:t>
+              <a:t>9/20/2014</a:t>
             </a:fld>
             <a:endParaRPr lang="en-US"/>
           </a:p>
@@ -8722,7 +8723,7 @@
           <a:p>
             <a:fld id="{BF8696C7-E952-45D4-832F-98B384FD62F5}" type="datetimeFigureOut">
               <a:rPr lang="en-US" smtClean="0"/>
-              <a:t>9/13/2014</a:t>
+              <a:t>9/20/2014</a:t>
             </a:fld>
             <a:endParaRPr lang="en-US"/>
           </a:p>
@@ -9065,7 +9066,7 @@
           <a:p>
             <a:fld id="{BF8696C7-E952-45D4-832F-98B384FD62F5}" type="datetimeFigureOut">
               <a:rPr lang="en-US" smtClean="0"/>
-              <a:t>9/13/2014</a:t>
+              <a:t>9/20/2014</a:t>
             </a:fld>
             <a:endParaRPr lang="en-US"/>
           </a:p>
@@ -9340,7 +9341,7 @@
           <a:p>
             <a:fld id="{BF8696C7-E952-45D4-832F-98B384FD62F5}" type="datetimeFigureOut">
               <a:rPr lang="en-US" smtClean="0"/>
-              <a:t>9/13/2014</a:t>
+              <a:t>9/20/2014</a:t>
             </a:fld>
             <a:endParaRPr lang="en-US"/>
           </a:p>
@@ -9719,7 +9720,7 @@
           <a:p>
             <a:fld id="{BF8696C7-E952-45D4-832F-98B384FD62F5}" type="datetimeFigureOut">
               <a:rPr lang="en-US" smtClean="0"/>
-              <a:t>9/13/2014</a:t>
+              <a:t>9/20/2014</a:t>
             </a:fld>
             <a:endParaRPr lang="en-US"/>
           </a:p>
@@ -9837,7 +9838,7 @@
           <a:p>
             <a:fld id="{BF8696C7-E952-45D4-832F-98B384FD62F5}" type="datetimeFigureOut">
               <a:rPr lang="en-US" smtClean="0"/>
-              <a:t>9/13/2014</a:t>
+              <a:t>9/20/2014</a:t>
             </a:fld>
             <a:endParaRPr lang="en-US"/>
           </a:p>
@@ -10073,7 +10074,7 @@
           <a:p>
             <a:fld id="{BF8696C7-E952-45D4-832F-98B384FD62F5}" type="datetimeFigureOut">
               <a:rPr lang="en-US" smtClean="0"/>
-              <a:t>9/13/2014</a:t>
+              <a:t>9/20/2014</a:t>
             </a:fld>
             <a:endParaRPr lang="en-US"/>
           </a:p>
@@ -10331,7 +10332,7 @@
           <a:p>
             <a:fld id="{BF8696C7-E952-45D4-832F-98B384FD62F5}" type="datetimeFigureOut">
               <a:rPr lang="en-US" smtClean="0"/>
-              <a:t>9/13/2014</a:t>
+              <a:t>9/20/2014</a:t>
             </a:fld>
             <a:endParaRPr lang="en-US"/>
           </a:p>
@@ -10685,7 +10686,7 @@
           <a:p>
             <a:fld id="{BF8696C7-E952-45D4-832F-98B384FD62F5}" type="datetimeFigureOut">
               <a:rPr lang="en-US" smtClean="0"/>
-              <a:t>9/13/2014</a:t>
+              <a:t>9/20/2014</a:t>
             </a:fld>
             <a:endParaRPr lang="en-US"/>
           </a:p>
@@ -11067,7 +11068,7 @@
           <a:p>
             <a:fld id="{BF8696C7-E952-45D4-832F-98B384FD62F5}" type="datetimeFigureOut">
               <a:rPr lang="en-US" smtClean="0"/>
-              <a:t>9/13/2014</a:t>
+              <a:t>9/20/2014</a:t>
             </a:fld>
             <a:endParaRPr lang="en-US"/>
           </a:p>
@@ -11237,7 +11238,7 @@
           <a:p>
             <a:fld id="{BF8696C7-E952-45D4-832F-98B384FD62F5}" type="datetimeFigureOut">
               <a:rPr lang="en-US" smtClean="0"/>
-              <a:t>9/13/2014</a:t>
+              <a:t>9/20/2014</a:t>
             </a:fld>
             <a:endParaRPr lang="en-US"/>
           </a:p>
@@ -11493,7 +11494,7 @@
           <a:p>
             <a:fld id="{BF8696C7-E952-45D4-832F-98B384FD62F5}" type="datetimeFigureOut">
               <a:rPr lang="en-US" smtClean="0"/>
-              <a:t>9/13/2014</a:t>
+              <a:t>9/20/2014</a:t>
             </a:fld>
             <a:endParaRPr lang="en-US"/>
           </a:p>
@@ -11545,6 +11546,1482 @@
     <p:extLst>
       <p:ext uri="{BB962C8B-B14F-4D97-AF65-F5344CB8AC3E}">
         <p14:creationId xmlns:p14="http://schemas.microsoft.com/office/powerpoint/2010/main" val="609173978"/>
+      </p:ext>
+    </p:extLst>
+  </p:cSld>
+  <p:clrMapOvr>
+    <a:masterClrMapping/>
+  </p:clrMapOvr>
+</p:sldLayout>
+</file>
+
+<file path=ppt/slideLayouts/slideLayout45.xml><?xml version="1.0" encoding="utf-8"?>
+<p:sldLayout xmlns:a="http://schemas.openxmlformats.org/drawingml/2006/main" xmlns:r="http://schemas.openxmlformats.org/officeDocument/2006/relationships" xmlns:p="http://schemas.openxmlformats.org/presentationml/2006/main" type="title" preserve="1">
+  <p:cSld name="Title Slide">
+    <p:spTree>
+      <p:nvGrpSpPr>
+        <p:cNvPr id="1" name=""/>
+        <p:cNvGrpSpPr/>
+        <p:nvPr/>
+      </p:nvGrpSpPr>
+      <p:grpSpPr>
+        <a:xfrm>
+          <a:off x="0" y="0"/>
+          <a:ext cx="0" cy="0"/>
+          <a:chOff x="0" y="0"/>
+          <a:chExt cx="0" cy="0"/>
+        </a:xfrm>
+      </p:grpSpPr>
+      <p:sp>
+        <p:nvSpPr>
+          <p:cNvPr id="7" name="Rectangle 6"/>
+          <p:cNvSpPr>
+            <a:spLocks noChangeAspect="1"/>
+          </p:cNvSpPr>
+          <p:nvPr/>
+        </p:nvSpPr>
+        <p:spPr>
+          <a:xfrm>
+            <a:off x="231140" y="243840"/>
+            <a:ext cx="11724640" cy="6377939"/>
+          </a:xfrm>
+          <a:prstGeom prst="rect">
+            <a:avLst/>
+          </a:prstGeom>
+          <a:solidFill>
+            <a:schemeClr val="accent1"/>
+          </a:solidFill>
+          <a:ln w="12700">
+            <a:solidFill>
+              <a:srgbClr val="FFFFFF"/>
+            </a:solidFill>
+          </a:ln>
+        </p:spPr>
+        <p:style>
+          <a:lnRef idx="2">
+            <a:schemeClr val="accent1">
+              <a:shade val="50000"/>
+            </a:schemeClr>
+          </a:lnRef>
+          <a:fillRef idx="1">
+            <a:schemeClr val="accent1"/>
+          </a:fillRef>
+          <a:effectRef idx="0">
+            <a:schemeClr val="accent1"/>
+          </a:effectRef>
+          <a:fontRef idx="minor">
+            <a:schemeClr val="lt1"/>
+          </a:fontRef>
+        </p:style>
+      </p:sp>
+      <p:sp>
+        <p:nvSpPr>
+          <p:cNvPr id="2" name="Title 1"/>
+          <p:cNvSpPr>
+            <a:spLocks noGrp="1"/>
+          </p:cNvSpPr>
+          <p:nvPr>
+            <p:ph type="ctrTitle"/>
+          </p:nvPr>
+        </p:nvSpPr>
+        <p:spPr>
+          <a:xfrm>
+            <a:off x="1109980" y="882376"/>
+            <a:ext cx="9966960" cy="2926080"/>
+          </a:xfrm>
+        </p:spPr>
+        <p:txBody>
+          <a:bodyPr anchor="b">
+            <a:normAutofit/>
+          </a:bodyPr>
+          <a:lstStyle>
+            <a:lvl1pPr algn="ctr">
+              <a:lnSpc>
+                <a:spcPct val="85000"/>
+              </a:lnSpc>
+              <a:defRPr sz="7200" b="1" cap="all" baseline="0">
+                <a:solidFill>
+                  <a:srgbClr val="FFFFFF"/>
+                </a:solidFill>
+              </a:defRPr>
+            </a:lvl1pPr>
+          </a:lstStyle>
+          <a:p>
+            <a:r>
+              <a:rPr lang="en-US" smtClean="0"/>
+              <a:t>Click to edit Master title style</a:t>
+            </a:r>
+            <a:endParaRPr lang="en-US" dirty="0"/>
+          </a:p>
+        </p:txBody>
+      </p:sp>
+      <p:sp>
+        <p:nvSpPr>
+          <p:cNvPr id="3" name="Subtitle 2"/>
+          <p:cNvSpPr>
+            <a:spLocks noGrp="1"/>
+          </p:cNvSpPr>
+          <p:nvPr>
+            <p:ph type="subTitle" idx="1"/>
+          </p:nvPr>
+        </p:nvSpPr>
+        <p:spPr>
+          <a:xfrm>
+            <a:off x="1709530" y="3869634"/>
+            <a:ext cx="8767860" cy="1388165"/>
+          </a:xfrm>
+        </p:spPr>
+        <p:txBody>
+          <a:bodyPr>
+            <a:normAutofit/>
+          </a:bodyPr>
+          <a:lstStyle>
+            <a:lvl1pPr marL="0" indent="0" algn="ctr">
+              <a:buNone/>
+              <a:defRPr sz="2200">
+                <a:solidFill>
+                  <a:srgbClr val="FFFFFF"/>
+                </a:solidFill>
+              </a:defRPr>
+            </a:lvl1pPr>
+            <a:lvl2pPr marL="457200" indent="0" algn="ctr">
+              <a:buNone/>
+              <a:defRPr sz="2200"/>
+            </a:lvl2pPr>
+            <a:lvl3pPr marL="914400" indent="0" algn="ctr">
+              <a:buNone/>
+              <a:defRPr sz="2200"/>
+            </a:lvl3pPr>
+            <a:lvl4pPr marL="1371600" indent="0" algn="ctr">
+              <a:buNone/>
+              <a:defRPr sz="2000"/>
+            </a:lvl4pPr>
+            <a:lvl5pPr marL="1828800" indent="0" algn="ctr">
+              <a:buNone/>
+              <a:defRPr sz="2000"/>
+            </a:lvl5pPr>
+            <a:lvl6pPr marL="2286000" indent="0" algn="ctr">
+              <a:buNone/>
+              <a:defRPr sz="2000"/>
+            </a:lvl6pPr>
+            <a:lvl7pPr marL="2743200" indent="0" algn="ctr">
+              <a:buNone/>
+              <a:defRPr sz="2000"/>
+            </a:lvl7pPr>
+            <a:lvl8pPr marL="3200400" indent="0" algn="ctr">
+              <a:buNone/>
+              <a:defRPr sz="2000"/>
+            </a:lvl8pPr>
+            <a:lvl9pPr marL="3657600" indent="0" algn="ctr">
+              <a:buNone/>
+              <a:defRPr sz="2000"/>
+            </a:lvl9pPr>
+          </a:lstStyle>
+          <a:p>
+            <a:r>
+              <a:rPr lang="en-US" smtClean="0"/>
+              <a:t>Click to edit Master subtitle style</a:t>
+            </a:r>
+            <a:endParaRPr lang="en-US" dirty="0"/>
+          </a:p>
+        </p:txBody>
+      </p:sp>
+      <p:sp>
+        <p:nvSpPr>
+          <p:cNvPr id="4" name="Date Placeholder 3"/>
+          <p:cNvSpPr>
+            <a:spLocks noGrp="1"/>
+          </p:cNvSpPr>
+          <p:nvPr>
+            <p:ph type="dt" sz="half" idx="10"/>
+          </p:nvPr>
+        </p:nvSpPr>
+        <p:spPr/>
+        <p:txBody>
+          <a:bodyPr/>
+          <a:lstStyle>
+            <a:lvl1pPr>
+              <a:defRPr>
+                <a:solidFill>
+                  <a:srgbClr val="FFFFFF"/>
+                </a:solidFill>
+              </a:defRPr>
+            </a:lvl1pPr>
+          </a:lstStyle>
+          <a:p>
+            <a:fld id="{BF8696C7-E952-45D4-832F-98B384FD62F5}" type="datetimeFigureOut">
+              <a:rPr lang="en-US" smtClean="0"/>
+              <a:t>9/20/2014</a:t>
+            </a:fld>
+            <a:endParaRPr lang="en-US"/>
+          </a:p>
+        </p:txBody>
+      </p:sp>
+      <p:sp>
+        <p:nvSpPr>
+          <p:cNvPr id="5" name="Footer Placeholder 4"/>
+          <p:cNvSpPr>
+            <a:spLocks noGrp="1"/>
+          </p:cNvSpPr>
+          <p:nvPr>
+            <p:ph type="ftr" sz="quarter" idx="11"/>
+          </p:nvPr>
+        </p:nvSpPr>
+        <p:spPr/>
+        <p:txBody>
+          <a:bodyPr/>
+          <a:lstStyle>
+            <a:lvl1pPr>
+              <a:defRPr>
+                <a:solidFill>
+                  <a:srgbClr val="FFFFFF"/>
+                </a:solidFill>
+              </a:defRPr>
+            </a:lvl1pPr>
+          </a:lstStyle>
+          <a:p>
+            <a:endParaRPr lang="en-US"/>
+          </a:p>
+        </p:txBody>
+      </p:sp>
+      <p:sp>
+        <p:nvSpPr>
+          <p:cNvPr id="6" name="Slide Number Placeholder 5"/>
+          <p:cNvSpPr>
+            <a:spLocks noGrp="1"/>
+          </p:cNvSpPr>
+          <p:nvPr>
+            <p:ph type="sldNum" sz="quarter" idx="12"/>
+          </p:nvPr>
+        </p:nvSpPr>
+        <p:spPr/>
+        <p:txBody>
+          <a:bodyPr/>
+          <a:lstStyle>
+            <a:lvl1pPr>
+              <a:defRPr>
+                <a:solidFill>
+                  <a:srgbClr val="FFFFFF"/>
+                </a:solidFill>
+              </a:defRPr>
+            </a:lvl1pPr>
+          </a:lstStyle>
+          <a:p>
+            <a:fld id="{EDF2E87F-37A5-41A1-B4A0-669ACBBAC3F7}" type="slidenum">
+              <a:rPr lang="en-US" smtClean="0"/>
+              <a:t>‹#›</a:t>
+            </a:fld>
+            <a:endParaRPr lang="en-US"/>
+          </a:p>
+        </p:txBody>
+      </p:sp>
+      <p:cxnSp>
+        <p:nvCxnSpPr>
+          <p:cNvPr id="8" name="Straight Connector 7"/>
+          <p:cNvCxnSpPr/>
+          <p:nvPr/>
+        </p:nvCxnSpPr>
+        <p:spPr>
+          <a:xfrm>
+            <a:off x="1978660" y="3733800"/>
+            <a:ext cx="8229601" cy="0"/>
+          </a:xfrm>
+          <a:prstGeom prst="line">
+            <a:avLst/>
+          </a:prstGeom>
+          <a:ln>
+            <a:solidFill>
+              <a:srgbClr val="FFFFFF"/>
+            </a:solidFill>
+          </a:ln>
+        </p:spPr>
+        <p:style>
+          <a:lnRef idx="1">
+            <a:schemeClr val="accent1"/>
+          </a:lnRef>
+          <a:fillRef idx="0">
+            <a:schemeClr val="accent1"/>
+          </a:fillRef>
+          <a:effectRef idx="0">
+            <a:schemeClr val="accent1"/>
+          </a:effectRef>
+          <a:fontRef idx="minor">
+            <a:schemeClr val="tx1"/>
+          </a:fontRef>
+        </p:style>
+      </p:cxnSp>
+    </p:spTree>
+    <p:extLst>
+      <p:ext uri="{BB962C8B-B14F-4D97-AF65-F5344CB8AC3E}">
+        <p14:creationId xmlns:p14="http://schemas.microsoft.com/office/powerpoint/2010/main" val="640012609"/>
+      </p:ext>
+    </p:extLst>
+  </p:cSld>
+  <p:clrMapOvr>
+    <a:masterClrMapping/>
+  </p:clrMapOvr>
+</p:sldLayout>
+</file>
+
+<file path=ppt/slideLayouts/slideLayout46.xml><?xml version="1.0" encoding="utf-8"?>
+<p:sldLayout xmlns:a="http://schemas.openxmlformats.org/drawingml/2006/main" xmlns:r="http://schemas.openxmlformats.org/officeDocument/2006/relationships" xmlns:p="http://schemas.openxmlformats.org/presentationml/2006/main" type="obj" preserve="1">
+  <p:cSld name="Title and Content">
+    <p:spTree>
+      <p:nvGrpSpPr>
+        <p:cNvPr id="1" name=""/>
+        <p:cNvGrpSpPr/>
+        <p:nvPr/>
+      </p:nvGrpSpPr>
+      <p:grpSpPr>
+        <a:xfrm>
+          <a:off x="0" y="0"/>
+          <a:ext cx="0" cy="0"/>
+          <a:chOff x="0" y="0"/>
+          <a:chExt cx="0" cy="0"/>
+        </a:xfrm>
+      </p:grpSpPr>
+      <p:sp>
+        <p:nvSpPr>
+          <p:cNvPr id="2" name="Title 1"/>
+          <p:cNvSpPr>
+            <a:spLocks noGrp="1"/>
+          </p:cNvSpPr>
+          <p:nvPr>
+            <p:ph type="title"/>
+          </p:nvPr>
+        </p:nvSpPr>
+        <p:spPr/>
+        <p:txBody>
+          <a:bodyPr/>
+          <a:lstStyle/>
+          <a:p>
+            <a:r>
+              <a:rPr lang="en-US" smtClean="0"/>
+              <a:t>Click to edit Master title style</a:t>
+            </a:r>
+            <a:endParaRPr lang="en-US" dirty="0"/>
+          </a:p>
+        </p:txBody>
+      </p:sp>
+      <p:sp>
+        <p:nvSpPr>
+          <p:cNvPr id="3" name="Content Placeholder 2"/>
+          <p:cNvSpPr>
+            <a:spLocks noGrp="1"/>
+          </p:cNvSpPr>
+          <p:nvPr>
+            <p:ph idx="1"/>
+          </p:nvPr>
+        </p:nvSpPr>
+        <p:spPr/>
+        <p:txBody>
+          <a:bodyPr/>
+          <a:lstStyle/>
+          <a:p>
+            <a:pPr lvl="0"/>
+            <a:r>
+              <a:rPr lang="en-US" smtClean="0"/>
+              <a:t>Click to edit Master text styles</a:t>
+            </a:r>
+          </a:p>
+          <a:p>
+            <a:pPr lvl="1"/>
+            <a:r>
+              <a:rPr lang="en-US" smtClean="0"/>
+              <a:t>Second level</a:t>
+            </a:r>
+          </a:p>
+          <a:p>
+            <a:pPr lvl="2"/>
+            <a:r>
+              <a:rPr lang="en-US" smtClean="0"/>
+              <a:t>Third level</a:t>
+            </a:r>
+          </a:p>
+          <a:p>
+            <a:pPr lvl="3"/>
+            <a:r>
+              <a:rPr lang="en-US" smtClean="0"/>
+              <a:t>Fourth level</a:t>
+            </a:r>
+          </a:p>
+          <a:p>
+            <a:pPr lvl="4"/>
+            <a:r>
+              <a:rPr lang="en-US" smtClean="0"/>
+              <a:t>Fifth level</a:t>
+            </a:r>
+            <a:endParaRPr lang="en-US" dirty="0"/>
+          </a:p>
+        </p:txBody>
+      </p:sp>
+      <p:sp>
+        <p:nvSpPr>
+          <p:cNvPr id="4" name="Date Placeholder 3"/>
+          <p:cNvSpPr>
+            <a:spLocks noGrp="1"/>
+          </p:cNvSpPr>
+          <p:nvPr>
+            <p:ph type="dt" sz="half" idx="10"/>
+          </p:nvPr>
+        </p:nvSpPr>
+        <p:spPr/>
+        <p:txBody>
+          <a:bodyPr/>
+          <a:lstStyle/>
+          <a:p>
+            <a:fld id="{BF8696C7-E952-45D4-832F-98B384FD62F5}" type="datetimeFigureOut">
+              <a:rPr lang="en-US" smtClean="0"/>
+              <a:t>9/20/2014</a:t>
+            </a:fld>
+            <a:endParaRPr lang="en-US"/>
+          </a:p>
+        </p:txBody>
+      </p:sp>
+      <p:sp>
+        <p:nvSpPr>
+          <p:cNvPr id="5" name="Footer Placeholder 4"/>
+          <p:cNvSpPr>
+            <a:spLocks noGrp="1"/>
+          </p:cNvSpPr>
+          <p:nvPr>
+            <p:ph type="ftr" sz="quarter" idx="11"/>
+          </p:nvPr>
+        </p:nvSpPr>
+        <p:spPr/>
+        <p:txBody>
+          <a:bodyPr/>
+          <a:lstStyle/>
+          <a:p>
+            <a:endParaRPr lang="en-US"/>
+          </a:p>
+        </p:txBody>
+      </p:sp>
+      <p:sp>
+        <p:nvSpPr>
+          <p:cNvPr id="6" name="Slide Number Placeholder 5"/>
+          <p:cNvSpPr>
+            <a:spLocks noGrp="1"/>
+          </p:cNvSpPr>
+          <p:nvPr>
+            <p:ph type="sldNum" sz="quarter" idx="12"/>
+          </p:nvPr>
+        </p:nvSpPr>
+        <p:spPr/>
+        <p:txBody>
+          <a:bodyPr/>
+          <a:lstStyle/>
+          <a:p>
+            <a:fld id="{EDF2E87F-37A5-41A1-B4A0-669ACBBAC3F7}" type="slidenum">
+              <a:rPr lang="en-US" smtClean="0"/>
+              <a:t>‹#›</a:t>
+            </a:fld>
+            <a:endParaRPr lang="en-US"/>
+          </a:p>
+        </p:txBody>
+      </p:sp>
+    </p:spTree>
+    <p:extLst>
+      <p:ext uri="{BB962C8B-B14F-4D97-AF65-F5344CB8AC3E}">
+        <p14:creationId xmlns:p14="http://schemas.microsoft.com/office/powerpoint/2010/main" val="790454555"/>
+      </p:ext>
+    </p:extLst>
+  </p:cSld>
+  <p:clrMapOvr>
+    <a:masterClrMapping/>
+  </p:clrMapOvr>
+</p:sldLayout>
+</file>
+
+<file path=ppt/slideLayouts/slideLayout47.xml><?xml version="1.0" encoding="utf-8"?>
+<p:sldLayout xmlns:a="http://schemas.openxmlformats.org/drawingml/2006/main" xmlns:r="http://schemas.openxmlformats.org/officeDocument/2006/relationships" xmlns:p="http://schemas.openxmlformats.org/presentationml/2006/main" type="secHead" preserve="1">
+  <p:cSld name="Section Header">
+    <p:spTree>
+      <p:nvGrpSpPr>
+        <p:cNvPr id="1" name=""/>
+        <p:cNvGrpSpPr/>
+        <p:nvPr/>
+      </p:nvGrpSpPr>
+      <p:grpSpPr>
+        <a:xfrm>
+          <a:off x="0" y="0"/>
+          <a:ext cx="0" cy="0"/>
+          <a:chOff x="0" y="0"/>
+          <a:chExt cx="0" cy="0"/>
+        </a:xfrm>
+      </p:grpSpPr>
+      <p:sp>
+        <p:nvSpPr>
+          <p:cNvPr id="2" name="Title 1"/>
+          <p:cNvSpPr>
+            <a:spLocks noGrp="1"/>
+          </p:cNvSpPr>
+          <p:nvPr>
+            <p:ph type="title"/>
+          </p:nvPr>
+        </p:nvSpPr>
+        <p:spPr>
+          <a:xfrm>
+            <a:off x="1106424" y="1173575"/>
+            <a:ext cx="9966960" cy="2926080"/>
+          </a:xfrm>
+        </p:spPr>
+        <p:txBody>
+          <a:bodyPr anchor="b">
+            <a:noAutofit/>
+          </a:bodyPr>
+          <a:lstStyle>
+            <a:lvl1pPr algn="ctr">
+              <a:lnSpc>
+                <a:spcPct val="85000"/>
+              </a:lnSpc>
+              <a:defRPr sz="7200" b="0" cap="all" baseline="0"/>
+            </a:lvl1pPr>
+          </a:lstStyle>
+          <a:p>
+            <a:r>
+              <a:rPr lang="en-US" smtClean="0"/>
+              <a:t>Click to edit Master title style</a:t>
+            </a:r>
+            <a:endParaRPr lang="en-US" dirty="0"/>
+          </a:p>
+        </p:txBody>
+      </p:sp>
+      <p:sp>
+        <p:nvSpPr>
+          <p:cNvPr id="3" name="Text Placeholder 2"/>
+          <p:cNvSpPr>
+            <a:spLocks noGrp="1"/>
+          </p:cNvSpPr>
+          <p:nvPr>
+            <p:ph type="body" idx="1"/>
+          </p:nvPr>
+        </p:nvSpPr>
+        <p:spPr>
+          <a:xfrm>
+            <a:off x="1709928" y="4154520"/>
+            <a:ext cx="8769096" cy="1363806"/>
+          </a:xfrm>
+        </p:spPr>
+        <p:txBody>
+          <a:bodyPr anchor="t">
+            <a:normAutofit/>
+          </a:bodyPr>
+          <a:lstStyle>
+            <a:lvl1pPr marL="0" indent="0" algn="ctr">
+              <a:buNone/>
+              <a:defRPr sz="2200">
+                <a:solidFill>
+                  <a:schemeClr val="accent1"/>
+                </a:solidFill>
+              </a:defRPr>
+            </a:lvl1pPr>
+            <a:lvl2pPr marL="457200" indent="0">
+              <a:buNone/>
+              <a:defRPr sz="1800">
+                <a:solidFill>
+                  <a:schemeClr val="tx1">
+                    <a:tint val="75000"/>
+                  </a:schemeClr>
+                </a:solidFill>
+              </a:defRPr>
+            </a:lvl2pPr>
+            <a:lvl3pPr marL="914400" indent="0">
+              <a:buNone/>
+              <a:defRPr sz="1600">
+                <a:solidFill>
+                  <a:schemeClr val="tx1">
+                    <a:tint val="75000"/>
+                  </a:schemeClr>
+                </a:solidFill>
+              </a:defRPr>
+            </a:lvl3pPr>
+            <a:lvl4pPr marL="1371600" indent="0">
+              <a:buNone/>
+              <a:defRPr sz="1400">
+                <a:solidFill>
+                  <a:schemeClr val="tx1">
+                    <a:tint val="75000"/>
+                  </a:schemeClr>
+                </a:solidFill>
+              </a:defRPr>
+            </a:lvl4pPr>
+            <a:lvl5pPr marL="1828800" indent="0">
+              <a:buNone/>
+              <a:defRPr sz="1400">
+                <a:solidFill>
+                  <a:schemeClr val="tx1">
+                    <a:tint val="75000"/>
+                  </a:schemeClr>
+                </a:solidFill>
+              </a:defRPr>
+            </a:lvl5pPr>
+            <a:lvl6pPr marL="2286000" indent="0">
+              <a:buNone/>
+              <a:defRPr sz="1400">
+                <a:solidFill>
+                  <a:schemeClr val="tx1">
+                    <a:tint val="75000"/>
+                  </a:schemeClr>
+                </a:solidFill>
+              </a:defRPr>
+            </a:lvl6pPr>
+            <a:lvl7pPr marL="2743200" indent="0">
+              <a:buNone/>
+              <a:defRPr sz="1400">
+                <a:solidFill>
+                  <a:schemeClr val="tx1">
+                    <a:tint val="75000"/>
+                  </a:schemeClr>
+                </a:solidFill>
+              </a:defRPr>
+            </a:lvl7pPr>
+            <a:lvl8pPr marL="3200400" indent="0">
+              <a:buNone/>
+              <a:defRPr sz="1400">
+                <a:solidFill>
+                  <a:schemeClr val="tx1">
+                    <a:tint val="75000"/>
+                  </a:schemeClr>
+                </a:solidFill>
+              </a:defRPr>
+            </a:lvl8pPr>
+            <a:lvl9pPr marL="3657600" indent="0">
+              <a:buNone/>
+              <a:defRPr sz="1400">
+                <a:solidFill>
+                  <a:schemeClr val="tx1">
+                    <a:tint val="75000"/>
+                  </a:schemeClr>
+                </a:solidFill>
+              </a:defRPr>
+            </a:lvl9pPr>
+          </a:lstStyle>
+          <a:p>
+            <a:pPr lvl="0"/>
+            <a:r>
+              <a:rPr lang="en-US" smtClean="0"/>
+              <a:t>Click to edit Master text styles</a:t>
+            </a:r>
+          </a:p>
+        </p:txBody>
+      </p:sp>
+      <p:sp>
+        <p:nvSpPr>
+          <p:cNvPr id="4" name="Date Placeholder 3"/>
+          <p:cNvSpPr>
+            <a:spLocks noGrp="1"/>
+          </p:cNvSpPr>
+          <p:nvPr>
+            <p:ph type="dt" sz="half" idx="10"/>
+          </p:nvPr>
+        </p:nvSpPr>
+        <p:spPr/>
+        <p:txBody>
+          <a:bodyPr/>
+          <a:lstStyle/>
+          <a:p>
+            <a:fld id="{BF8696C7-E952-45D4-832F-98B384FD62F5}" type="datetimeFigureOut">
+              <a:rPr lang="en-US" smtClean="0"/>
+              <a:t>9/20/2014</a:t>
+            </a:fld>
+            <a:endParaRPr lang="en-US"/>
+          </a:p>
+        </p:txBody>
+      </p:sp>
+      <p:sp>
+        <p:nvSpPr>
+          <p:cNvPr id="5" name="Footer Placeholder 4"/>
+          <p:cNvSpPr>
+            <a:spLocks noGrp="1"/>
+          </p:cNvSpPr>
+          <p:nvPr>
+            <p:ph type="ftr" sz="quarter" idx="11"/>
+          </p:nvPr>
+        </p:nvSpPr>
+        <p:spPr/>
+        <p:txBody>
+          <a:bodyPr/>
+          <a:lstStyle/>
+          <a:p>
+            <a:endParaRPr lang="en-US"/>
+          </a:p>
+        </p:txBody>
+      </p:sp>
+      <p:sp>
+        <p:nvSpPr>
+          <p:cNvPr id="6" name="Slide Number Placeholder 5"/>
+          <p:cNvSpPr>
+            <a:spLocks noGrp="1"/>
+          </p:cNvSpPr>
+          <p:nvPr>
+            <p:ph type="sldNum" sz="quarter" idx="12"/>
+          </p:nvPr>
+        </p:nvSpPr>
+        <p:spPr/>
+        <p:txBody>
+          <a:bodyPr/>
+          <a:lstStyle/>
+          <a:p>
+            <a:fld id="{EDF2E87F-37A5-41A1-B4A0-669ACBBAC3F7}" type="slidenum">
+              <a:rPr lang="en-US" smtClean="0"/>
+              <a:t>‹#›</a:t>
+            </a:fld>
+            <a:endParaRPr lang="en-US"/>
+          </a:p>
+        </p:txBody>
+      </p:sp>
+      <p:cxnSp>
+        <p:nvCxnSpPr>
+          <p:cNvPr id="7" name="Straight Connector 6"/>
+          <p:cNvCxnSpPr/>
+          <p:nvPr/>
+        </p:nvCxnSpPr>
+        <p:spPr>
+          <a:xfrm>
+            <a:off x="1981200" y="4020408"/>
+            <a:ext cx="8229601" cy="0"/>
+          </a:xfrm>
+          <a:prstGeom prst="line">
+            <a:avLst/>
+          </a:prstGeom>
+          <a:ln>
+            <a:solidFill>
+              <a:schemeClr val="accent1"/>
+            </a:solidFill>
+          </a:ln>
+        </p:spPr>
+        <p:style>
+          <a:lnRef idx="1">
+            <a:schemeClr val="accent1"/>
+          </a:lnRef>
+          <a:fillRef idx="0">
+            <a:schemeClr val="accent1"/>
+          </a:fillRef>
+          <a:effectRef idx="0">
+            <a:schemeClr val="accent1"/>
+          </a:effectRef>
+          <a:fontRef idx="minor">
+            <a:schemeClr val="tx1"/>
+          </a:fontRef>
+        </p:style>
+      </p:cxnSp>
+    </p:spTree>
+    <p:extLst>
+      <p:ext uri="{BB962C8B-B14F-4D97-AF65-F5344CB8AC3E}">
+        <p14:creationId xmlns:p14="http://schemas.microsoft.com/office/powerpoint/2010/main" val="1241151332"/>
+      </p:ext>
+    </p:extLst>
+  </p:cSld>
+  <p:clrMapOvr>
+    <a:masterClrMapping/>
+  </p:clrMapOvr>
+</p:sldLayout>
+</file>
+
+<file path=ppt/slideLayouts/slideLayout48.xml><?xml version="1.0" encoding="utf-8"?>
+<p:sldLayout xmlns:a="http://schemas.openxmlformats.org/drawingml/2006/main" xmlns:r="http://schemas.openxmlformats.org/officeDocument/2006/relationships" xmlns:p="http://schemas.openxmlformats.org/presentationml/2006/main" type="twoObj" preserve="1">
+  <p:cSld name="Two Content">
+    <p:spTree>
+      <p:nvGrpSpPr>
+        <p:cNvPr id="1" name=""/>
+        <p:cNvGrpSpPr/>
+        <p:nvPr/>
+      </p:nvGrpSpPr>
+      <p:grpSpPr>
+        <a:xfrm>
+          <a:off x="0" y="0"/>
+          <a:ext cx="0" cy="0"/>
+          <a:chOff x="0" y="0"/>
+          <a:chExt cx="0" cy="0"/>
+        </a:xfrm>
+      </p:grpSpPr>
+      <p:sp>
+        <p:nvSpPr>
+          <p:cNvPr id="8" name="Title 7"/>
+          <p:cNvSpPr>
+            <a:spLocks noGrp="1"/>
+          </p:cNvSpPr>
+          <p:nvPr>
+            <p:ph type="title"/>
+          </p:nvPr>
+        </p:nvSpPr>
+        <p:spPr/>
+        <p:txBody>
+          <a:bodyPr/>
+          <a:lstStyle/>
+          <a:p>
+            <a:r>
+              <a:rPr lang="en-US" smtClean="0"/>
+              <a:t>Click to edit Master title style</a:t>
+            </a:r>
+            <a:endParaRPr lang="en-US" dirty="0"/>
+          </a:p>
+        </p:txBody>
+      </p:sp>
+      <p:sp>
+        <p:nvSpPr>
+          <p:cNvPr id="3" name="Content Placeholder 2"/>
+          <p:cNvSpPr>
+            <a:spLocks noGrp="1"/>
+          </p:cNvSpPr>
+          <p:nvPr>
+            <p:ph sz="half" idx="1"/>
+          </p:nvPr>
+        </p:nvSpPr>
+        <p:spPr>
+          <a:xfrm>
+            <a:off x="1143000" y="2057399"/>
+            <a:ext cx="4754880" cy="4023360"/>
+          </a:xfrm>
+        </p:spPr>
+        <p:txBody>
+          <a:bodyPr/>
+          <a:lstStyle>
+            <a:lvl1pPr>
+              <a:defRPr sz="2200"/>
+            </a:lvl1pPr>
+            <a:lvl2pPr>
+              <a:defRPr sz="2000"/>
+            </a:lvl2pPr>
+            <a:lvl3pPr>
+              <a:defRPr sz="1800"/>
+            </a:lvl3pPr>
+            <a:lvl4pPr>
+              <a:defRPr sz="1600"/>
+            </a:lvl4pPr>
+            <a:lvl5pPr>
+              <a:defRPr sz="1600"/>
+            </a:lvl5pPr>
+            <a:lvl6pPr>
+              <a:defRPr sz="1600"/>
+            </a:lvl6pPr>
+            <a:lvl7pPr>
+              <a:defRPr sz="1600"/>
+            </a:lvl7pPr>
+            <a:lvl8pPr>
+              <a:defRPr sz="1600"/>
+            </a:lvl8pPr>
+            <a:lvl9pPr>
+              <a:defRPr sz="1600"/>
+            </a:lvl9pPr>
+          </a:lstStyle>
+          <a:p>
+            <a:pPr lvl="0"/>
+            <a:r>
+              <a:rPr lang="en-US" smtClean="0"/>
+              <a:t>Click to edit Master text styles</a:t>
+            </a:r>
+          </a:p>
+          <a:p>
+            <a:pPr lvl="1"/>
+            <a:r>
+              <a:rPr lang="en-US" smtClean="0"/>
+              <a:t>Second level</a:t>
+            </a:r>
+          </a:p>
+          <a:p>
+            <a:pPr lvl="2"/>
+            <a:r>
+              <a:rPr lang="en-US" smtClean="0"/>
+              <a:t>Third level</a:t>
+            </a:r>
+          </a:p>
+          <a:p>
+            <a:pPr lvl="3"/>
+            <a:r>
+              <a:rPr lang="en-US" smtClean="0"/>
+              <a:t>Fourth level</a:t>
+            </a:r>
+          </a:p>
+          <a:p>
+            <a:pPr lvl="4"/>
+            <a:r>
+              <a:rPr lang="en-US" smtClean="0"/>
+              <a:t>Fifth level</a:t>
+            </a:r>
+            <a:endParaRPr lang="en-US" dirty="0"/>
+          </a:p>
+        </p:txBody>
+      </p:sp>
+      <p:sp>
+        <p:nvSpPr>
+          <p:cNvPr id="4" name="Content Placeholder 3"/>
+          <p:cNvSpPr>
+            <a:spLocks noGrp="1"/>
+          </p:cNvSpPr>
+          <p:nvPr>
+            <p:ph sz="half" idx="2"/>
+          </p:nvPr>
+        </p:nvSpPr>
+        <p:spPr>
+          <a:xfrm>
+            <a:off x="6267612" y="2057400"/>
+            <a:ext cx="4754880" cy="4023360"/>
+          </a:xfrm>
+        </p:spPr>
+        <p:txBody>
+          <a:bodyPr/>
+          <a:lstStyle>
+            <a:lvl1pPr>
+              <a:defRPr sz="2200"/>
+            </a:lvl1pPr>
+            <a:lvl2pPr>
+              <a:defRPr sz="2000"/>
+            </a:lvl2pPr>
+            <a:lvl3pPr>
+              <a:defRPr sz="1800"/>
+            </a:lvl3pPr>
+            <a:lvl4pPr>
+              <a:defRPr sz="1600"/>
+            </a:lvl4pPr>
+            <a:lvl5pPr>
+              <a:defRPr sz="1600"/>
+            </a:lvl5pPr>
+            <a:lvl6pPr>
+              <a:defRPr sz="1600"/>
+            </a:lvl6pPr>
+            <a:lvl7pPr>
+              <a:defRPr sz="1600"/>
+            </a:lvl7pPr>
+            <a:lvl8pPr>
+              <a:defRPr sz="1600"/>
+            </a:lvl8pPr>
+            <a:lvl9pPr>
+              <a:defRPr sz="1600"/>
+            </a:lvl9pPr>
+          </a:lstStyle>
+          <a:p>
+            <a:pPr lvl="0"/>
+            <a:r>
+              <a:rPr lang="en-US" smtClean="0"/>
+              <a:t>Click to edit Master text styles</a:t>
+            </a:r>
+          </a:p>
+          <a:p>
+            <a:pPr lvl="1"/>
+            <a:r>
+              <a:rPr lang="en-US" smtClean="0"/>
+              <a:t>Second level</a:t>
+            </a:r>
+          </a:p>
+          <a:p>
+            <a:pPr lvl="2"/>
+            <a:r>
+              <a:rPr lang="en-US" smtClean="0"/>
+              <a:t>Third level</a:t>
+            </a:r>
+          </a:p>
+          <a:p>
+            <a:pPr lvl="3"/>
+            <a:r>
+              <a:rPr lang="en-US" smtClean="0"/>
+              <a:t>Fourth level</a:t>
+            </a:r>
+          </a:p>
+          <a:p>
+            <a:pPr lvl="4"/>
+            <a:r>
+              <a:rPr lang="en-US" smtClean="0"/>
+              <a:t>Fifth level</a:t>
+            </a:r>
+            <a:endParaRPr lang="en-US" dirty="0"/>
+          </a:p>
+        </p:txBody>
+      </p:sp>
+      <p:sp>
+        <p:nvSpPr>
+          <p:cNvPr id="5" name="Date Placeholder 4"/>
+          <p:cNvSpPr>
+            <a:spLocks noGrp="1"/>
+          </p:cNvSpPr>
+          <p:nvPr>
+            <p:ph type="dt" sz="half" idx="10"/>
+          </p:nvPr>
+        </p:nvSpPr>
+        <p:spPr/>
+        <p:txBody>
+          <a:bodyPr/>
+          <a:lstStyle/>
+          <a:p>
+            <a:fld id="{BF8696C7-E952-45D4-832F-98B384FD62F5}" type="datetimeFigureOut">
+              <a:rPr lang="en-US" smtClean="0"/>
+              <a:t>9/20/2014</a:t>
+            </a:fld>
+            <a:endParaRPr lang="en-US"/>
+          </a:p>
+        </p:txBody>
+      </p:sp>
+      <p:sp>
+        <p:nvSpPr>
+          <p:cNvPr id="6" name="Footer Placeholder 5"/>
+          <p:cNvSpPr>
+            <a:spLocks noGrp="1"/>
+          </p:cNvSpPr>
+          <p:nvPr>
+            <p:ph type="ftr" sz="quarter" idx="11"/>
+          </p:nvPr>
+        </p:nvSpPr>
+        <p:spPr/>
+        <p:txBody>
+          <a:bodyPr/>
+          <a:lstStyle/>
+          <a:p>
+            <a:endParaRPr lang="en-US"/>
+          </a:p>
+        </p:txBody>
+      </p:sp>
+      <p:sp>
+        <p:nvSpPr>
+          <p:cNvPr id="7" name="Slide Number Placeholder 6"/>
+          <p:cNvSpPr>
+            <a:spLocks noGrp="1"/>
+          </p:cNvSpPr>
+          <p:nvPr>
+            <p:ph type="sldNum" sz="quarter" idx="12"/>
+          </p:nvPr>
+        </p:nvSpPr>
+        <p:spPr/>
+        <p:txBody>
+          <a:bodyPr/>
+          <a:lstStyle/>
+          <a:p>
+            <a:fld id="{EDF2E87F-37A5-41A1-B4A0-669ACBBAC3F7}" type="slidenum">
+              <a:rPr lang="en-US" smtClean="0"/>
+              <a:t>‹#›</a:t>
+            </a:fld>
+            <a:endParaRPr lang="en-US"/>
+          </a:p>
+        </p:txBody>
+      </p:sp>
+    </p:spTree>
+    <p:extLst>
+      <p:ext uri="{BB962C8B-B14F-4D97-AF65-F5344CB8AC3E}">
+        <p14:creationId xmlns:p14="http://schemas.microsoft.com/office/powerpoint/2010/main" val="263651922"/>
+      </p:ext>
+    </p:extLst>
+  </p:cSld>
+  <p:clrMapOvr>
+    <a:masterClrMapping/>
+  </p:clrMapOvr>
+</p:sldLayout>
+</file>
+
+<file path=ppt/slideLayouts/slideLayout49.xml><?xml version="1.0" encoding="utf-8"?>
+<p:sldLayout xmlns:a="http://schemas.openxmlformats.org/drawingml/2006/main" xmlns:r="http://schemas.openxmlformats.org/officeDocument/2006/relationships" xmlns:p="http://schemas.openxmlformats.org/presentationml/2006/main" type="twoTxTwoObj" preserve="1">
+  <p:cSld name="Comparison">
+    <p:spTree>
+      <p:nvGrpSpPr>
+        <p:cNvPr id="1" name=""/>
+        <p:cNvGrpSpPr/>
+        <p:nvPr/>
+      </p:nvGrpSpPr>
+      <p:grpSpPr>
+        <a:xfrm>
+          <a:off x="0" y="0"/>
+          <a:ext cx="0" cy="0"/>
+          <a:chOff x="0" y="0"/>
+          <a:chExt cx="0" cy="0"/>
+        </a:xfrm>
+      </p:grpSpPr>
+      <p:sp>
+        <p:nvSpPr>
+          <p:cNvPr id="10" name="Title 9"/>
+          <p:cNvSpPr>
+            <a:spLocks noGrp="1"/>
+          </p:cNvSpPr>
+          <p:nvPr>
+            <p:ph type="title"/>
+          </p:nvPr>
+        </p:nvSpPr>
+        <p:spPr/>
+        <p:txBody>
+          <a:bodyPr/>
+          <a:lstStyle/>
+          <a:p>
+            <a:r>
+              <a:rPr lang="en-US" smtClean="0"/>
+              <a:t>Click to edit Master title style</a:t>
+            </a:r>
+            <a:endParaRPr lang="en-US" dirty="0"/>
+          </a:p>
+        </p:txBody>
+      </p:sp>
+      <p:sp>
+        <p:nvSpPr>
+          <p:cNvPr id="3" name="Text Placeholder 2"/>
+          <p:cNvSpPr>
+            <a:spLocks noGrp="1"/>
+          </p:cNvSpPr>
+          <p:nvPr>
+            <p:ph type="body" idx="1"/>
+          </p:nvPr>
+        </p:nvSpPr>
+        <p:spPr>
+          <a:xfrm>
+            <a:off x="1143000" y="2001511"/>
+            <a:ext cx="4754880" cy="777240"/>
+          </a:xfrm>
+        </p:spPr>
+        <p:txBody>
+          <a:bodyPr anchor="ctr"/>
+          <a:lstStyle>
+            <a:lvl1pPr marL="0" indent="0">
+              <a:spcBef>
+                <a:spcPts val="0"/>
+              </a:spcBef>
+              <a:buNone/>
+              <a:defRPr sz="2400" b="1"/>
+            </a:lvl1pPr>
+            <a:lvl2pPr marL="457200" indent="0">
+              <a:buNone/>
+              <a:defRPr sz="2000" b="1"/>
+            </a:lvl2pPr>
+            <a:lvl3pPr marL="914400" indent="0">
+              <a:buNone/>
+              <a:defRPr sz="1800" b="1"/>
+            </a:lvl3pPr>
+            <a:lvl4pPr marL="1371600" indent="0">
+              <a:buNone/>
+              <a:defRPr sz="1600" b="1"/>
+            </a:lvl4pPr>
+            <a:lvl5pPr marL="1828800" indent="0">
+              <a:buNone/>
+              <a:defRPr sz="1600" b="1"/>
+            </a:lvl5pPr>
+            <a:lvl6pPr marL="2286000" indent="0">
+              <a:buNone/>
+              <a:defRPr sz="1600" b="1"/>
+            </a:lvl6pPr>
+            <a:lvl7pPr marL="2743200" indent="0">
+              <a:buNone/>
+              <a:defRPr sz="1600" b="1"/>
+            </a:lvl7pPr>
+            <a:lvl8pPr marL="3200400" indent="0">
+              <a:buNone/>
+              <a:defRPr sz="1600" b="1"/>
+            </a:lvl8pPr>
+            <a:lvl9pPr marL="3657600" indent="0">
+              <a:buNone/>
+              <a:defRPr sz="1600" b="1"/>
+            </a:lvl9pPr>
+          </a:lstStyle>
+          <a:p>
+            <a:pPr lvl="0"/>
+            <a:r>
+              <a:rPr lang="en-US" smtClean="0"/>
+              <a:t>Click to edit Master text styles</a:t>
+            </a:r>
+          </a:p>
+        </p:txBody>
+      </p:sp>
+      <p:sp>
+        <p:nvSpPr>
+          <p:cNvPr id="4" name="Content Placeholder 3"/>
+          <p:cNvSpPr>
+            <a:spLocks noGrp="1"/>
+          </p:cNvSpPr>
+          <p:nvPr>
+            <p:ph sz="half" idx="2"/>
+          </p:nvPr>
+        </p:nvSpPr>
+        <p:spPr>
+          <a:xfrm>
+            <a:off x="1143000" y="2721483"/>
+            <a:ext cx="4754880" cy="3383280"/>
+          </a:xfrm>
+        </p:spPr>
+        <p:txBody>
+          <a:bodyPr/>
+          <a:lstStyle>
+            <a:lvl1pPr>
+              <a:defRPr sz="2200"/>
+            </a:lvl1pPr>
+            <a:lvl2pPr>
+              <a:defRPr sz="2000"/>
+            </a:lvl2pPr>
+            <a:lvl3pPr>
+              <a:defRPr sz="1800"/>
+            </a:lvl3pPr>
+            <a:lvl4pPr>
+              <a:defRPr sz="1600"/>
+            </a:lvl4pPr>
+            <a:lvl5pPr>
+              <a:defRPr sz="1600"/>
+            </a:lvl5pPr>
+            <a:lvl6pPr>
+              <a:defRPr sz="1600"/>
+            </a:lvl6pPr>
+            <a:lvl7pPr>
+              <a:defRPr sz="1600"/>
+            </a:lvl7pPr>
+            <a:lvl8pPr>
+              <a:defRPr sz="1600"/>
+            </a:lvl8pPr>
+            <a:lvl9pPr>
+              <a:defRPr sz="1600"/>
+            </a:lvl9pPr>
+          </a:lstStyle>
+          <a:p>
+            <a:pPr lvl="0"/>
+            <a:r>
+              <a:rPr lang="en-US" smtClean="0"/>
+              <a:t>Click to edit Master text styles</a:t>
+            </a:r>
+          </a:p>
+          <a:p>
+            <a:pPr lvl="1"/>
+            <a:r>
+              <a:rPr lang="en-US" smtClean="0"/>
+              <a:t>Second level</a:t>
+            </a:r>
+          </a:p>
+          <a:p>
+            <a:pPr lvl="2"/>
+            <a:r>
+              <a:rPr lang="en-US" smtClean="0"/>
+              <a:t>Third level</a:t>
+            </a:r>
+          </a:p>
+          <a:p>
+            <a:pPr lvl="3"/>
+            <a:r>
+              <a:rPr lang="en-US" smtClean="0"/>
+              <a:t>Fourth level</a:t>
+            </a:r>
+          </a:p>
+          <a:p>
+            <a:pPr lvl="4"/>
+            <a:r>
+              <a:rPr lang="en-US" smtClean="0"/>
+              <a:t>Fifth level</a:t>
+            </a:r>
+            <a:endParaRPr lang="en-US" dirty="0"/>
+          </a:p>
+        </p:txBody>
+      </p:sp>
+      <p:sp>
+        <p:nvSpPr>
+          <p:cNvPr id="5" name="Text Placeholder 4"/>
+          <p:cNvSpPr>
+            <a:spLocks noGrp="1"/>
+          </p:cNvSpPr>
+          <p:nvPr>
+            <p:ph type="body" sz="quarter" idx="3"/>
+          </p:nvPr>
+        </p:nvSpPr>
+        <p:spPr>
+          <a:xfrm>
+            <a:off x="6269173" y="1999032"/>
+            <a:ext cx="4754880" cy="777240"/>
+          </a:xfrm>
+        </p:spPr>
+        <p:txBody>
+          <a:bodyPr anchor="ctr"/>
+          <a:lstStyle>
+            <a:lvl1pPr marL="0" indent="0">
+              <a:spcBef>
+                <a:spcPts val="0"/>
+              </a:spcBef>
+              <a:buNone/>
+              <a:defRPr sz="2400" b="1"/>
+            </a:lvl1pPr>
+            <a:lvl2pPr marL="457200" indent="0">
+              <a:buNone/>
+              <a:defRPr sz="2000" b="1"/>
+            </a:lvl2pPr>
+            <a:lvl3pPr marL="914400" indent="0">
+              <a:buNone/>
+              <a:defRPr sz="1800" b="1"/>
+            </a:lvl3pPr>
+            <a:lvl4pPr marL="1371600" indent="0">
+              <a:buNone/>
+              <a:defRPr sz="1600" b="1"/>
+            </a:lvl4pPr>
+            <a:lvl5pPr marL="1828800" indent="0">
+              <a:buNone/>
+              <a:defRPr sz="1600" b="1"/>
+            </a:lvl5pPr>
+            <a:lvl6pPr marL="2286000" indent="0">
+              <a:buNone/>
+              <a:defRPr sz="1600" b="1"/>
+            </a:lvl6pPr>
+            <a:lvl7pPr marL="2743200" indent="0">
+              <a:buNone/>
+              <a:defRPr sz="1600" b="1"/>
+            </a:lvl7pPr>
+            <a:lvl8pPr marL="3200400" indent="0">
+              <a:buNone/>
+              <a:defRPr sz="1600" b="1"/>
+            </a:lvl8pPr>
+            <a:lvl9pPr marL="3657600" indent="0">
+              <a:buNone/>
+              <a:defRPr sz="1600" b="1"/>
+            </a:lvl9pPr>
+          </a:lstStyle>
+          <a:p>
+            <a:pPr lvl="0"/>
+            <a:r>
+              <a:rPr lang="en-US" smtClean="0"/>
+              <a:t>Click to edit Master text styles</a:t>
+            </a:r>
+          </a:p>
+        </p:txBody>
+      </p:sp>
+      <p:sp>
+        <p:nvSpPr>
+          <p:cNvPr id="6" name="Content Placeholder 5"/>
+          <p:cNvSpPr>
+            <a:spLocks noGrp="1"/>
+          </p:cNvSpPr>
+          <p:nvPr>
+            <p:ph sz="quarter" idx="4"/>
+          </p:nvPr>
+        </p:nvSpPr>
+        <p:spPr>
+          <a:xfrm>
+            <a:off x="6269173" y="2719322"/>
+            <a:ext cx="4754880" cy="3383280"/>
+          </a:xfrm>
+        </p:spPr>
+        <p:txBody>
+          <a:bodyPr/>
+          <a:lstStyle>
+            <a:lvl1pPr>
+              <a:defRPr sz="2200"/>
+            </a:lvl1pPr>
+            <a:lvl2pPr>
+              <a:defRPr sz="2000"/>
+            </a:lvl2pPr>
+            <a:lvl3pPr>
+              <a:defRPr sz="1800"/>
+            </a:lvl3pPr>
+            <a:lvl4pPr>
+              <a:defRPr sz="1600"/>
+            </a:lvl4pPr>
+            <a:lvl5pPr>
+              <a:defRPr sz="1600"/>
+            </a:lvl5pPr>
+            <a:lvl6pPr>
+              <a:defRPr sz="1600"/>
+            </a:lvl6pPr>
+            <a:lvl7pPr>
+              <a:defRPr sz="1600"/>
+            </a:lvl7pPr>
+            <a:lvl8pPr>
+              <a:defRPr sz="1600"/>
+            </a:lvl8pPr>
+            <a:lvl9pPr>
+              <a:defRPr sz="1600"/>
+            </a:lvl9pPr>
+          </a:lstStyle>
+          <a:p>
+            <a:pPr lvl="0"/>
+            <a:r>
+              <a:rPr lang="en-US" smtClean="0"/>
+              <a:t>Click to edit Master text styles</a:t>
+            </a:r>
+          </a:p>
+          <a:p>
+            <a:pPr lvl="1"/>
+            <a:r>
+              <a:rPr lang="en-US" smtClean="0"/>
+              <a:t>Second level</a:t>
+            </a:r>
+          </a:p>
+          <a:p>
+            <a:pPr lvl="2"/>
+            <a:r>
+              <a:rPr lang="en-US" smtClean="0"/>
+              <a:t>Third level</a:t>
+            </a:r>
+          </a:p>
+          <a:p>
+            <a:pPr lvl="3"/>
+            <a:r>
+              <a:rPr lang="en-US" smtClean="0"/>
+              <a:t>Fourth level</a:t>
+            </a:r>
+          </a:p>
+          <a:p>
+            <a:pPr lvl="4"/>
+            <a:r>
+              <a:rPr lang="en-US" smtClean="0"/>
+              <a:t>Fifth level</a:t>
+            </a:r>
+            <a:endParaRPr lang="en-US" dirty="0"/>
+          </a:p>
+        </p:txBody>
+      </p:sp>
+      <p:sp>
+        <p:nvSpPr>
+          <p:cNvPr id="7" name="Date Placeholder 6"/>
+          <p:cNvSpPr>
+            <a:spLocks noGrp="1"/>
+          </p:cNvSpPr>
+          <p:nvPr>
+            <p:ph type="dt" sz="half" idx="10"/>
+          </p:nvPr>
+        </p:nvSpPr>
+        <p:spPr/>
+        <p:txBody>
+          <a:bodyPr/>
+          <a:lstStyle/>
+          <a:p>
+            <a:fld id="{BF8696C7-E952-45D4-832F-98B384FD62F5}" type="datetimeFigureOut">
+              <a:rPr lang="en-US" smtClean="0"/>
+              <a:t>9/20/2014</a:t>
+            </a:fld>
+            <a:endParaRPr lang="en-US"/>
+          </a:p>
+        </p:txBody>
+      </p:sp>
+      <p:sp>
+        <p:nvSpPr>
+          <p:cNvPr id="8" name="Footer Placeholder 7"/>
+          <p:cNvSpPr>
+            <a:spLocks noGrp="1"/>
+          </p:cNvSpPr>
+          <p:nvPr>
+            <p:ph type="ftr" sz="quarter" idx="11"/>
+          </p:nvPr>
+        </p:nvSpPr>
+        <p:spPr/>
+        <p:txBody>
+          <a:bodyPr/>
+          <a:lstStyle/>
+          <a:p>
+            <a:endParaRPr lang="en-US"/>
+          </a:p>
+        </p:txBody>
+      </p:sp>
+      <p:sp>
+        <p:nvSpPr>
+          <p:cNvPr id="9" name="Slide Number Placeholder 8"/>
+          <p:cNvSpPr>
+            <a:spLocks noGrp="1"/>
+          </p:cNvSpPr>
+          <p:nvPr>
+            <p:ph type="sldNum" sz="quarter" idx="12"/>
+          </p:nvPr>
+        </p:nvSpPr>
+        <p:spPr/>
+        <p:txBody>
+          <a:bodyPr/>
+          <a:lstStyle/>
+          <a:p>
+            <a:fld id="{EDF2E87F-37A5-41A1-B4A0-669ACBBAC3F7}" type="slidenum">
+              <a:rPr lang="en-US" smtClean="0"/>
+              <a:t>‹#›</a:t>
+            </a:fld>
+            <a:endParaRPr lang="en-US"/>
+          </a:p>
+        </p:txBody>
+      </p:sp>
+    </p:spTree>
+    <p:extLst>
+      <p:ext uri="{BB962C8B-B14F-4D97-AF65-F5344CB8AC3E}">
+        <p14:creationId xmlns:p14="http://schemas.microsoft.com/office/powerpoint/2010/main" val="1342951994"/>
       </p:ext>
     </p:extLst>
   </p:cSld>
@@ -11863,7 +13340,7 @@
           <a:p>
             <a:fld id="{BF8696C7-E952-45D4-832F-98B384FD62F5}" type="datetimeFigureOut">
               <a:rPr lang="en-US" smtClean="0"/>
-              <a:t>9/13/2014</a:t>
+              <a:t>9/20/2014</a:t>
             </a:fld>
             <a:endParaRPr lang="en-US"/>
           </a:p>
@@ -12011,6 +13488,1131 @@
 </p:sldLayout>
 </file>
 
+<file path=ppt/slideLayouts/slideLayout50.xml><?xml version="1.0" encoding="utf-8"?>
+<p:sldLayout xmlns:a="http://schemas.openxmlformats.org/drawingml/2006/main" xmlns:r="http://schemas.openxmlformats.org/officeDocument/2006/relationships" xmlns:p="http://schemas.openxmlformats.org/presentationml/2006/main" type="titleOnly" preserve="1">
+  <p:cSld name="Title Only">
+    <p:spTree>
+      <p:nvGrpSpPr>
+        <p:cNvPr id="1" name=""/>
+        <p:cNvGrpSpPr/>
+        <p:nvPr/>
+      </p:nvGrpSpPr>
+      <p:grpSpPr>
+        <a:xfrm>
+          <a:off x="0" y="0"/>
+          <a:ext cx="0" cy="0"/>
+          <a:chOff x="0" y="0"/>
+          <a:chExt cx="0" cy="0"/>
+        </a:xfrm>
+      </p:grpSpPr>
+      <p:sp>
+        <p:nvSpPr>
+          <p:cNvPr id="2" name="Title 1"/>
+          <p:cNvSpPr>
+            <a:spLocks noGrp="1"/>
+          </p:cNvSpPr>
+          <p:nvPr>
+            <p:ph type="title"/>
+          </p:nvPr>
+        </p:nvSpPr>
+        <p:spPr/>
+        <p:txBody>
+          <a:bodyPr/>
+          <a:lstStyle/>
+          <a:p>
+            <a:r>
+              <a:rPr lang="en-US" smtClean="0"/>
+              <a:t>Click to edit Master title style</a:t>
+            </a:r>
+            <a:endParaRPr lang="en-US" dirty="0"/>
+          </a:p>
+        </p:txBody>
+      </p:sp>
+      <p:sp>
+        <p:nvSpPr>
+          <p:cNvPr id="3" name="Date Placeholder 2"/>
+          <p:cNvSpPr>
+            <a:spLocks noGrp="1"/>
+          </p:cNvSpPr>
+          <p:nvPr>
+            <p:ph type="dt" sz="half" idx="10"/>
+          </p:nvPr>
+        </p:nvSpPr>
+        <p:spPr/>
+        <p:txBody>
+          <a:bodyPr/>
+          <a:lstStyle/>
+          <a:p>
+            <a:fld id="{BF8696C7-E952-45D4-832F-98B384FD62F5}" type="datetimeFigureOut">
+              <a:rPr lang="en-US" smtClean="0"/>
+              <a:t>9/20/2014</a:t>
+            </a:fld>
+            <a:endParaRPr lang="en-US"/>
+          </a:p>
+        </p:txBody>
+      </p:sp>
+      <p:sp>
+        <p:nvSpPr>
+          <p:cNvPr id="4" name="Footer Placeholder 3"/>
+          <p:cNvSpPr>
+            <a:spLocks noGrp="1"/>
+          </p:cNvSpPr>
+          <p:nvPr>
+            <p:ph type="ftr" sz="quarter" idx="11"/>
+          </p:nvPr>
+        </p:nvSpPr>
+        <p:spPr/>
+        <p:txBody>
+          <a:bodyPr/>
+          <a:lstStyle/>
+          <a:p>
+            <a:endParaRPr lang="en-US"/>
+          </a:p>
+        </p:txBody>
+      </p:sp>
+      <p:sp>
+        <p:nvSpPr>
+          <p:cNvPr id="5" name="Slide Number Placeholder 4"/>
+          <p:cNvSpPr>
+            <a:spLocks noGrp="1"/>
+          </p:cNvSpPr>
+          <p:nvPr>
+            <p:ph type="sldNum" sz="quarter" idx="12"/>
+          </p:nvPr>
+        </p:nvSpPr>
+        <p:spPr/>
+        <p:txBody>
+          <a:bodyPr/>
+          <a:lstStyle/>
+          <a:p>
+            <a:fld id="{EDF2E87F-37A5-41A1-B4A0-669ACBBAC3F7}" type="slidenum">
+              <a:rPr lang="en-US" smtClean="0"/>
+              <a:t>‹#›</a:t>
+            </a:fld>
+            <a:endParaRPr lang="en-US"/>
+          </a:p>
+        </p:txBody>
+      </p:sp>
+    </p:spTree>
+    <p:extLst>
+      <p:ext uri="{BB962C8B-B14F-4D97-AF65-F5344CB8AC3E}">
+        <p14:creationId xmlns:p14="http://schemas.microsoft.com/office/powerpoint/2010/main" val="331561329"/>
+      </p:ext>
+    </p:extLst>
+  </p:cSld>
+  <p:clrMapOvr>
+    <a:masterClrMapping/>
+  </p:clrMapOvr>
+</p:sldLayout>
+</file>
+
+<file path=ppt/slideLayouts/slideLayout51.xml><?xml version="1.0" encoding="utf-8"?>
+<p:sldLayout xmlns:a="http://schemas.openxmlformats.org/drawingml/2006/main" xmlns:r="http://schemas.openxmlformats.org/officeDocument/2006/relationships" xmlns:p="http://schemas.openxmlformats.org/presentationml/2006/main" type="blank" preserve="1">
+  <p:cSld name="Blank">
+    <p:spTree>
+      <p:nvGrpSpPr>
+        <p:cNvPr id="1" name=""/>
+        <p:cNvGrpSpPr/>
+        <p:nvPr/>
+      </p:nvGrpSpPr>
+      <p:grpSpPr>
+        <a:xfrm>
+          <a:off x="0" y="0"/>
+          <a:ext cx="0" cy="0"/>
+          <a:chOff x="0" y="0"/>
+          <a:chExt cx="0" cy="0"/>
+        </a:xfrm>
+      </p:grpSpPr>
+      <p:sp>
+        <p:nvSpPr>
+          <p:cNvPr id="2" name="Date Placeholder 1"/>
+          <p:cNvSpPr>
+            <a:spLocks noGrp="1"/>
+          </p:cNvSpPr>
+          <p:nvPr>
+            <p:ph type="dt" sz="half" idx="10"/>
+          </p:nvPr>
+        </p:nvSpPr>
+        <p:spPr/>
+        <p:txBody>
+          <a:bodyPr/>
+          <a:lstStyle/>
+          <a:p>
+            <a:fld id="{BF8696C7-E952-45D4-832F-98B384FD62F5}" type="datetimeFigureOut">
+              <a:rPr lang="en-US" smtClean="0"/>
+              <a:t>9/20/2014</a:t>
+            </a:fld>
+            <a:endParaRPr lang="en-US"/>
+          </a:p>
+        </p:txBody>
+      </p:sp>
+      <p:sp>
+        <p:nvSpPr>
+          <p:cNvPr id="3" name="Footer Placeholder 2"/>
+          <p:cNvSpPr>
+            <a:spLocks noGrp="1"/>
+          </p:cNvSpPr>
+          <p:nvPr>
+            <p:ph type="ftr" sz="quarter" idx="11"/>
+          </p:nvPr>
+        </p:nvSpPr>
+        <p:spPr/>
+        <p:txBody>
+          <a:bodyPr/>
+          <a:lstStyle/>
+          <a:p>
+            <a:endParaRPr lang="en-US"/>
+          </a:p>
+        </p:txBody>
+      </p:sp>
+      <p:sp>
+        <p:nvSpPr>
+          <p:cNvPr id="4" name="Slide Number Placeholder 3"/>
+          <p:cNvSpPr>
+            <a:spLocks noGrp="1"/>
+          </p:cNvSpPr>
+          <p:nvPr>
+            <p:ph type="sldNum" sz="quarter" idx="12"/>
+          </p:nvPr>
+        </p:nvSpPr>
+        <p:spPr/>
+        <p:txBody>
+          <a:bodyPr/>
+          <a:lstStyle/>
+          <a:p>
+            <a:fld id="{EDF2E87F-37A5-41A1-B4A0-669ACBBAC3F7}" type="slidenum">
+              <a:rPr lang="en-US" smtClean="0"/>
+              <a:t>‹#›</a:t>
+            </a:fld>
+            <a:endParaRPr lang="en-US"/>
+          </a:p>
+        </p:txBody>
+      </p:sp>
+    </p:spTree>
+    <p:extLst>
+      <p:ext uri="{BB962C8B-B14F-4D97-AF65-F5344CB8AC3E}">
+        <p14:creationId xmlns:p14="http://schemas.microsoft.com/office/powerpoint/2010/main" val="3971479651"/>
+      </p:ext>
+    </p:extLst>
+  </p:cSld>
+  <p:clrMapOvr>
+    <a:masterClrMapping/>
+  </p:clrMapOvr>
+</p:sldLayout>
+</file>
+
+<file path=ppt/slideLayouts/slideLayout52.xml><?xml version="1.0" encoding="utf-8"?>
+<p:sldLayout xmlns:a="http://schemas.openxmlformats.org/drawingml/2006/main" xmlns:r="http://schemas.openxmlformats.org/officeDocument/2006/relationships" xmlns:p="http://schemas.openxmlformats.org/presentationml/2006/main" type="objTx" preserve="1">
+  <p:cSld name="Content with Caption">
+    <p:spTree>
+      <p:nvGrpSpPr>
+        <p:cNvPr id="1" name=""/>
+        <p:cNvGrpSpPr/>
+        <p:nvPr/>
+      </p:nvGrpSpPr>
+      <p:grpSpPr>
+        <a:xfrm>
+          <a:off x="0" y="0"/>
+          <a:ext cx="0" cy="0"/>
+          <a:chOff x="0" y="0"/>
+          <a:chExt cx="0" cy="0"/>
+        </a:xfrm>
+      </p:grpSpPr>
+      <p:sp>
+        <p:nvSpPr>
+          <p:cNvPr id="2" name="Title 1"/>
+          <p:cNvSpPr>
+            <a:spLocks noGrp="1"/>
+          </p:cNvSpPr>
+          <p:nvPr>
+            <p:ph type="title"/>
+          </p:nvPr>
+        </p:nvSpPr>
+        <p:spPr>
+          <a:xfrm>
+            <a:off x="1143000" y="1097280"/>
+            <a:ext cx="3931920" cy="1737360"/>
+          </a:xfrm>
+        </p:spPr>
+        <p:txBody>
+          <a:bodyPr anchor="b">
+            <a:noAutofit/>
+          </a:bodyPr>
+          <a:lstStyle>
+            <a:lvl1pPr>
+              <a:lnSpc>
+                <a:spcPct val="90000"/>
+              </a:lnSpc>
+              <a:defRPr sz="4000" b="0"/>
+            </a:lvl1pPr>
+          </a:lstStyle>
+          <a:p>
+            <a:r>
+              <a:rPr lang="en-US" smtClean="0"/>
+              <a:t>Click to edit Master title style</a:t>
+            </a:r>
+            <a:endParaRPr lang="en-US" dirty="0"/>
+          </a:p>
+        </p:txBody>
+      </p:sp>
+      <p:sp>
+        <p:nvSpPr>
+          <p:cNvPr id="3" name="Content Placeholder 2"/>
+          <p:cNvSpPr>
+            <a:spLocks noGrp="1"/>
+          </p:cNvSpPr>
+          <p:nvPr>
+            <p:ph idx="1"/>
+          </p:nvPr>
+        </p:nvSpPr>
+        <p:spPr>
+          <a:xfrm>
+            <a:off x="5852159" y="1097280"/>
+            <a:ext cx="5212080" cy="4663440"/>
+          </a:xfrm>
+        </p:spPr>
+        <p:txBody>
+          <a:bodyPr/>
+          <a:lstStyle>
+            <a:lvl1pPr>
+              <a:defRPr sz="3200"/>
+            </a:lvl1pPr>
+            <a:lvl2pPr>
+              <a:defRPr sz="2800"/>
+            </a:lvl2pPr>
+            <a:lvl3pPr>
+              <a:defRPr sz="2400"/>
+            </a:lvl3pPr>
+            <a:lvl4pPr>
+              <a:defRPr sz="2000"/>
+            </a:lvl4pPr>
+            <a:lvl5pPr>
+              <a:defRPr sz="2000"/>
+            </a:lvl5pPr>
+            <a:lvl6pPr>
+              <a:defRPr sz="2000"/>
+            </a:lvl6pPr>
+            <a:lvl7pPr>
+              <a:defRPr sz="2000"/>
+            </a:lvl7pPr>
+            <a:lvl8pPr>
+              <a:defRPr sz="2000"/>
+            </a:lvl8pPr>
+            <a:lvl9pPr>
+              <a:defRPr sz="2000"/>
+            </a:lvl9pPr>
+          </a:lstStyle>
+          <a:p>
+            <a:pPr lvl="0"/>
+            <a:r>
+              <a:rPr lang="en-US" smtClean="0"/>
+              <a:t>Click to edit Master text styles</a:t>
+            </a:r>
+          </a:p>
+          <a:p>
+            <a:pPr lvl="1"/>
+            <a:r>
+              <a:rPr lang="en-US" smtClean="0"/>
+              <a:t>Second level</a:t>
+            </a:r>
+          </a:p>
+          <a:p>
+            <a:pPr lvl="2"/>
+            <a:r>
+              <a:rPr lang="en-US" smtClean="0"/>
+              <a:t>Third level</a:t>
+            </a:r>
+          </a:p>
+          <a:p>
+            <a:pPr lvl="3"/>
+            <a:r>
+              <a:rPr lang="en-US" smtClean="0"/>
+              <a:t>Fourth level</a:t>
+            </a:r>
+          </a:p>
+          <a:p>
+            <a:pPr lvl="4"/>
+            <a:r>
+              <a:rPr lang="en-US" smtClean="0"/>
+              <a:t>Fifth level</a:t>
+            </a:r>
+            <a:endParaRPr lang="en-US" dirty="0"/>
+          </a:p>
+        </p:txBody>
+      </p:sp>
+      <p:sp>
+        <p:nvSpPr>
+          <p:cNvPr id="4" name="Text Placeholder 3"/>
+          <p:cNvSpPr>
+            <a:spLocks noGrp="1"/>
+          </p:cNvSpPr>
+          <p:nvPr>
+            <p:ph type="body" sz="half" idx="2"/>
+          </p:nvPr>
+        </p:nvSpPr>
+        <p:spPr>
+          <a:xfrm>
+            <a:off x="1143000" y="2834640"/>
+            <a:ext cx="3931920" cy="3017520"/>
+          </a:xfrm>
+        </p:spPr>
+        <p:txBody>
+          <a:bodyPr>
+            <a:normAutofit/>
+          </a:bodyPr>
+          <a:lstStyle>
+            <a:lvl1pPr marL="0" indent="0">
+              <a:lnSpc>
+                <a:spcPct val="100000"/>
+              </a:lnSpc>
+              <a:spcBef>
+                <a:spcPts val="1000"/>
+              </a:spcBef>
+              <a:buNone/>
+              <a:defRPr sz="1700"/>
+            </a:lvl1pPr>
+            <a:lvl2pPr marL="457200" indent="0">
+              <a:buNone/>
+              <a:defRPr sz="1200"/>
+            </a:lvl2pPr>
+            <a:lvl3pPr marL="914400" indent="0">
+              <a:buNone/>
+              <a:defRPr sz="1000"/>
+            </a:lvl3pPr>
+            <a:lvl4pPr marL="1371600" indent="0">
+              <a:buNone/>
+              <a:defRPr sz="900"/>
+            </a:lvl4pPr>
+            <a:lvl5pPr marL="1828800" indent="0">
+              <a:buNone/>
+              <a:defRPr sz="900"/>
+            </a:lvl5pPr>
+            <a:lvl6pPr marL="2286000" indent="0">
+              <a:buNone/>
+              <a:defRPr sz="900"/>
+            </a:lvl6pPr>
+            <a:lvl7pPr marL="2743200" indent="0">
+              <a:buNone/>
+              <a:defRPr sz="900"/>
+            </a:lvl7pPr>
+            <a:lvl8pPr marL="3200400" indent="0">
+              <a:buNone/>
+              <a:defRPr sz="900"/>
+            </a:lvl8pPr>
+            <a:lvl9pPr marL="3657600" indent="0">
+              <a:buNone/>
+              <a:defRPr sz="900"/>
+            </a:lvl9pPr>
+          </a:lstStyle>
+          <a:p>
+            <a:pPr lvl="0"/>
+            <a:r>
+              <a:rPr lang="en-US" smtClean="0"/>
+              <a:t>Click to edit Master text styles</a:t>
+            </a:r>
+          </a:p>
+        </p:txBody>
+      </p:sp>
+      <p:sp>
+        <p:nvSpPr>
+          <p:cNvPr id="5" name="Date Placeholder 4"/>
+          <p:cNvSpPr>
+            <a:spLocks noGrp="1"/>
+          </p:cNvSpPr>
+          <p:nvPr>
+            <p:ph type="dt" sz="half" idx="10"/>
+          </p:nvPr>
+        </p:nvSpPr>
+        <p:spPr/>
+        <p:txBody>
+          <a:bodyPr/>
+          <a:lstStyle/>
+          <a:p>
+            <a:fld id="{BF8696C7-E952-45D4-832F-98B384FD62F5}" type="datetimeFigureOut">
+              <a:rPr lang="en-US" smtClean="0"/>
+              <a:t>9/20/2014</a:t>
+            </a:fld>
+            <a:endParaRPr lang="en-US"/>
+          </a:p>
+        </p:txBody>
+      </p:sp>
+      <p:sp>
+        <p:nvSpPr>
+          <p:cNvPr id="6" name="Footer Placeholder 5"/>
+          <p:cNvSpPr>
+            <a:spLocks noGrp="1"/>
+          </p:cNvSpPr>
+          <p:nvPr>
+            <p:ph type="ftr" sz="quarter" idx="11"/>
+          </p:nvPr>
+        </p:nvSpPr>
+        <p:spPr/>
+        <p:txBody>
+          <a:bodyPr/>
+          <a:lstStyle/>
+          <a:p>
+            <a:endParaRPr lang="en-US"/>
+          </a:p>
+        </p:txBody>
+      </p:sp>
+      <p:sp>
+        <p:nvSpPr>
+          <p:cNvPr id="7" name="Slide Number Placeholder 6"/>
+          <p:cNvSpPr>
+            <a:spLocks noGrp="1"/>
+          </p:cNvSpPr>
+          <p:nvPr>
+            <p:ph type="sldNum" sz="quarter" idx="12"/>
+          </p:nvPr>
+        </p:nvSpPr>
+        <p:spPr/>
+        <p:txBody>
+          <a:bodyPr/>
+          <a:lstStyle/>
+          <a:p>
+            <a:fld id="{EDF2E87F-37A5-41A1-B4A0-669ACBBAC3F7}" type="slidenum">
+              <a:rPr lang="en-US" smtClean="0"/>
+              <a:t>‹#›</a:t>
+            </a:fld>
+            <a:endParaRPr lang="en-US"/>
+          </a:p>
+        </p:txBody>
+      </p:sp>
+    </p:spTree>
+    <p:extLst>
+      <p:ext uri="{BB962C8B-B14F-4D97-AF65-F5344CB8AC3E}">
+        <p14:creationId xmlns:p14="http://schemas.microsoft.com/office/powerpoint/2010/main" val="1134281133"/>
+      </p:ext>
+    </p:extLst>
+  </p:cSld>
+  <p:clrMapOvr>
+    <a:masterClrMapping/>
+  </p:clrMapOvr>
+</p:sldLayout>
+</file>
+
+<file path=ppt/slideLayouts/slideLayout53.xml><?xml version="1.0" encoding="utf-8"?>
+<p:sldLayout xmlns:a="http://schemas.openxmlformats.org/drawingml/2006/main" xmlns:r="http://schemas.openxmlformats.org/officeDocument/2006/relationships" xmlns:p="http://schemas.openxmlformats.org/presentationml/2006/main" type="picTx" preserve="1">
+  <p:cSld name="Picture with Caption">
+    <p:spTree>
+      <p:nvGrpSpPr>
+        <p:cNvPr id="1" name=""/>
+        <p:cNvGrpSpPr/>
+        <p:nvPr/>
+      </p:nvGrpSpPr>
+      <p:grpSpPr>
+        <a:xfrm>
+          <a:off x="0" y="0"/>
+          <a:ext cx="0" cy="0"/>
+          <a:chOff x="0" y="0"/>
+          <a:chExt cx="0" cy="0"/>
+        </a:xfrm>
+      </p:grpSpPr>
+      <p:sp>
+        <p:nvSpPr>
+          <p:cNvPr id="2" name="Title 1"/>
+          <p:cNvSpPr>
+            <a:spLocks noGrp="1"/>
+          </p:cNvSpPr>
+          <p:nvPr>
+            <p:ph type="title"/>
+          </p:nvPr>
+        </p:nvSpPr>
+        <p:spPr>
+          <a:xfrm>
+            <a:off x="1143000" y="1097280"/>
+            <a:ext cx="3931920" cy="1737360"/>
+          </a:xfrm>
+        </p:spPr>
+        <p:txBody>
+          <a:bodyPr anchor="b">
+            <a:noAutofit/>
+          </a:bodyPr>
+          <a:lstStyle>
+            <a:lvl1pPr>
+              <a:lnSpc>
+                <a:spcPct val="90000"/>
+              </a:lnSpc>
+              <a:defRPr sz="4000" b="0"/>
+            </a:lvl1pPr>
+          </a:lstStyle>
+          <a:p>
+            <a:r>
+              <a:rPr lang="en-US" smtClean="0"/>
+              <a:t>Click to edit Master title style</a:t>
+            </a:r>
+            <a:endParaRPr lang="en-US" dirty="0"/>
+          </a:p>
+        </p:txBody>
+      </p:sp>
+      <p:sp>
+        <p:nvSpPr>
+          <p:cNvPr id="3" name="Picture Placeholder 2"/>
+          <p:cNvSpPr>
+            <a:spLocks noGrp="1" noChangeAspect="1"/>
+          </p:cNvSpPr>
+          <p:nvPr>
+            <p:ph type="pic" idx="1"/>
+          </p:nvPr>
+        </p:nvSpPr>
+        <p:spPr>
+          <a:xfrm>
+            <a:off x="5413248" y="1069847"/>
+            <a:ext cx="6099048" cy="4800600"/>
+          </a:xfrm>
+        </p:spPr>
+        <p:txBody>
+          <a:bodyPr lIns="274320" tIns="182880" anchor="t">
+            <a:normAutofit/>
+          </a:bodyPr>
+          <a:lstStyle>
+            <a:lvl1pPr marL="0" indent="0">
+              <a:buNone/>
+              <a:defRPr sz="2800"/>
+            </a:lvl1pPr>
+            <a:lvl2pPr marL="457200" indent="0">
+              <a:buNone/>
+              <a:defRPr sz="2800"/>
+            </a:lvl2pPr>
+            <a:lvl3pPr marL="914400" indent="0">
+              <a:buNone/>
+              <a:defRPr sz="2400"/>
+            </a:lvl3pPr>
+            <a:lvl4pPr marL="1371600" indent="0">
+              <a:buNone/>
+              <a:defRPr sz="2000"/>
+            </a:lvl4pPr>
+            <a:lvl5pPr marL="1828800" indent="0">
+              <a:buNone/>
+              <a:defRPr sz="2000"/>
+            </a:lvl5pPr>
+            <a:lvl6pPr marL="2286000" indent="0">
+              <a:buNone/>
+              <a:defRPr sz="2000"/>
+            </a:lvl6pPr>
+            <a:lvl7pPr marL="2743200" indent="0">
+              <a:buNone/>
+              <a:defRPr sz="2000"/>
+            </a:lvl7pPr>
+            <a:lvl8pPr marL="3200400" indent="0">
+              <a:buNone/>
+              <a:defRPr sz="2000"/>
+            </a:lvl8pPr>
+            <a:lvl9pPr marL="3657600" indent="0">
+              <a:buNone/>
+              <a:defRPr sz="2000"/>
+            </a:lvl9pPr>
+          </a:lstStyle>
+          <a:p>
+            <a:r>
+              <a:rPr lang="en-US" smtClean="0"/>
+              <a:t>Click icon to add picture</a:t>
+            </a:r>
+            <a:endParaRPr lang="en-US" dirty="0"/>
+          </a:p>
+        </p:txBody>
+      </p:sp>
+      <p:sp>
+        <p:nvSpPr>
+          <p:cNvPr id="4" name="Text Placeholder 3"/>
+          <p:cNvSpPr>
+            <a:spLocks noGrp="1"/>
+          </p:cNvSpPr>
+          <p:nvPr>
+            <p:ph type="body" sz="half" idx="2"/>
+          </p:nvPr>
+        </p:nvSpPr>
+        <p:spPr>
+          <a:xfrm>
+            <a:off x="1143000" y="2834640"/>
+            <a:ext cx="3931920" cy="2880360"/>
+          </a:xfrm>
+        </p:spPr>
+        <p:txBody>
+          <a:bodyPr>
+            <a:normAutofit/>
+          </a:bodyPr>
+          <a:lstStyle>
+            <a:lvl1pPr marL="0" indent="0">
+              <a:lnSpc>
+                <a:spcPct val="100000"/>
+              </a:lnSpc>
+              <a:spcBef>
+                <a:spcPts val="1000"/>
+              </a:spcBef>
+              <a:buNone/>
+              <a:defRPr sz="1700"/>
+            </a:lvl1pPr>
+            <a:lvl2pPr marL="457200" indent="0">
+              <a:buNone/>
+              <a:defRPr sz="1200"/>
+            </a:lvl2pPr>
+            <a:lvl3pPr marL="914400" indent="0">
+              <a:buNone/>
+              <a:defRPr sz="1000"/>
+            </a:lvl3pPr>
+            <a:lvl4pPr marL="1371600" indent="0">
+              <a:buNone/>
+              <a:defRPr sz="900"/>
+            </a:lvl4pPr>
+            <a:lvl5pPr marL="1828800" indent="0">
+              <a:buNone/>
+              <a:defRPr sz="900"/>
+            </a:lvl5pPr>
+            <a:lvl6pPr marL="2286000" indent="0">
+              <a:buNone/>
+              <a:defRPr sz="900"/>
+            </a:lvl6pPr>
+            <a:lvl7pPr marL="2743200" indent="0">
+              <a:buNone/>
+              <a:defRPr sz="900"/>
+            </a:lvl7pPr>
+            <a:lvl8pPr marL="3200400" indent="0">
+              <a:buNone/>
+              <a:defRPr sz="900"/>
+            </a:lvl8pPr>
+            <a:lvl9pPr marL="3657600" indent="0">
+              <a:buNone/>
+              <a:defRPr sz="900"/>
+            </a:lvl9pPr>
+          </a:lstStyle>
+          <a:p>
+            <a:pPr lvl="0"/>
+            <a:r>
+              <a:rPr lang="en-US" smtClean="0"/>
+              <a:t>Click to edit Master text styles</a:t>
+            </a:r>
+          </a:p>
+        </p:txBody>
+      </p:sp>
+      <p:sp>
+        <p:nvSpPr>
+          <p:cNvPr id="5" name="Date Placeholder 4"/>
+          <p:cNvSpPr>
+            <a:spLocks noGrp="1"/>
+          </p:cNvSpPr>
+          <p:nvPr>
+            <p:ph type="dt" sz="half" idx="10"/>
+          </p:nvPr>
+        </p:nvSpPr>
+        <p:spPr/>
+        <p:txBody>
+          <a:bodyPr/>
+          <a:lstStyle/>
+          <a:p>
+            <a:fld id="{BF8696C7-E952-45D4-832F-98B384FD62F5}" type="datetimeFigureOut">
+              <a:rPr lang="en-US" smtClean="0"/>
+              <a:t>9/20/2014</a:t>
+            </a:fld>
+            <a:endParaRPr lang="en-US"/>
+          </a:p>
+        </p:txBody>
+      </p:sp>
+      <p:sp>
+        <p:nvSpPr>
+          <p:cNvPr id="6" name="Footer Placeholder 5"/>
+          <p:cNvSpPr>
+            <a:spLocks noGrp="1"/>
+          </p:cNvSpPr>
+          <p:nvPr>
+            <p:ph type="ftr" sz="quarter" idx="11"/>
+          </p:nvPr>
+        </p:nvSpPr>
+        <p:spPr/>
+        <p:txBody>
+          <a:bodyPr/>
+          <a:lstStyle/>
+          <a:p>
+            <a:endParaRPr lang="en-US" dirty="0"/>
+          </a:p>
+        </p:txBody>
+      </p:sp>
+      <p:sp>
+        <p:nvSpPr>
+          <p:cNvPr id="7" name="Slide Number Placeholder 6"/>
+          <p:cNvSpPr>
+            <a:spLocks noGrp="1"/>
+          </p:cNvSpPr>
+          <p:nvPr>
+            <p:ph type="sldNum" sz="quarter" idx="12"/>
+          </p:nvPr>
+        </p:nvSpPr>
+        <p:spPr/>
+        <p:txBody>
+          <a:bodyPr/>
+          <a:lstStyle/>
+          <a:p>
+            <a:fld id="{EDF2E87F-37A5-41A1-B4A0-669ACBBAC3F7}" type="slidenum">
+              <a:rPr lang="en-US" smtClean="0"/>
+              <a:t>‹#›</a:t>
+            </a:fld>
+            <a:endParaRPr lang="en-US"/>
+          </a:p>
+        </p:txBody>
+      </p:sp>
+    </p:spTree>
+    <p:extLst>
+      <p:ext uri="{BB962C8B-B14F-4D97-AF65-F5344CB8AC3E}">
+        <p14:creationId xmlns:p14="http://schemas.microsoft.com/office/powerpoint/2010/main" val="545434536"/>
+      </p:ext>
+    </p:extLst>
+  </p:cSld>
+  <p:clrMapOvr>
+    <a:masterClrMapping/>
+  </p:clrMapOvr>
+</p:sldLayout>
+</file>
+
+<file path=ppt/slideLayouts/slideLayout54.xml><?xml version="1.0" encoding="utf-8"?>
+<p:sldLayout xmlns:a="http://schemas.openxmlformats.org/drawingml/2006/main" xmlns:r="http://schemas.openxmlformats.org/officeDocument/2006/relationships" xmlns:p="http://schemas.openxmlformats.org/presentationml/2006/main" type="vertTx" preserve="1">
+  <p:cSld name="Title and Vertical Text">
+    <p:spTree>
+      <p:nvGrpSpPr>
+        <p:cNvPr id="1" name=""/>
+        <p:cNvGrpSpPr/>
+        <p:nvPr/>
+      </p:nvGrpSpPr>
+      <p:grpSpPr>
+        <a:xfrm>
+          <a:off x="0" y="0"/>
+          <a:ext cx="0" cy="0"/>
+          <a:chOff x="0" y="0"/>
+          <a:chExt cx="0" cy="0"/>
+        </a:xfrm>
+      </p:grpSpPr>
+      <p:sp>
+        <p:nvSpPr>
+          <p:cNvPr id="2" name="Title 1"/>
+          <p:cNvSpPr>
+            <a:spLocks noGrp="1"/>
+          </p:cNvSpPr>
+          <p:nvPr>
+            <p:ph type="title"/>
+          </p:nvPr>
+        </p:nvSpPr>
+        <p:spPr/>
+        <p:txBody>
+          <a:bodyPr/>
+          <a:lstStyle/>
+          <a:p>
+            <a:r>
+              <a:rPr lang="en-US" smtClean="0"/>
+              <a:t>Click to edit Master title style</a:t>
+            </a:r>
+            <a:endParaRPr lang="en-US" dirty="0"/>
+          </a:p>
+        </p:txBody>
+      </p:sp>
+      <p:sp>
+        <p:nvSpPr>
+          <p:cNvPr id="3" name="Vertical Text Placeholder 2"/>
+          <p:cNvSpPr>
+            <a:spLocks noGrp="1"/>
+          </p:cNvSpPr>
+          <p:nvPr>
+            <p:ph type="body" orient="vert" idx="1"/>
+          </p:nvPr>
+        </p:nvSpPr>
+        <p:spPr/>
+        <p:txBody>
+          <a:bodyPr vert="eaVert"/>
+          <a:lstStyle/>
+          <a:p>
+            <a:pPr lvl="0"/>
+            <a:r>
+              <a:rPr lang="en-US" smtClean="0"/>
+              <a:t>Click to edit Master text styles</a:t>
+            </a:r>
+          </a:p>
+          <a:p>
+            <a:pPr lvl="1"/>
+            <a:r>
+              <a:rPr lang="en-US" smtClean="0"/>
+              <a:t>Second level</a:t>
+            </a:r>
+          </a:p>
+          <a:p>
+            <a:pPr lvl="2"/>
+            <a:r>
+              <a:rPr lang="en-US" smtClean="0"/>
+              <a:t>Third level</a:t>
+            </a:r>
+          </a:p>
+          <a:p>
+            <a:pPr lvl="3"/>
+            <a:r>
+              <a:rPr lang="en-US" smtClean="0"/>
+              <a:t>Fourth level</a:t>
+            </a:r>
+          </a:p>
+          <a:p>
+            <a:pPr lvl="4"/>
+            <a:r>
+              <a:rPr lang="en-US" smtClean="0"/>
+              <a:t>Fifth level</a:t>
+            </a:r>
+            <a:endParaRPr lang="en-US" dirty="0"/>
+          </a:p>
+        </p:txBody>
+      </p:sp>
+      <p:sp>
+        <p:nvSpPr>
+          <p:cNvPr id="4" name="Date Placeholder 3"/>
+          <p:cNvSpPr>
+            <a:spLocks noGrp="1"/>
+          </p:cNvSpPr>
+          <p:nvPr>
+            <p:ph type="dt" sz="half" idx="10"/>
+          </p:nvPr>
+        </p:nvSpPr>
+        <p:spPr/>
+        <p:txBody>
+          <a:bodyPr/>
+          <a:lstStyle/>
+          <a:p>
+            <a:fld id="{BF8696C7-E952-45D4-832F-98B384FD62F5}" type="datetimeFigureOut">
+              <a:rPr lang="en-US" smtClean="0"/>
+              <a:t>9/20/2014</a:t>
+            </a:fld>
+            <a:endParaRPr lang="en-US"/>
+          </a:p>
+        </p:txBody>
+      </p:sp>
+      <p:sp>
+        <p:nvSpPr>
+          <p:cNvPr id="5" name="Footer Placeholder 4"/>
+          <p:cNvSpPr>
+            <a:spLocks noGrp="1"/>
+          </p:cNvSpPr>
+          <p:nvPr>
+            <p:ph type="ftr" sz="quarter" idx="11"/>
+          </p:nvPr>
+        </p:nvSpPr>
+        <p:spPr/>
+        <p:txBody>
+          <a:bodyPr/>
+          <a:lstStyle/>
+          <a:p>
+            <a:endParaRPr lang="en-US"/>
+          </a:p>
+        </p:txBody>
+      </p:sp>
+      <p:sp>
+        <p:nvSpPr>
+          <p:cNvPr id="6" name="Slide Number Placeholder 5"/>
+          <p:cNvSpPr>
+            <a:spLocks noGrp="1"/>
+          </p:cNvSpPr>
+          <p:nvPr>
+            <p:ph type="sldNum" sz="quarter" idx="12"/>
+          </p:nvPr>
+        </p:nvSpPr>
+        <p:spPr/>
+        <p:txBody>
+          <a:bodyPr/>
+          <a:lstStyle/>
+          <a:p>
+            <a:fld id="{EDF2E87F-37A5-41A1-B4A0-669ACBBAC3F7}" type="slidenum">
+              <a:rPr lang="en-US" smtClean="0"/>
+              <a:t>‹#›</a:t>
+            </a:fld>
+            <a:endParaRPr lang="en-US"/>
+          </a:p>
+        </p:txBody>
+      </p:sp>
+    </p:spTree>
+    <p:extLst>
+      <p:ext uri="{BB962C8B-B14F-4D97-AF65-F5344CB8AC3E}">
+        <p14:creationId xmlns:p14="http://schemas.microsoft.com/office/powerpoint/2010/main" val="676788133"/>
+      </p:ext>
+    </p:extLst>
+  </p:cSld>
+  <p:clrMapOvr>
+    <a:masterClrMapping/>
+  </p:clrMapOvr>
+</p:sldLayout>
+</file>
+
+<file path=ppt/slideLayouts/slideLayout55.xml><?xml version="1.0" encoding="utf-8"?>
+<p:sldLayout xmlns:a="http://schemas.openxmlformats.org/drawingml/2006/main" xmlns:r="http://schemas.openxmlformats.org/officeDocument/2006/relationships" xmlns:p="http://schemas.openxmlformats.org/presentationml/2006/main" type="vertTitleAndTx" preserve="1">
+  <p:cSld name="Vertical Title and Text">
+    <p:spTree>
+      <p:nvGrpSpPr>
+        <p:cNvPr id="1" name=""/>
+        <p:cNvGrpSpPr/>
+        <p:nvPr/>
+      </p:nvGrpSpPr>
+      <p:grpSpPr>
+        <a:xfrm>
+          <a:off x="0" y="0"/>
+          <a:ext cx="0" cy="0"/>
+          <a:chOff x="0" y="0"/>
+          <a:chExt cx="0" cy="0"/>
+        </a:xfrm>
+      </p:grpSpPr>
+      <p:sp>
+        <p:nvSpPr>
+          <p:cNvPr id="2" name="Vertical Title 1"/>
+          <p:cNvSpPr>
+            <a:spLocks noGrp="1"/>
+          </p:cNvSpPr>
+          <p:nvPr>
+            <p:ph type="title" orient="vert"/>
+          </p:nvPr>
+        </p:nvSpPr>
+        <p:spPr>
+          <a:xfrm>
+            <a:off x="8724900" y="762000"/>
+            <a:ext cx="2324100" cy="5410200"/>
+          </a:xfrm>
+        </p:spPr>
+        <p:txBody>
+          <a:bodyPr vert="eaVert"/>
+          <a:lstStyle/>
+          <a:p>
+            <a:r>
+              <a:rPr lang="en-US" smtClean="0"/>
+              <a:t>Click to edit Master title style</a:t>
+            </a:r>
+            <a:endParaRPr lang="en-US" dirty="0"/>
+          </a:p>
+        </p:txBody>
+      </p:sp>
+      <p:sp>
+        <p:nvSpPr>
+          <p:cNvPr id="3" name="Vertical Text Placeholder 2"/>
+          <p:cNvSpPr>
+            <a:spLocks noGrp="1"/>
+          </p:cNvSpPr>
+          <p:nvPr>
+            <p:ph type="body" orient="vert" idx="1"/>
+          </p:nvPr>
+        </p:nvSpPr>
+        <p:spPr>
+          <a:xfrm>
+            <a:off x="1143000" y="762000"/>
+            <a:ext cx="7429500" cy="5410200"/>
+          </a:xfrm>
+        </p:spPr>
+        <p:txBody>
+          <a:bodyPr vert="eaVert"/>
+          <a:lstStyle/>
+          <a:p>
+            <a:pPr lvl="0"/>
+            <a:r>
+              <a:rPr lang="en-US" smtClean="0"/>
+              <a:t>Click to edit Master text styles</a:t>
+            </a:r>
+          </a:p>
+          <a:p>
+            <a:pPr lvl="1"/>
+            <a:r>
+              <a:rPr lang="en-US" smtClean="0"/>
+              <a:t>Second level</a:t>
+            </a:r>
+          </a:p>
+          <a:p>
+            <a:pPr lvl="2"/>
+            <a:r>
+              <a:rPr lang="en-US" smtClean="0"/>
+              <a:t>Third level</a:t>
+            </a:r>
+          </a:p>
+          <a:p>
+            <a:pPr lvl="3"/>
+            <a:r>
+              <a:rPr lang="en-US" smtClean="0"/>
+              <a:t>Fourth level</a:t>
+            </a:r>
+          </a:p>
+          <a:p>
+            <a:pPr lvl="4"/>
+            <a:r>
+              <a:rPr lang="en-US" smtClean="0"/>
+              <a:t>Fifth level</a:t>
+            </a:r>
+            <a:endParaRPr lang="en-US" dirty="0"/>
+          </a:p>
+        </p:txBody>
+      </p:sp>
+      <p:sp>
+        <p:nvSpPr>
+          <p:cNvPr id="4" name="Date Placeholder 3"/>
+          <p:cNvSpPr>
+            <a:spLocks noGrp="1"/>
+          </p:cNvSpPr>
+          <p:nvPr>
+            <p:ph type="dt" sz="half" idx="10"/>
+          </p:nvPr>
+        </p:nvSpPr>
+        <p:spPr/>
+        <p:txBody>
+          <a:bodyPr/>
+          <a:lstStyle/>
+          <a:p>
+            <a:fld id="{BF8696C7-E952-45D4-832F-98B384FD62F5}" type="datetimeFigureOut">
+              <a:rPr lang="en-US" smtClean="0"/>
+              <a:t>9/20/2014</a:t>
+            </a:fld>
+            <a:endParaRPr lang="en-US"/>
+          </a:p>
+        </p:txBody>
+      </p:sp>
+      <p:sp>
+        <p:nvSpPr>
+          <p:cNvPr id="5" name="Footer Placeholder 4"/>
+          <p:cNvSpPr>
+            <a:spLocks noGrp="1"/>
+          </p:cNvSpPr>
+          <p:nvPr>
+            <p:ph type="ftr" sz="quarter" idx="11"/>
+          </p:nvPr>
+        </p:nvSpPr>
+        <p:spPr/>
+        <p:txBody>
+          <a:bodyPr/>
+          <a:lstStyle/>
+          <a:p>
+            <a:endParaRPr lang="en-US"/>
+          </a:p>
+        </p:txBody>
+      </p:sp>
+      <p:sp>
+        <p:nvSpPr>
+          <p:cNvPr id="6" name="Slide Number Placeholder 5"/>
+          <p:cNvSpPr>
+            <a:spLocks noGrp="1"/>
+          </p:cNvSpPr>
+          <p:nvPr>
+            <p:ph type="sldNum" sz="quarter" idx="12"/>
+          </p:nvPr>
+        </p:nvSpPr>
+        <p:spPr/>
+        <p:txBody>
+          <a:bodyPr/>
+          <a:lstStyle/>
+          <a:p>
+            <a:fld id="{EDF2E87F-37A5-41A1-B4A0-669ACBBAC3F7}" type="slidenum">
+              <a:rPr lang="en-US" smtClean="0"/>
+              <a:t>‹#›</a:t>
+            </a:fld>
+            <a:endParaRPr lang="en-US"/>
+          </a:p>
+        </p:txBody>
+      </p:sp>
+    </p:spTree>
+    <p:extLst>
+      <p:ext uri="{BB962C8B-B14F-4D97-AF65-F5344CB8AC3E}">
+        <p14:creationId xmlns:p14="http://schemas.microsoft.com/office/powerpoint/2010/main" val="1609750868"/>
+      </p:ext>
+    </p:extLst>
+  </p:cSld>
+  <p:clrMapOvr>
+    <a:masterClrMapping/>
+  </p:clrMapOvr>
+</p:sldLayout>
+</file>
+
 <file path=ppt/slideLayouts/slideLayout6.xml><?xml version="1.0" encoding="utf-8"?>
 <p:sldLayout xmlns:a="http://schemas.openxmlformats.org/drawingml/2006/main" xmlns:r="http://schemas.openxmlformats.org/officeDocument/2006/relationships" xmlns:p="http://schemas.openxmlformats.org/presentationml/2006/main" type="titleOnly" preserve="1">
   <p:cSld name="Title Only">
@@ -12068,7 +14670,7 @@
           <a:p>
             <a:fld id="{BF8696C7-E952-45D4-832F-98B384FD62F5}" type="datetimeFigureOut">
               <a:rPr lang="en-US" smtClean="0"/>
-              <a:t>9/13/2014</a:t>
+              <a:t>9/20/2014</a:t>
             </a:fld>
             <a:endParaRPr lang="en-US"/>
           </a:p>
@@ -12245,7 +14847,7 @@
           <a:p>
             <a:fld id="{BF8696C7-E952-45D4-832F-98B384FD62F5}" type="datetimeFigureOut">
               <a:rPr lang="en-US" smtClean="0"/>
-              <a:t>9/13/2014</a:t>
+              <a:t>9/20/2014</a:t>
             </a:fld>
             <a:endParaRPr lang="en-US"/>
           </a:p>
@@ -12578,7 +15180,7 @@
           <a:p>
             <a:fld id="{BF8696C7-E952-45D4-832F-98B384FD62F5}" type="datetimeFigureOut">
               <a:rPr lang="en-US" smtClean="0"/>
-              <a:t>9/13/2014</a:t>
+              <a:t>9/20/2014</a:t>
             </a:fld>
             <a:endParaRPr lang="en-US"/>
           </a:p>
@@ -12923,7 +15525,7 @@
           <a:p>
             <a:fld id="{BF8696C7-E952-45D4-832F-98B384FD62F5}" type="datetimeFigureOut">
               <a:rPr lang="en-US" smtClean="0"/>
-              <a:t>9/13/2014</a:t>
+              <a:t>9/20/2014</a:t>
             </a:fld>
             <a:endParaRPr lang="en-US"/>
           </a:p>
@@ -15040,7 +17642,7 @@
           <a:p>
             <a:fld id="{BF8696C7-E952-45D4-832F-98B384FD62F5}" type="datetimeFigureOut">
               <a:rPr lang="en-US" smtClean="0"/>
-              <a:t>9/13/2014</a:t>
+              <a:t>9/20/2014</a:t>
             </a:fld>
             <a:endParaRPr lang="en-US"/>
           </a:p>
@@ -15831,7 +18433,7 @@
           <a:p>
             <a:fld id="{BF8696C7-E952-45D4-832F-98B384FD62F5}" type="datetimeFigureOut">
               <a:rPr lang="en-US" smtClean="0"/>
-              <a:t>9/13/2014</a:t>
+              <a:t>9/20/2014</a:t>
             </a:fld>
             <a:endParaRPr lang="en-US"/>
           </a:p>
@@ -16583,7 +19185,7 @@
           <a:p>
             <a:fld id="{BF8696C7-E952-45D4-832F-98B384FD62F5}" type="datetimeFigureOut">
               <a:rPr lang="en-US" smtClean="0"/>
-              <a:t>9/13/2014</a:t>
+              <a:t>9/20/2014</a:t>
             </a:fld>
             <a:endParaRPr lang="en-US"/>
           </a:p>
@@ -17090,6 +19692,643 @@
 </p:sldMaster>
 </file>
 
+<file path=ppt/slideMasters/slideMaster4.xml><?xml version="1.0" encoding="utf-8"?>
+<p:sldMaster xmlns:a="http://schemas.openxmlformats.org/drawingml/2006/main" xmlns:r="http://schemas.openxmlformats.org/officeDocument/2006/relationships" xmlns:p="http://schemas.openxmlformats.org/presentationml/2006/main">
+  <p:cSld>
+    <p:bg>
+      <p:bgPr>
+        <a:solidFill>
+          <a:schemeClr val="accent1"/>
+        </a:solidFill>
+        <a:effectLst/>
+      </p:bgPr>
+    </p:bg>
+    <p:spTree>
+      <p:nvGrpSpPr>
+        <p:cNvPr id="1" name=""/>
+        <p:cNvGrpSpPr/>
+        <p:nvPr/>
+      </p:nvGrpSpPr>
+      <p:grpSpPr>
+        <a:xfrm>
+          <a:off x="0" y="0"/>
+          <a:ext cx="0" cy="0"/>
+          <a:chOff x="0" y="0"/>
+          <a:chExt cx="0" cy="0"/>
+        </a:xfrm>
+      </p:grpSpPr>
+      <p:sp>
+        <p:nvSpPr>
+          <p:cNvPr id="7" name="Rectangle 6"/>
+          <p:cNvSpPr>
+            <a:spLocks noChangeAspect="1"/>
+          </p:cNvSpPr>
+          <p:nvPr/>
+        </p:nvSpPr>
+        <p:spPr>
+          <a:xfrm>
+            <a:off x="231140" y="243840"/>
+            <a:ext cx="11724640" cy="6377939"/>
+          </a:xfrm>
+          <a:prstGeom prst="rect">
+            <a:avLst/>
+          </a:prstGeom>
+          <a:solidFill>
+            <a:schemeClr val="bg1"/>
+          </a:solidFill>
+          <a:ln w="12700">
+            <a:noFill/>
+          </a:ln>
+        </p:spPr>
+        <p:style>
+          <a:lnRef idx="2">
+            <a:schemeClr val="accent1">
+              <a:shade val="50000"/>
+            </a:schemeClr>
+          </a:lnRef>
+          <a:fillRef idx="1">
+            <a:schemeClr val="accent1"/>
+          </a:fillRef>
+          <a:effectRef idx="0">
+            <a:schemeClr val="accent1"/>
+          </a:effectRef>
+          <a:fontRef idx="minor">
+            <a:schemeClr val="lt1"/>
+          </a:fontRef>
+        </p:style>
+      </p:sp>
+      <p:sp>
+        <p:nvSpPr>
+          <p:cNvPr id="2" name="Title Placeholder 1"/>
+          <p:cNvSpPr>
+            <a:spLocks noGrp="1"/>
+          </p:cNvSpPr>
+          <p:nvPr>
+            <p:ph type="title"/>
+          </p:nvPr>
+        </p:nvSpPr>
+        <p:spPr>
+          <a:xfrm>
+            <a:off x="1143000" y="609600"/>
+            <a:ext cx="9875520" cy="1356360"/>
+          </a:xfrm>
+          <a:prstGeom prst="rect">
+            <a:avLst/>
+          </a:prstGeom>
+        </p:spPr>
+        <p:txBody>
+          <a:bodyPr vert="horz" lIns="91440" tIns="45720" rIns="91440" bIns="45720" rtlCol="0" anchor="ctr">
+            <a:normAutofit/>
+          </a:bodyPr>
+          <a:lstStyle/>
+          <a:p>
+            <a:r>
+              <a:rPr lang="en-US" smtClean="0"/>
+              <a:t>Click to edit Master title style</a:t>
+            </a:r>
+            <a:endParaRPr lang="en-US" dirty="0"/>
+          </a:p>
+        </p:txBody>
+      </p:sp>
+      <p:sp>
+        <p:nvSpPr>
+          <p:cNvPr id="3" name="Text Placeholder 2"/>
+          <p:cNvSpPr>
+            <a:spLocks noGrp="1"/>
+          </p:cNvSpPr>
+          <p:nvPr>
+            <p:ph type="body" idx="1"/>
+          </p:nvPr>
+        </p:nvSpPr>
+        <p:spPr>
+          <a:xfrm>
+            <a:off x="1143000" y="2057400"/>
+            <a:ext cx="9872871" cy="4038600"/>
+          </a:xfrm>
+          <a:prstGeom prst="rect">
+            <a:avLst/>
+          </a:prstGeom>
+        </p:spPr>
+        <p:txBody>
+          <a:bodyPr vert="horz" lIns="91440" tIns="45720" rIns="91440" bIns="45720" rtlCol="0">
+            <a:normAutofit/>
+          </a:bodyPr>
+          <a:lstStyle/>
+          <a:p>
+            <a:pPr lvl="0"/>
+            <a:r>
+              <a:rPr lang="en-US" smtClean="0"/>
+              <a:t>Click to edit Master text styles</a:t>
+            </a:r>
+          </a:p>
+          <a:p>
+            <a:pPr lvl="1"/>
+            <a:r>
+              <a:rPr lang="en-US" smtClean="0"/>
+              <a:t>Second level</a:t>
+            </a:r>
+          </a:p>
+          <a:p>
+            <a:pPr lvl="2"/>
+            <a:r>
+              <a:rPr lang="en-US" smtClean="0"/>
+              <a:t>Third level</a:t>
+            </a:r>
+          </a:p>
+          <a:p>
+            <a:pPr lvl="3"/>
+            <a:r>
+              <a:rPr lang="en-US" smtClean="0"/>
+              <a:t>Fourth level</a:t>
+            </a:r>
+          </a:p>
+          <a:p>
+            <a:pPr lvl="4"/>
+            <a:r>
+              <a:rPr lang="en-US" smtClean="0"/>
+              <a:t>Fifth level</a:t>
+            </a:r>
+            <a:endParaRPr lang="en-US" dirty="0"/>
+          </a:p>
+        </p:txBody>
+      </p:sp>
+      <p:sp>
+        <p:nvSpPr>
+          <p:cNvPr id="4" name="Date Placeholder 3"/>
+          <p:cNvSpPr>
+            <a:spLocks noGrp="1"/>
+          </p:cNvSpPr>
+          <p:nvPr>
+            <p:ph type="dt" sz="half" idx="2"/>
+          </p:nvPr>
+        </p:nvSpPr>
+        <p:spPr>
+          <a:xfrm>
+            <a:off x="1142996" y="6223828"/>
+            <a:ext cx="2329074" cy="365125"/>
+          </a:xfrm>
+          <a:prstGeom prst="rect">
+            <a:avLst/>
+          </a:prstGeom>
+        </p:spPr>
+        <p:txBody>
+          <a:bodyPr vert="horz" lIns="91440" tIns="45720" rIns="91440" bIns="45720" rtlCol="0" anchor="ctr"/>
+          <a:lstStyle>
+            <a:lvl1pPr algn="l">
+              <a:defRPr sz="1200">
+                <a:solidFill>
+                  <a:schemeClr val="accent1"/>
+                </a:solidFill>
+              </a:defRPr>
+            </a:lvl1pPr>
+          </a:lstStyle>
+          <a:p>
+            <a:fld id="{BF8696C7-E952-45D4-832F-98B384FD62F5}" type="datetimeFigureOut">
+              <a:rPr lang="en-US" smtClean="0"/>
+              <a:t>9/20/2014</a:t>
+            </a:fld>
+            <a:endParaRPr lang="en-US"/>
+          </a:p>
+        </p:txBody>
+      </p:sp>
+      <p:sp>
+        <p:nvSpPr>
+          <p:cNvPr id="5" name="Footer Placeholder 4"/>
+          <p:cNvSpPr>
+            <a:spLocks noGrp="1"/>
+          </p:cNvSpPr>
+          <p:nvPr>
+            <p:ph type="ftr" sz="quarter" idx="3"/>
+          </p:nvPr>
+        </p:nvSpPr>
+        <p:spPr>
+          <a:xfrm>
+            <a:off x="3949148" y="6223828"/>
+            <a:ext cx="4717774" cy="365125"/>
+          </a:xfrm>
+          <a:prstGeom prst="rect">
+            <a:avLst/>
+          </a:prstGeom>
+        </p:spPr>
+        <p:txBody>
+          <a:bodyPr vert="horz" lIns="91440" tIns="45720" rIns="91440" bIns="45720" rtlCol="0" anchor="ctr"/>
+          <a:lstStyle>
+            <a:lvl1pPr algn="ctr">
+              <a:defRPr sz="1200">
+                <a:solidFill>
+                  <a:schemeClr val="accent1"/>
+                </a:solidFill>
+              </a:defRPr>
+            </a:lvl1pPr>
+          </a:lstStyle>
+          <a:p>
+            <a:endParaRPr lang="en-US"/>
+          </a:p>
+        </p:txBody>
+      </p:sp>
+      <p:sp>
+        <p:nvSpPr>
+          <p:cNvPr id="6" name="Slide Number Placeholder 5"/>
+          <p:cNvSpPr>
+            <a:spLocks noGrp="1"/>
+          </p:cNvSpPr>
+          <p:nvPr>
+            <p:ph type="sldNum" sz="quarter" idx="4"/>
+          </p:nvPr>
+        </p:nvSpPr>
+        <p:spPr>
+          <a:xfrm>
+            <a:off x="9329530" y="6223828"/>
+            <a:ext cx="1706217" cy="365125"/>
+          </a:xfrm>
+          <a:prstGeom prst="rect">
+            <a:avLst/>
+          </a:prstGeom>
+        </p:spPr>
+        <p:txBody>
+          <a:bodyPr vert="horz" lIns="91440" tIns="45720" rIns="91440" bIns="45720" rtlCol="0" anchor="ctr"/>
+          <a:lstStyle>
+            <a:lvl1pPr algn="r">
+              <a:defRPr sz="1200">
+                <a:solidFill>
+                  <a:schemeClr val="accent1"/>
+                </a:solidFill>
+              </a:defRPr>
+            </a:lvl1pPr>
+          </a:lstStyle>
+          <a:p>
+            <a:fld id="{EDF2E87F-37A5-41A1-B4A0-669ACBBAC3F7}" type="slidenum">
+              <a:rPr lang="en-US" smtClean="0"/>
+              <a:t>‹#›</a:t>
+            </a:fld>
+            <a:endParaRPr lang="en-US"/>
+          </a:p>
+        </p:txBody>
+      </p:sp>
+    </p:spTree>
+    <p:extLst>
+      <p:ext uri="{BB962C8B-B14F-4D97-AF65-F5344CB8AC3E}">
+        <p14:creationId xmlns:p14="http://schemas.microsoft.com/office/powerpoint/2010/main" val="4241265242"/>
+      </p:ext>
+    </p:extLst>
+  </p:cSld>
+  <p:clrMap bg1="lt1" tx1="dk1" bg2="lt2" tx2="dk2" accent1="accent1" accent2="accent2" accent3="accent3" accent4="accent4" accent5="accent5" accent6="accent6" hlink="hlink" folHlink="folHlink"/>
+  <p:sldLayoutIdLst>
+    <p:sldLayoutId id="2147483750" r:id="rId1"/>
+    <p:sldLayoutId id="2147483751" r:id="rId2"/>
+    <p:sldLayoutId id="2147483752" r:id="rId3"/>
+    <p:sldLayoutId id="2147483753" r:id="rId4"/>
+    <p:sldLayoutId id="2147483754" r:id="rId5"/>
+    <p:sldLayoutId id="2147483755" r:id="rId6"/>
+    <p:sldLayoutId id="2147483756" r:id="rId7"/>
+    <p:sldLayoutId id="2147483757" r:id="rId8"/>
+    <p:sldLayoutId id="2147483758" r:id="rId9"/>
+    <p:sldLayoutId id="2147483759" r:id="rId10"/>
+    <p:sldLayoutId id="2147483760" r:id="rId11"/>
+  </p:sldLayoutIdLst>
+  <p:txStyles>
+    <p:titleStyle>
+      <a:lvl1pPr algn="l" defTabSz="914400" rtl="0" eaLnBrk="1" latinLnBrk="0" hangingPunct="1">
+        <a:lnSpc>
+          <a:spcPct val="90000"/>
+        </a:lnSpc>
+        <a:spcBef>
+          <a:spcPct val="0"/>
+        </a:spcBef>
+        <a:buNone/>
+        <a:defRPr sz="4400" kern="1200">
+          <a:solidFill>
+            <a:schemeClr val="accent1"/>
+          </a:solidFill>
+          <a:latin typeface="+mj-lt"/>
+          <a:ea typeface="+mj-ea"/>
+          <a:cs typeface="+mj-cs"/>
+        </a:defRPr>
+      </a:lvl1pPr>
+    </p:titleStyle>
+    <p:bodyStyle>
+      <a:lvl1pPr marL="228600" indent="-182880" algn="l" defTabSz="914400" rtl="0" eaLnBrk="1" latinLnBrk="0" hangingPunct="1">
+        <a:lnSpc>
+          <a:spcPct val="90000"/>
+        </a:lnSpc>
+        <a:spcBef>
+          <a:spcPts val="1400"/>
+        </a:spcBef>
+        <a:buClr>
+          <a:schemeClr val="accent1"/>
+        </a:buClr>
+        <a:buSzPct val="80000"/>
+        <a:buFont typeface="Corbel" pitchFamily="34" charset="0"/>
+        <a:buChar char="•"/>
+        <a:defRPr sz="2200" kern="1200">
+          <a:solidFill>
+            <a:schemeClr val="accent1"/>
+          </a:solidFill>
+          <a:latin typeface="+mn-lt"/>
+          <a:ea typeface="+mn-ea"/>
+          <a:cs typeface="+mn-cs"/>
+        </a:defRPr>
+      </a:lvl1pPr>
+      <a:lvl2pPr marL="457200" indent="-182880" algn="l" defTabSz="914400" rtl="0" eaLnBrk="1" latinLnBrk="0" hangingPunct="1">
+        <a:lnSpc>
+          <a:spcPct val="90000"/>
+        </a:lnSpc>
+        <a:spcBef>
+          <a:spcPts val="200"/>
+        </a:spcBef>
+        <a:spcAft>
+          <a:spcPts val="400"/>
+        </a:spcAft>
+        <a:buClr>
+          <a:schemeClr val="accent1"/>
+        </a:buClr>
+        <a:buSzPct val="80000"/>
+        <a:buFont typeface="Corbel" pitchFamily="34" charset="0"/>
+        <a:buChar char="•"/>
+        <a:defRPr sz="2000" kern="1200">
+          <a:solidFill>
+            <a:schemeClr val="accent1"/>
+          </a:solidFill>
+          <a:latin typeface="+mn-lt"/>
+          <a:ea typeface="+mn-ea"/>
+          <a:cs typeface="+mn-cs"/>
+        </a:defRPr>
+      </a:lvl2pPr>
+      <a:lvl3pPr marL="731520" indent="-182880" algn="l" defTabSz="914400" rtl="0" eaLnBrk="1" latinLnBrk="0" hangingPunct="1">
+        <a:lnSpc>
+          <a:spcPct val="90000"/>
+        </a:lnSpc>
+        <a:spcBef>
+          <a:spcPts val="200"/>
+        </a:spcBef>
+        <a:spcAft>
+          <a:spcPts val="400"/>
+        </a:spcAft>
+        <a:buClr>
+          <a:schemeClr val="accent1"/>
+        </a:buClr>
+        <a:buSzPct val="80000"/>
+        <a:buFont typeface="Corbel" pitchFamily="34" charset="0"/>
+        <a:buChar char="•"/>
+        <a:defRPr sz="1800" kern="1200">
+          <a:solidFill>
+            <a:schemeClr val="accent1"/>
+          </a:solidFill>
+          <a:latin typeface="+mn-lt"/>
+          <a:ea typeface="+mn-ea"/>
+          <a:cs typeface="+mn-cs"/>
+        </a:defRPr>
+      </a:lvl3pPr>
+      <a:lvl4pPr marL="1005840" indent="-182880" algn="l" defTabSz="914400" rtl="0" eaLnBrk="1" latinLnBrk="0" hangingPunct="1">
+        <a:lnSpc>
+          <a:spcPct val="90000"/>
+        </a:lnSpc>
+        <a:spcBef>
+          <a:spcPts val="200"/>
+        </a:spcBef>
+        <a:spcAft>
+          <a:spcPts val="400"/>
+        </a:spcAft>
+        <a:buClr>
+          <a:schemeClr val="accent1"/>
+        </a:buClr>
+        <a:buSzPct val="80000"/>
+        <a:buFont typeface="Corbel" pitchFamily="34" charset="0"/>
+        <a:buChar char="•"/>
+        <a:defRPr sz="1600" kern="1200">
+          <a:solidFill>
+            <a:schemeClr val="accent1"/>
+          </a:solidFill>
+          <a:latin typeface="+mn-lt"/>
+          <a:ea typeface="+mn-ea"/>
+          <a:cs typeface="+mn-cs"/>
+        </a:defRPr>
+      </a:lvl4pPr>
+      <a:lvl5pPr marL="1280160" indent="-182880" algn="l" defTabSz="914400" rtl="0" eaLnBrk="1" latinLnBrk="0" hangingPunct="1">
+        <a:lnSpc>
+          <a:spcPct val="90000"/>
+        </a:lnSpc>
+        <a:spcBef>
+          <a:spcPts val="200"/>
+        </a:spcBef>
+        <a:spcAft>
+          <a:spcPts val="400"/>
+        </a:spcAft>
+        <a:buClr>
+          <a:schemeClr val="accent1"/>
+        </a:buClr>
+        <a:buSzPct val="80000"/>
+        <a:buFont typeface="Corbel" pitchFamily="34" charset="0"/>
+        <a:buChar char="•"/>
+        <a:defRPr sz="1600" kern="1200">
+          <a:solidFill>
+            <a:schemeClr val="accent1"/>
+          </a:solidFill>
+          <a:latin typeface="+mn-lt"/>
+          <a:ea typeface="+mn-ea"/>
+          <a:cs typeface="+mn-cs"/>
+        </a:defRPr>
+      </a:lvl5pPr>
+      <a:lvl6pPr marL="1600000" indent="-228600" algn="l" defTabSz="914400" rtl="0" eaLnBrk="1" latinLnBrk="0" hangingPunct="1">
+        <a:lnSpc>
+          <a:spcPct val="90000"/>
+        </a:lnSpc>
+        <a:spcBef>
+          <a:spcPts val="200"/>
+        </a:spcBef>
+        <a:spcAft>
+          <a:spcPts val="400"/>
+        </a:spcAft>
+        <a:buClr>
+          <a:schemeClr val="accent1"/>
+        </a:buClr>
+        <a:buSzPct val="80000"/>
+        <a:buFont typeface="Corbel" pitchFamily="34" charset="0"/>
+        <a:buChar char="•"/>
+        <a:defRPr sz="1600" kern="1200">
+          <a:solidFill>
+            <a:schemeClr val="accent1"/>
+          </a:solidFill>
+          <a:latin typeface="+mn-lt"/>
+          <a:ea typeface="+mn-ea"/>
+          <a:cs typeface="+mn-cs"/>
+        </a:defRPr>
+      </a:lvl6pPr>
+      <a:lvl7pPr marL="1900000" indent="-228600" algn="l" defTabSz="914400" rtl="0" eaLnBrk="1" latinLnBrk="0" hangingPunct="1">
+        <a:lnSpc>
+          <a:spcPct val="90000"/>
+        </a:lnSpc>
+        <a:spcBef>
+          <a:spcPts val="200"/>
+        </a:spcBef>
+        <a:spcAft>
+          <a:spcPts val="400"/>
+        </a:spcAft>
+        <a:buClr>
+          <a:schemeClr val="accent1"/>
+        </a:buClr>
+        <a:buSzPct val="80000"/>
+        <a:buFont typeface="Corbel" pitchFamily="34" charset="0"/>
+        <a:buChar char="•"/>
+        <a:defRPr sz="1600" kern="1200">
+          <a:solidFill>
+            <a:schemeClr val="accent1"/>
+          </a:solidFill>
+          <a:latin typeface="+mn-lt"/>
+          <a:ea typeface="+mn-ea"/>
+          <a:cs typeface="+mn-cs"/>
+        </a:defRPr>
+      </a:lvl7pPr>
+      <a:lvl8pPr marL="2200000" indent="-228600" algn="l" defTabSz="914400" rtl="0" eaLnBrk="1" latinLnBrk="0" hangingPunct="1">
+        <a:lnSpc>
+          <a:spcPct val="90000"/>
+        </a:lnSpc>
+        <a:spcBef>
+          <a:spcPts val="200"/>
+        </a:spcBef>
+        <a:spcAft>
+          <a:spcPts val="400"/>
+        </a:spcAft>
+        <a:buClr>
+          <a:schemeClr val="accent1"/>
+        </a:buClr>
+        <a:buSzPct val="80000"/>
+        <a:buFont typeface="Corbel" pitchFamily="34" charset="0"/>
+        <a:buChar char="•"/>
+        <a:defRPr sz="1600" kern="1200">
+          <a:solidFill>
+            <a:schemeClr val="accent1"/>
+          </a:solidFill>
+          <a:latin typeface="+mn-lt"/>
+          <a:ea typeface="+mn-ea"/>
+          <a:cs typeface="+mn-cs"/>
+        </a:defRPr>
+      </a:lvl8pPr>
+      <a:lvl9pPr marL="2500000" indent="-228600" algn="l" defTabSz="914400" rtl="0" eaLnBrk="1" latinLnBrk="0" hangingPunct="1">
+        <a:lnSpc>
+          <a:spcPct val="90000"/>
+        </a:lnSpc>
+        <a:spcBef>
+          <a:spcPts val="200"/>
+        </a:spcBef>
+        <a:spcAft>
+          <a:spcPts val="400"/>
+        </a:spcAft>
+        <a:buClr>
+          <a:schemeClr val="accent1"/>
+        </a:buClr>
+        <a:buSzPct val="80000"/>
+        <a:buFont typeface="Corbel" pitchFamily="34" charset="0"/>
+        <a:buChar char="•"/>
+        <a:defRPr sz="1600" kern="1200">
+          <a:solidFill>
+            <a:schemeClr val="accent1"/>
+          </a:solidFill>
+          <a:latin typeface="+mn-lt"/>
+          <a:ea typeface="+mn-ea"/>
+          <a:cs typeface="+mn-cs"/>
+        </a:defRPr>
+      </a:lvl9pPr>
+    </p:bodyStyle>
+    <p:otherStyle>
+      <a:defPPr>
+        <a:defRPr lang="en-US"/>
+      </a:defPPr>
+      <a:lvl1pPr marL="0" algn="l" defTabSz="914400" rtl="0" eaLnBrk="1" latinLnBrk="0" hangingPunct="1">
+        <a:defRPr sz="1800" kern="1200">
+          <a:solidFill>
+            <a:schemeClr val="tx1"/>
+          </a:solidFill>
+          <a:latin typeface="+mn-lt"/>
+          <a:ea typeface="+mn-ea"/>
+          <a:cs typeface="+mn-cs"/>
+        </a:defRPr>
+      </a:lvl1pPr>
+      <a:lvl2pPr marL="457200" algn="l" defTabSz="914400" rtl="0" eaLnBrk="1" latinLnBrk="0" hangingPunct="1">
+        <a:defRPr sz="1800" kern="1200">
+          <a:solidFill>
+            <a:schemeClr val="tx1"/>
+          </a:solidFill>
+          <a:latin typeface="+mn-lt"/>
+          <a:ea typeface="+mn-ea"/>
+          <a:cs typeface="+mn-cs"/>
+        </a:defRPr>
+      </a:lvl2pPr>
+      <a:lvl3pPr marL="914400" algn="l" defTabSz="914400" rtl="0" eaLnBrk="1" latinLnBrk="0" hangingPunct="1">
+        <a:defRPr sz="1800" kern="1200">
+          <a:solidFill>
+            <a:schemeClr val="tx1"/>
+          </a:solidFill>
+          <a:latin typeface="+mn-lt"/>
+          <a:ea typeface="+mn-ea"/>
+          <a:cs typeface="+mn-cs"/>
+        </a:defRPr>
+      </a:lvl3pPr>
+      <a:lvl4pPr marL="1371600" algn="l" defTabSz="914400" rtl="0" eaLnBrk="1" latinLnBrk="0" hangingPunct="1">
+        <a:defRPr sz="1800" kern="1200">
+          <a:solidFill>
+            <a:schemeClr val="tx1"/>
+          </a:solidFill>
+          <a:latin typeface="+mn-lt"/>
+          <a:ea typeface="+mn-ea"/>
+          <a:cs typeface="+mn-cs"/>
+        </a:defRPr>
+      </a:lvl4pPr>
+      <a:lvl5pPr marL="1828800" algn="l" defTabSz="914400" rtl="0" eaLnBrk="1" latinLnBrk="0" hangingPunct="1">
+        <a:defRPr sz="1800" kern="1200">
+          <a:solidFill>
+            <a:schemeClr val="tx1"/>
+          </a:solidFill>
+          <a:latin typeface="+mn-lt"/>
+          <a:ea typeface="+mn-ea"/>
+          <a:cs typeface="+mn-cs"/>
+        </a:defRPr>
+      </a:lvl5pPr>
+      <a:lvl6pPr marL="2286000" algn="l" defTabSz="914400" rtl="0" eaLnBrk="1" latinLnBrk="0" hangingPunct="1">
+        <a:defRPr sz="1800" kern="1200">
+          <a:solidFill>
+            <a:schemeClr val="tx1"/>
+          </a:solidFill>
+          <a:latin typeface="+mn-lt"/>
+          <a:ea typeface="+mn-ea"/>
+          <a:cs typeface="+mn-cs"/>
+        </a:defRPr>
+      </a:lvl6pPr>
+      <a:lvl7pPr marL="2743200" algn="l" defTabSz="914400" rtl="0" eaLnBrk="1" latinLnBrk="0" hangingPunct="1">
+        <a:defRPr sz="1800" kern="1200">
+          <a:solidFill>
+            <a:schemeClr val="tx1"/>
+          </a:solidFill>
+          <a:latin typeface="+mn-lt"/>
+          <a:ea typeface="+mn-ea"/>
+          <a:cs typeface="+mn-cs"/>
+        </a:defRPr>
+      </a:lvl7pPr>
+      <a:lvl8pPr marL="3200400" algn="l" defTabSz="914400" rtl="0" eaLnBrk="1" latinLnBrk="0" hangingPunct="1">
+        <a:defRPr sz="1800" kern="1200">
+          <a:solidFill>
+            <a:schemeClr val="tx1"/>
+          </a:solidFill>
+          <a:latin typeface="+mn-lt"/>
+          <a:ea typeface="+mn-ea"/>
+          <a:cs typeface="+mn-cs"/>
+        </a:defRPr>
+      </a:lvl8pPr>
+      <a:lvl9pPr marL="3657600" algn="l" defTabSz="914400" rtl="0" eaLnBrk="1" latinLnBrk="0" hangingPunct="1">
+        <a:defRPr sz="1800" kern="1200">
+          <a:solidFill>
+            <a:schemeClr val="tx1"/>
+          </a:solidFill>
+          <a:latin typeface="+mn-lt"/>
+          <a:ea typeface="+mn-ea"/>
+          <a:cs typeface="+mn-cs"/>
+        </a:defRPr>
+      </a:lvl9pPr>
+    </p:otherStyle>
+  </p:txStyles>
+</p:sldMaster>
+</file>
+
 <file path=ppt/slides/slide1.xml><?xml version="1.0" encoding="utf-8"?>
 <p:sld xmlns:a="http://schemas.openxmlformats.org/drawingml/2006/main" xmlns:r="http://schemas.openxmlformats.org/officeDocument/2006/relationships" xmlns:p="http://schemas.openxmlformats.org/presentationml/2006/main">
   <p:cSld>
@@ -17170,17 +20409,9 @@
             </a:r>
             <a:r>
               <a:rPr lang="en-US" smtClean="0"/>
-              <a:t> </a:t>
-            </a:r>
-            <a:r>
-              <a:rPr lang="en-US" smtClean="0">
-                <a:latin typeface="Defused" panose="02000800000000020004" pitchFamily="2" charset="0"/>
-              </a:rPr>
-              <a:t>Hadoop</a:t>
-            </a:r>
-            <a:endParaRPr lang="en-US">
-              <a:latin typeface="Defused" panose="02000800000000020004" pitchFamily="2" charset="0"/>
-            </a:endParaRPr>
+              <a:t> Hadoop</a:t>
+            </a:r>
+            <a:endParaRPr lang="en-US"/>
           </a:p>
         </p:txBody>
       </p:sp>
@@ -17314,562 +20545,573 @@
           <a:p>
             <a:pPr algn="just"/>
             <a:r>
-              <a:rPr lang="en-US" sz="3200" i="1" err="1">
+              <a:rPr lang="en-US" sz="2500" i="1" err="1">
                 <a:solidFill>
                   <a:schemeClr val="tx1"/>
                 </a:solidFill>
-                <a:latin typeface="Sitka Banner" panose="02000505000000020004" pitchFamily="2" charset="0"/>
+                <a:latin typeface="Arial" panose="020B0604020202020204" pitchFamily="34" charset="0"/>
                 <a:ea typeface="Kozuka Mincho Pro EL" panose="02020200000000000000" pitchFamily="18" charset="-128"/>
-                <a:cs typeface="Urdu Typesetting" panose="03020402040406030203" pitchFamily="66" charset="-78"/>
+                <a:cs typeface="Arial" panose="020B0604020202020204" pitchFamily="34" charset="0"/>
               </a:rPr>
               <a:t>Dự</a:t>
             </a:r>
             <a:r>
-              <a:rPr lang="en-US" sz="3200" i="1">
+              <a:rPr lang="en-US" sz="2500" i="1">
                 <a:solidFill>
                   <a:schemeClr val="tx1"/>
                 </a:solidFill>
-                <a:latin typeface="Sitka Banner" panose="02000505000000020004" pitchFamily="2" charset="0"/>
+                <a:latin typeface="Arial" panose="020B0604020202020204" pitchFamily="34" charset="0"/>
                 <a:ea typeface="Kozuka Mincho Pro EL" panose="02020200000000000000" pitchFamily="18" charset="-128"/>
-                <a:cs typeface="Urdu Typesetting" panose="03020402040406030203" pitchFamily="66" charset="-78"/>
+                <a:cs typeface="Arial" panose="020B0604020202020204" pitchFamily="34" charset="0"/>
               </a:rPr>
               <a:t> </a:t>
             </a:r>
             <a:r>
-              <a:rPr lang="en-US" sz="3200" i="1" err="1">
+              <a:rPr lang="en-US" sz="2500" i="1" err="1">
                 <a:solidFill>
                   <a:schemeClr val="tx1"/>
                 </a:solidFill>
-                <a:latin typeface="Sitka Banner" panose="02000505000000020004" pitchFamily="2" charset="0"/>
+                <a:latin typeface="Arial" panose="020B0604020202020204" pitchFamily="34" charset="0"/>
                 <a:ea typeface="Kozuka Mincho Pro EL" panose="02020200000000000000" pitchFamily="18" charset="-128"/>
-                <a:cs typeface="Urdu Typesetting" panose="03020402040406030203" pitchFamily="66" charset="-78"/>
+                <a:cs typeface="Arial" panose="020B0604020202020204" pitchFamily="34" charset="0"/>
               </a:rPr>
               <a:t>án</a:t>
             </a:r>
             <a:r>
-              <a:rPr lang="en-US" sz="3200" i="1">
+              <a:rPr lang="en-US" sz="2500" i="1">
                 <a:solidFill>
                   <a:schemeClr val="tx1"/>
                 </a:solidFill>
-                <a:latin typeface="Sitka Banner" panose="02000505000000020004" pitchFamily="2" charset="0"/>
+                <a:latin typeface="Arial" panose="020B0604020202020204" pitchFamily="34" charset="0"/>
                 <a:ea typeface="Kozuka Mincho Pro EL" panose="02020200000000000000" pitchFamily="18" charset="-128"/>
-                <a:cs typeface="Urdu Typesetting" panose="03020402040406030203" pitchFamily="66" charset="-78"/>
+                <a:cs typeface="Arial" panose="020B0604020202020204" pitchFamily="34" charset="0"/>
               </a:rPr>
               <a:t> </a:t>
             </a:r>
             <a:r>
-              <a:rPr lang="en-US" sz="3200" i="1" smtClean="0">
+              <a:rPr lang="en-US" sz="2500" i="1" smtClean="0">
                 <a:solidFill>
                   <a:schemeClr val="tx1"/>
                 </a:solidFill>
-                <a:latin typeface="Sitka Banner" panose="02000505000000020004" pitchFamily="2" charset="0"/>
+                <a:latin typeface="Arial" panose="020B0604020202020204" pitchFamily="34" charset="0"/>
                 <a:ea typeface="Kozuka Mincho Pro EL" panose="02020200000000000000" pitchFamily="18" charset="-128"/>
-                <a:cs typeface="Urdu Typesetting" panose="03020402040406030203" pitchFamily="66" charset="-78"/>
+                <a:cs typeface="Arial" panose="020B0604020202020204" pitchFamily="34" charset="0"/>
               </a:rPr>
               <a:t>Apache Hadoop </a:t>
             </a:r>
             <a:r>
-              <a:rPr lang="en-US" sz="3200" i="1" err="1" smtClean="0">
+              <a:rPr lang="en-US" sz="2500" i="1" err="1" smtClean="0">
                 <a:solidFill>
                   <a:schemeClr val="tx1"/>
                 </a:solidFill>
-                <a:latin typeface="Sitka Banner" panose="02000505000000020004" pitchFamily="2" charset="0"/>
+                <a:latin typeface="Arial" panose="020B0604020202020204" pitchFamily="34" charset="0"/>
                 <a:ea typeface="Kozuka Mincho Pro EL" panose="02020200000000000000" pitchFamily="18" charset="-128"/>
-                <a:cs typeface="Urdu Typesetting" panose="03020402040406030203" pitchFamily="66" charset="-78"/>
+                <a:cs typeface="Arial" panose="020B0604020202020204" pitchFamily="34" charset="0"/>
               </a:rPr>
               <a:t>là</a:t>
             </a:r>
             <a:r>
-              <a:rPr lang="en-US" sz="3200" i="1" smtClean="0">
+              <a:rPr lang="en-US" sz="2500" i="1" smtClean="0">
                 <a:solidFill>
                   <a:schemeClr val="tx1"/>
                 </a:solidFill>
-                <a:latin typeface="Sitka Banner" panose="02000505000000020004" pitchFamily="2" charset="0"/>
+                <a:latin typeface="Arial" panose="020B0604020202020204" pitchFamily="34" charset="0"/>
                 <a:ea typeface="Kozuka Mincho Pro EL" panose="02020200000000000000" pitchFamily="18" charset="-128"/>
-                <a:cs typeface="Urdu Typesetting" panose="03020402040406030203" pitchFamily="66" charset="-78"/>
+                <a:cs typeface="Arial" panose="020B0604020202020204" pitchFamily="34" charset="0"/>
               </a:rPr>
               <a:t> </a:t>
             </a:r>
             <a:r>
-              <a:rPr lang="en-US" sz="3200" i="1" err="1" smtClean="0">
+              <a:rPr lang="en-US" sz="2500" i="1" err="1" smtClean="0">
                 <a:solidFill>
                   <a:schemeClr val="tx1"/>
                 </a:solidFill>
-                <a:latin typeface="Sitka Banner" panose="02000505000000020004" pitchFamily="2" charset="0"/>
+                <a:latin typeface="Arial" panose="020B0604020202020204" pitchFamily="34" charset="0"/>
                 <a:ea typeface="Kozuka Mincho Pro EL" panose="02020200000000000000" pitchFamily="18" charset="-128"/>
-                <a:cs typeface="Urdu Typesetting" panose="03020402040406030203" pitchFamily="66" charset="-78"/>
+                <a:cs typeface="Arial" panose="020B0604020202020204" pitchFamily="34" charset="0"/>
               </a:rPr>
               <a:t>dự</a:t>
             </a:r>
             <a:r>
-              <a:rPr lang="en-US" sz="3200" i="1" smtClean="0">
+              <a:rPr lang="en-US" sz="2500" i="1" smtClean="0">
                 <a:solidFill>
                   <a:schemeClr val="tx1"/>
                 </a:solidFill>
-                <a:latin typeface="Sitka Banner" panose="02000505000000020004" pitchFamily="2" charset="0"/>
+                <a:latin typeface="Arial" panose="020B0604020202020204" pitchFamily="34" charset="0"/>
                 <a:ea typeface="Kozuka Mincho Pro EL" panose="02020200000000000000" pitchFamily="18" charset="-128"/>
-                <a:cs typeface="Urdu Typesetting" panose="03020402040406030203" pitchFamily="66" charset="-78"/>
+                <a:cs typeface="Arial" panose="020B0604020202020204" pitchFamily="34" charset="0"/>
               </a:rPr>
               <a:t> </a:t>
             </a:r>
             <a:r>
-              <a:rPr lang="en-US" sz="3200" i="1" err="1" smtClean="0">
+              <a:rPr lang="en-US" sz="2500" i="1" err="1" smtClean="0">
                 <a:solidFill>
                   <a:schemeClr val="tx1"/>
                 </a:solidFill>
-                <a:latin typeface="Sitka Banner" panose="02000505000000020004" pitchFamily="2" charset="0"/>
+                <a:latin typeface="Arial" panose="020B0604020202020204" pitchFamily="34" charset="0"/>
                 <a:ea typeface="Kozuka Mincho Pro EL" panose="02020200000000000000" pitchFamily="18" charset="-128"/>
-                <a:cs typeface="Urdu Typesetting" panose="03020402040406030203" pitchFamily="66" charset="-78"/>
+                <a:cs typeface="Arial" panose="020B0604020202020204" pitchFamily="34" charset="0"/>
               </a:rPr>
               <a:t>án</a:t>
             </a:r>
             <a:r>
-              <a:rPr lang="en-US" sz="3200" i="1" smtClean="0">
+              <a:rPr lang="en-US" sz="2500" i="1" smtClean="0">
                 <a:solidFill>
                   <a:schemeClr val="tx1"/>
                 </a:solidFill>
-                <a:latin typeface="Sitka Banner" panose="02000505000000020004" pitchFamily="2" charset="0"/>
+                <a:latin typeface="Arial" panose="020B0604020202020204" pitchFamily="34" charset="0"/>
                 <a:ea typeface="Kozuka Mincho Pro EL" panose="02020200000000000000" pitchFamily="18" charset="-128"/>
-                <a:cs typeface="Urdu Typesetting" panose="03020402040406030203" pitchFamily="66" charset="-78"/>
+                <a:cs typeface="Arial" panose="020B0604020202020204" pitchFamily="34" charset="0"/>
               </a:rPr>
               <a:t> </a:t>
             </a:r>
             <a:r>
-              <a:rPr lang="en-US" sz="3200" i="1" err="1">
+              <a:rPr lang="en-US" sz="2500" i="1" err="1">
                 <a:solidFill>
                   <a:schemeClr val="tx1"/>
                 </a:solidFill>
-                <a:latin typeface="Sitka Banner" panose="02000505000000020004" pitchFamily="2" charset="0"/>
+                <a:latin typeface="Arial" panose="020B0604020202020204" pitchFamily="34" charset="0"/>
                 <a:ea typeface="Kozuka Mincho Pro EL" panose="02020200000000000000" pitchFamily="18" charset="-128"/>
-                <a:cs typeface="Urdu Typesetting" panose="03020402040406030203" pitchFamily="66" charset="-78"/>
+                <a:cs typeface="Arial" panose="020B0604020202020204" pitchFamily="34" charset="0"/>
               </a:rPr>
               <a:t>phát</a:t>
             </a:r>
             <a:r>
-              <a:rPr lang="en-US" sz="3200" i="1">
+              <a:rPr lang="en-US" sz="2500" i="1">
                 <a:solidFill>
                   <a:schemeClr val="tx1"/>
                 </a:solidFill>
-                <a:latin typeface="Sitka Banner" panose="02000505000000020004" pitchFamily="2" charset="0"/>
+                <a:latin typeface="Arial" panose="020B0604020202020204" pitchFamily="34" charset="0"/>
                 <a:ea typeface="Kozuka Mincho Pro EL" panose="02020200000000000000" pitchFamily="18" charset="-128"/>
-                <a:cs typeface="Urdu Typesetting" panose="03020402040406030203" pitchFamily="66" charset="-78"/>
+                <a:cs typeface="Arial" panose="020B0604020202020204" pitchFamily="34" charset="0"/>
               </a:rPr>
               <a:t> </a:t>
             </a:r>
             <a:r>
-              <a:rPr lang="en-US" sz="3200" i="1" err="1">
+              <a:rPr lang="en-US" sz="2500" i="1" err="1">
                 <a:solidFill>
                   <a:schemeClr val="tx1"/>
                 </a:solidFill>
-                <a:latin typeface="Sitka Banner" panose="02000505000000020004" pitchFamily="2" charset="0"/>
+                <a:latin typeface="Arial" panose="020B0604020202020204" pitchFamily="34" charset="0"/>
                 <a:ea typeface="Kozuka Mincho Pro EL" panose="02020200000000000000" pitchFamily="18" charset="-128"/>
-                <a:cs typeface="Urdu Typesetting" panose="03020402040406030203" pitchFamily="66" charset="-78"/>
+                <a:cs typeface="Arial" panose="020B0604020202020204" pitchFamily="34" charset="0"/>
               </a:rPr>
               <a:t>triển</a:t>
             </a:r>
             <a:r>
-              <a:rPr lang="en-US" sz="3200" i="1">
+              <a:rPr lang="en-US" sz="2500" i="1">
                 <a:solidFill>
                   <a:schemeClr val="tx1"/>
                 </a:solidFill>
-                <a:latin typeface="Sitka Banner" panose="02000505000000020004" pitchFamily="2" charset="0"/>
+                <a:latin typeface="Arial" panose="020B0604020202020204" pitchFamily="34" charset="0"/>
                 <a:ea typeface="Kozuka Mincho Pro EL" panose="02020200000000000000" pitchFamily="18" charset="-128"/>
-                <a:cs typeface="Urdu Typesetting" panose="03020402040406030203" pitchFamily="66" charset="-78"/>
+                <a:cs typeface="Arial" panose="020B0604020202020204" pitchFamily="34" charset="0"/>
               </a:rPr>
               <a:t> </a:t>
             </a:r>
             <a:r>
-              <a:rPr lang="en-US" sz="3200" i="1" err="1">
+              <a:rPr lang="en-US" sz="2500" i="1" err="1">
                 <a:solidFill>
                   <a:schemeClr val="tx1"/>
                 </a:solidFill>
-                <a:latin typeface="Sitka Banner" panose="02000505000000020004" pitchFamily="2" charset="0"/>
+                <a:latin typeface="Arial" panose="020B0604020202020204" pitchFamily="34" charset="0"/>
                 <a:ea typeface="Kozuka Mincho Pro EL" panose="02020200000000000000" pitchFamily="18" charset="-128"/>
-                <a:cs typeface="Urdu Typesetting" panose="03020402040406030203" pitchFamily="66" charset="-78"/>
+                <a:cs typeface="Arial" panose="020B0604020202020204" pitchFamily="34" charset="0"/>
               </a:rPr>
               <a:t>phần</a:t>
             </a:r>
             <a:r>
-              <a:rPr lang="en-US" sz="3200" i="1">
+              <a:rPr lang="en-US" sz="2500" i="1">
                 <a:solidFill>
                   <a:schemeClr val="tx1"/>
                 </a:solidFill>
-                <a:latin typeface="Sitka Banner" panose="02000505000000020004" pitchFamily="2" charset="0"/>
+                <a:latin typeface="Arial" panose="020B0604020202020204" pitchFamily="34" charset="0"/>
                 <a:ea typeface="Kozuka Mincho Pro EL" panose="02020200000000000000" pitchFamily="18" charset="-128"/>
-                <a:cs typeface="Urdu Typesetting" panose="03020402040406030203" pitchFamily="66" charset="-78"/>
+                <a:cs typeface="Arial" panose="020B0604020202020204" pitchFamily="34" charset="0"/>
               </a:rPr>
               <a:t> </a:t>
             </a:r>
             <a:r>
-              <a:rPr lang="en-US" sz="3200" i="1" err="1">
+              <a:rPr lang="en-US" sz="2500" i="1" err="1">
                 <a:solidFill>
                   <a:schemeClr val="tx1"/>
                 </a:solidFill>
-                <a:latin typeface="Sitka Banner" panose="02000505000000020004" pitchFamily="2" charset="0"/>
+                <a:latin typeface="Arial" panose="020B0604020202020204" pitchFamily="34" charset="0"/>
                 <a:ea typeface="Kozuka Mincho Pro EL" panose="02020200000000000000" pitchFamily="18" charset="-128"/>
-                <a:cs typeface="Urdu Typesetting" panose="03020402040406030203" pitchFamily="66" charset="-78"/>
+                <a:cs typeface="Arial" panose="020B0604020202020204" pitchFamily="34" charset="0"/>
               </a:rPr>
               <a:t>mềm</a:t>
             </a:r>
             <a:r>
-              <a:rPr lang="en-US" sz="3200" i="1">
+              <a:rPr lang="en-US" sz="2500" i="1">
                 <a:solidFill>
                   <a:schemeClr val="tx1"/>
                 </a:solidFill>
-                <a:latin typeface="Sitka Banner" panose="02000505000000020004" pitchFamily="2" charset="0"/>
+                <a:latin typeface="Arial" panose="020B0604020202020204" pitchFamily="34" charset="0"/>
                 <a:ea typeface="Kozuka Mincho Pro EL" panose="02020200000000000000" pitchFamily="18" charset="-128"/>
-                <a:cs typeface="Urdu Typesetting" panose="03020402040406030203" pitchFamily="66" charset="-78"/>
+                <a:cs typeface="Arial" panose="020B0604020202020204" pitchFamily="34" charset="0"/>
               </a:rPr>
               <a:t> </a:t>
             </a:r>
             <a:r>
-              <a:rPr lang="en-US" sz="3200" i="1" err="1">
+              <a:rPr lang="en-US" sz="2500" i="1" err="1">
                 <a:solidFill>
                   <a:schemeClr val="tx1"/>
                 </a:solidFill>
-                <a:latin typeface="Sitka Banner" panose="02000505000000020004" pitchFamily="2" charset="0"/>
+                <a:latin typeface="Arial" panose="020B0604020202020204" pitchFamily="34" charset="0"/>
                 <a:ea typeface="Kozuka Mincho Pro EL" panose="02020200000000000000" pitchFamily="18" charset="-128"/>
-                <a:cs typeface="Urdu Typesetting" panose="03020402040406030203" pitchFamily="66" charset="-78"/>
+                <a:cs typeface="Arial" panose="020B0604020202020204" pitchFamily="34" charset="0"/>
               </a:rPr>
               <a:t>mã</a:t>
             </a:r>
             <a:r>
-              <a:rPr lang="en-US" sz="3200" i="1">
+              <a:rPr lang="en-US" sz="2500" i="1">
                 <a:solidFill>
                   <a:schemeClr val="tx1"/>
                 </a:solidFill>
-                <a:latin typeface="Sitka Banner" panose="02000505000000020004" pitchFamily="2" charset="0"/>
+                <a:latin typeface="Arial" panose="020B0604020202020204" pitchFamily="34" charset="0"/>
                 <a:ea typeface="Kozuka Mincho Pro EL" panose="02020200000000000000" pitchFamily="18" charset="-128"/>
-                <a:cs typeface="Urdu Typesetting" panose="03020402040406030203" pitchFamily="66" charset="-78"/>
+                <a:cs typeface="Arial" panose="020B0604020202020204" pitchFamily="34" charset="0"/>
               </a:rPr>
               <a:t> </a:t>
             </a:r>
             <a:r>
-              <a:rPr lang="en-US" sz="3200" i="1" err="1">
+              <a:rPr lang="en-US" sz="2500" i="1" err="1">
                 <a:solidFill>
                   <a:schemeClr val="tx1"/>
                 </a:solidFill>
-                <a:latin typeface="Sitka Banner" panose="02000505000000020004" pitchFamily="2" charset="0"/>
+                <a:latin typeface="Arial" panose="020B0604020202020204" pitchFamily="34" charset="0"/>
                 <a:ea typeface="Kozuka Mincho Pro EL" panose="02020200000000000000" pitchFamily="18" charset="-128"/>
-                <a:cs typeface="Urdu Typesetting" panose="03020402040406030203" pitchFamily="66" charset="-78"/>
+                <a:cs typeface="Arial" panose="020B0604020202020204" pitchFamily="34" charset="0"/>
               </a:rPr>
               <a:t>nguồn</a:t>
             </a:r>
             <a:r>
-              <a:rPr lang="en-US" sz="3200" i="1">
+              <a:rPr lang="en-US" sz="2500" i="1">
                 <a:solidFill>
                   <a:schemeClr val="tx1"/>
                 </a:solidFill>
-                <a:latin typeface="Sitka Banner" panose="02000505000000020004" pitchFamily="2" charset="0"/>
+                <a:latin typeface="Arial" panose="020B0604020202020204" pitchFamily="34" charset="0"/>
                 <a:ea typeface="Kozuka Mincho Pro EL" panose="02020200000000000000" pitchFamily="18" charset="-128"/>
-                <a:cs typeface="Urdu Typesetting" panose="03020402040406030203" pitchFamily="66" charset="-78"/>
+                <a:cs typeface="Arial" panose="020B0604020202020204" pitchFamily="34" charset="0"/>
               </a:rPr>
               <a:t> </a:t>
             </a:r>
             <a:r>
-              <a:rPr lang="en-US" sz="3200" i="1" err="1" smtClean="0">
+              <a:rPr lang="en-US" sz="2500" i="1" err="1" smtClean="0">
                 <a:solidFill>
                   <a:schemeClr val="tx1"/>
                 </a:solidFill>
-                <a:latin typeface="Sitka Banner" panose="02000505000000020004" pitchFamily="2" charset="0"/>
+                <a:latin typeface="Arial" panose="020B0604020202020204" pitchFamily="34" charset="0"/>
                 <a:ea typeface="Kozuka Mincho Pro EL" panose="02020200000000000000" pitchFamily="18" charset="-128"/>
-                <a:cs typeface="Urdu Typesetting" panose="03020402040406030203" pitchFamily="66" charset="-78"/>
+                <a:cs typeface="Arial" panose="020B0604020202020204" pitchFamily="34" charset="0"/>
               </a:rPr>
               <a:t>mở</a:t>
             </a:r>
             <a:r>
-              <a:rPr lang="en-US" sz="3200" i="1" smtClean="0">
+              <a:rPr lang="en-US" sz="2500" i="1" smtClean="0">
                 <a:solidFill>
                   <a:schemeClr val="tx1"/>
                 </a:solidFill>
-                <a:latin typeface="Sitka Banner" panose="02000505000000020004" pitchFamily="2" charset="0"/>
+                <a:latin typeface="Arial" panose="020B0604020202020204" pitchFamily="34" charset="0"/>
                 <a:ea typeface="Kozuka Mincho Pro EL" panose="02020200000000000000" pitchFamily="18" charset="-128"/>
-                <a:cs typeface="Urdu Typesetting" panose="03020402040406030203" pitchFamily="66" charset="-78"/>
+                <a:cs typeface="Arial" panose="020B0604020202020204" pitchFamily="34" charset="0"/>
               </a:rPr>
               <a:t> </a:t>
             </a:r>
             <a:r>
-              <a:rPr lang="en-US" sz="3200" i="1" err="1">
+              <a:rPr lang="en-US" sz="2500" i="1" err="1">
                 <a:solidFill>
                   <a:schemeClr val="tx1"/>
                 </a:solidFill>
-                <a:latin typeface="Sitka Banner" panose="02000505000000020004" pitchFamily="2" charset="0"/>
+                <a:latin typeface="Arial" panose="020B0604020202020204" pitchFamily="34" charset="0"/>
                 <a:ea typeface="Kozuka Mincho Pro EL" panose="02020200000000000000" pitchFamily="18" charset="-128"/>
-                <a:cs typeface="Urdu Typesetting" panose="03020402040406030203" pitchFamily="66" charset="-78"/>
+                <a:cs typeface="Arial" panose="020B0604020202020204" pitchFamily="34" charset="0"/>
               </a:rPr>
               <a:t>đáng</a:t>
             </a:r>
             <a:r>
-              <a:rPr lang="en-US" sz="3200" i="1">
+              <a:rPr lang="en-US" sz="2500" i="1">
                 <a:solidFill>
                   <a:schemeClr val="tx1"/>
                 </a:solidFill>
-                <a:latin typeface="Sitka Banner" panose="02000505000000020004" pitchFamily="2" charset="0"/>
+                <a:latin typeface="Arial" panose="020B0604020202020204" pitchFamily="34" charset="0"/>
                 <a:ea typeface="Kozuka Mincho Pro EL" panose="02020200000000000000" pitchFamily="18" charset="-128"/>
-                <a:cs typeface="Urdu Typesetting" panose="03020402040406030203" pitchFamily="66" charset="-78"/>
+                <a:cs typeface="Arial" panose="020B0604020202020204" pitchFamily="34" charset="0"/>
               </a:rPr>
-              <a:t> tin </a:t>
-            </a:r>
-            <a:r>
-              <a:rPr lang="en-US" sz="3200" i="1" err="1" smtClean="0">
+              <a:t> </a:t>
+            </a:r>
+            <a:r>
+              <a:rPr lang="en-US" sz="2500" i="1" smtClean="0">
                 <a:solidFill>
                   <a:schemeClr val="tx1"/>
                 </a:solidFill>
-                <a:latin typeface="Sitka Banner" panose="02000505000000020004" pitchFamily="2" charset="0"/>
+                <a:latin typeface="Arial" panose="020B0604020202020204" pitchFamily="34" charset="0"/>
                 <a:ea typeface="Kozuka Mincho Pro EL" panose="02020200000000000000" pitchFamily="18" charset="-128"/>
-                <a:cs typeface="Urdu Typesetting" panose="03020402040406030203" pitchFamily="66" charset="-78"/>
+                <a:cs typeface="Arial" panose="020B0604020202020204" pitchFamily="34" charset="0"/>
               </a:rPr>
-              <a:t>cậy</a:t>
-            </a:r>
-            <a:r>
-              <a:rPr lang="en-US" sz="3200" i="1" smtClean="0">
+              <a:t>tin cậy</a:t>
+            </a:r>
+            <a:r>
+              <a:rPr lang="en-US" sz="2500" i="1" smtClean="0">
                 <a:solidFill>
                   <a:schemeClr val="tx1"/>
                 </a:solidFill>
-                <a:latin typeface="Sitka Banner" panose="02000505000000020004" pitchFamily="2" charset="0"/>
+                <a:latin typeface="Arial" panose="020B0604020202020204" pitchFamily="34" charset="0"/>
                 <a:ea typeface="Kozuka Mincho Pro EL" panose="02020200000000000000" pitchFamily="18" charset="-128"/>
-                <a:cs typeface="Urdu Typesetting" panose="03020402040406030203" pitchFamily="66" charset="-78"/>
+                <a:cs typeface="Arial" panose="020B0604020202020204" pitchFamily="34" charset="0"/>
               </a:rPr>
               <a:t>, </a:t>
             </a:r>
             <a:r>
-              <a:rPr lang="en-US" sz="3200" i="1" err="1" smtClean="0">
+              <a:rPr lang="en-US" sz="2500" i="1" err="1" smtClean="0">
                 <a:solidFill>
                   <a:schemeClr val="tx1"/>
                 </a:solidFill>
-                <a:latin typeface="Sitka Banner" panose="02000505000000020004" pitchFamily="2" charset="0"/>
+                <a:latin typeface="Arial" panose="020B0604020202020204" pitchFamily="34" charset="0"/>
                 <a:ea typeface="Kozuka Mincho Pro EL" panose="02020200000000000000" pitchFamily="18" charset="-128"/>
-                <a:cs typeface="Urdu Typesetting" panose="03020402040406030203" pitchFamily="66" charset="-78"/>
+                <a:cs typeface="Arial" panose="020B0604020202020204" pitchFamily="34" charset="0"/>
               </a:rPr>
               <a:t>có</a:t>
             </a:r>
             <a:r>
-              <a:rPr lang="en-US" sz="3200" i="1" smtClean="0">
+              <a:rPr lang="en-US" sz="2500" i="1" smtClean="0">
                 <a:solidFill>
                   <a:schemeClr val="tx1"/>
                 </a:solidFill>
-                <a:latin typeface="Sitka Banner" panose="02000505000000020004" pitchFamily="2" charset="0"/>
+                <a:latin typeface="Arial" panose="020B0604020202020204" pitchFamily="34" charset="0"/>
                 <a:ea typeface="Kozuka Mincho Pro EL" panose="02020200000000000000" pitchFamily="18" charset="-128"/>
-                <a:cs typeface="Urdu Typesetting" panose="03020402040406030203" pitchFamily="66" charset="-78"/>
+                <a:cs typeface="Arial" panose="020B0604020202020204" pitchFamily="34" charset="0"/>
               </a:rPr>
               <a:t> </a:t>
             </a:r>
             <a:r>
-              <a:rPr lang="en-US" sz="3200" i="1" err="1">
+              <a:rPr lang="en-US" sz="2500" i="1" err="1">
                 <a:solidFill>
                   <a:schemeClr val="tx1"/>
                 </a:solidFill>
-                <a:latin typeface="Sitka Banner" panose="02000505000000020004" pitchFamily="2" charset="0"/>
+                <a:latin typeface="Arial" panose="020B0604020202020204" pitchFamily="34" charset="0"/>
                 <a:ea typeface="Kozuka Mincho Pro EL" panose="02020200000000000000" pitchFamily="18" charset="-128"/>
-                <a:cs typeface="Urdu Typesetting" panose="03020402040406030203" pitchFamily="66" charset="-78"/>
+                <a:cs typeface="Arial" panose="020B0604020202020204" pitchFamily="34" charset="0"/>
               </a:rPr>
               <a:t>khả</a:t>
             </a:r>
             <a:r>
-              <a:rPr lang="en-US" sz="3200" i="1">
+              <a:rPr lang="en-US" sz="2500" i="1">
                 <a:solidFill>
                   <a:schemeClr val="tx1"/>
                 </a:solidFill>
-                <a:latin typeface="Sitka Banner" panose="02000505000000020004" pitchFamily="2" charset="0"/>
+                <a:latin typeface="Arial" panose="020B0604020202020204" pitchFamily="34" charset="0"/>
                 <a:ea typeface="Kozuka Mincho Pro EL" panose="02020200000000000000" pitchFamily="18" charset="-128"/>
-                <a:cs typeface="Urdu Typesetting" panose="03020402040406030203" pitchFamily="66" charset="-78"/>
+                <a:cs typeface="Arial" panose="020B0604020202020204" pitchFamily="34" charset="0"/>
               </a:rPr>
               <a:t> </a:t>
             </a:r>
             <a:r>
-              <a:rPr lang="en-US" sz="3200" i="1" err="1">
+              <a:rPr lang="en-US" sz="2500" i="1" err="1">
                 <a:solidFill>
                   <a:schemeClr val="tx1"/>
                 </a:solidFill>
-                <a:latin typeface="Sitka Banner" panose="02000505000000020004" pitchFamily="2" charset="0"/>
+                <a:latin typeface="Arial" panose="020B0604020202020204" pitchFamily="34" charset="0"/>
                 <a:ea typeface="Kozuka Mincho Pro EL" panose="02020200000000000000" pitchFamily="18" charset="-128"/>
-                <a:cs typeface="Urdu Typesetting" panose="03020402040406030203" pitchFamily="66" charset="-78"/>
+                <a:cs typeface="Arial" panose="020B0604020202020204" pitchFamily="34" charset="0"/>
               </a:rPr>
               <a:t>năng</a:t>
             </a:r>
             <a:r>
-              <a:rPr lang="en-US" sz="3200" i="1">
+              <a:rPr lang="en-US" sz="2500" i="1">
                 <a:solidFill>
                   <a:schemeClr val="tx1"/>
                 </a:solidFill>
-                <a:latin typeface="Sitka Banner" panose="02000505000000020004" pitchFamily="2" charset="0"/>
+                <a:latin typeface="Arial" panose="020B0604020202020204" pitchFamily="34" charset="0"/>
                 <a:ea typeface="Kozuka Mincho Pro EL" panose="02020200000000000000" pitchFamily="18" charset="-128"/>
-                <a:cs typeface="Urdu Typesetting" panose="03020402040406030203" pitchFamily="66" charset="-78"/>
+                <a:cs typeface="Arial" panose="020B0604020202020204" pitchFamily="34" charset="0"/>
               </a:rPr>
               <a:t> </a:t>
             </a:r>
             <a:r>
-              <a:rPr lang="en-US" sz="3200" i="1" err="1">
+              <a:rPr lang="en-US" sz="2500" i="1" err="1">
                 <a:solidFill>
                   <a:schemeClr val="tx1"/>
                 </a:solidFill>
-                <a:latin typeface="Sitka Banner" panose="02000505000000020004" pitchFamily="2" charset="0"/>
+                <a:latin typeface="Arial" panose="020B0604020202020204" pitchFamily="34" charset="0"/>
                 <a:ea typeface="Kozuka Mincho Pro EL" panose="02020200000000000000" pitchFamily="18" charset="-128"/>
-                <a:cs typeface="Urdu Typesetting" panose="03020402040406030203" pitchFamily="66" charset="-78"/>
+                <a:cs typeface="Arial" panose="020B0604020202020204" pitchFamily="34" charset="0"/>
               </a:rPr>
               <a:t>mở</a:t>
             </a:r>
             <a:r>
-              <a:rPr lang="en-US" sz="3200" i="1">
+              <a:rPr lang="en-US" sz="2500" i="1">
                 <a:solidFill>
                   <a:schemeClr val="tx1"/>
                 </a:solidFill>
-                <a:latin typeface="Sitka Banner" panose="02000505000000020004" pitchFamily="2" charset="0"/>
+                <a:latin typeface="Arial" panose="020B0604020202020204" pitchFamily="34" charset="0"/>
                 <a:ea typeface="Kozuka Mincho Pro EL" panose="02020200000000000000" pitchFamily="18" charset="-128"/>
-                <a:cs typeface="Urdu Typesetting" panose="03020402040406030203" pitchFamily="66" charset="-78"/>
+                <a:cs typeface="Arial" panose="020B0604020202020204" pitchFamily="34" charset="0"/>
               </a:rPr>
               <a:t> </a:t>
             </a:r>
             <a:r>
-              <a:rPr lang="en-US" sz="3200" i="1" err="1" smtClean="0">
+              <a:rPr lang="en-US" sz="2500" i="1" err="1" smtClean="0">
                 <a:solidFill>
                   <a:schemeClr val="tx1"/>
                 </a:solidFill>
-                <a:latin typeface="Sitka Banner" panose="02000505000000020004" pitchFamily="2" charset="0"/>
+                <a:latin typeface="Arial" panose="020B0604020202020204" pitchFamily="34" charset="0"/>
                 <a:ea typeface="Kozuka Mincho Pro EL" panose="02020200000000000000" pitchFamily="18" charset="-128"/>
-                <a:cs typeface="Urdu Typesetting" panose="03020402040406030203" pitchFamily="66" charset="-78"/>
+                <a:cs typeface="Arial" panose="020B0604020202020204" pitchFamily="34" charset="0"/>
               </a:rPr>
               <a:t>rộng</a:t>
             </a:r>
             <a:r>
-              <a:rPr lang="en-US" sz="3200" i="1" smtClean="0">
+              <a:rPr lang="en-US" sz="2500" i="1" smtClean="0">
                 <a:solidFill>
                   <a:schemeClr val="tx1"/>
                 </a:solidFill>
-                <a:latin typeface="Sitka Banner" panose="02000505000000020004" pitchFamily="2" charset="0"/>
+                <a:latin typeface="Arial" panose="020B0604020202020204" pitchFamily="34" charset="0"/>
                 <a:ea typeface="Kozuka Mincho Pro EL" panose="02020200000000000000" pitchFamily="18" charset="-128"/>
-                <a:cs typeface="Urdu Typesetting" panose="03020402040406030203" pitchFamily="66" charset="-78"/>
+                <a:cs typeface="Arial" panose="020B0604020202020204" pitchFamily="34" charset="0"/>
               </a:rPr>
               <a:t> </a:t>
             </a:r>
             <a:r>
-              <a:rPr lang="en-US" sz="3200" i="1" err="1" smtClean="0">
+              <a:rPr lang="en-US" sz="2500" i="1" err="1" smtClean="0">
                 <a:solidFill>
                   <a:schemeClr val="tx1"/>
                 </a:solidFill>
-                <a:latin typeface="Sitka Banner" panose="02000505000000020004" pitchFamily="2" charset="0"/>
+                <a:latin typeface="Arial" panose="020B0604020202020204" pitchFamily="34" charset="0"/>
                 <a:ea typeface="Kozuka Mincho Pro EL" panose="02020200000000000000" pitchFamily="18" charset="-128"/>
-                <a:cs typeface="Urdu Typesetting" panose="03020402040406030203" pitchFamily="66" charset="-78"/>
+                <a:cs typeface="Arial" panose="020B0604020202020204" pitchFamily="34" charset="0"/>
               </a:rPr>
               <a:t>và</a:t>
             </a:r>
             <a:r>
-              <a:rPr lang="en-US" sz="3200" i="1" smtClean="0">
+              <a:rPr lang="en-US" sz="2500" i="1" smtClean="0">
                 <a:solidFill>
                   <a:schemeClr val="tx1"/>
                 </a:solidFill>
-                <a:latin typeface="Sitka Banner" panose="02000505000000020004" pitchFamily="2" charset="0"/>
+                <a:latin typeface="Arial" panose="020B0604020202020204" pitchFamily="34" charset="0"/>
                 <a:ea typeface="Kozuka Mincho Pro EL" panose="02020200000000000000" pitchFamily="18" charset="-128"/>
-                <a:cs typeface="Urdu Typesetting" panose="03020402040406030203" pitchFamily="66" charset="-78"/>
+                <a:cs typeface="Arial" panose="020B0604020202020204" pitchFamily="34" charset="0"/>
               </a:rPr>
               <a:t> </a:t>
             </a:r>
             <a:r>
-              <a:rPr lang="en-US" sz="3200" i="1" err="1" smtClean="0">
+              <a:rPr lang="en-US" sz="2500" i="1" err="1" smtClean="0">
                 <a:solidFill>
                   <a:schemeClr val="tx1"/>
                 </a:solidFill>
-                <a:latin typeface="Sitka Banner" panose="02000505000000020004" pitchFamily="2" charset="0"/>
+                <a:latin typeface="Arial" panose="020B0604020202020204" pitchFamily="34" charset="0"/>
                 <a:ea typeface="Kozuka Mincho Pro EL" panose="02020200000000000000" pitchFamily="18" charset="-128"/>
-                <a:cs typeface="Urdu Typesetting" panose="03020402040406030203" pitchFamily="66" charset="-78"/>
+                <a:cs typeface="Arial" panose="020B0604020202020204" pitchFamily="34" charset="0"/>
               </a:rPr>
               <a:t>tính</a:t>
             </a:r>
             <a:r>
-              <a:rPr lang="en-US" sz="3200" i="1" smtClean="0">
+              <a:rPr lang="en-US" sz="2500" i="1" smtClean="0">
                 <a:solidFill>
                   <a:schemeClr val="tx1"/>
                 </a:solidFill>
-                <a:latin typeface="Sitka Banner" panose="02000505000000020004" pitchFamily="2" charset="0"/>
+                <a:latin typeface="Arial" panose="020B0604020202020204" pitchFamily="34" charset="0"/>
                 <a:ea typeface="Kozuka Mincho Pro EL" panose="02020200000000000000" pitchFamily="18" charset="-128"/>
-                <a:cs typeface="Urdu Typesetting" panose="03020402040406030203" pitchFamily="66" charset="-78"/>
+                <a:cs typeface="Arial" panose="020B0604020202020204" pitchFamily="34" charset="0"/>
               </a:rPr>
               <a:t> </a:t>
             </a:r>
             <a:r>
-              <a:rPr lang="en-US" sz="3200" i="1" err="1">
+              <a:rPr lang="en-US" sz="2500" i="1" err="1">
                 <a:solidFill>
                   <a:schemeClr val="tx1"/>
                 </a:solidFill>
-                <a:latin typeface="Sitka Banner" panose="02000505000000020004" pitchFamily="2" charset="0"/>
+                <a:latin typeface="Arial" panose="020B0604020202020204" pitchFamily="34" charset="0"/>
                 <a:ea typeface="Kozuka Mincho Pro EL" panose="02020200000000000000" pitchFamily="18" charset="-128"/>
-                <a:cs typeface="Urdu Typesetting" panose="03020402040406030203" pitchFamily="66" charset="-78"/>
+                <a:cs typeface="Arial" panose="020B0604020202020204" pitchFamily="34" charset="0"/>
               </a:rPr>
               <a:t>toán</a:t>
             </a:r>
             <a:r>
-              <a:rPr lang="en-US" sz="3200" i="1">
+              <a:rPr lang="en-US" sz="2500" i="1">
                 <a:solidFill>
                   <a:schemeClr val="tx1"/>
                 </a:solidFill>
-                <a:latin typeface="Sitka Banner" panose="02000505000000020004" pitchFamily="2" charset="0"/>
+                <a:latin typeface="Arial" panose="020B0604020202020204" pitchFamily="34" charset="0"/>
                 <a:ea typeface="Kozuka Mincho Pro EL" panose="02020200000000000000" pitchFamily="18" charset="-128"/>
-                <a:cs typeface="Urdu Typesetting" panose="03020402040406030203" pitchFamily="66" charset="-78"/>
+                <a:cs typeface="Arial" panose="020B0604020202020204" pitchFamily="34" charset="0"/>
               </a:rPr>
               <a:t> </a:t>
             </a:r>
             <a:r>
-              <a:rPr lang="en-US" sz="3200" i="1" err="1">
+              <a:rPr lang="en-US" sz="2500" i="1" err="1">
                 <a:solidFill>
                   <a:schemeClr val="tx1"/>
                 </a:solidFill>
-                <a:latin typeface="Sitka Banner" panose="02000505000000020004" pitchFamily="2" charset="0"/>
+                <a:latin typeface="Arial" panose="020B0604020202020204" pitchFamily="34" charset="0"/>
                 <a:ea typeface="Kozuka Mincho Pro EL" panose="02020200000000000000" pitchFamily="18" charset="-128"/>
-                <a:cs typeface="Urdu Typesetting" panose="03020402040406030203" pitchFamily="66" charset="-78"/>
+                <a:cs typeface="Arial" panose="020B0604020202020204" pitchFamily="34" charset="0"/>
               </a:rPr>
               <a:t>phân</a:t>
             </a:r>
             <a:r>
-              <a:rPr lang="en-US" sz="3200" i="1">
+              <a:rPr lang="en-US" sz="2500" i="1">
                 <a:solidFill>
                   <a:schemeClr val="tx1"/>
                 </a:solidFill>
-                <a:latin typeface="Sitka Banner" panose="02000505000000020004" pitchFamily="2" charset="0"/>
+                <a:latin typeface="Arial" panose="020B0604020202020204" pitchFamily="34" charset="0"/>
                 <a:ea typeface="Kozuka Mincho Pro EL" panose="02020200000000000000" pitchFamily="18" charset="-128"/>
-                <a:cs typeface="Urdu Typesetting" panose="03020402040406030203" pitchFamily="66" charset="-78"/>
+                <a:cs typeface="Arial" panose="020B0604020202020204" pitchFamily="34" charset="0"/>
               </a:rPr>
               <a:t> </a:t>
             </a:r>
             <a:r>
-              <a:rPr lang="en-US" sz="3200" i="1" err="1">
+              <a:rPr lang="en-US" sz="2500" i="1" err="1">
                 <a:solidFill>
                   <a:schemeClr val="tx1"/>
                 </a:solidFill>
-                <a:latin typeface="Sitka Banner" panose="02000505000000020004" pitchFamily="2" charset="0"/>
+                <a:latin typeface="Arial" panose="020B0604020202020204" pitchFamily="34" charset="0"/>
                 <a:ea typeface="Kozuka Mincho Pro EL" panose="02020200000000000000" pitchFamily="18" charset="-128"/>
-                <a:cs typeface="Urdu Typesetting" panose="03020402040406030203" pitchFamily="66" charset="-78"/>
+                <a:cs typeface="Arial" panose="020B0604020202020204" pitchFamily="34" charset="0"/>
               </a:rPr>
               <a:t>tán</a:t>
             </a:r>
             <a:r>
-              <a:rPr lang="en-US" sz="3200" i="1" smtClean="0">
+              <a:rPr lang="en-US" sz="2500" i="1" smtClean="0">
                 <a:solidFill>
                   <a:schemeClr val="tx1"/>
                 </a:solidFill>
-                <a:latin typeface="Sitka Banner" panose="02000505000000020004" pitchFamily="2" charset="0"/>
+                <a:latin typeface="Arial" panose="020B0604020202020204" pitchFamily="34" charset="0"/>
                 <a:ea typeface="Kozuka Mincho Pro EL" panose="02020200000000000000" pitchFamily="18" charset="-128"/>
-                <a:cs typeface="Urdu Typesetting" panose="03020402040406030203" pitchFamily="66" charset="-78"/>
+                <a:cs typeface="Arial" panose="020B0604020202020204" pitchFamily="34" charset="0"/>
               </a:rPr>
               <a:t>. </a:t>
             </a:r>
             <a:r>
-              <a:rPr lang="en-US" sz="3200" i="1">
+              <a:rPr lang="en-US" sz="2500" i="1">
                 <a:solidFill>
                   <a:schemeClr val="tx1"/>
                 </a:solidFill>
-                <a:latin typeface="Sitka Banner" panose="02000505000000020004" pitchFamily="2" charset="0"/>
+                <a:latin typeface="Arial" panose="020B0604020202020204" pitchFamily="34" charset="0"/>
                 <a:ea typeface="Kozuka Mincho Pro EL" panose="02020200000000000000" pitchFamily="18" charset="-128"/>
-                <a:cs typeface="Urdu Typesetting" panose="03020402040406030203" pitchFamily="66" charset="-78"/>
+                <a:cs typeface="Arial" panose="020B0604020202020204" pitchFamily="34" charset="0"/>
               </a:rPr>
-              <a:t>Hadoop hỗ trợ một số công cụ </a:t>
-            </a:r>
-            <a:endParaRPr lang="en-US" sz="3200" i="1">
+              <a:t>Hadoop hỗ trợ một số công </a:t>
+            </a:r>
+            <a:r>
+              <a:rPr lang="en-US" sz="2500" i="1" smtClean="0">
+                <a:solidFill>
+                  <a:schemeClr val="tx1"/>
+                </a:solidFill>
+                <a:latin typeface="Arial" panose="020B0604020202020204" pitchFamily="34" charset="0"/>
+                <a:ea typeface="Kozuka Mincho Pro EL" panose="02020200000000000000" pitchFamily="18" charset="-128"/>
+                <a:cs typeface="Arial" panose="020B0604020202020204" pitchFamily="34" charset="0"/>
+              </a:rPr>
+              <a:t>cụ.</a:t>
+            </a:r>
+            <a:endParaRPr lang="en-US" sz="2500" i="1">
               <a:solidFill>
                 <a:schemeClr val="tx1"/>
               </a:solidFill>
-              <a:latin typeface="Sitka Banner" panose="02000505000000020004" pitchFamily="2" charset="0"/>
+              <a:latin typeface="Arial" panose="020B0604020202020204" pitchFamily="34" charset="0"/>
               <a:ea typeface="Kozuka Mincho Pro EL" panose="02020200000000000000" pitchFamily="18" charset="-128"/>
-              <a:cs typeface="Urdu Typesetting" panose="03020402040406030203" pitchFamily="66" charset="-78"/>
+              <a:cs typeface="Arial" panose="020B0604020202020204" pitchFamily="34" charset="0"/>
             </a:endParaRPr>
           </a:p>
         </p:txBody>
@@ -17887,62 +21129,98 @@
         <p:spPr/>
         <p:txBody>
           <a:bodyPr>
-            <a:normAutofit fontScale="92500"/>
+            <a:normAutofit/>
           </a:bodyPr>
           <a:lstStyle/>
           <a:p>
+            <a:pPr>
+              <a:buFont typeface="Wingdings" panose="05000000000000000000" pitchFamily="2" charset="2"/>
+              <a:buChar char="q"/>
+            </a:pPr>
+            <a:r>
+              <a:rPr lang="en-US" smtClean="0">
+                <a:solidFill>
+                  <a:schemeClr val="tx1"/>
+                </a:solidFill>
+                <a:latin typeface="Arial" panose="020B0604020202020204" pitchFamily="34" charset="0"/>
+                <a:cs typeface="Arial" panose="020B0604020202020204" pitchFamily="34" charset="0"/>
+              </a:rPr>
+              <a:t> Apache Avro</a:t>
+            </a:r>
+          </a:p>
+          <a:p>
+            <a:pPr>
+              <a:buFont typeface="Wingdings" panose="05000000000000000000" pitchFamily="2" charset="2"/>
+              <a:buChar char="q"/>
+            </a:pPr>
+            <a:r>
+              <a:rPr lang="en-US" smtClean="0">
+                <a:solidFill>
+                  <a:schemeClr val="tx1"/>
+                </a:solidFill>
+                <a:latin typeface="Arial" panose="020B0604020202020204" pitchFamily="34" charset="0"/>
+                <a:cs typeface="Arial" panose="020B0604020202020204" pitchFamily="34" charset="0"/>
+              </a:rPr>
+              <a:t> Apache Crunch</a:t>
+            </a:r>
+          </a:p>
+          <a:p>
+            <a:pPr>
+              <a:buFont typeface="Wingdings" panose="05000000000000000000" pitchFamily="2" charset="2"/>
+              <a:buChar char="q"/>
+            </a:pPr>
+            <a:r>
+              <a:rPr lang="en-US" smtClean="0">
+                <a:solidFill>
+                  <a:schemeClr val="tx1"/>
+                </a:solidFill>
+                <a:latin typeface="Arial" panose="020B0604020202020204" pitchFamily="34" charset="0"/>
+                <a:cs typeface="Arial" panose="020B0604020202020204" pitchFamily="34" charset="0"/>
+              </a:rPr>
+              <a:t> Cloudera ML</a:t>
+            </a:r>
+          </a:p>
+          <a:p>
+            <a:pPr>
+              <a:buFont typeface="Wingdings" panose="05000000000000000000" pitchFamily="2" charset="2"/>
+              <a:buChar char="q"/>
+            </a:pPr>
+            <a:r>
+              <a:rPr lang="en-US" smtClean="0">
+                <a:solidFill>
+                  <a:schemeClr val="tx1"/>
+                </a:solidFill>
+                <a:latin typeface="Arial" panose="020B0604020202020204" pitchFamily="34" charset="0"/>
+                <a:cs typeface="Arial" panose="020B0604020202020204" pitchFamily="34" charset="0"/>
+              </a:rPr>
+              <a:t> Cloudera </a:t>
+            </a:r>
             <a:r>
               <a:rPr lang="en-US">
                 <a:solidFill>
                   <a:schemeClr val="tx1"/>
                 </a:solidFill>
-                <a:latin typeface="Times New Roman" panose="02020603050405020304" pitchFamily="18" charset="0"/>
-                <a:cs typeface="Times New Roman" panose="02020603050405020304" pitchFamily="18" charset="0"/>
+                <a:latin typeface="Arial" panose="020B0604020202020204" pitchFamily="34" charset="0"/>
+                <a:cs typeface="Arial" panose="020B0604020202020204" pitchFamily="34" charset="0"/>
               </a:rPr>
-              <a:t>Apache Avro: Hệ thống dữ liệu tuần tự.</a:t>
-            </a:r>
-          </a:p>
-          <a:p>
-            <a:r>
-              <a:rPr lang="en-US">
+              <a:t>Development </a:t>
+            </a:r>
+            <a:r>
+              <a:rPr lang="en-US" smtClean="0">
                 <a:solidFill>
                   <a:schemeClr val="tx1"/>
                 </a:solidFill>
-                <a:latin typeface="Times New Roman" panose="02020603050405020304" pitchFamily="18" charset="0"/>
-                <a:cs typeface="Times New Roman" panose="02020603050405020304" pitchFamily="18" charset="0"/>
+                <a:latin typeface="Arial" panose="020B0604020202020204" pitchFamily="34" charset="0"/>
+                <a:cs typeface="Arial" panose="020B0604020202020204" pitchFamily="34" charset="0"/>
               </a:rPr>
-              <a:t>Apache Crunch: Là một thư viện Java API giúp cho những việc như thu thập và tập hợp dữ liệu trên MapReduce dễ dàng hơn.</a:t>
-            </a:r>
-          </a:p>
-          <a:p>
-            <a:r>
-              <a:rPr lang="en-US">
-                <a:solidFill>
-                  <a:schemeClr val="tx1"/>
-                </a:solidFill>
-                <a:latin typeface="Times New Roman" panose="02020603050405020304" pitchFamily="18" charset="0"/>
-                <a:cs typeface="Times New Roman" panose="02020603050405020304" pitchFamily="18" charset="0"/>
-              </a:rPr>
-              <a:t>Cloudera ML: một thư viện mã nguồn mở, tích hợp nhiều công cụ nhằm mục đích phân tích, mô hình hóa dữ liệu.</a:t>
-            </a:r>
-          </a:p>
-          <a:p>
-            <a:r>
-              <a:rPr lang="en-US">
-                <a:solidFill>
-                  <a:schemeClr val="tx1"/>
-                </a:solidFill>
-                <a:latin typeface="Times New Roman" panose="02020603050405020304" pitchFamily="18" charset="0"/>
-                <a:cs typeface="Times New Roman" panose="02020603050405020304" pitchFamily="18" charset="0"/>
-              </a:rPr>
-              <a:t>Cloudera Development Kit: là một tập hợp các thư viện mã nguồn mở và các công cụ giúp việc viết các ứng dụng trên Hadoop dễ dàng hơn. Nó nhắm vào các nhà phát triển đang cố gắng để xây dựng các ứng dụng trên Hadoop</a:t>
-            </a:r>
-          </a:p>
-          <a:p>
+              <a:t>Kit</a:t>
+            </a:r>
             <a:endParaRPr lang="en-US">
               <a:solidFill>
                 <a:schemeClr val="tx1"/>
               </a:solidFill>
+              <a:latin typeface="Arial" panose="020B0604020202020204" pitchFamily="34" charset="0"/>
+              <a:cs typeface="Arial" panose="020B0604020202020204" pitchFamily="34" charset="0"/>
             </a:endParaRPr>
           </a:p>
         </p:txBody>
@@ -18043,8 +21321,8 @@
                 <a:solidFill>
                   <a:schemeClr val="tx1"/>
                 </a:solidFill>
-                <a:latin typeface="Times New Roman" panose="02020603050405020304" pitchFamily="18" charset="0"/>
-                <a:cs typeface="Times New Roman" panose="02020603050405020304" pitchFamily="18" charset="0"/>
+                <a:latin typeface="Arial" panose="020B0604020202020204" pitchFamily="34" charset="0"/>
+                <a:cs typeface="Arial" panose="020B0604020202020204" pitchFamily="34" charset="0"/>
               </a:rPr>
               <a:t> </a:t>
             </a:r>
@@ -18053,8 +21331,8 @@
                 <a:solidFill>
                   <a:schemeClr val="tx1"/>
                 </a:solidFill>
-                <a:latin typeface="Times New Roman" panose="02020603050405020304" pitchFamily="18" charset="0"/>
-                <a:cs typeface="Times New Roman" panose="02020603050405020304" pitchFamily="18" charset="0"/>
+                <a:latin typeface="Arial" panose="020B0604020202020204" pitchFamily="34" charset="0"/>
+                <a:cs typeface="Arial" panose="020B0604020202020204" pitchFamily="34" charset="0"/>
               </a:rPr>
               <a:t>Apache Avro </a:t>
             </a:r>
@@ -18063,8 +21341,8 @@
                 <a:solidFill>
                   <a:schemeClr val="tx1"/>
                 </a:solidFill>
-                <a:latin typeface="Times New Roman" panose="02020603050405020304" pitchFamily="18" charset="0"/>
-                <a:cs typeface="Times New Roman" panose="02020603050405020304" pitchFamily="18" charset="0"/>
+                <a:latin typeface="Arial" panose="020B0604020202020204" pitchFamily="34" charset="0"/>
+                <a:cs typeface="Arial" panose="020B0604020202020204" pitchFamily="34" charset="0"/>
               </a:rPr>
               <a:t>là một hệ thống dữ liệu tuần tự.</a:t>
             </a:r>
@@ -18072,22 +21350,22 @@
               <a:solidFill>
                 <a:schemeClr val="tx1"/>
               </a:solidFill>
-              <a:latin typeface="Times New Roman" panose="02020603050405020304" pitchFamily="18" charset="0"/>
-              <a:cs typeface="Times New Roman" panose="02020603050405020304" pitchFamily="18" charset="0"/>
+              <a:latin typeface="Arial" panose="020B0604020202020204" pitchFamily="34" charset="0"/>
+              <a:cs typeface="Arial" panose="020B0604020202020204" pitchFamily="34" charset="0"/>
             </a:endParaRPr>
           </a:p>
           <a:p>
             <a:pPr lvl="1">
-              <a:buFont typeface="Arial" panose="020B0604020202020204" pitchFamily="34" charset="0"/>
-              <a:buChar char="•"/>
+              <a:buFont typeface="Wingdings" panose="05000000000000000000" pitchFamily="2" charset="2"/>
+              <a:buChar char="Ø"/>
             </a:pPr>
             <a:r>
               <a:rPr lang="en-US" sz="2200" smtClean="0">
                 <a:solidFill>
                   <a:schemeClr val="tx1"/>
                 </a:solidFill>
-                <a:latin typeface="Times New Roman" panose="02020603050405020304" pitchFamily="18" charset="0"/>
-                <a:cs typeface="Times New Roman" panose="02020603050405020304" pitchFamily="18" charset="0"/>
+                <a:latin typeface="Arial" panose="020B0604020202020204" pitchFamily="34" charset="0"/>
+                <a:cs typeface="Arial" panose="020B0604020202020204" pitchFamily="34" charset="0"/>
               </a:rPr>
               <a:t> Giúp giải quyết các vấn đề liên quan </a:t>
             </a:r>
@@ -18096,44 +21374,34 @@
                 <a:solidFill>
                   <a:schemeClr val="tx1"/>
                 </a:solidFill>
-                <a:latin typeface="Times New Roman" panose="02020603050405020304" pitchFamily="18" charset="0"/>
-                <a:cs typeface="Times New Roman" panose="02020603050405020304" pitchFamily="18" charset="0"/>
+                <a:latin typeface="Arial" panose="020B0604020202020204" pitchFamily="34" charset="0"/>
+                <a:cs typeface="Arial" panose="020B0604020202020204" pitchFamily="34" charset="0"/>
               </a:rPr>
-              <a:t>records, arrays, unions</a:t>
-            </a:r>
-            <a:r>
-              <a:rPr lang="en-US" sz="2200">
+              <a:t>records, arrays, unions, </a:t>
+            </a:r>
+            <a:r>
+              <a:rPr lang="en-US" sz="2200" smtClean="0">
                 <a:solidFill>
                   <a:schemeClr val="tx1"/>
                 </a:solidFill>
-                <a:latin typeface="Times New Roman" panose="02020603050405020304" pitchFamily="18" charset="0"/>
-                <a:cs typeface="Times New Roman" panose="02020603050405020304" pitchFamily="18" charset="0"/>
-              </a:rPr>
-              <a:t>, </a:t>
-            </a:r>
-            <a:r>
-              <a:rPr lang="en-US" sz="2200" smtClean="0">
-                <a:solidFill>
-                  <a:schemeClr val="tx1"/>
-                </a:solidFill>
-                <a:latin typeface="Times New Roman" panose="02020603050405020304" pitchFamily="18" charset="0"/>
-                <a:cs typeface="Times New Roman" panose="02020603050405020304" pitchFamily="18" charset="0"/>
+                <a:latin typeface="Arial" panose="020B0604020202020204" pitchFamily="34" charset="0"/>
+                <a:cs typeface="Arial" panose="020B0604020202020204" pitchFamily="34" charset="0"/>
               </a:rPr>
               <a:t>enums. Giúp đọc ghi dữ liệu mà không tạo ra mã con.</a:t>
             </a:r>
           </a:p>
           <a:p>
             <a:pPr lvl="1">
-              <a:buFont typeface="Arial" panose="020B0604020202020204" pitchFamily="34" charset="0"/>
-              <a:buChar char="•"/>
+              <a:buFont typeface="Wingdings" panose="05000000000000000000" pitchFamily="2" charset="2"/>
+              <a:buChar char="Ø"/>
             </a:pPr>
             <a:r>
               <a:rPr lang="en-US" sz="2200" smtClean="0">
                 <a:solidFill>
                   <a:schemeClr val="tx1"/>
                 </a:solidFill>
-                <a:latin typeface="Times New Roman" panose="02020603050405020304" pitchFamily="18" charset="0"/>
-                <a:cs typeface="Times New Roman" panose="02020603050405020304" pitchFamily="18" charset="0"/>
+                <a:latin typeface="Arial" panose="020B0604020202020204" pitchFamily="34" charset="0"/>
+                <a:cs typeface="Arial" panose="020B0604020202020204" pitchFamily="34" charset="0"/>
               </a:rPr>
               <a:t> Avro </a:t>
             </a:r>
@@ -18142,94 +21410,54 @@
                 <a:solidFill>
                   <a:schemeClr val="tx1"/>
                 </a:solidFill>
-                <a:latin typeface="Times New Roman" panose="02020603050405020304" pitchFamily="18" charset="0"/>
-                <a:cs typeface="Times New Roman" panose="02020603050405020304" pitchFamily="18" charset="0"/>
+                <a:latin typeface="Arial" panose="020B0604020202020204" pitchFamily="34" charset="0"/>
+                <a:cs typeface="Arial" panose="020B0604020202020204" pitchFamily="34" charset="0"/>
               </a:rPr>
-              <a:t>có khả năng phù hợp với rất nhiều ngôn ngữ khác nhau như Java, C, C ++, C #, Python, Ruby, vv</a:t>
-            </a:r>
-            <a:r>
-              <a:rPr lang="en-US" sz="2200">
+              <a:t>có khả năng phù hợp với rất nhiều ngôn ngữ khác nhau như Java, C, C ++, C #, Python, Ruby, vv… </a:t>
+            </a:r>
+            <a:r>
+              <a:rPr lang="en-US" sz="2200" smtClean="0">
                 <a:solidFill>
                   <a:schemeClr val="tx1"/>
                 </a:solidFill>
-                <a:latin typeface="Times New Roman" panose="02020603050405020304" pitchFamily="18" charset="0"/>
-                <a:cs typeface="Times New Roman" panose="02020603050405020304" pitchFamily="18" charset="0"/>
-              </a:rPr>
-              <a:t>… </a:t>
-            </a:r>
-            <a:r>
-              <a:rPr lang="en-US" sz="2200" smtClean="0">
-                <a:solidFill>
-                  <a:schemeClr val="tx1"/>
-                </a:solidFill>
-                <a:latin typeface="Times New Roman" panose="02020603050405020304" pitchFamily="18" charset="0"/>
-                <a:cs typeface="Times New Roman" panose="02020603050405020304" pitchFamily="18" charset="0"/>
+                <a:latin typeface="Arial" panose="020B0604020202020204" pitchFamily="34" charset="0"/>
+                <a:cs typeface="Arial" panose="020B0604020202020204" pitchFamily="34" charset="0"/>
               </a:rPr>
               <a:t>và có thể sử dụng nhiều công cụ.</a:t>
             </a:r>
           </a:p>
           <a:p>
             <a:pPr lvl="1">
-              <a:buFont typeface="Arial" panose="020B0604020202020204" pitchFamily="34" charset="0"/>
-              <a:buChar char="•"/>
+              <a:buFont typeface="Wingdings" panose="05000000000000000000" pitchFamily="2" charset="2"/>
+              <a:buChar char="Ø"/>
             </a:pPr>
             <a:r>
               <a:rPr lang="en-US" sz="2200" smtClean="0">
                 <a:solidFill>
                   <a:schemeClr val="tx1"/>
                 </a:solidFill>
-                <a:latin typeface="Times New Roman" panose="02020603050405020304" pitchFamily="18" charset="0"/>
-                <a:cs typeface="Times New Roman" panose="02020603050405020304" pitchFamily="18" charset="0"/>
+                <a:latin typeface="Arial" panose="020B0604020202020204" pitchFamily="34" charset="0"/>
+                <a:cs typeface="Arial" panose="020B0604020202020204" pitchFamily="34" charset="0"/>
               </a:rPr>
-              <a:t> Một trong những mục </a:t>
+              <a:t>Mục tiêu </a:t>
             </a:r>
             <a:r>
               <a:rPr lang="en-US" sz="2200">
                 <a:solidFill>
                   <a:schemeClr val="tx1"/>
                 </a:solidFill>
-                <a:latin typeface="Times New Roman" panose="02020603050405020304" pitchFamily="18" charset="0"/>
-                <a:cs typeface="Times New Roman" panose="02020603050405020304" pitchFamily="18" charset="0"/>
+                <a:latin typeface="Arial" panose="020B0604020202020204" pitchFamily="34" charset="0"/>
+                <a:cs typeface="Arial" panose="020B0604020202020204" pitchFamily="34" charset="0"/>
               </a:rPr>
-              <a:t>tiêu </a:t>
+              <a:t>là một tập hợp các định dạng </a:t>
             </a:r>
             <a:r>
               <a:rPr lang="en-US" sz="2200" smtClean="0">
                 <a:solidFill>
                   <a:schemeClr val="tx1"/>
                 </a:solidFill>
-                <a:latin typeface="Times New Roman" panose="02020603050405020304" pitchFamily="18" charset="0"/>
-                <a:cs typeface="Times New Roman" panose="02020603050405020304" pitchFamily="18" charset="0"/>
-              </a:rPr>
-              <a:t>của </a:t>
-            </a:r>
-            <a:r>
-              <a:rPr lang="en-US" sz="2200">
-                <a:solidFill>
-                  <a:schemeClr val="tx1"/>
-                </a:solidFill>
-                <a:latin typeface="Times New Roman" panose="02020603050405020304" pitchFamily="18" charset="0"/>
-                <a:cs typeface="Times New Roman" panose="02020603050405020304" pitchFamily="18" charset="0"/>
-              </a:rPr>
-              <a:t>Avro là một tập hợp các định </a:t>
-            </a:r>
-            <a:r>
-              <a:rPr lang="en-US" sz="2200">
-                <a:solidFill>
-                  <a:schemeClr val="tx1"/>
-                </a:solidFill>
-                <a:latin typeface="Times New Roman" panose="02020603050405020304" pitchFamily="18" charset="0"/>
-                <a:cs typeface="Times New Roman" panose="02020603050405020304" pitchFamily="18" charset="0"/>
-              </a:rPr>
-              <a:t>dạng </a:t>
-            </a:r>
-            <a:r>
-              <a:rPr lang="en-US" sz="2200" smtClean="0">
-                <a:solidFill>
-                  <a:schemeClr val="tx1"/>
-                </a:solidFill>
-                <a:latin typeface="Times New Roman" panose="02020603050405020304" pitchFamily="18" charset="0"/>
-                <a:cs typeface="Times New Roman" panose="02020603050405020304" pitchFamily="18" charset="0"/>
+                <a:latin typeface="Arial" panose="020B0604020202020204" pitchFamily="34" charset="0"/>
+                <a:cs typeface="Arial" panose="020B0604020202020204" pitchFamily="34" charset="0"/>
               </a:rPr>
               <a:t>dữ liệu </a:t>
             </a:r>
@@ -18238,8 +21466,8 @@
                 <a:solidFill>
                   <a:schemeClr val="tx1"/>
                 </a:solidFill>
-                <a:latin typeface="Times New Roman" panose="02020603050405020304" pitchFamily="18" charset="0"/>
-                <a:cs typeface="Times New Roman" panose="02020603050405020304" pitchFamily="18" charset="0"/>
+                <a:latin typeface="Arial" panose="020B0604020202020204" pitchFamily="34" charset="0"/>
+                <a:cs typeface="Arial" panose="020B0604020202020204" pitchFamily="34" charset="0"/>
               </a:rPr>
               <a:t>tuần </a:t>
             </a:r>
@@ -18248,8 +21476,8 @@
                 <a:solidFill>
                   <a:schemeClr val="tx1"/>
                 </a:solidFill>
-                <a:latin typeface="Times New Roman" panose="02020603050405020304" pitchFamily="18" charset="0"/>
-                <a:cs typeface="Times New Roman" panose="02020603050405020304" pitchFamily="18" charset="0"/>
+                <a:latin typeface="Arial" panose="020B0604020202020204" pitchFamily="34" charset="0"/>
+                <a:cs typeface="Arial" panose="020B0604020202020204" pitchFamily="34" charset="0"/>
               </a:rPr>
               <a:t>tự, giúp </a:t>
             </a:r>
@@ -18258,28 +21486,18 @@
                 <a:solidFill>
                   <a:schemeClr val="tx1"/>
                 </a:solidFill>
-                <a:latin typeface="Times New Roman" panose="02020603050405020304" pitchFamily="18" charset="0"/>
-                <a:cs typeface="Times New Roman" panose="02020603050405020304" pitchFamily="18" charset="0"/>
+                <a:latin typeface="Arial" panose="020B0604020202020204" pitchFamily="34" charset="0"/>
+                <a:cs typeface="Arial" panose="020B0604020202020204" pitchFamily="34" charset="0"/>
               </a:rPr>
-              <a:t>sử </a:t>
-            </a:r>
-            <a:r>
-              <a:rPr lang="en-US" sz="2200">
+              <a:t>sử dụng </a:t>
+            </a:r>
+            <a:r>
+              <a:rPr lang="en-US" sz="2200" smtClean="0">
                 <a:solidFill>
                   <a:schemeClr val="tx1"/>
                 </a:solidFill>
-                <a:latin typeface="Times New Roman" panose="02020603050405020304" pitchFamily="18" charset="0"/>
-                <a:cs typeface="Times New Roman" panose="02020603050405020304" pitchFamily="18" charset="0"/>
-              </a:rPr>
-              <a:t>dụng </a:t>
-            </a:r>
-            <a:r>
-              <a:rPr lang="en-US" sz="2200" smtClean="0">
-                <a:solidFill>
-                  <a:schemeClr val="tx1"/>
-                </a:solidFill>
-                <a:latin typeface="Times New Roman" panose="02020603050405020304" pitchFamily="18" charset="0"/>
-                <a:cs typeface="Times New Roman" panose="02020603050405020304" pitchFamily="18" charset="0"/>
+                <a:latin typeface="Arial" panose="020B0604020202020204" pitchFamily="34" charset="0"/>
+                <a:cs typeface="Arial" panose="020B0604020202020204" pitchFamily="34" charset="0"/>
               </a:rPr>
               <a:t>tất </a:t>
             </a:r>
@@ -18288,160 +21506,37 @@
                 <a:solidFill>
                   <a:schemeClr val="tx1"/>
                 </a:solidFill>
-                <a:latin typeface="Times New Roman" panose="02020603050405020304" pitchFamily="18" charset="0"/>
-                <a:cs typeface="Times New Roman" panose="02020603050405020304" pitchFamily="18" charset="0"/>
+                <a:latin typeface="Arial" panose="020B0604020202020204" pitchFamily="34" charset="0"/>
+                <a:cs typeface="Arial" panose="020B0604020202020204" pitchFamily="34" charset="0"/>
               </a:rPr>
-              <a:t>nền tảng dữ liệu mà bạn đang sử dụng, không chỉ trong một tập hợp </a:t>
+              <a:t>nền tảng dữ liệu mà bạn đang sử </a:t>
+            </a:r>
+            <a:r>
+              <a:rPr lang="en-US" sz="2200" smtClean="0">
+                <a:solidFill>
+                  <a:schemeClr val="tx1"/>
+                </a:solidFill>
+                <a:latin typeface="Arial" panose="020B0604020202020204" pitchFamily="34" charset="0"/>
+                <a:cs typeface="Arial" panose="020B0604020202020204" pitchFamily="34" charset="0"/>
+              </a:rPr>
+              <a:t>dụng</a:t>
             </a:r>
             <a:r>
               <a:rPr lang="en-US" sz="2200">
                 <a:solidFill>
                   <a:schemeClr val="tx1"/>
                 </a:solidFill>
-                <a:latin typeface="Times New Roman" panose="02020603050405020304" pitchFamily="18" charset="0"/>
-                <a:cs typeface="Times New Roman" panose="02020603050405020304" pitchFamily="18" charset="0"/>
+                <a:latin typeface="Arial" panose="020B0604020202020204" pitchFamily="34" charset="0"/>
+                <a:cs typeface="Arial" panose="020B0604020202020204" pitchFamily="34" charset="0"/>
               </a:rPr>
-              <a:t>con </a:t>
-            </a:r>
-            <a:r>
-              <a:rPr lang="en-US" sz="2200" smtClean="0">
-                <a:solidFill>
-                  <a:schemeClr val="tx1"/>
-                </a:solidFill>
-                <a:latin typeface="Times New Roman" panose="02020603050405020304" pitchFamily="18" charset="0"/>
-                <a:cs typeface="Times New Roman" panose="02020603050405020304" pitchFamily="18" charset="0"/>
-              </a:rPr>
-              <a:t>mà còn của cả các </a:t>
-            </a:r>
-            <a:r>
-              <a:rPr lang="en-US" sz="2200">
-                <a:solidFill>
-                  <a:schemeClr val="tx1"/>
-                </a:solidFill>
-                <a:latin typeface="Times New Roman" panose="02020603050405020304" pitchFamily="18" charset="0"/>
-                <a:cs typeface="Times New Roman" panose="02020603050405020304" pitchFamily="18" charset="0"/>
-              </a:rPr>
-              <a:t>thành phần. Vì vậy, MapReduce, lợn, Hive, Crunch</a:t>
-            </a:r>
-            <a:r>
-              <a:rPr lang="en-US" sz="2200">
-                <a:solidFill>
-                  <a:schemeClr val="tx1"/>
-                </a:solidFill>
-                <a:latin typeface="Times New Roman" panose="02020603050405020304" pitchFamily="18" charset="0"/>
-                <a:cs typeface="Times New Roman" panose="02020603050405020304" pitchFamily="18" charset="0"/>
-              </a:rPr>
-              <a:t>, </a:t>
-            </a:r>
-            <a:r>
-              <a:rPr lang="en-US" sz="2200">
-                <a:solidFill>
-                  <a:schemeClr val="tx1"/>
-                </a:solidFill>
-                <a:latin typeface="Times New Roman" panose="02020603050405020304" pitchFamily="18" charset="0"/>
-                <a:cs typeface="Times New Roman" panose="02020603050405020304" pitchFamily="18" charset="0"/>
-              </a:rPr>
-              <a:t>Flume</a:t>
-            </a:r>
-            <a:r>
-              <a:rPr lang="en-US" sz="2200" smtClean="0">
-                <a:solidFill>
-                  <a:schemeClr val="tx1"/>
-                </a:solidFill>
-                <a:latin typeface="Times New Roman" panose="02020603050405020304" pitchFamily="18" charset="0"/>
-                <a:cs typeface="Times New Roman" panose="02020603050405020304" pitchFamily="18" charset="0"/>
-              </a:rPr>
-              <a:t>, </a:t>
-            </a:r>
-            <a:r>
-              <a:rPr lang="en-US" sz="2200">
-                <a:solidFill>
-                  <a:schemeClr val="tx1"/>
-                </a:solidFill>
-                <a:latin typeface="Times New Roman" panose="02020603050405020304" pitchFamily="18" charset="0"/>
-                <a:cs typeface="Times New Roman" panose="02020603050405020304" pitchFamily="18" charset="0"/>
-              </a:rPr>
-              <a:t>Sqoop</a:t>
-            </a:r>
-            <a:r>
-              <a:rPr lang="en-US" sz="2200">
-                <a:solidFill>
-                  <a:schemeClr val="tx1"/>
-                </a:solidFill>
-                <a:latin typeface="Times New Roman" panose="02020603050405020304" pitchFamily="18" charset="0"/>
-                <a:cs typeface="Times New Roman" panose="02020603050405020304" pitchFamily="18" charset="0"/>
-              </a:rPr>
-              <a:t>, </a:t>
-            </a:r>
-            <a:r>
-              <a:rPr lang="en-US" sz="2200" smtClean="0">
-                <a:solidFill>
-                  <a:schemeClr val="tx1"/>
-                </a:solidFill>
-                <a:latin typeface="Times New Roman" panose="02020603050405020304" pitchFamily="18" charset="0"/>
-                <a:cs typeface="Times New Roman" panose="02020603050405020304" pitchFamily="18" charset="0"/>
-              </a:rPr>
-              <a:t>vv… </a:t>
-            </a:r>
-            <a:r>
-              <a:rPr lang="en-US" sz="2200">
-                <a:solidFill>
-                  <a:schemeClr val="tx1"/>
-                </a:solidFill>
-                <a:latin typeface="Times New Roman" panose="02020603050405020304" pitchFamily="18" charset="0"/>
-                <a:cs typeface="Times New Roman" panose="02020603050405020304" pitchFamily="18" charset="0"/>
-              </a:rPr>
-              <a:t>tất </a:t>
-            </a:r>
-            <a:r>
-              <a:rPr lang="en-US" sz="2200">
-                <a:solidFill>
-                  <a:schemeClr val="tx1"/>
-                </a:solidFill>
-                <a:latin typeface="Times New Roman" panose="02020603050405020304" pitchFamily="18" charset="0"/>
-                <a:cs typeface="Times New Roman" panose="02020603050405020304" pitchFamily="18" charset="0"/>
-              </a:rPr>
-              <a:t>cả </a:t>
-            </a:r>
-            <a:r>
-              <a:rPr lang="en-US" sz="2200" smtClean="0">
-                <a:solidFill>
-                  <a:schemeClr val="tx1"/>
-                </a:solidFill>
-                <a:latin typeface="Times New Roman" panose="02020603050405020304" pitchFamily="18" charset="0"/>
-                <a:cs typeface="Times New Roman" panose="02020603050405020304" pitchFamily="18" charset="0"/>
-              </a:rPr>
-              <a:t>đều được </a:t>
-            </a:r>
-            <a:r>
-              <a:rPr lang="en-US" sz="2200">
-                <a:solidFill>
-                  <a:schemeClr val="tx1"/>
-                </a:solidFill>
-                <a:latin typeface="Times New Roman" panose="02020603050405020304" pitchFamily="18" charset="0"/>
-                <a:cs typeface="Times New Roman" panose="02020603050405020304" pitchFamily="18" charset="0"/>
-              </a:rPr>
-              <a:t>hỗ trợ Avro.</a:t>
-            </a:r>
-            <a:endParaRPr lang="en-US" sz="2200" smtClean="0">
-              <a:solidFill>
-                <a:schemeClr val="tx1"/>
-              </a:solidFill>
-              <a:latin typeface="Times New Roman" panose="02020603050405020304" pitchFamily="18" charset="0"/>
-              <a:cs typeface="Times New Roman" panose="02020603050405020304" pitchFamily="18" charset="0"/>
-            </a:endParaRPr>
-          </a:p>
-          <a:p>
-            <a:pPr>
-              <a:buFont typeface="Arial" panose="020B0604020202020204" pitchFamily="34" charset="0"/>
-              <a:buChar char="•"/>
-            </a:pPr>
+              <a:t>.</a:t>
+            </a:r>
             <a:endParaRPr lang="en-US" sz="2200">
               <a:solidFill>
                 <a:schemeClr val="tx1"/>
               </a:solidFill>
-              <a:latin typeface="Times New Roman" panose="02020603050405020304" pitchFamily="18" charset="0"/>
-              <a:cs typeface="Times New Roman" panose="02020603050405020304" pitchFamily="18" charset="0"/>
+              <a:latin typeface="Arial" panose="020B0604020202020204" pitchFamily="34" charset="0"/>
+              <a:cs typeface="Arial" panose="020B0604020202020204" pitchFamily="34" charset="0"/>
             </a:endParaRPr>
           </a:p>
         </p:txBody>
@@ -18567,8 +21662,8 @@
                 <a:solidFill>
                   <a:schemeClr val="tx1"/>
                 </a:solidFill>
-                <a:latin typeface="Times New Roman" panose="02020603050405020304" pitchFamily="18" charset="0"/>
-                <a:cs typeface="Times New Roman" panose="02020603050405020304" pitchFamily="18" charset="0"/>
+                <a:latin typeface="Arial" panose="020B0604020202020204" pitchFamily="34" charset="0"/>
+                <a:cs typeface="Arial" panose="020B0604020202020204" pitchFamily="34" charset="0"/>
               </a:rPr>
               <a:t>Apache Crunch</a:t>
             </a:r>
@@ -18577,8 +21672,8 @@
                 <a:solidFill>
                   <a:schemeClr val="tx1"/>
                 </a:solidFill>
-                <a:latin typeface="Times New Roman" panose="02020603050405020304" pitchFamily="18" charset="0"/>
-                <a:cs typeface="Times New Roman" panose="02020603050405020304" pitchFamily="18" charset="0"/>
+                <a:latin typeface="Arial" panose="020B0604020202020204" pitchFamily="34" charset="0"/>
+                <a:cs typeface="Arial" panose="020B0604020202020204" pitchFamily="34" charset="0"/>
               </a:rPr>
               <a:t> </a:t>
             </a:r>
@@ -18587,8 +21682,8 @@
                 <a:solidFill>
                   <a:schemeClr val="tx1"/>
                 </a:solidFill>
-                <a:latin typeface="Times New Roman" panose="02020603050405020304" pitchFamily="18" charset="0"/>
-                <a:cs typeface="Times New Roman" panose="02020603050405020304" pitchFamily="18" charset="0"/>
+                <a:latin typeface="Arial" panose="020B0604020202020204" pitchFamily="34" charset="0"/>
+                <a:cs typeface="Arial" panose="020B0604020202020204" pitchFamily="34" charset="0"/>
               </a:rPr>
               <a:t>là </a:t>
             </a:r>
@@ -18597,28 +21692,18 @@
                 <a:solidFill>
                   <a:schemeClr val="tx1"/>
                 </a:solidFill>
-                <a:latin typeface="Times New Roman" panose="02020603050405020304" pitchFamily="18" charset="0"/>
-                <a:cs typeface="Times New Roman" panose="02020603050405020304" pitchFamily="18" charset="0"/>
+                <a:latin typeface="Arial" panose="020B0604020202020204" pitchFamily="34" charset="0"/>
+                <a:cs typeface="Arial" panose="020B0604020202020204" pitchFamily="34" charset="0"/>
               </a:rPr>
-              <a:t>một thư viện Java API giúp cho việc như thu thập và tập hợp dữ liệu trên </a:t>
-            </a:r>
-            <a:r>
-              <a:rPr lang="en-US" sz="2200">
+              <a:t>một thư viện Java API giúp cho việc như thu thập và tập hợp dữ liệu trên MapReduce </a:t>
+            </a:r>
+            <a:r>
+              <a:rPr lang="en-US" sz="2200" smtClean="0">
                 <a:solidFill>
                   <a:schemeClr val="tx1"/>
                 </a:solidFill>
-                <a:latin typeface="Times New Roman" panose="02020603050405020304" pitchFamily="18" charset="0"/>
-                <a:cs typeface="Times New Roman" panose="02020603050405020304" pitchFamily="18" charset="0"/>
-              </a:rPr>
-              <a:t>MapReduce </a:t>
-            </a:r>
-            <a:r>
-              <a:rPr lang="en-US" sz="2200" smtClean="0">
-                <a:solidFill>
-                  <a:schemeClr val="tx1"/>
-                </a:solidFill>
-                <a:latin typeface="Times New Roman" panose="02020603050405020304" pitchFamily="18" charset="0"/>
-                <a:cs typeface="Times New Roman" panose="02020603050405020304" pitchFamily="18" charset="0"/>
+                <a:latin typeface="Arial" panose="020B0604020202020204" pitchFamily="34" charset="0"/>
+                <a:cs typeface="Arial" panose="020B0604020202020204" pitchFamily="34" charset="0"/>
               </a:rPr>
               <a:t>dễ dàng hơn. </a:t>
             </a:r>
@@ -18627,182 +21712,73 @@
                 <a:solidFill>
                   <a:schemeClr val="tx1"/>
                 </a:solidFill>
-                <a:latin typeface="Times New Roman" panose="02020603050405020304" pitchFamily="18" charset="0"/>
-                <a:cs typeface="Times New Roman" panose="02020603050405020304" pitchFamily="18" charset="0"/>
+                <a:latin typeface="Arial" panose="020B0604020202020204" pitchFamily="34" charset="0"/>
+                <a:cs typeface="Arial" panose="020B0604020202020204" pitchFamily="34" charset="0"/>
               </a:rPr>
-              <a:t>Được tạo ra để giúp cho công việc xử lí dữ liệu với Pig và Hive được dễ </a:t>
+              <a:t>Được tạo ra để giúp cho công việc xử lí dữ liệu với Pig và Hive được dễ dàng </a:t>
+            </a:r>
+            <a:r>
+              <a:rPr lang="en-US" sz="2200" smtClean="0">
+                <a:solidFill>
+                  <a:schemeClr val="tx1"/>
+                </a:solidFill>
+                <a:latin typeface="Arial" panose="020B0604020202020204" pitchFamily="34" charset="0"/>
+                <a:cs typeface="Arial" panose="020B0604020202020204" pitchFamily="34" charset="0"/>
+              </a:rPr>
+              <a:t>hơn, giúp </a:t>
             </a:r>
             <a:r>
               <a:rPr lang="en-US" sz="2200">
                 <a:solidFill>
                   <a:schemeClr val="tx1"/>
                 </a:solidFill>
-                <a:latin typeface="Times New Roman" panose="02020603050405020304" pitchFamily="18" charset="0"/>
-                <a:cs typeface="Times New Roman" panose="02020603050405020304" pitchFamily="18" charset="0"/>
+                <a:latin typeface="Arial" panose="020B0604020202020204" pitchFamily="34" charset="0"/>
+                <a:cs typeface="Arial" panose="020B0604020202020204" pitchFamily="34" charset="0"/>
               </a:rPr>
-              <a:t>dàng </a:t>
+              <a:t>đơn giản hóa quá trình tạo đường truyền dữ liệu trên Apache Hadoop</a:t>
             </a:r>
             <a:r>
               <a:rPr lang="en-US" sz="2200" smtClean="0">
                 <a:solidFill>
                   <a:schemeClr val="tx1"/>
                 </a:solidFill>
-                <a:latin typeface="Times New Roman" panose="02020603050405020304" pitchFamily="18" charset="0"/>
-                <a:cs typeface="Times New Roman" panose="02020603050405020304" pitchFamily="18" charset="0"/>
+                <a:latin typeface="Arial" panose="020B0604020202020204" pitchFamily="34" charset="0"/>
+                <a:cs typeface="Arial" panose="020B0604020202020204" pitchFamily="34" charset="0"/>
               </a:rPr>
-              <a:t>hơn</a:t>
-            </a:r>
-          </a:p>
-          <a:p>
-            <a:pPr algn="just"/>
+              <a:t>.</a:t>
+            </a:r>
+          </a:p>
+          <a:p>
+            <a:pPr marL="91440" lvl="1" indent="-91440" algn="just">
+              <a:spcBef>
+                <a:spcPts val="1200"/>
+              </a:spcBef>
+              <a:spcAft>
+                <a:spcPts val="200"/>
+              </a:spcAft>
+              <a:buSzPct val="100000"/>
+              <a:buFont typeface="Calibri" panose="020F0502020204030204" pitchFamily="34" charset="0"/>
+              <a:buChar char=" "/>
+            </a:pPr>
+            <a:r>
+              <a:rPr lang="en-US" sz="2200" smtClean="0">
+                <a:solidFill>
+                  <a:schemeClr val="tx1"/>
+                </a:solidFill>
+                <a:latin typeface="Arial" panose="020B0604020202020204" pitchFamily="34" charset="0"/>
+                <a:cs typeface="Arial" panose="020B0604020202020204" pitchFamily="34" charset="0"/>
+              </a:rPr>
+              <a:t> Ưu </a:t>
+            </a:r>
             <a:r>
               <a:rPr lang="en-US" sz="2200">
                 <a:solidFill>
                   <a:schemeClr val="tx1"/>
                 </a:solidFill>
-                <a:latin typeface="Times New Roman" panose="02020603050405020304" pitchFamily="18" charset="0"/>
-                <a:cs typeface="Times New Roman" panose="02020603050405020304" pitchFamily="18" charset="0"/>
+                <a:latin typeface="Arial" panose="020B0604020202020204" pitchFamily="34" charset="0"/>
+                <a:cs typeface="Arial" panose="020B0604020202020204" pitchFamily="34" charset="0"/>
               </a:rPr>
-              <a:t>Apache Crunch phát triển và hỗ trợ </a:t>
-            </a:r>
-            <a:r>
-              <a:rPr lang="en-US" sz="2200">
-                <a:solidFill>
-                  <a:schemeClr val="tx1"/>
-                </a:solidFill>
-                <a:latin typeface="Times New Roman" panose="02020603050405020304" pitchFamily="18" charset="0"/>
-                <a:cs typeface="Times New Roman" panose="02020603050405020304" pitchFamily="18" charset="0"/>
-              </a:rPr>
-              <a:t>Java </a:t>
-            </a:r>
-            <a:r>
-              <a:rPr lang="en-US" sz="2200" smtClean="0">
-                <a:solidFill>
-                  <a:schemeClr val="tx1"/>
-                </a:solidFill>
-                <a:latin typeface="Times New Roman" panose="02020603050405020304" pitchFamily="18" charset="0"/>
-                <a:cs typeface="Times New Roman" panose="02020603050405020304" pitchFamily="18" charset="0"/>
-              </a:rPr>
-              <a:t>API giúp </a:t>
-            </a:r>
-            <a:r>
-              <a:rPr lang="en-US" sz="2200">
-                <a:solidFill>
-                  <a:schemeClr val="tx1"/>
-                </a:solidFill>
-                <a:latin typeface="Times New Roman" panose="02020603050405020304" pitchFamily="18" charset="0"/>
-                <a:cs typeface="Times New Roman" panose="02020603050405020304" pitchFamily="18" charset="0"/>
-              </a:rPr>
-              <a:t>đơn giản hóa quá trình tạo đường truyền dữ liệu trên Apache Hadoop. Các API Crunch được dựa trên mô </a:t>
-            </a:r>
-            <a:r>
-              <a:rPr lang="en-US" sz="2200">
-                <a:solidFill>
-                  <a:schemeClr val="tx1"/>
-                </a:solidFill>
-                <a:latin typeface="Times New Roman" panose="02020603050405020304" pitchFamily="18" charset="0"/>
-                <a:cs typeface="Times New Roman" panose="02020603050405020304" pitchFamily="18" charset="0"/>
-              </a:rPr>
-              <a:t>hình </a:t>
-            </a:r>
-            <a:r>
-              <a:rPr lang="en-US" sz="2200" smtClean="0">
-                <a:solidFill>
-                  <a:schemeClr val="tx1"/>
-                </a:solidFill>
-                <a:latin typeface="Times New Roman" panose="02020603050405020304" pitchFamily="18" charset="0"/>
-                <a:cs typeface="Times New Roman" panose="02020603050405020304" pitchFamily="18" charset="0"/>
-              </a:rPr>
-              <a:t>FlumeJava </a:t>
-            </a:r>
-            <a:r>
-              <a:rPr lang="en-US" sz="2200">
-                <a:solidFill>
-                  <a:schemeClr val="tx1"/>
-                </a:solidFill>
-                <a:latin typeface="Times New Roman" panose="02020603050405020304" pitchFamily="18" charset="0"/>
-                <a:cs typeface="Times New Roman" panose="02020603050405020304" pitchFamily="18" charset="0"/>
-              </a:rPr>
-              <a:t>(</a:t>
-            </a:r>
-            <a:r>
-              <a:rPr lang="en-US" sz="2200" smtClean="0">
-                <a:solidFill>
-                  <a:schemeClr val="tx1"/>
-                </a:solidFill>
-                <a:latin typeface="Times New Roman" panose="02020603050405020304" pitchFamily="18" charset="0"/>
-                <a:cs typeface="Times New Roman" panose="02020603050405020304" pitchFamily="18" charset="0"/>
-              </a:rPr>
-              <a:t>PDF)</a:t>
-            </a:r>
-            <a:r>
-              <a:rPr lang="en-US" sz="2200">
-                <a:solidFill>
-                  <a:schemeClr val="tx1"/>
-                </a:solidFill>
-                <a:latin typeface="Times New Roman" panose="02020603050405020304" pitchFamily="18" charset="0"/>
-                <a:cs typeface="Times New Roman" panose="02020603050405020304" pitchFamily="18" charset="0"/>
-              </a:rPr>
-              <a:t> , là thư viện mà Google sử dụng để xây dựng đường truyền dữ liệu </a:t>
-            </a:r>
-            <a:r>
-              <a:rPr lang="en-US" sz="2200">
-                <a:solidFill>
-                  <a:schemeClr val="tx1"/>
-                </a:solidFill>
-                <a:latin typeface="Times New Roman" panose="02020603050405020304" pitchFamily="18" charset="0"/>
-                <a:cs typeface="Times New Roman" panose="02020603050405020304" pitchFamily="18" charset="0"/>
-              </a:rPr>
-              <a:t>MapReduce </a:t>
-            </a:r>
-            <a:r>
-              <a:rPr lang="en-US" sz="2200" smtClean="0">
-                <a:solidFill>
-                  <a:schemeClr val="tx1"/>
-                </a:solidFill>
-                <a:latin typeface="Times New Roman" panose="02020603050405020304" pitchFamily="18" charset="0"/>
-                <a:cs typeface="Times New Roman" panose="02020603050405020304" pitchFamily="18" charset="0"/>
-              </a:rPr>
-              <a:t>riêng </a:t>
-            </a:r>
-            <a:r>
-              <a:rPr lang="en-US" sz="2200">
-                <a:solidFill>
-                  <a:schemeClr val="tx1"/>
-                </a:solidFill>
-                <a:latin typeface="Times New Roman" panose="02020603050405020304" pitchFamily="18" charset="0"/>
-                <a:cs typeface="Times New Roman" panose="02020603050405020304" pitchFamily="18" charset="0"/>
-              </a:rPr>
-              <a:t>của họ</a:t>
-            </a:r>
-            <a:r>
-              <a:rPr lang="en-US" sz="2200">
-                <a:solidFill>
-                  <a:schemeClr val="tx1"/>
-                </a:solidFill>
-                <a:latin typeface="Times New Roman" panose="02020603050405020304" pitchFamily="18" charset="0"/>
-                <a:cs typeface="Times New Roman" panose="02020603050405020304" pitchFamily="18" charset="0"/>
-              </a:rPr>
-              <a:t>. </a:t>
-            </a:r>
-            <a:endParaRPr lang="en-US" sz="2200" smtClean="0">
-              <a:solidFill>
-                <a:schemeClr val="tx1"/>
-              </a:solidFill>
-              <a:latin typeface="Times New Roman" panose="02020603050405020304" pitchFamily="18" charset="0"/>
-              <a:cs typeface="Times New Roman" panose="02020603050405020304" pitchFamily="18" charset="0"/>
-            </a:endParaRPr>
-          </a:p>
-          <a:p>
-            <a:r>
-              <a:rPr lang="en-US" sz="2200">
-                <a:solidFill>
-                  <a:schemeClr val="tx1"/>
-                </a:solidFill>
-                <a:latin typeface="Times New Roman" panose="02020603050405020304" pitchFamily="18" charset="0"/>
-                <a:cs typeface="Times New Roman" panose="02020603050405020304" pitchFamily="18" charset="0"/>
-              </a:rPr>
-              <a:t>Ưu điểm của Crunch.</a:t>
+              <a:t>điểm của Crunch.</a:t>
             </a:r>
           </a:p>
           <a:p>
@@ -18815,8 +21791,8 @@
                 <a:solidFill>
                   <a:schemeClr val="tx1"/>
                 </a:solidFill>
-                <a:latin typeface="Times New Roman" panose="02020603050405020304" pitchFamily="18" charset="0"/>
-                <a:cs typeface="Times New Roman" panose="02020603050405020304" pitchFamily="18" charset="0"/>
+                <a:latin typeface="Arial" panose="020B0604020202020204" pitchFamily="34" charset="0"/>
+                <a:cs typeface="Arial" panose="020B0604020202020204" pitchFamily="34" charset="0"/>
               </a:rPr>
               <a:t> Nó </a:t>
             </a:r>
@@ -18825,8 +21801,8 @@
                 <a:solidFill>
                   <a:schemeClr val="tx1"/>
                 </a:solidFill>
-                <a:latin typeface="Times New Roman" panose="02020603050405020304" pitchFamily="18" charset="0"/>
-                <a:cs typeface="Times New Roman" panose="02020603050405020304" pitchFamily="18" charset="0"/>
+                <a:latin typeface="Arial" panose="020B0604020202020204" pitchFamily="34" charset="0"/>
+                <a:cs typeface="Arial" panose="020B0604020202020204" pitchFamily="34" charset="0"/>
               </a:rPr>
               <a:t>chỉ là Java. Bạn có thể truy cập một ngôn ngữ lập trình một cách đầy đủ.</a:t>
             </a:r>
@@ -18841,8 +21817,8 @@
                 <a:solidFill>
                   <a:schemeClr val="tx1"/>
                 </a:solidFill>
-                <a:latin typeface="Times New Roman" panose="02020603050405020304" pitchFamily="18" charset="0"/>
-                <a:cs typeface="Times New Roman" panose="02020603050405020304" pitchFamily="18" charset="0"/>
+                <a:latin typeface="Arial" panose="020B0604020202020204" pitchFamily="34" charset="0"/>
+                <a:cs typeface="Arial" panose="020B0604020202020204" pitchFamily="34" charset="0"/>
               </a:rPr>
               <a:t> Bạn </a:t>
             </a:r>
@@ -18851,8 +21827,8 @@
                 <a:solidFill>
                   <a:schemeClr val="tx1"/>
                 </a:solidFill>
-                <a:latin typeface="Times New Roman" panose="02020603050405020304" pitchFamily="18" charset="0"/>
-                <a:cs typeface="Times New Roman" panose="02020603050405020304" pitchFamily="18" charset="0"/>
+                <a:latin typeface="Arial" panose="020B0604020202020204" pitchFamily="34" charset="0"/>
+                <a:cs typeface="Arial" panose="020B0604020202020204" pitchFamily="34" charset="0"/>
               </a:rPr>
               <a:t>không cần phải tìm hiểu Pig.</a:t>
             </a:r>
@@ -18867,8 +21843,8 @@
                 <a:solidFill>
                   <a:schemeClr val="tx1"/>
                 </a:solidFill>
-                <a:latin typeface="Times New Roman" panose="02020603050405020304" pitchFamily="18" charset="0"/>
-                <a:cs typeface="Times New Roman" panose="02020603050405020304" pitchFamily="18" charset="0"/>
+                <a:latin typeface="Arial" panose="020B0604020202020204" pitchFamily="34" charset="0"/>
+                <a:cs typeface="Arial" panose="020B0604020202020204" pitchFamily="34" charset="0"/>
               </a:rPr>
               <a:t> Tương </a:t>
             </a:r>
@@ -18877,8 +21853,8 @@
                 <a:solidFill>
                   <a:schemeClr val="tx1"/>
                 </a:solidFill>
-                <a:latin typeface="Times New Roman" panose="02020603050405020304" pitchFamily="18" charset="0"/>
-                <a:cs typeface="Times New Roman" panose="02020603050405020304" pitchFamily="18" charset="0"/>
+                <a:latin typeface="Arial" panose="020B0604020202020204" pitchFamily="34" charset="0"/>
+                <a:cs typeface="Arial" panose="020B0604020202020204" pitchFamily="34" charset="0"/>
               </a:rPr>
               <a:t>thích tốt với nhiều loại hệ thống. </a:t>
             </a:r>
@@ -18893,8 +21869,8 @@
                 <a:solidFill>
                   <a:schemeClr val="tx1"/>
                 </a:solidFill>
-                <a:latin typeface="Times New Roman" panose="02020603050405020304" pitchFamily="18" charset="0"/>
-                <a:cs typeface="Times New Roman" panose="02020603050405020304" pitchFamily="18" charset="0"/>
+                <a:latin typeface="Arial" panose="020B0604020202020204" pitchFamily="34" charset="0"/>
+                <a:cs typeface="Arial" panose="020B0604020202020204" pitchFamily="34" charset="0"/>
               </a:rPr>
               <a:t> Nó </a:t>
             </a:r>
@@ -18903,28 +21879,11 @@
                 <a:solidFill>
                   <a:schemeClr val="tx1"/>
                 </a:solidFill>
-                <a:latin typeface="Times New Roman" panose="02020603050405020304" pitchFamily="18" charset="0"/>
-                <a:cs typeface="Times New Roman" panose="02020603050405020304" pitchFamily="18" charset="0"/>
+                <a:latin typeface="Arial" panose="020B0604020202020204" pitchFamily="34" charset="0"/>
+                <a:cs typeface="Arial" panose="020B0604020202020204" pitchFamily="34" charset="0"/>
               </a:rPr>
-              <a:t>được xây dựng như một thư viện mô-đun để tái sử dụng.</a:t>
-            </a:r>
-            <a:r>
-              <a:rPr lang="en-US" sz="2200">
-                <a:solidFill>
-                  <a:schemeClr val="tx1"/>
-                </a:solidFill>
-                <a:latin typeface="Times New Roman" panose="02020603050405020304" pitchFamily="18" charset="0"/>
-                <a:cs typeface="Times New Roman" panose="02020603050405020304" pitchFamily="18" charset="0"/>
-              </a:rPr>
-              <a:t> </a:t>
-            </a:r>
-            <a:endParaRPr lang="en-US" sz="2200">
-              <a:solidFill>
-                <a:schemeClr val="tx1"/>
-              </a:solidFill>
-              <a:latin typeface="Times New Roman" panose="02020603050405020304" pitchFamily="18" charset="0"/>
-              <a:cs typeface="Times New Roman" panose="02020603050405020304" pitchFamily="18" charset="0"/>
-            </a:endParaRPr>
+              <a:t>được xây dựng như một thư viện mô-đun để tái sử dụng. </a:t>
+            </a:r>
           </a:p>
           <a:p>
             <a:pPr>
@@ -18935,8 +21894,8 @@
               <a:solidFill>
                 <a:schemeClr val="tx1"/>
               </a:solidFill>
-              <a:latin typeface="Times New Roman" panose="02020603050405020304" pitchFamily="18" charset="0"/>
-              <a:cs typeface="Times New Roman" panose="02020603050405020304" pitchFamily="18" charset="0"/>
+              <a:latin typeface="Arial" panose="020B0604020202020204" pitchFamily="34" charset="0"/>
+              <a:cs typeface="Arial" panose="020B0604020202020204" pitchFamily="34" charset="0"/>
             </a:endParaRPr>
           </a:p>
         </p:txBody>
@@ -19026,8 +21985,8 @@
                 <a:solidFill>
                   <a:schemeClr val="tx1"/>
                 </a:solidFill>
-                <a:latin typeface="Times New Roman" panose="02020603050405020304" pitchFamily="18" charset="0"/>
-                <a:cs typeface="Times New Roman" panose="02020603050405020304" pitchFamily="18" charset="0"/>
+                <a:latin typeface="Arial" panose="020B0604020202020204" pitchFamily="34" charset="0"/>
+                <a:cs typeface="Arial" panose="020B0604020202020204" pitchFamily="34" charset="0"/>
               </a:rPr>
               <a:t>Cloudera ML</a:t>
             </a:r>
@@ -19036,28 +21995,18 @@
                 <a:solidFill>
                   <a:schemeClr val="tx1"/>
                 </a:solidFill>
-                <a:latin typeface="Times New Roman" panose="02020603050405020304" pitchFamily="18" charset="0"/>
-                <a:cs typeface="Times New Roman" panose="02020603050405020304" pitchFamily="18" charset="0"/>
+                <a:latin typeface="Arial" panose="020B0604020202020204" pitchFamily="34" charset="0"/>
+                <a:cs typeface="Arial" panose="020B0604020202020204" pitchFamily="34" charset="0"/>
               </a:rPr>
-              <a:t> (machine learning) là một thư viện mã nguồn mở, tích hợp nhiều công cụ nhằm mục đích phân tích, mô hình hóa </a:t>
-            </a:r>
-            <a:r>
-              <a:rPr lang="en-US" sz="2200">
+              <a:t> (machine learning) là một thư viện mã nguồn mở, tích hợp nhiều công cụ nhằm mục đích phân tích, mô hình hóa dữ </a:t>
+            </a:r>
+            <a:r>
+              <a:rPr lang="en-US" sz="2200" smtClean="0">
                 <a:solidFill>
                   <a:schemeClr val="tx1"/>
                 </a:solidFill>
-                <a:latin typeface="Times New Roman" panose="02020603050405020304" pitchFamily="18" charset="0"/>
-                <a:cs typeface="Times New Roman" panose="02020603050405020304" pitchFamily="18" charset="0"/>
-              </a:rPr>
-              <a:t>dữ </a:t>
-            </a:r>
-            <a:r>
-              <a:rPr lang="en-US" sz="2200" smtClean="0">
-                <a:solidFill>
-                  <a:schemeClr val="tx1"/>
-                </a:solidFill>
-                <a:latin typeface="Times New Roman" panose="02020603050405020304" pitchFamily="18" charset="0"/>
-                <a:cs typeface="Times New Roman" panose="02020603050405020304" pitchFamily="18" charset="0"/>
+                <a:latin typeface="Arial" panose="020B0604020202020204" pitchFamily="34" charset="0"/>
+                <a:cs typeface="Arial" panose="020B0604020202020204" pitchFamily="34" charset="0"/>
               </a:rPr>
               <a:t>liệu. </a:t>
             </a:r>
@@ -19066,28 +22015,18 @@
                 <a:solidFill>
                   <a:schemeClr val="tx1"/>
                 </a:solidFill>
-                <a:latin typeface="Times New Roman" panose="02020603050405020304" pitchFamily="18" charset="0"/>
-                <a:cs typeface="Times New Roman" panose="02020603050405020304" pitchFamily="18" charset="0"/>
+                <a:latin typeface="Arial" panose="020B0604020202020204" pitchFamily="34" charset="0"/>
+                <a:cs typeface="Arial" panose="020B0604020202020204" pitchFamily="34" charset="0"/>
               </a:rPr>
-              <a:t>Nó được xây dựng bằng cách sử dụng Crunch, từ đó thúc đẩy nhiều dự án hiện </a:t>
-            </a:r>
-            <a:r>
-              <a:rPr lang="en-US" sz="2200">
+              <a:t>Nó được xây dựng bằng cách sử dụng Crunch, từ đó thúc đẩy nhiều dự án hiện có</a:t>
+            </a:r>
+            <a:r>
+              <a:rPr lang="en-US" sz="2200" smtClean="0">
                 <a:solidFill>
                   <a:schemeClr val="tx1"/>
                 </a:solidFill>
-                <a:latin typeface="Times New Roman" panose="02020603050405020304" pitchFamily="18" charset="0"/>
-                <a:cs typeface="Times New Roman" panose="02020603050405020304" pitchFamily="18" charset="0"/>
-              </a:rPr>
-              <a:t>có</a:t>
-            </a:r>
-            <a:r>
-              <a:rPr lang="en-US" sz="2200" smtClean="0">
-                <a:solidFill>
-                  <a:schemeClr val="tx1"/>
-                </a:solidFill>
-                <a:latin typeface="Times New Roman" panose="02020603050405020304" pitchFamily="18" charset="0"/>
-                <a:cs typeface="Times New Roman" panose="02020603050405020304" pitchFamily="18" charset="0"/>
+                <a:latin typeface="Arial" panose="020B0604020202020204" pitchFamily="34" charset="0"/>
+                <a:cs typeface="Arial" panose="020B0604020202020204" pitchFamily="34" charset="0"/>
               </a:rPr>
               <a:t>.</a:t>
             </a:r>
@@ -19098,8 +22037,8 @@
                 <a:solidFill>
                   <a:schemeClr val="tx1"/>
                 </a:solidFill>
-                <a:latin typeface="Times New Roman" panose="02020603050405020304" pitchFamily="18" charset="0"/>
-                <a:cs typeface="Times New Roman" panose="02020603050405020304" pitchFamily="18" charset="0"/>
+                <a:latin typeface="Arial" panose="020B0604020202020204" pitchFamily="34" charset="0"/>
+                <a:cs typeface="Arial" panose="020B0604020202020204" pitchFamily="34" charset="0"/>
               </a:rPr>
               <a:t>Ví dụ về </a:t>
             </a:r>
@@ -19108,28 +22047,18 @@
                 <a:solidFill>
                   <a:schemeClr val="tx1"/>
                 </a:solidFill>
-                <a:latin typeface="Times New Roman" panose="02020603050405020304" pitchFamily="18" charset="0"/>
-                <a:cs typeface="Times New Roman" panose="02020603050405020304" pitchFamily="18" charset="0"/>
+                <a:latin typeface="Arial" panose="020B0604020202020204" pitchFamily="34" charset="0"/>
+                <a:cs typeface="Arial" panose="020B0604020202020204" pitchFamily="34" charset="0"/>
               </a:rPr>
-              <a:t>định dạng vector: rất nhiều ML liên quan đến việc chuyển đổi dữ liệu thô, đó là danh sách các định dạng vector cho các thuật toán trong </a:t>
-            </a:r>
-            <a:r>
-              <a:rPr lang="en-US" sz="2200">
+              <a:t>định dạng vector: rất nhiều ML liên quan đến việc chuyển đổi dữ liệu thô, đó là danh sách các định dạng vector cho các thuật toán trong machine </a:t>
+            </a:r>
+            <a:r>
+              <a:rPr lang="en-US" sz="2200" smtClean="0">
                 <a:solidFill>
                   <a:schemeClr val="tx1"/>
                 </a:solidFill>
-                <a:latin typeface="Times New Roman" panose="02020603050405020304" pitchFamily="18" charset="0"/>
-                <a:cs typeface="Times New Roman" panose="02020603050405020304" pitchFamily="18" charset="0"/>
-              </a:rPr>
-              <a:t>machine </a:t>
-            </a:r>
-            <a:r>
-              <a:rPr lang="en-US" sz="2200" smtClean="0">
-                <a:solidFill>
-                  <a:schemeClr val="tx1"/>
-                </a:solidFill>
-                <a:latin typeface="Times New Roman" panose="02020603050405020304" pitchFamily="18" charset="0"/>
-                <a:cs typeface="Times New Roman" panose="02020603050405020304" pitchFamily="18" charset="0"/>
+                <a:latin typeface="Arial" panose="020B0604020202020204" pitchFamily="34" charset="0"/>
+                <a:cs typeface="Arial" panose="020B0604020202020204" pitchFamily="34" charset="0"/>
               </a:rPr>
               <a:t>learning.</a:t>
             </a:r>
@@ -19137,8 +22066,8 @@
               <a:solidFill>
                 <a:schemeClr val="tx1"/>
               </a:solidFill>
-              <a:latin typeface="Times New Roman" panose="02020603050405020304" pitchFamily="18" charset="0"/>
-              <a:cs typeface="Times New Roman" panose="02020603050405020304" pitchFamily="18" charset="0"/>
+              <a:latin typeface="Arial" panose="020B0604020202020204" pitchFamily="34" charset="0"/>
+              <a:cs typeface="Arial" panose="020B0604020202020204" pitchFamily="34" charset="0"/>
             </a:endParaRPr>
           </a:p>
         </p:txBody>
@@ -19279,28 +22208,18 @@
                 <a:solidFill>
                   <a:schemeClr val="tx1"/>
                 </a:solidFill>
-                <a:latin typeface="Times New Roman" panose="02020603050405020304" pitchFamily="18" charset="0"/>
-                <a:cs typeface="Times New Roman" panose="02020603050405020304" pitchFamily="18" charset="0"/>
+                <a:latin typeface="Arial" panose="020B0604020202020204" pitchFamily="34" charset="0"/>
+                <a:cs typeface="Arial" panose="020B0604020202020204" pitchFamily="34" charset="0"/>
               </a:rPr>
-              <a:t>Cloudera </a:t>
-            </a:r>
-            <a:r>
-              <a:rPr lang="en-US" sz="2200" b="1">
+              <a:t>Cloudera Development </a:t>
+            </a:r>
+            <a:r>
+              <a:rPr lang="en-US" sz="2200" b="1" smtClean="0">
                 <a:solidFill>
                   <a:schemeClr val="tx1"/>
                 </a:solidFill>
-                <a:latin typeface="Times New Roman" panose="02020603050405020304" pitchFamily="18" charset="0"/>
-                <a:cs typeface="Times New Roman" panose="02020603050405020304" pitchFamily="18" charset="0"/>
-              </a:rPr>
-              <a:t>Development </a:t>
-            </a:r>
-            <a:r>
-              <a:rPr lang="en-US" sz="2200" b="1" smtClean="0">
-                <a:solidFill>
-                  <a:schemeClr val="tx1"/>
-                </a:solidFill>
-                <a:latin typeface="Times New Roman" panose="02020603050405020304" pitchFamily="18" charset="0"/>
-                <a:cs typeface="Times New Roman" panose="02020603050405020304" pitchFamily="18" charset="0"/>
+                <a:latin typeface="Arial" panose="020B0604020202020204" pitchFamily="34" charset="0"/>
+                <a:cs typeface="Arial" panose="020B0604020202020204" pitchFamily="34" charset="0"/>
               </a:rPr>
               <a:t>Kit </a:t>
             </a:r>
@@ -19309,8 +22228,8 @@
                 <a:solidFill>
                   <a:schemeClr val="tx1"/>
                 </a:solidFill>
-                <a:latin typeface="Times New Roman" panose="02020603050405020304" pitchFamily="18" charset="0"/>
-                <a:cs typeface="Times New Roman" panose="02020603050405020304" pitchFamily="18" charset="0"/>
+                <a:latin typeface="Arial" panose="020B0604020202020204" pitchFamily="34" charset="0"/>
+                <a:cs typeface="Arial" panose="020B0604020202020204" pitchFamily="34" charset="0"/>
               </a:rPr>
               <a:t>(CDK</a:t>
             </a:r>
@@ -19319,186 +22238,181 @@
                 <a:solidFill>
                   <a:schemeClr val="tx1"/>
                 </a:solidFill>
-                <a:latin typeface="Times New Roman" panose="02020603050405020304" pitchFamily="18" charset="0"/>
-                <a:cs typeface="Times New Roman" panose="02020603050405020304" pitchFamily="18" charset="0"/>
+                <a:latin typeface="Arial" panose="020B0604020202020204" pitchFamily="34" charset="0"/>
+                <a:cs typeface="Arial" panose="020B0604020202020204" pitchFamily="34" charset="0"/>
               </a:rPr>
-              <a:t>) là một tập hợp các thư viện mã nguồn mở và các công cụ giúp việc viết các ứng dụng trên Hadoop dễ dàng hơn. Nó nhắm vào các nhà phát triển đang cố gắng để xây dựng các ứng dụng </a:t>
-            </a:r>
-            <a:r>
-              <a:rPr lang="en-US" sz="2200">
+              <a:t>) là một tập hợp các thư viện mã nguồn mở và các công cụ giúp việc viết các ứng dụng trên Hadoop dễ dàng hơn. Nó nhắm vào các nhà phát triển đang cố gắng để xây dựng các ứng dụng trên </a:t>
+            </a:r>
+            <a:r>
+              <a:rPr lang="en-US" sz="2200" smtClean="0">
                 <a:solidFill>
                   <a:schemeClr val="tx1"/>
                 </a:solidFill>
-                <a:latin typeface="Times New Roman" panose="02020603050405020304" pitchFamily="18" charset="0"/>
-                <a:cs typeface="Times New Roman" panose="02020603050405020304" pitchFamily="18" charset="0"/>
-              </a:rPr>
-              <a:t>trên </a:t>
-            </a:r>
-            <a:r>
-              <a:rPr lang="en-US" sz="2200" smtClean="0">
-                <a:solidFill>
-                  <a:schemeClr val="tx1"/>
-                </a:solidFill>
-                <a:latin typeface="Times New Roman" panose="02020603050405020304" pitchFamily="18" charset="0"/>
-                <a:cs typeface="Times New Roman" panose="02020603050405020304" pitchFamily="18" charset="0"/>
+                <a:latin typeface="Arial" panose="020B0604020202020204" pitchFamily="34" charset="0"/>
+                <a:cs typeface="Arial" panose="020B0604020202020204" pitchFamily="34" charset="0"/>
               </a:rPr>
               <a:t>Hadoop.</a:t>
             </a:r>
           </a:p>
           <a:p>
-            <a:pPr algn="just"/>
+            <a:pPr algn="just">
+              <a:buFont typeface="Wingdings" panose="05000000000000000000" pitchFamily="2" charset="2"/>
+              <a:buChar char="Ø"/>
+            </a:pPr>
+            <a:r>
+              <a:rPr lang="en-US" sz="2200" smtClean="0">
+                <a:solidFill>
+                  <a:schemeClr val="tx1"/>
+                </a:solidFill>
+                <a:latin typeface="Arial" panose="020B0604020202020204" pitchFamily="34" charset="0"/>
+                <a:cs typeface="Arial" panose="020B0604020202020204" pitchFamily="34" charset="0"/>
+              </a:rPr>
+              <a:t> CDK </a:t>
+            </a:r>
             <a:r>
               <a:rPr lang="en-US" sz="2200">
                 <a:solidFill>
                   <a:schemeClr val="tx1"/>
                 </a:solidFill>
-                <a:latin typeface="Times New Roman" panose="02020603050405020304" pitchFamily="18" charset="0"/>
-                <a:cs typeface="Times New Roman" panose="02020603050405020304" pitchFamily="18" charset="0"/>
+                <a:latin typeface="Arial" panose="020B0604020202020204" pitchFamily="34" charset="0"/>
+                <a:cs typeface="Arial" panose="020B0604020202020204" pitchFamily="34" charset="0"/>
               </a:rPr>
-              <a:t>CDK có kiến ​​trúc là một hệ thống mô-đun lỏng, bạn có thể sử dụng các mô-đun độc lập </a:t>
-            </a:r>
-            <a:r>
-              <a:rPr lang="en-US" sz="2200">
+              <a:t>có kiến ​​trúc là một hệ thống mô-đun </a:t>
+            </a:r>
+            <a:r>
+              <a:rPr lang="en-US" sz="2200" smtClean="0">
                 <a:solidFill>
                   <a:schemeClr val="tx1"/>
                 </a:solidFill>
-                <a:latin typeface="Times New Roman" panose="02020603050405020304" pitchFamily="18" charset="0"/>
-                <a:cs typeface="Times New Roman" panose="02020603050405020304" pitchFamily="18" charset="0"/>
+                <a:latin typeface="Arial" panose="020B0604020202020204" pitchFamily="34" charset="0"/>
+                <a:cs typeface="Arial" panose="020B0604020202020204" pitchFamily="34" charset="0"/>
               </a:rPr>
-              <a:t>với </a:t>
-            </a:r>
-            <a:r>
-              <a:rPr lang="en-US" sz="2200" smtClean="0">
-                <a:solidFill>
-                  <a:schemeClr val="tx1"/>
-                </a:solidFill>
-                <a:latin typeface="Times New Roman" panose="02020603050405020304" pitchFamily="18" charset="0"/>
-                <a:cs typeface="Times New Roman" panose="02020603050405020304" pitchFamily="18" charset="0"/>
-              </a:rPr>
-              <a:t>nhau. </a:t>
-            </a:r>
-            <a:r>
-              <a:rPr lang="en-US" sz="2200">
-                <a:solidFill>
-                  <a:schemeClr val="tx1"/>
-                </a:solidFill>
-                <a:latin typeface="Times New Roman" panose="02020603050405020304" pitchFamily="18" charset="0"/>
-                <a:cs typeface="Times New Roman" panose="02020603050405020304" pitchFamily="18" charset="0"/>
-              </a:rPr>
-              <a:t>Nó đã được xây dựng trong dạng nén, và trong các chính sách xung quanh tập tin cũng như thư mục bố trí, để bạn không phải lặp lại nhiều lần những </a:t>
-            </a:r>
-            <a:r>
-              <a:rPr lang="en-US" sz="2200">
-                <a:solidFill>
-                  <a:schemeClr val="tx1"/>
-                </a:solidFill>
-                <a:latin typeface="Times New Roman" panose="02020603050405020304" pitchFamily="18" charset="0"/>
-                <a:cs typeface="Times New Roman" panose="02020603050405020304" pitchFamily="18" charset="0"/>
-              </a:rPr>
-              <a:t>lựa </a:t>
-            </a:r>
-            <a:r>
-              <a:rPr lang="en-US" sz="2200" smtClean="0">
-                <a:solidFill>
-                  <a:schemeClr val="tx1"/>
-                </a:solidFill>
-                <a:latin typeface="Times New Roman" panose="02020603050405020304" pitchFamily="18" charset="0"/>
-                <a:cs typeface="Times New Roman" panose="02020603050405020304" pitchFamily="18" charset="0"/>
-              </a:rPr>
-              <a:t>chọn. </a:t>
-            </a:r>
-            <a:r>
-              <a:rPr lang="en-US" sz="2200">
-                <a:solidFill>
-                  <a:schemeClr val="tx1"/>
-                </a:solidFill>
-                <a:latin typeface="Times New Roman" panose="02020603050405020304" pitchFamily="18" charset="0"/>
-                <a:cs typeface="Times New Roman" panose="02020603050405020304" pitchFamily="18" charset="0"/>
-              </a:rPr>
-              <a:t>Nó cũng có các nhà cung cấp plugin cho hệ thống </a:t>
-            </a:r>
-            <a:r>
-              <a:rPr lang="en-US" sz="2200">
-                <a:solidFill>
-                  <a:schemeClr val="tx1"/>
-                </a:solidFill>
-                <a:latin typeface="Times New Roman" panose="02020603050405020304" pitchFamily="18" charset="0"/>
-                <a:cs typeface="Times New Roman" panose="02020603050405020304" pitchFamily="18" charset="0"/>
-              </a:rPr>
-              <a:t>hiện </a:t>
-            </a:r>
-            <a:r>
-              <a:rPr lang="en-US" sz="2200" smtClean="0">
-                <a:solidFill>
-                  <a:schemeClr val="tx1"/>
-                </a:solidFill>
-                <a:latin typeface="Times New Roman" panose="02020603050405020304" pitchFamily="18" charset="0"/>
-                <a:cs typeface="Times New Roman" panose="02020603050405020304" pitchFamily="18" charset="0"/>
-              </a:rPr>
-              <a:t>có. </a:t>
-            </a:r>
-            <a:r>
-              <a:rPr lang="en-US" sz="2200">
-                <a:solidFill>
-                  <a:schemeClr val="tx1"/>
-                </a:solidFill>
-                <a:latin typeface="Times New Roman" panose="02020603050405020304" pitchFamily="18" charset="0"/>
-                <a:cs typeface="Times New Roman" panose="02020603050405020304" pitchFamily="18" charset="0"/>
-              </a:rPr>
-              <a:t>CDK cung cấp một sơ đồ quản lí cho khối lượng dữ liệu khổng lồ mà không người dùng không cần phải xác định toàn bộ khối dữ liệu.</a:t>
-            </a:r>
-          </a:p>
-          <a:p>
-            <a:pPr algn="just"/>
-            <a:r>
-              <a:rPr lang="en-US" sz="2200">
-                <a:solidFill>
-                  <a:schemeClr val="tx1"/>
-                </a:solidFill>
-                <a:latin typeface="Times New Roman" panose="02020603050405020304" pitchFamily="18" charset="0"/>
-                <a:cs typeface="Times New Roman" panose="02020603050405020304" pitchFamily="18" charset="0"/>
-              </a:rPr>
-              <a:t>CDK cung cấp một sơ đồ quản lí cho khối lượng dữ liệu khổng </a:t>
-            </a:r>
-            <a:r>
-              <a:rPr lang="en-US" sz="2200">
-                <a:solidFill>
-                  <a:schemeClr val="tx1"/>
-                </a:solidFill>
-                <a:latin typeface="Times New Roman" panose="02020603050405020304" pitchFamily="18" charset="0"/>
-                <a:cs typeface="Times New Roman" panose="02020603050405020304" pitchFamily="18" charset="0"/>
-              </a:rPr>
-              <a:t>lồ </a:t>
-            </a:r>
-            <a:r>
-              <a:rPr lang="en-US" sz="2200" smtClean="0">
-                <a:solidFill>
-                  <a:schemeClr val="tx1"/>
-                </a:solidFill>
-                <a:latin typeface="Times New Roman" panose="02020603050405020304" pitchFamily="18" charset="0"/>
-                <a:cs typeface="Times New Roman" panose="02020603050405020304" pitchFamily="18" charset="0"/>
-              </a:rPr>
-              <a:t>mà </a:t>
-            </a:r>
-            <a:r>
-              <a:rPr lang="en-US" sz="2200">
-                <a:solidFill>
-                  <a:schemeClr val="tx1"/>
-                </a:solidFill>
-                <a:latin typeface="Times New Roman" panose="02020603050405020304" pitchFamily="18" charset="0"/>
-                <a:cs typeface="Times New Roman" panose="02020603050405020304" pitchFamily="18" charset="0"/>
-              </a:rPr>
-              <a:t>người dùng không cần phải xác định toàn bộ khối dữ liệu.</a:t>
-            </a:r>
-          </a:p>
-          <a:p>
-            <a:pPr algn="just"/>
+              <a:t>lỏng</a:t>
+            </a:r>
             <a:endParaRPr lang="en-US" sz="2200">
               <a:solidFill>
                 <a:schemeClr val="tx1"/>
               </a:solidFill>
-              <a:latin typeface="Times New Roman" panose="02020603050405020304" pitchFamily="18" charset="0"/>
-              <a:cs typeface="Times New Roman" panose="02020603050405020304" pitchFamily="18" charset="0"/>
+              <a:latin typeface="Arial" panose="020B0604020202020204" pitchFamily="34" charset="0"/>
+              <a:cs typeface="Arial" panose="020B0604020202020204" pitchFamily="34" charset="0"/>
+            </a:endParaRPr>
+          </a:p>
+          <a:p>
+            <a:pPr algn="just">
+              <a:buFont typeface="Wingdings" panose="05000000000000000000" pitchFamily="2" charset="2"/>
+              <a:buChar char="Ø"/>
+            </a:pPr>
+            <a:r>
+              <a:rPr lang="en-US" sz="2200" smtClean="0">
+                <a:solidFill>
+                  <a:schemeClr val="tx1"/>
+                </a:solidFill>
+                <a:latin typeface="Arial" panose="020B0604020202020204" pitchFamily="34" charset="0"/>
+                <a:cs typeface="Arial" panose="020B0604020202020204" pitchFamily="34" charset="0"/>
+              </a:rPr>
+              <a:t> Nó </a:t>
+            </a:r>
+            <a:r>
+              <a:rPr lang="en-US" sz="2200">
+                <a:solidFill>
+                  <a:schemeClr val="tx1"/>
+                </a:solidFill>
+                <a:latin typeface="Arial" panose="020B0604020202020204" pitchFamily="34" charset="0"/>
+                <a:cs typeface="Arial" panose="020B0604020202020204" pitchFamily="34" charset="0"/>
+              </a:rPr>
+              <a:t>đã được xây dựng trong dạng </a:t>
+            </a:r>
+            <a:r>
+              <a:rPr lang="en-US" sz="2200" smtClean="0">
+                <a:solidFill>
+                  <a:schemeClr val="tx1"/>
+                </a:solidFill>
+                <a:latin typeface="Arial" panose="020B0604020202020204" pitchFamily="34" charset="0"/>
+                <a:cs typeface="Arial" panose="020B0604020202020204" pitchFamily="34" charset="0"/>
+              </a:rPr>
+              <a:t>nén</a:t>
+            </a:r>
+          </a:p>
+          <a:p>
+            <a:pPr algn="just">
+              <a:buFont typeface="Wingdings" panose="05000000000000000000" pitchFamily="2" charset="2"/>
+              <a:buChar char="Ø"/>
+            </a:pPr>
+            <a:r>
+              <a:rPr lang="en-US" sz="2200" smtClean="0">
+                <a:solidFill>
+                  <a:schemeClr val="tx1"/>
+                </a:solidFill>
+                <a:latin typeface="Arial" panose="020B0604020202020204" pitchFamily="34" charset="0"/>
+                <a:cs typeface="Arial" panose="020B0604020202020204" pitchFamily="34" charset="0"/>
+              </a:rPr>
+              <a:t> Nó </a:t>
+            </a:r>
+            <a:r>
+              <a:rPr lang="en-US" sz="2200">
+                <a:solidFill>
+                  <a:schemeClr val="tx1"/>
+                </a:solidFill>
+                <a:latin typeface="Arial" panose="020B0604020202020204" pitchFamily="34" charset="0"/>
+                <a:cs typeface="Arial" panose="020B0604020202020204" pitchFamily="34" charset="0"/>
+              </a:rPr>
+              <a:t>cũng có các nhà cung cấp plugin cho hệ thống hiện </a:t>
+            </a:r>
+            <a:r>
+              <a:rPr lang="en-US" sz="2200" smtClean="0">
+                <a:solidFill>
+                  <a:schemeClr val="tx1"/>
+                </a:solidFill>
+                <a:latin typeface="Arial" panose="020B0604020202020204" pitchFamily="34" charset="0"/>
+                <a:cs typeface="Arial" panose="020B0604020202020204" pitchFamily="34" charset="0"/>
+              </a:rPr>
+              <a:t>có. </a:t>
+            </a:r>
+            <a:endParaRPr lang="en-US" sz="2200" smtClean="0">
+              <a:solidFill>
+                <a:schemeClr val="tx1"/>
+              </a:solidFill>
+              <a:latin typeface="Arial" panose="020B0604020202020204" pitchFamily="34" charset="0"/>
+              <a:cs typeface="Arial" panose="020B0604020202020204" pitchFamily="34" charset="0"/>
+            </a:endParaRPr>
+          </a:p>
+          <a:p>
+            <a:pPr algn="just">
+              <a:buFont typeface="Wingdings" panose="05000000000000000000" pitchFamily="2" charset="2"/>
+              <a:buChar char="Ø"/>
+            </a:pPr>
+            <a:r>
+              <a:rPr lang="en-US" sz="2200" smtClean="0">
+                <a:solidFill>
+                  <a:schemeClr val="tx1"/>
+                </a:solidFill>
+                <a:latin typeface="Arial" panose="020B0604020202020204" pitchFamily="34" charset="0"/>
+                <a:cs typeface="Arial" panose="020B0604020202020204" pitchFamily="34" charset="0"/>
+              </a:rPr>
+              <a:t> CDK </a:t>
+            </a:r>
+            <a:r>
+              <a:rPr lang="en-US" sz="2200">
+                <a:solidFill>
+                  <a:schemeClr val="tx1"/>
+                </a:solidFill>
+                <a:latin typeface="Arial" panose="020B0604020202020204" pitchFamily="34" charset="0"/>
+                <a:cs typeface="Arial" panose="020B0604020202020204" pitchFamily="34" charset="0"/>
+              </a:rPr>
+              <a:t>cung cấp một sơ đồ quản lí cho khối lượng dữ liệu khổng lồ mà không người dùng không cần phải xác định toàn bộ khối dữ liệu.</a:t>
+            </a:r>
+          </a:p>
+          <a:p>
+            <a:pPr algn="just">
+              <a:buFont typeface="Wingdings" panose="05000000000000000000" pitchFamily="2" charset="2"/>
+              <a:buChar char="Ø"/>
+            </a:pPr>
+            <a:endParaRPr lang="en-US" sz="2200">
+              <a:solidFill>
+                <a:schemeClr val="tx1"/>
+              </a:solidFill>
+              <a:latin typeface="Arial" panose="020B0604020202020204" pitchFamily="34" charset="0"/>
+              <a:cs typeface="Arial" panose="020B0604020202020204" pitchFamily="34" charset="0"/>
             </a:endParaRPr>
           </a:p>
         </p:txBody>
@@ -19554,34 +22468,18 @@
                 <a:solidFill>
                   <a:schemeClr val="tx1"/>
                 </a:solidFill>
-                <a:latin typeface="Lucida Calligraphy" panose="03010101010101010101" pitchFamily="66" charset="0"/>
+                <a:latin typeface="Leelawadee" panose="020B0502040204020203" pitchFamily="34" charset="-34"/>
+                <a:cs typeface="Leelawadee" panose="020B0502040204020203" pitchFamily="34" charset="-34"/>
               </a:rPr>
-              <a:t>Thanks </a:t>
-            </a:r>
-            <a:r>
-              <a:rPr lang="en-US" smtClean="0">
+              <a:t>Thanks For </a:t>
+            </a:r>
+            <a:r>
+              <a:rPr lang="en-US">
                 <a:solidFill>
                   <a:schemeClr val="tx1"/>
                 </a:solidFill>
-                <a:latin typeface="Lucida Calligraphy" panose="03010101010101010101" pitchFamily="66" charset="0"/>
-              </a:rPr>
-              <a:t>F</a:t>
-            </a:r>
-            <a:r>
-              <a:rPr lang="en-US" smtClean="0">
-                <a:solidFill>
-                  <a:schemeClr val="tx1"/>
-                </a:solidFill>
-                <a:latin typeface="Lucida Calligraphy" panose="03010101010101010101" pitchFamily="66" charset="0"/>
-              </a:rPr>
-              <a:t>or </a:t>
-            </a:r>
-            <a:r>
-              <a:rPr lang="en-US">
-                <a:solidFill>
-                  <a:schemeClr val="tx1"/>
-                </a:solidFill>
-                <a:latin typeface="Lucida Calligraphy" panose="03010101010101010101" pitchFamily="66" charset="0"/>
+                <a:latin typeface="Leelawadee" panose="020B0502040204020203" pitchFamily="34" charset="-34"/>
+                <a:cs typeface="Leelawadee" panose="020B0502040204020203" pitchFamily="34" charset="-34"/>
               </a:rPr>
               <a:t>W</a:t>
             </a:r>
@@ -19590,7 +22488,8 @@
                 <a:solidFill>
                   <a:schemeClr val="tx1"/>
                 </a:solidFill>
-                <a:latin typeface="Lucida Calligraphy" panose="03010101010101010101" pitchFamily="66" charset="0"/>
+                <a:latin typeface="Leelawadee" panose="020B0502040204020203" pitchFamily="34" charset="-34"/>
+                <a:cs typeface="Leelawadee" panose="020B0502040204020203" pitchFamily="34" charset="-34"/>
               </a:rPr>
               <a:t>atching</a:t>
             </a:r>
@@ -19598,7 +22497,8 @@
               <a:solidFill>
                 <a:schemeClr val="tx1"/>
               </a:solidFill>
-              <a:latin typeface="Lucida Calligraphy" panose="03010101010101010101" pitchFamily="66" charset="0"/>
+              <a:latin typeface="Leelawadee" panose="020B0502040204020203" pitchFamily="34" charset="-34"/>
+              <a:cs typeface="Leelawadee" panose="020B0502040204020203" pitchFamily="34" charset="-34"/>
             </a:endParaRPr>
           </a:p>
         </p:txBody>
@@ -19627,8 +22527,8 @@
         </p:blipFill>
         <p:spPr>
           <a:xfrm>
-            <a:off x="2045165" y="1906073"/>
-            <a:ext cx="8162630" cy="2291676"/>
+            <a:off x="2298492" y="2093976"/>
+            <a:ext cx="7601111" cy="2134028"/>
           </a:xfrm>
         </p:spPr>
       </p:pic>
@@ -20402,4 +23302,241 @@
     </a:ext>
   </a:extLst>
 </a:theme>
+</file>
+
+<file path=ppt/theme/theme4.xml><?xml version="1.0" encoding="utf-8"?>
+<a:theme xmlns:a="http://schemas.openxmlformats.org/drawingml/2006/main" name="Basis">
+  <a:themeElements>
+    <a:clrScheme name="Basis">
+      <a:dk1>
+        <a:srgbClr val="000000"/>
+      </a:dk1>
+      <a:lt1>
+        <a:srgbClr val="FFFFFF"/>
+      </a:lt1>
+      <a:dk2>
+        <a:srgbClr val="565349"/>
+      </a:dk2>
+      <a:lt2>
+        <a:srgbClr val="DDDDDD"/>
+      </a:lt2>
+      <a:accent1>
+        <a:srgbClr val="A6B727"/>
+      </a:accent1>
+      <a:accent2>
+        <a:srgbClr val="DF5327"/>
+      </a:accent2>
+      <a:accent3>
+        <a:srgbClr val="FE9E00"/>
+      </a:accent3>
+      <a:accent4>
+        <a:srgbClr val="418AB3"/>
+      </a:accent4>
+      <a:accent5>
+        <a:srgbClr val="D7D447"/>
+      </a:accent5>
+      <a:accent6>
+        <a:srgbClr val="818183"/>
+      </a:accent6>
+      <a:hlink>
+        <a:srgbClr val="F59E00"/>
+      </a:hlink>
+      <a:folHlink>
+        <a:srgbClr val="B2B2B2"/>
+      </a:folHlink>
+    </a:clrScheme>
+    <a:fontScheme name="Basis">
+      <a:majorFont>
+        <a:latin typeface="Corbel" panose="020B0503020204020204"/>
+        <a:ea typeface=""/>
+        <a:cs typeface=""/>
+        <a:font script="Jpan" typeface="ＭＳ ゴシック"/>
+        <a:font script="Hang" typeface="맑은 고딕"/>
+        <a:font script="Hans" typeface="宋体"/>
+        <a:font script="Hant" typeface="新細明體"/>
+        <a:font script="Arab" typeface="Tahoma"/>
+        <a:font script="Hebr" typeface="Gisha"/>
+        <a:font script="Thai" typeface="DilleniaUPC"/>
+        <a:font script="Ethi" typeface="Nyala"/>
+        <a:font script="Beng" typeface="Vrinda"/>
+        <a:font script="Gujr" typeface="Shruti"/>
+        <a:font script="Khmr" typeface="DaunPenh"/>
+        <a:font script="Knda" typeface="Tunga"/>
+        <a:font script="Guru" typeface="Raavi"/>
+        <a:font script="Cans" typeface="Euphemia"/>
+        <a:font script="Cher" typeface="Plantagenet Cherokee"/>
+        <a:font script="Yiii" typeface="Microsoft Yi Baiti"/>
+        <a:font script="Tibt" typeface="Microsoft Himalaya"/>
+        <a:font script="Thaa" typeface="MV Boli"/>
+        <a:font script="Deva" typeface="Mangal"/>
+        <a:font script="Telu" typeface="Gautami"/>
+        <a:font script="Taml" typeface="Latha"/>
+        <a:font script="Syrc" typeface="Estrangelo Edessa"/>
+        <a:font script="Orya" typeface="Kalinga"/>
+        <a:font script="Mlym" typeface="Kartika"/>
+        <a:font script="Laoo" typeface="DokChampa"/>
+        <a:font script="Sinh" typeface="Iskoola Pota"/>
+        <a:font script="Mong" typeface="Mongolian Baiti"/>
+        <a:font script="Viet" typeface="Tahoma"/>
+        <a:font script="Uigh" typeface="Microsoft Uighur"/>
+        <a:font script="Geor" typeface="Sylfaen"/>
+      </a:majorFont>
+      <a:minorFont>
+        <a:latin typeface="Corbel" panose="020B0503020204020204"/>
+        <a:ea typeface=""/>
+        <a:cs typeface=""/>
+        <a:font script="Jpan" typeface="ＭＳ ゴシック"/>
+        <a:font script="Hang" typeface="맑은 고딕"/>
+        <a:font script="Hans" typeface="宋体"/>
+        <a:font script="Hant" typeface="新細明體"/>
+        <a:font script="Arab" typeface="Tahoma"/>
+        <a:font script="Hebr" typeface="Gisha"/>
+        <a:font script="Thai" typeface="DilleniaUPC"/>
+        <a:font script="Ethi" typeface="Nyala"/>
+        <a:font script="Beng" typeface="Vrinda"/>
+        <a:font script="Gujr" typeface="Shruti"/>
+        <a:font script="Khmr" typeface="DaunPenh"/>
+        <a:font script="Knda" typeface="Tunga"/>
+        <a:font script="Guru" typeface="Raavi"/>
+        <a:font script="Cans" typeface="Euphemia"/>
+        <a:font script="Cher" typeface="Plantagenet Cherokee"/>
+        <a:font script="Yiii" typeface="Microsoft Yi Baiti"/>
+        <a:font script="Tibt" typeface="Microsoft Himalaya"/>
+        <a:font script="Thaa" typeface="MV Boli"/>
+        <a:font script="Deva" typeface="Mangal"/>
+        <a:font script="Telu" typeface="Gautami"/>
+        <a:font script="Taml" typeface="Latha"/>
+        <a:font script="Syrc" typeface="Estrangelo Edessa"/>
+        <a:font script="Orya" typeface="Kalinga"/>
+        <a:font script="Mlym" typeface="Kartika"/>
+        <a:font script="Laoo" typeface="DokChampa"/>
+        <a:font script="Sinh" typeface="Iskoola Pota"/>
+        <a:font script="Mong" typeface="Mongolian Baiti"/>
+        <a:font script="Viet" typeface="Verdana"/>
+        <a:font script="Uigh" typeface="Microsoft Uighur"/>
+        <a:font script="Geor" typeface="Sylfaen"/>
+      </a:minorFont>
+    </a:fontScheme>
+    <a:fmtScheme name="Basis">
+      <a:fillStyleLst>
+        <a:solidFill>
+          <a:schemeClr val="phClr"/>
+        </a:solidFill>
+        <a:solidFill>
+          <a:schemeClr val="phClr">
+            <a:tint val="55000"/>
+            <a:satMod val="130000"/>
+          </a:schemeClr>
+        </a:solidFill>
+        <a:gradFill rotWithShape="1">
+          <a:gsLst>
+            <a:gs pos="0">
+              <a:schemeClr val="phClr"/>
+            </a:gs>
+            <a:gs pos="90000">
+              <a:schemeClr val="phClr">
+                <a:shade val="100000"/>
+                <a:satMod val="105000"/>
+              </a:schemeClr>
+            </a:gs>
+            <a:gs pos="100000">
+              <a:schemeClr val="phClr">
+                <a:shade val="80000"/>
+                <a:satMod val="120000"/>
+              </a:schemeClr>
+            </a:gs>
+          </a:gsLst>
+          <a:path path="circle">
+            <a:fillToRect l="100000" t="100000" r="100000" b="100000"/>
+          </a:path>
+        </a:gradFill>
+      </a:fillStyleLst>
+      <a:lnStyleLst>
+        <a:ln w="10000" cap="flat" cmpd="sng" algn="ctr">
+          <a:solidFill>
+            <a:schemeClr val="phClr"/>
+          </a:solidFill>
+          <a:prstDash val="solid"/>
+        </a:ln>
+        <a:ln w="19050" cap="flat" cmpd="sng" algn="ctr">
+          <a:solidFill>
+            <a:schemeClr val="phClr"/>
+          </a:solidFill>
+          <a:prstDash val="solid"/>
+        </a:ln>
+        <a:ln w="53975" cap="flat" cmpd="dbl" algn="ctr">
+          <a:solidFill>
+            <a:schemeClr val="phClr"/>
+          </a:solidFill>
+          <a:prstDash val="solid"/>
+        </a:ln>
+      </a:lnStyleLst>
+      <a:effectStyleLst>
+        <a:effectStyle>
+          <a:effectLst/>
+        </a:effectStyle>
+        <a:effectStyle>
+          <a:effectLst>
+            <a:outerShdw blurRad="38100" dist="25400" dir="5400000" rotWithShape="0">
+              <a:srgbClr val="000000">
+                <a:alpha val="45000"/>
+              </a:srgbClr>
+            </a:outerShdw>
+          </a:effectLst>
+        </a:effectStyle>
+        <a:effectStyle>
+          <a:effectLst>
+            <a:outerShdw blurRad="38100" dist="25400" dir="5400000" rotWithShape="0">
+              <a:srgbClr val="000000">
+                <a:alpha val="45000"/>
+              </a:srgbClr>
+            </a:outerShdw>
+          </a:effectLst>
+          <a:scene3d>
+            <a:camera prst="orthographicFront">
+              <a:rot lat="0" lon="0" rev="0"/>
+            </a:camera>
+            <a:lightRig rig="brightRoom" dir="t"/>
+          </a:scene3d>
+          <a:sp3d extrusionH="12700" contourW="25400" prstMaterial="flat">
+            <a:bevelT w="63500" h="152400" prst="angle"/>
+            <a:contourClr>
+              <a:schemeClr val="phClr">
+                <a:shade val="27000"/>
+                <a:satMod val="120000"/>
+              </a:schemeClr>
+            </a:contourClr>
+          </a:sp3d>
+        </a:effectStyle>
+      </a:effectStyleLst>
+      <a:bgFillStyleLst>
+        <a:solidFill>
+          <a:schemeClr val="phClr"/>
+        </a:solidFill>
+        <a:solidFill>
+          <a:schemeClr val="phClr">
+            <a:tint val="95000"/>
+            <a:shade val="95000"/>
+            <a:satMod val="140000"/>
+          </a:schemeClr>
+        </a:solidFill>
+        <a:solidFill>
+          <a:schemeClr val="phClr">
+            <a:tint val="90000"/>
+            <a:shade val="85000"/>
+            <a:satMod val="160000"/>
+            <a:lumMod val="110000"/>
+          </a:schemeClr>
+        </a:solidFill>
+      </a:bgFillStyleLst>
+    </a:fmtScheme>
+  </a:themeElements>
+  <a:objectDefaults/>
+  <a:extraClrSchemeLst/>
+  <a:extLst>
+    <a:ext uri="{05A4C25C-085E-4340-85A3-A5531E510DB2}">
+      <thm15:themeFamily xmlns:thm15="http://schemas.microsoft.com/office/thememl/2012/main" name="Basis" id="{5665723A-49BA-4B57-8411-A56F8F207965}" vid="{90E45F77-AEFC-46EF-A7C1-5B338C297B02}"/>
+    </a:ext>
+  </a:extLst>
+</a:theme>
 </file>
--- a/Ngo_Van_Hieu/Xây dựng ứng dụng Với Hadoop.pptx
+++ b/Ngo_Van_Hieu/Xây dựng ứng dụng Với Hadoop.pptx
@@ -5,16 +5,15 @@
     <p:sldMasterId id="2147483672" r:id="rId1"/>
     <p:sldMasterId id="2147483689" r:id="rId2"/>
     <p:sldMasterId id="2147483707" r:id="rId3"/>
-    <p:sldMasterId id="2147483749" r:id="rId4"/>
   </p:sldMasterIdLst>
   <p:sldIdLst>
-    <p:sldId id="256" r:id="rId5"/>
-    <p:sldId id="257" r:id="rId6"/>
-    <p:sldId id="259" r:id="rId7"/>
-    <p:sldId id="261" r:id="rId8"/>
-    <p:sldId id="262" r:id="rId9"/>
-    <p:sldId id="263" r:id="rId10"/>
-    <p:sldId id="264" r:id="rId11"/>
+    <p:sldId id="256" r:id="rId4"/>
+    <p:sldId id="257" r:id="rId5"/>
+    <p:sldId id="259" r:id="rId6"/>
+    <p:sldId id="261" r:id="rId7"/>
+    <p:sldId id="262" r:id="rId8"/>
+    <p:sldId id="263" r:id="rId9"/>
+    <p:sldId id="264" r:id="rId10"/>
   </p:sldIdLst>
   <p:sldSz cx="12192000" cy="6858000"/>
   <p:notesSz cx="6858000" cy="9144000"/>
@@ -309,7 +308,7 @@
           <a:p>
             <a:fld id="{BF8696C7-E952-45D4-832F-98B384FD62F5}" type="datetimeFigureOut">
               <a:rPr lang="en-US" smtClean="0"/>
-              <a:t>9/20/2014</a:t>
+              <a:t>9/13/2014</a:t>
             </a:fld>
             <a:endParaRPr lang="en-US"/>
           </a:p>
@@ -647,7 +646,7 @@
           <a:p>
             <a:fld id="{BF8696C7-E952-45D4-832F-98B384FD62F5}" type="datetimeFigureOut">
               <a:rPr lang="en-US" smtClean="0"/>
-              <a:t>9/20/2014</a:t>
+              <a:t>9/13/2014</a:t>
             </a:fld>
             <a:endParaRPr lang="en-US"/>
           </a:p>
@@ -1048,7 +1047,7 @@
           <a:p>
             <a:fld id="{BF8696C7-E952-45D4-832F-98B384FD62F5}" type="datetimeFigureOut">
               <a:rPr lang="en-US" smtClean="0"/>
-              <a:t>9/20/2014</a:t>
+              <a:t>9/13/2014</a:t>
             </a:fld>
             <a:endParaRPr lang="en-US"/>
           </a:p>
@@ -1384,7 +1383,7 @@
           <a:p>
             <a:fld id="{BF8696C7-E952-45D4-832F-98B384FD62F5}" type="datetimeFigureOut">
               <a:rPr lang="en-US" smtClean="0"/>
-              <a:t>9/20/2014</a:t>
+              <a:t>9/13/2014</a:t>
             </a:fld>
             <a:endParaRPr lang="en-US"/>
           </a:p>
@@ -1704,7 +1703,7 @@
           <a:p>
             <a:fld id="{BF8696C7-E952-45D4-832F-98B384FD62F5}" type="datetimeFigureOut">
               <a:rPr lang="en-US" smtClean="0"/>
-              <a:t>9/20/2014</a:t>
+              <a:t>9/13/2014</a:t>
             </a:fld>
             <a:endParaRPr lang="en-US"/>
           </a:p>
@@ -2100,7 +2099,7 @@
           <a:p>
             <a:fld id="{BF8696C7-E952-45D4-832F-98B384FD62F5}" type="datetimeFigureOut">
               <a:rPr lang="en-US" smtClean="0"/>
-              <a:t>9/20/2014</a:t>
+              <a:t>9/13/2014</a:t>
             </a:fld>
             <a:endParaRPr lang="en-US"/>
           </a:p>
@@ -2357,7 +2356,7 @@
           <a:p>
             <a:fld id="{BF8696C7-E952-45D4-832F-98B384FD62F5}" type="datetimeFigureOut">
               <a:rPr lang="en-US" smtClean="0"/>
-              <a:t>9/20/2014</a:t>
+              <a:t>9/13/2014</a:t>
             </a:fld>
             <a:endParaRPr lang="en-US"/>
           </a:p>
@@ -2619,7 +2618,7 @@
           <a:p>
             <a:fld id="{BF8696C7-E952-45D4-832F-98B384FD62F5}" type="datetimeFigureOut">
               <a:rPr lang="en-US" smtClean="0"/>
-              <a:t>9/20/2014</a:t>
+              <a:t>9/13/2014</a:t>
             </a:fld>
             <a:endParaRPr lang="en-US"/>
           </a:p>
@@ -3093,7 +3092,7 @@
           <a:p>
             <a:fld id="{BF8696C7-E952-45D4-832F-98B384FD62F5}" type="datetimeFigureOut">
               <a:rPr lang="en-US" smtClean="0"/>
-              <a:t>9/20/2014</a:t>
+              <a:t>9/13/2014</a:t>
             </a:fld>
             <a:endParaRPr lang="en-US"/>
           </a:p>
@@ -3334,7 +3333,7 @@
           <a:p>
             <a:fld id="{BF8696C7-E952-45D4-832F-98B384FD62F5}" type="datetimeFigureOut">
               <a:rPr lang="en-US" smtClean="0"/>
-              <a:t>9/20/2014</a:t>
+              <a:t>9/13/2014</a:t>
             </a:fld>
             <a:endParaRPr lang="en-US"/>
           </a:p>
@@ -3582,7 +3581,7 @@
           <a:p>
             <a:fld id="{BF8696C7-E952-45D4-832F-98B384FD62F5}" type="datetimeFigureOut">
               <a:rPr lang="en-US" smtClean="0"/>
-              <a:t>9/20/2014</a:t>
+              <a:t>9/13/2014</a:t>
             </a:fld>
             <a:endParaRPr lang="en-US"/>
           </a:p>
@@ -3793,7 +3792,7 @@
           <a:p>
             <a:fld id="{BF8696C7-E952-45D4-832F-98B384FD62F5}" type="datetimeFigureOut">
               <a:rPr lang="en-US" smtClean="0"/>
-              <a:t>9/20/2014</a:t>
+              <a:t>9/13/2014</a:t>
             </a:fld>
             <a:endParaRPr lang="en-US"/>
           </a:p>
@@ -4142,7 +4141,7 @@
           <a:p>
             <a:fld id="{BF8696C7-E952-45D4-832F-98B384FD62F5}" type="datetimeFigureOut">
               <a:rPr lang="en-US" smtClean="0"/>
-              <a:t>9/20/2014</a:t>
+              <a:t>9/13/2014</a:t>
             </a:fld>
             <a:endParaRPr lang="en-US"/>
           </a:p>
@@ -4536,7 +4535,7 @@
           <a:p>
             <a:fld id="{BF8696C7-E952-45D4-832F-98B384FD62F5}" type="datetimeFigureOut">
               <a:rPr lang="en-US" smtClean="0"/>
-              <a:t>9/20/2014</a:t>
+              <a:t>9/13/2014</a:t>
             </a:fld>
             <a:endParaRPr lang="en-US"/>
           </a:p>
@@ -4685,7 +4684,7 @@
           <a:p>
             <a:fld id="{BF8696C7-E952-45D4-832F-98B384FD62F5}" type="datetimeFigureOut">
               <a:rPr lang="en-US" smtClean="0"/>
-              <a:t>9/20/2014</a:t>
+              <a:t>9/13/2014</a:t>
             </a:fld>
             <a:endParaRPr lang="en-US"/>
           </a:p>
@@ -4811,7 +4810,7 @@
           <a:p>
             <a:fld id="{BF8696C7-E952-45D4-832F-98B384FD62F5}" type="datetimeFigureOut">
               <a:rPr lang="en-US" smtClean="0"/>
-              <a:t>9/20/2014</a:t>
+              <a:t>9/13/2014</a:t>
             </a:fld>
             <a:endParaRPr lang="en-US"/>
           </a:p>
@@ -5066,7 +5065,7 @@
           <a:p>
             <a:fld id="{BF8696C7-E952-45D4-832F-98B384FD62F5}" type="datetimeFigureOut">
               <a:rPr lang="en-US" smtClean="0"/>
-              <a:t>9/20/2014</a:t>
+              <a:t>9/13/2014</a:t>
             </a:fld>
             <a:endParaRPr lang="en-US"/>
           </a:p>
@@ -5381,7 +5380,7 @@
           <a:p>
             <a:fld id="{BF8696C7-E952-45D4-832F-98B384FD62F5}" type="datetimeFigureOut">
               <a:rPr lang="en-US" smtClean="0"/>
-              <a:t>9/20/2014</a:t>
+              <a:t>9/13/2014</a:t>
             </a:fld>
             <a:endParaRPr lang="en-US"/>
           </a:p>
@@ -5665,7 +5664,7 @@
           <a:p>
             <a:fld id="{BF8696C7-E952-45D4-832F-98B384FD62F5}" type="datetimeFigureOut">
               <a:rPr lang="en-US" smtClean="0"/>
-              <a:t>9/20/2014</a:t>
+              <a:t>9/13/2014</a:t>
             </a:fld>
             <a:endParaRPr lang="en-US"/>
           </a:p>
@@ -5913,7 +5912,7 @@
           <a:p>
             <a:fld id="{BF8696C7-E952-45D4-832F-98B384FD62F5}" type="datetimeFigureOut">
               <a:rPr lang="en-US" smtClean="0"/>
-              <a:t>9/20/2014</a:t>
+              <a:t>9/13/2014</a:t>
             </a:fld>
             <a:endParaRPr lang="en-US"/>
           </a:p>
@@ -6252,7 +6251,7 @@
           <a:p>
             <a:fld id="{BF8696C7-E952-45D4-832F-98B384FD62F5}" type="datetimeFigureOut">
               <a:rPr lang="en-US" smtClean="0"/>
-              <a:t>9/20/2014</a:t>
+              <a:t>9/13/2014</a:t>
             </a:fld>
             <a:endParaRPr lang="en-US"/>
           </a:p>
@@ -6599,7 +6598,7 @@
           <a:p>
             <a:fld id="{BF8696C7-E952-45D4-832F-98B384FD62F5}" type="datetimeFigureOut">
               <a:rPr lang="en-US" smtClean="0"/>
-              <a:t>9/20/2014</a:t>
+              <a:t>9/13/2014</a:t>
             </a:fld>
             <a:endParaRPr lang="en-US"/>
           </a:p>
@@ -6846,7 +6845,7 @@
           <a:p>
             <a:fld id="{BF8696C7-E952-45D4-832F-98B384FD62F5}" type="datetimeFigureOut">
               <a:rPr lang="en-US" smtClean="0"/>
-              <a:t>9/20/2014</a:t>
+              <a:t>9/13/2014</a:t>
             </a:fld>
             <a:endParaRPr lang="en-US"/>
           </a:p>
@@ -7307,7 +7306,7 @@
           <a:p>
             <a:fld id="{BF8696C7-E952-45D4-832F-98B384FD62F5}" type="datetimeFigureOut">
               <a:rPr lang="en-US" smtClean="0"/>
-              <a:t>9/20/2014</a:t>
+              <a:t>9/13/2014</a:t>
             </a:fld>
             <a:endParaRPr lang="en-US"/>
           </a:p>
@@ -7777,7 +7776,7 @@
           <a:p>
             <a:fld id="{BF8696C7-E952-45D4-832F-98B384FD62F5}" type="datetimeFigureOut">
               <a:rPr lang="en-US" smtClean="0"/>
-              <a:t>9/20/2014</a:t>
+              <a:t>9/13/2014</a:t>
             </a:fld>
             <a:endParaRPr lang="en-US"/>
           </a:p>
@@ -7982,7 +7981,7 @@
           <a:p>
             <a:fld id="{BF8696C7-E952-45D4-832F-98B384FD62F5}" type="datetimeFigureOut">
               <a:rPr lang="en-US" smtClean="0"/>
-              <a:t>9/20/2014</a:t>
+              <a:t>9/13/2014</a:t>
             </a:fld>
             <a:endParaRPr lang="en-US"/>
           </a:p>
@@ -8193,7 +8192,7 @@
           <a:p>
             <a:fld id="{BF8696C7-E952-45D4-832F-98B384FD62F5}" type="datetimeFigureOut">
               <a:rPr lang="en-US" smtClean="0"/>
-              <a:t>9/20/2014</a:t>
+              <a:t>9/13/2014</a:t>
             </a:fld>
             <a:endParaRPr lang="en-US"/>
           </a:p>
@@ -8511,7 +8510,7 @@
           <a:p>
             <a:fld id="{BF8696C7-E952-45D4-832F-98B384FD62F5}" type="datetimeFigureOut">
               <a:rPr lang="en-US" smtClean="0"/>
-              <a:t>9/20/2014</a:t>
+              <a:t>9/13/2014</a:t>
             </a:fld>
             <a:endParaRPr lang="en-US"/>
           </a:p>
@@ -8723,7 +8722,7 @@
           <a:p>
             <a:fld id="{BF8696C7-E952-45D4-832F-98B384FD62F5}" type="datetimeFigureOut">
               <a:rPr lang="en-US" smtClean="0"/>
-              <a:t>9/20/2014</a:t>
+              <a:t>9/13/2014</a:t>
             </a:fld>
             <a:endParaRPr lang="en-US"/>
           </a:p>
@@ -9066,7 +9065,7 @@
           <a:p>
             <a:fld id="{BF8696C7-E952-45D4-832F-98B384FD62F5}" type="datetimeFigureOut">
               <a:rPr lang="en-US" smtClean="0"/>
-              <a:t>9/20/2014</a:t>
+              <a:t>9/13/2014</a:t>
             </a:fld>
             <a:endParaRPr lang="en-US"/>
           </a:p>
@@ -9341,7 +9340,7 @@
           <a:p>
             <a:fld id="{BF8696C7-E952-45D4-832F-98B384FD62F5}" type="datetimeFigureOut">
               <a:rPr lang="en-US" smtClean="0"/>
-              <a:t>9/20/2014</a:t>
+              <a:t>9/13/2014</a:t>
             </a:fld>
             <a:endParaRPr lang="en-US"/>
           </a:p>
@@ -9720,7 +9719,7 @@
           <a:p>
             <a:fld id="{BF8696C7-E952-45D4-832F-98B384FD62F5}" type="datetimeFigureOut">
               <a:rPr lang="en-US" smtClean="0"/>
-              <a:t>9/20/2014</a:t>
+              <a:t>9/13/2014</a:t>
             </a:fld>
             <a:endParaRPr lang="en-US"/>
           </a:p>
@@ -9838,7 +9837,7 @@
           <a:p>
             <a:fld id="{BF8696C7-E952-45D4-832F-98B384FD62F5}" type="datetimeFigureOut">
               <a:rPr lang="en-US" smtClean="0"/>
-              <a:t>9/20/2014</a:t>
+              <a:t>9/13/2014</a:t>
             </a:fld>
             <a:endParaRPr lang="en-US"/>
           </a:p>
@@ -10074,7 +10073,7 @@
           <a:p>
             <a:fld id="{BF8696C7-E952-45D4-832F-98B384FD62F5}" type="datetimeFigureOut">
               <a:rPr lang="en-US" smtClean="0"/>
-              <a:t>9/20/2014</a:t>
+              <a:t>9/13/2014</a:t>
             </a:fld>
             <a:endParaRPr lang="en-US"/>
           </a:p>
@@ -10332,7 +10331,7 @@
           <a:p>
             <a:fld id="{BF8696C7-E952-45D4-832F-98B384FD62F5}" type="datetimeFigureOut">
               <a:rPr lang="en-US" smtClean="0"/>
-              <a:t>9/20/2014</a:t>
+              <a:t>9/13/2014</a:t>
             </a:fld>
             <a:endParaRPr lang="en-US"/>
           </a:p>
@@ -10686,7 +10685,7 @@
           <a:p>
             <a:fld id="{BF8696C7-E952-45D4-832F-98B384FD62F5}" type="datetimeFigureOut">
               <a:rPr lang="en-US" smtClean="0"/>
-              <a:t>9/20/2014</a:t>
+              <a:t>9/13/2014</a:t>
             </a:fld>
             <a:endParaRPr lang="en-US"/>
           </a:p>
@@ -11068,7 +11067,7 @@
           <a:p>
             <a:fld id="{BF8696C7-E952-45D4-832F-98B384FD62F5}" type="datetimeFigureOut">
               <a:rPr lang="en-US" smtClean="0"/>
-              <a:t>9/20/2014</a:t>
+              <a:t>9/13/2014</a:t>
             </a:fld>
             <a:endParaRPr lang="en-US"/>
           </a:p>
@@ -11238,7 +11237,7 @@
           <a:p>
             <a:fld id="{BF8696C7-E952-45D4-832F-98B384FD62F5}" type="datetimeFigureOut">
               <a:rPr lang="en-US" smtClean="0"/>
-              <a:t>9/20/2014</a:t>
+              <a:t>9/13/2014</a:t>
             </a:fld>
             <a:endParaRPr lang="en-US"/>
           </a:p>
@@ -11494,7 +11493,7 @@
           <a:p>
             <a:fld id="{BF8696C7-E952-45D4-832F-98B384FD62F5}" type="datetimeFigureOut">
               <a:rPr lang="en-US" smtClean="0"/>
-              <a:t>9/20/2014</a:t>
+              <a:t>9/13/2014</a:t>
             </a:fld>
             <a:endParaRPr lang="en-US"/>
           </a:p>
@@ -11546,1482 +11545,6 @@
     <p:extLst>
       <p:ext uri="{BB962C8B-B14F-4D97-AF65-F5344CB8AC3E}">
         <p14:creationId xmlns:p14="http://schemas.microsoft.com/office/powerpoint/2010/main" val="609173978"/>
-      </p:ext>
-    </p:extLst>
-  </p:cSld>
-  <p:clrMapOvr>
-    <a:masterClrMapping/>
-  </p:clrMapOvr>
-</p:sldLayout>
-</file>
-
-<file path=ppt/slideLayouts/slideLayout45.xml><?xml version="1.0" encoding="utf-8"?>
-<p:sldLayout xmlns:a="http://schemas.openxmlformats.org/drawingml/2006/main" xmlns:r="http://schemas.openxmlformats.org/officeDocument/2006/relationships" xmlns:p="http://schemas.openxmlformats.org/presentationml/2006/main" type="title" preserve="1">
-  <p:cSld name="Title Slide">
-    <p:spTree>
-      <p:nvGrpSpPr>
-        <p:cNvPr id="1" name=""/>
-        <p:cNvGrpSpPr/>
-        <p:nvPr/>
-      </p:nvGrpSpPr>
-      <p:grpSpPr>
-        <a:xfrm>
-          <a:off x="0" y="0"/>
-          <a:ext cx="0" cy="0"/>
-          <a:chOff x="0" y="0"/>
-          <a:chExt cx="0" cy="0"/>
-        </a:xfrm>
-      </p:grpSpPr>
-      <p:sp>
-        <p:nvSpPr>
-          <p:cNvPr id="7" name="Rectangle 6"/>
-          <p:cNvSpPr>
-            <a:spLocks noChangeAspect="1"/>
-          </p:cNvSpPr>
-          <p:nvPr/>
-        </p:nvSpPr>
-        <p:spPr>
-          <a:xfrm>
-            <a:off x="231140" y="243840"/>
-            <a:ext cx="11724640" cy="6377939"/>
-          </a:xfrm>
-          <a:prstGeom prst="rect">
-            <a:avLst/>
-          </a:prstGeom>
-          <a:solidFill>
-            <a:schemeClr val="accent1"/>
-          </a:solidFill>
-          <a:ln w="12700">
-            <a:solidFill>
-              <a:srgbClr val="FFFFFF"/>
-            </a:solidFill>
-          </a:ln>
-        </p:spPr>
-        <p:style>
-          <a:lnRef idx="2">
-            <a:schemeClr val="accent1">
-              <a:shade val="50000"/>
-            </a:schemeClr>
-          </a:lnRef>
-          <a:fillRef idx="1">
-            <a:schemeClr val="accent1"/>
-          </a:fillRef>
-          <a:effectRef idx="0">
-            <a:schemeClr val="accent1"/>
-          </a:effectRef>
-          <a:fontRef idx="minor">
-            <a:schemeClr val="lt1"/>
-          </a:fontRef>
-        </p:style>
-      </p:sp>
-      <p:sp>
-        <p:nvSpPr>
-          <p:cNvPr id="2" name="Title 1"/>
-          <p:cNvSpPr>
-            <a:spLocks noGrp="1"/>
-          </p:cNvSpPr>
-          <p:nvPr>
-            <p:ph type="ctrTitle"/>
-          </p:nvPr>
-        </p:nvSpPr>
-        <p:spPr>
-          <a:xfrm>
-            <a:off x="1109980" y="882376"/>
-            <a:ext cx="9966960" cy="2926080"/>
-          </a:xfrm>
-        </p:spPr>
-        <p:txBody>
-          <a:bodyPr anchor="b">
-            <a:normAutofit/>
-          </a:bodyPr>
-          <a:lstStyle>
-            <a:lvl1pPr algn="ctr">
-              <a:lnSpc>
-                <a:spcPct val="85000"/>
-              </a:lnSpc>
-              <a:defRPr sz="7200" b="1" cap="all" baseline="0">
-                <a:solidFill>
-                  <a:srgbClr val="FFFFFF"/>
-                </a:solidFill>
-              </a:defRPr>
-            </a:lvl1pPr>
-          </a:lstStyle>
-          <a:p>
-            <a:r>
-              <a:rPr lang="en-US" smtClean="0"/>
-              <a:t>Click to edit Master title style</a:t>
-            </a:r>
-            <a:endParaRPr lang="en-US" dirty="0"/>
-          </a:p>
-        </p:txBody>
-      </p:sp>
-      <p:sp>
-        <p:nvSpPr>
-          <p:cNvPr id="3" name="Subtitle 2"/>
-          <p:cNvSpPr>
-            <a:spLocks noGrp="1"/>
-          </p:cNvSpPr>
-          <p:nvPr>
-            <p:ph type="subTitle" idx="1"/>
-          </p:nvPr>
-        </p:nvSpPr>
-        <p:spPr>
-          <a:xfrm>
-            <a:off x="1709530" y="3869634"/>
-            <a:ext cx="8767860" cy="1388165"/>
-          </a:xfrm>
-        </p:spPr>
-        <p:txBody>
-          <a:bodyPr>
-            <a:normAutofit/>
-          </a:bodyPr>
-          <a:lstStyle>
-            <a:lvl1pPr marL="0" indent="0" algn="ctr">
-              <a:buNone/>
-              <a:defRPr sz="2200">
-                <a:solidFill>
-                  <a:srgbClr val="FFFFFF"/>
-                </a:solidFill>
-              </a:defRPr>
-            </a:lvl1pPr>
-            <a:lvl2pPr marL="457200" indent="0" algn="ctr">
-              <a:buNone/>
-              <a:defRPr sz="2200"/>
-            </a:lvl2pPr>
-            <a:lvl3pPr marL="914400" indent="0" algn="ctr">
-              <a:buNone/>
-              <a:defRPr sz="2200"/>
-            </a:lvl3pPr>
-            <a:lvl4pPr marL="1371600" indent="0" algn="ctr">
-              <a:buNone/>
-              <a:defRPr sz="2000"/>
-            </a:lvl4pPr>
-            <a:lvl5pPr marL="1828800" indent="0" algn="ctr">
-              <a:buNone/>
-              <a:defRPr sz="2000"/>
-            </a:lvl5pPr>
-            <a:lvl6pPr marL="2286000" indent="0" algn="ctr">
-              <a:buNone/>
-              <a:defRPr sz="2000"/>
-            </a:lvl6pPr>
-            <a:lvl7pPr marL="2743200" indent="0" algn="ctr">
-              <a:buNone/>
-              <a:defRPr sz="2000"/>
-            </a:lvl7pPr>
-            <a:lvl8pPr marL="3200400" indent="0" algn="ctr">
-              <a:buNone/>
-              <a:defRPr sz="2000"/>
-            </a:lvl8pPr>
-            <a:lvl9pPr marL="3657600" indent="0" algn="ctr">
-              <a:buNone/>
-              <a:defRPr sz="2000"/>
-            </a:lvl9pPr>
-          </a:lstStyle>
-          <a:p>
-            <a:r>
-              <a:rPr lang="en-US" smtClean="0"/>
-              <a:t>Click to edit Master subtitle style</a:t>
-            </a:r>
-            <a:endParaRPr lang="en-US" dirty="0"/>
-          </a:p>
-        </p:txBody>
-      </p:sp>
-      <p:sp>
-        <p:nvSpPr>
-          <p:cNvPr id="4" name="Date Placeholder 3"/>
-          <p:cNvSpPr>
-            <a:spLocks noGrp="1"/>
-          </p:cNvSpPr>
-          <p:nvPr>
-            <p:ph type="dt" sz="half" idx="10"/>
-          </p:nvPr>
-        </p:nvSpPr>
-        <p:spPr/>
-        <p:txBody>
-          <a:bodyPr/>
-          <a:lstStyle>
-            <a:lvl1pPr>
-              <a:defRPr>
-                <a:solidFill>
-                  <a:srgbClr val="FFFFFF"/>
-                </a:solidFill>
-              </a:defRPr>
-            </a:lvl1pPr>
-          </a:lstStyle>
-          <a:p>
-            <a:fld id="{BF8696C7-E952-45D4-832F-98B384FD62F5}" type="datetimeFigureOut">
-              <a:rPr lang="en-US" smtClean="0"/>
-              <a:t>9/20/2014</a:t>
-            </a:fld>
-            <a:endParaRPr lang="en-US"/>
-          </a:p>
-        </p:txBody>
-      </p:sp>
-      <p:sp>
-        <p:nvSpPr>
-          <p:cNvPr id="5" name="Footer Placeholder 4"/>
-          <p:cNvSpPr>
-            <a:spLocks noGrp="1"/>
-          </p:cNvSpPr>
-          <p:nvPr>
-            <p:ph type="ftr" sz="quarter" idx="11"/>
-          </p:nvPr>
-        </p:nvSpPr>
-        <p:spPr/>
-        <p:txBody>
-          <a:bodyPr/>
-          <a:lstStyle>
-            <a:lvl1pPr>
-              <a:defRPr>
-                <a:solidFill>
-                  <a:srgbClr val="FFFFFF"/>
-                </a:solidFill>
-              </a:defRPr>
-            </a:lvl1pPr>
-          </a:lstStyle>
-          <a:p>
-            <a:endParaRPr lang="en-US"/>
-          </a:p>
-        </p:txBody>
-      </p:sp>
-      <p:sp>
-        <p:nvSpPr>
-          <p:cNvPr id="6" name="Slide Number Placeholder 5"/>
-          <p:cNvSpPr>
-            <a:spLocks noGrp="1"/>
-          </p:cNvSpPr>
-          <p:nvPr>
-            <p:ph type="sldNum" sz="quarter" idx="12"/>
-          </p:nvPr>
-        </p:nvSpPr>
-        <p:spPr/>
-        <p:txBody>
-          <a:bodyPr/>
-          <a:lstStyle>
-            <a:lvl1pPr>
-              <a:defRPr>
-                <a:solidFill>
-                  <a:srgbClr val="FFFFFF"/>
-                </a:solidFill>
-              </a:defRPr>
-            </a:lvl1pPr>
-          </a:lstStyle>
-          <a:p>
-            <a:fld id="{EDF2E87F-37A5-41A1-B4A0-669ACBBAC3F7}" type="slidenum">
-              <a:rPr lang="en-US" smtClean="0"/>
-              <a:t>‹#›</a:t>
-            </a:fld>
-            <a:endParaRPr lang="en-US"/>
-          </a:p>
-        </p:txBody>
-      </p:sp>
-      <p:cxnSp>
-        <p:nvCxnSpPr>
-          <p:cNvPr id="8" name="Straight Connector 7"/>
-          <p:cNvCxnSpPr/>
-          <p:nvPr/>
-        </p:nvCxnSpPr>
-        <p:spPr>
-          <a:xfrm>
-            <a:off x="1978660" y="3733800"/>
-            <a:ext cx="8229601" cy="0"/>
-          </a:xfrm>
-          <a:prstGeom prst="line">
-            <a:avLst/>
-          </a:prstGeom>
-          <a:ln>
-            <a:solidFill>
-              <a:srgbClr val="FFFFFF"/>
-            </a:solidFill>
-          </a:ln>
-        </p:spPr>
-        <p:style>
-          <a:lnRef idx="1">
-            <a:schemeClr val="accent1"/>
-          </a:lnRef>
-          <a:fillRef idx="0">
-            <a:schemeClr val="accent1"/>
-          </a:fillRef>
-          <a:effectRef idx="0">
-            <a:schemeClr val="accent1"/>
-          </a:effectRef>
-          <a:fontRef idx="minor">
-            <a:schemeClr val="tx1"/>
-          </a:fontRef>
-        </p:style>
-      </p:cxnSp>
-    </p:spTree>
-    <p:extLst>
-      <p:ext uri="{BB962C8B-B14F-4D97-AF65-F5344CB8AC3E}">
-        <p14:creationId xmlns:p14="http://schemas.microsoft.com/office/powerpoint/2010/main" val="640012609"/>
-      </p:ext>
-    </p:extLst>
-  </p:cSld>
-  <p:clrMapOvr>
-    <a:masterClrMapping/>
-  </p:clrMapOvr>
-</p:sldLayout>
-</file>
-
-<file path=ppt/slideLayouts/slideLayout46.xml><?xml version="1.0" encoding="utf-8"?>
-<p:sldLayout xmlns:a="http://schemas.openxmlformats.org/drawingml/2006/main" xmlns:r="http://schemas.openxmlformats.org/officeDocument/2006/relationships" xmlns:p="http://schemas.openxmlformats.org/presentationml/2006/main" type="obj" preserve="1">
-  <p:cSld name="Title and Content">
-    <p:spTree>
-      <p:nvGrpSpPr>
-        <p:cNvPr id="1" name=""/>
-        <p:cNvGrpSpPr/>
-        <p:nvPr/>
-      </p:nvGrpSpPr>
-      <p:grpSpPr>
-        <a:xfrm>
-          <a:off x="0" y="0"/>
-          <a:ext cx="0" cy="0"/>
-          <a:chOff x="0" y="0"/>
-          <a:chExt cx="0" cy="0"/>
-        </a:xfrm>
-      </p:grpSpPr>
-      <p:sp>
-        <p:nvSpPr>
-          <p:cNvPr id="2" name="Title 1"/>
-          <p:cNvSpPr>
-            <a:spLocks noGrp="1"/>
-          </p:cNvSpPr>
-          <p:nvPr>
-            <p:ph type="title"/>
-          </p:nvPr>
-        </p:nvSpPr>
-        <p:spPr/>
-        <p:txBody>
-          <a:bodyPr/>
-          <a:lstStyle/>
-          <a:p>
-            <a:r>
-              <a:rPr lang="en-US" smtClean="0"/>
-              <a:t>Click to edit Master title style</a:t>
-            </a:r>
-            <a:endParaRPr lang="en-US" dirty="0"/>
-          </a:p>
-        </p:txBody>
-      </p:sp>
-      <p:sp>
-        <p:nvSpPr>
-          <p:cNvPr id="3" name="Content Placeholder 2"/>
-          <p:cNvSpPr>
-            <a:spLocks noGrp="1"/>
-          </p:cNvSpPr>
-          <p:nvPr>
-            <p:ph idx="1"/>
-          </p:nvPr>
-        </p:nvSpPr>
-        <p:spPr/>
-        <p:txBody>
-          <a:bodyPr/>
-          <a:lstStyle/>
-          <a:p>
-            <a:pPr lvl="0"/>
-            <a:r>
-              <a:rPr lang="en-US" smtClean="0"/>
-              <a:t>Click to edit Master text styles</a:t>
-            </a:r>
-          </a:p>
-          <a:p>
-            <a:pPr lvl="1"/>
-            <a:r>
-              <a:rPr lang="en-US" smtClean="0"/>
-              <a:t>Second level</a:t>
-            </a:r>
-          </a:p>
-          <a:p>
-            <a:pPr lvl="2"/>
-            <a:r>
-              <a:rPr lang="en-US" smtClean="0"/>
-              <a:t>Third level</a:t>
-            </a:r>
-          </a:p>
-          <a:p>
-            <a:pPr lvl="3"/>
-            <a:r>
-              <a:rPr lang="en-US" smtClean="0"/>
-              <a:t>Fourth level</a:t>
-            </a:r>
-          </a:p>
-          <a:p>
-            <a:pPr lvl="4"/>
-            <a:r>
-              <a:rPr lang="en-US" smtClean="0"/>
-              <a:t>Fifth level</a:t>
-            </a:r>
-            <a:endParaRPr lang="en-US" dirty="0"/>
-          </a:p>
-        </p:txBody>
-      </p:sp>
-      <p:sp>
-        <p:nvSpPr>
-          <p:cNvPr id="4" name="Date Placeholder 3"/>
-          <p:cNvSpPr>
-            <a:spLocks noGrp="1"/>
-          </p:cNvSpPr>
-          <p:nvPr>
-            <p:ph type="dt" sz="half" idx="10"/>
-          </p:nvPr>
-        </p:nvSpPr>
-        <p:spPr/>
-        <p:txBody>
-          <a:bodyPr/>
-          <a:lstStyle/>
-          <a:p>
-            <a:fld id="{BF8696C7-E952-45D4-832F-98B384FD62F5}" type="datetimeFigureOut">
-              <a:rPr lang="en-US" smtClean="0"/>
-              <a:t>9/20/2014</a:t>
-            </a:fld>
-            <a:endParaRPr lang="en-US"/>
-          </a:p>
-        </p:txBody>
-      </p:sp>
-      <p:sp>
-        <p:nvSpPr>
-          <p:cNvPr id="5" name="Footer Placeholder 4"/>
-          <p:cNvSpPr>
-            <a:spLocks noGrp="1"/>
-          </p:cNvSpPr>
-          <p:nvPr>
-            <p:ph type="ftr" sz="quarter" idx="11"/>
-          </p:nvPr>
-        </p:nvSpPr>
-        <p:spPr/>
-        <p:txBody>
-          <a:bodyPr/>
-          <a:lstStyle/>
-          <a:p>
-            <a:endParaRPr lang="en-US"/>
-          </a:p>
-        </p:txBody>
-      </p:sp>
-      <p:sp>
-        <p:nvSpPr>
-          <p:cNvPr id="6" name="Slide Number Placeholder 5"/>
-          <p:cNvSpPr>
-            <a:spLocks noGrp="1"/>
-          </p:cNvSpPr>
-          <p:nvPr>
-            <p:ph type="sldNum" sz="quarter" idx="12"/>
-          </p:nvPr>
-        </p:nvSpPr>
-        <p:spPr/>
-        <p:txBody>
-          <a:bodyPr/>
-          <a:lstStyle/>
-          <a:p>
-            <a:fld id="{EDF2E87F-37A5-41A1-B4A0-669ACBBAC3F7}" type="slidenum">
-              <a:rPr lang="en-US" smtClean="0"/>
-              <a:t>‹#›</a:t>
-            </a:fld>
-            <a:endParaRPr lang="en-US"/>
-          </a:p>
-        </p:txBody>
-      </p:sp>
-    </p:spTree>
-    <p:extLst>
-      <p:ext uri="{BB962C8B-B14F-4D97-AF65-F5344CB8AC3E}">
-        <p14:creationId xmlns:p14="http://schemas.microsoft.com/office/powerpoint/2010/main" val="790454555"/>
-      </p:ext>
-    </p:extLst>
-  </p:cSld>
-  <p:clrMapOvr>
-    <a:masterClrMapping/>
-  </p:clrMapOvr>
-</p:sldLayout>
-</file>
-
-<file path=ppt/slideLayouts/slideLayout47.xml><?xml version="1.0" encoding="utf-8"?>
-<p:sldLayout xmlns:a="http://schemas.openxmlformats.org/drawingml/2006/main" xmlns:r="http://schemas.openxmlformats.org/officeDocument/2006/relationships" xmlns:p="http://schemas.openxmlformats.org/presentationml/2006/main" type="secHead" preserve="1">
-  <p:cSld name="Section Header">
-    <p:spTree>
-      <p:nvGrpSpPr>
-        <p:cNvPr id="1" name=""/>
-        <p:cNvGrpSpPr/>
-        <p:nvPr/>
-      </p:nvGrpSpPr>
-      <p:grpSpPr>
-        <a:xfrm>
-          <a:off x="0" y="0"/>
-          <a:ext cx="0" cy="0"/>
-          <a:chOff x="0" y="0"/>
-          <a:chExt cx="0" cy="0"/>
-        </a:xfrm>
-      </p:grpSpPr>
-      <p:sp>
-        <p:nvSpPr>
-          <p:cNvPr id="2" name="Title 1"/>
-          <p:cNvSpPr>
-            <a:spLocks noGrp="1"/>
-          </p:cNvSpPr>
-          <p:nvPr>
-            <p:ph type="title"/>
-          </p:nvPr>
-        </p:nvSpPr>
-        <p:spPr>
-          <a:xfrm>
-            <a:off x="1106424" y="1173575"/>
-            <a:ext cx="9966960" cy="2926080"/>
-          </a:xfrm>
-        </p:spPr>
-        <p:txBody>
-          <a:bodyPr anchor="b">
-            <a:noAutofit/>
-          </a:bodyPr>
-          <a:lstStyle>
-            <a:lvl1pPr algn="ctr">
-              <a:lnSpc>
-                <a:spcPct val="85000"/>
-              </a:lnSpc>
-              <a:defRPr sz="7200" b="0" cap="all" baseline="0"/>
-            </a:lvl1pPr>
-          </a:lstStyle>
-          <a:p>
-            <a:r>
-              <a:rPr lang="en-US" smtClean="0"/>
-              <a:t>Click to edit Master title style</a:t>
-            </a:r>
-            <a:endParaRPr lang="en-US" dirty="0"/>
-          </a:p>
-        </p:txBody>
-      </p:sp>
-      <p:sp>
-        <p:nvSpPr>
-          <p:cNvPr id="3" name="Text Placeholder 2"/>
-          <p:cNvSpPr>
-            <a:spLocks noGrp="1"/>
-          </p:cNvSpPr>
-          <p:nvPr>
-            <p:ph type="body" idx="1"/>
-          </p:nvPr>
-        </p:nvSpPr>
-        <p:spPr>
-          <a:xfrm>
-            <a:off x="1709928" y="4154520"/>
-            <a:ext cx="8769096" cy="1363806"/>
-          </a:xfrm>
-        </p:spPr>
-        <p:txBody>
-          <a:bodyPr anchor="t">
-            <a:normAutofit/>
-          </a:bodyPr>
-          <a:lstStyle>
-            <a:lvl1pPr marL="0" indent="0" algn="ctr">
-              <a:buNone/>
-              <a:defRPr sz="2200">
-                <a:solidFill>
-                  <a:schemeClr val="accent1"/>
-                </a:solidFill>
-              </a:defRPr>
-            </a:lvl1pPr>
-            <a:lvl2pPr marL="457200" indent="0">
-              <a:buNone/>
-              <a:defRPr sz="1800">
-                <a:solidFill>
-                  <a:schemeClr val="tx1">
-                    <a:tint val="75000"/>
-                  </a:schemeClr>
-                </a:solidFill>
-              </a:defRPr>
-            </a:lvl2pPr>
-            <a:lvl3pPr marL="914400" indent="0">
-              <a:buNone/>
-              <a:defRPr sz="1600">
-                <a:solidFill>
-                  <a:schemeClr val="tx1">
-                    <a:tint val="75000"/>
-                  </a:schemeClr>
-                </a:solidFill>
-              </a:defRPr>
-            </a:lvl3pPr>
-            <a:lvl4pPr marL="1371600" indent="0">
-              <a:buNone/>
-              <a:defRPr sz="1400">
-                <a:solidFill>
-                  <a:schemeClr val="tx1">
-                    <a:tint val="75000"/>
-                  </a:schemeClr>
-                </a:solidFill>
-              </a:defRPr>
-            </a:lvl4pPr>
-            <a:lvl5pPr marL="1828800" indent="0">
-              <a:buNone/>
-              <a:defRPr sz="1400">
-                <a:solidFill>
-                  <a:schemeClr val="tx1">
-                    <a:tint val="75000"/>
-                  </a:schemeClr>
-                </a:solidFill>
-              </a:defRPr>
-            </a:lvl5pPr>
-            <a:lvl6pPr marL="2286000" indent="0">
-              <a:buNone/>
-              <a:defRPr sz="1400">
-                <a:solidFill>
-                  <a:schemeClr val="tx1">
-                    <a:tint val="75000"/>
-                  </a:schemeClr>
-                </a:solidFill>
-              </a:defRPr>
-            </a:lvl6pPr>
-            <a:lvl7pPr marL="2743200" indent="0">
-              <a:buNone/>
-              <a:defRPr sz="1400">
-                <a:solidFill>
-                  <a:schemeClr val="tx1">
-                    <a:tint val="75000"/>
-                  </a:schemeClr>
-                </a:solidFill>
-              </a:defRPr>
-            </a:lvl7pPr>
-            <a:lvl8pPr marL="3200400" indent="0">
-              <a:buNone/>
-              <a:defRPr sz="1400">
-                <a:solidFill>
-                  <a:schemeClr val="tx1">
-                    <a:tint val="75000"/>
-                  </a:schemeClr>
-                </a:solidFill>
-              </a:defRPr>
-            </a:lvl8pPr>
-            <a:lvl9pPr marL="3657600" indent="0">
-              <a:buNone/>
-              <a:defRPr sz="1400">
-                <a:solidFill>
-                  <a:schemeClr val="tx1">
-                    <a:tint val="75000"/>
-                  </a:schemeClr>
-                </a:solidFill>
-              </a:defRPr>
-            </a:lvl9pPr>
-          </a:lstStyle>
-          <a:p>
-            <a:pPr lvl="0"/>
-            <a:r>
-              <a:rPr lang="en-US" smtClean="0"/>
-              <a:t>Click to edit Master text styles</a:t>
-            </a:r>
-          </a:p>
-        </p:txBody>
-      </p:sp>
-      <p:sp>
-        <p:nvSpPr>
-          <p:cNvPr id="4" name="Date Placeholder 3"/>
-          <p:cNvSpPr>
-            <a:spLocks noGrp="1"/>
-          </p:cNvSpPr>
-          <p:nvPr>
-            <p:ph type="dt" sz="half" idx="10"/>
-          </p:nvPr>
-        </p:nvSpPr>
-        <p:spPr/>
-        <p:txBody>
-          <a:bodyPr/>
-          <a:lstStyle/>
-          <a:p>
-            <a:fld id="{BF8696C7-E952-45D4-832F-98B384FD62F5}" type="datetimeFigureOut">
-              <a:rPr lang="en-US" smtClean="0"/>
-              <a:t>9/20/2014</a:t>
-            </a:fld>
-            <a:endParaRPr lang="en-US"/>
-          </a:p>
-        </p:txBody>
-      </p:sp>
-      <p:sp>
-        <p:nvSpPr>
-          <p:cNvPr id="5" name="Footer Placeholder 4"/>
-          <p:cNvSpPr>
-            <a:spLocks noGrp="1"/>
-          </p:cNvSpPr>
-          <p:nvPr>
-            <p:ph type="ftr" sz="quarter" idx="11"/>
-          </p:nvPr>
-        </p:nvSpPr>
-        <p:spPr/>
-        <p:txBody>
-          <a:bodyPr/>
-          <a:lstStyle/>
-          <a:p>
-            <a:endParaRPr lang="en-US"/>
-          </a:p>
-        </p:txBody>
-      </p:sp>
-      <p:sp>
-        <p:nvSpPr>
-          <p:cNvPr id="6" name="Slide Number Placeholder 5"/>
-          <p:cNvSpPr>
-            <a:spLocks noGrp="1"/>
-          </p:cNvSpPr>
-          <p:nvPr>
-            <p:ph type="sldNum" sz="quarter" idx="12"/>
-          </p:nvPr>
-        </p:nvSpPr>
-        <p:spPr/>
-        <p:txBody>
-          <a:bodyPr/>
-          <a:lstStyle/>
-          <a:p>
-            <a:fld id="{EDF2E87F-37A5-41A1-B4A0-669ACBBAC3F7}" type="slidenum">
-              <a:rPr lang="en-US" smtClean="0"/>
-              <a:t>‹#›</a:t>
-            </a:fld>
-            <a:endParaRPr lang="en-US"/>
-          </a:p>
-        </p:txBody>
-      </p:sp>
-      <p:cxnSp>
-        <p:nvCxnSpPr>
-          <p:cNvPr id="7" name="Straight Connector 6"/>
-          <p:cNvCxnSpPr/>
-          <p:nvPr/>
-        </p:nvCxnSpPr>
-        <p:spPr>
-          <a:xfrm>
-            <a:off x="1981200" y="4020408"/>
-            <a:ext cx="8229601" cy="0"/>
-          </a:xfrm>
-          <a:prstGeom prst="line">
-            <a:avLst/>
-          </a:prstGeom>
-          <a:ln>
-            <a:solidFill>
-              <a:schemeClr val="accent1"/>
-            </a:solidFill>
-          </a:ln>
-        </p:spPr>
-        <p:style>
-          <a:lnRef idx="1">
-            <a:schemeClr val="accent1"/>
-          </a:lnRef>
-          <a:fillRef idx="0">
-            <a:schemeClr val="accent1"/>
-          </a:fillRef>
-          <a:effectRef idx="0">
-            <a:schemeClr val="accent1"/>
-          </a:effectRef>
-          <a:fontRef idx="minor">
-            <a:schemeClr val="tx1"/>
-          </a:fontRef>
-        </p:style>
-      </p:cxnSp>
-    </p:spTree>
-    <p:extLst>
-      <p:ext uri="{BB962C8B-B14F-4D97-AF65-F5344CB8AC3E}">
-        <p14:creationId xmlns:p14="http://schemas.microsoft.com/office/powerpoint/2010/main" val="1241151332"/>
-      </p:ext>
-    </p:extLst>
-  </p:cSld>
-  <p:clrMapOvr>
-    <a:masterClrMapping/>
-  </p:clrMapOvr>
-</p:sldLayout>
-</file>
-
-<file path=ppt/slideLayouts/slideLayout48.xml><?xml version="1.0" encoding="utf-8"?>
-<p:sldLayout xmlns:a="http://schemas.openxmlformats.org/drawingml/2006/main" xmlns:r="http://schemas.openxmlformats.org/officeDocument/2006/relationships" xmlns:p="http://schemas.openxmlformats.org/presentationml/2006/main" type="twoObj" preserve="1">
-  <p:cSld name="Two Content">
-    <p:spTree>
-      <p:nvGrpSpPr>
-        <p:cNvPr id="1" name=""/>
-        <p:cNvGrpSpPr/>
-        <p:nvPr/>
-      </p:nvGrpSpPr>
-      <p:grpSpPr>
-        <a:xfrm>
-          <a:off x="0" y="0"/>
-          <a:ext cx="0" cy="0"/>
-          <a:chOff x="0" y="0"/>
-          <a:chExt cx="0" cy="0"/>
-        </a:xfrm>
-      </p:grpSpPr>
-      <p:sp>
-        <p:nvSpPr>
-          <p:cNvPr id="8" name="Title 7"/>
-          <p:cNvSpPr>
-            <a:spLocks noGrp="1"/>
-          </p:cNvSpPr>
-          <p:nvPr>
-            <p:ph type="title"/>
-          </p:nvPr>
-        </p:nvSpPr>
-        <p:spPr/>
-        <p:txBody>
-          <a:bodyPr/>
-          <a:lstStyle/>
-          <a:p>
-            <a:r>
-              <a:rPr lang="en-US" smtClean="0"/>
-              <a:t>Click to edit Master title style</a:t>
-            </a:r>
-            <a:endParaRPr lang="en-US" dirty="0"/>
-          </a:p>
-        </p:txBody>
-      </p:sp>
-      <p:sp>
-        <p:nvSpPr>
-          <p:cNvPr id="3" name="Content Placeholder 2"/>
-          <p:cNvSpPr>
-            <a:spLocks noGrp="1"/>
-          </p:cNvSpPr>
-          <p:nvPr>
-            <p:ph sz="half" idx="1"/>
-          </p:nvPr>
-        </p:nvSpPr>
-        <p:spPr>
-          <a:xfrm>
-            <a:off x="1143000" y="2057399"/>
-            <a:ext cx="4754880" cy="4023360"/>
-          </a:xfrm>
-        </p:spPr>
-        <p:txBody>
-          <a:bodyPr/>
-          <a:lstStyle>
-            <a:lvl1pPr>
-              <a:defRPr sz="2200"/>
-            </a:lvl1pPr>
-            <a:lvl2pPr>
-              <a:defRPr sz="2000"/>
-            </a:lvl2pPr>
-            <a:lvl3pPr>
-              <a:defRPr sz="1800"/>
-            </a:lvl3pPr>
-            <a:lvl4pPr>
-              <a:defRPr sz="1600"/>
-            </a:lvl4pPr>
-            <a:lvl5pPr>
-              <a:defRPr sz="1600"/>
-            </a:lvl5pPr>
-            <a:lvl6pPr>
-              <a:defRPr sz="1600"/>
-            </a:lvl6pPr>
-            <a:lvl7pPr>
-              <a:defRPr sz="1600"/>
-            </a:lvl7pPr>
-            <a:lvl8pPr>
-              <a:defRPr sz="1600"/>
-            </a:lvl8pPr>
-            <a:lvl9pPr>
-              <a:defRPr sz="1600"/>
-            </a:lvl9pPr>
-          </a:lstStyle>
-          <a:p>
-            <a:pPr lvl="0"/>
-            <a:r>
-              <a:rPr lang="en-US" smtClean="0"/>
-              <a:t>Click to edit Master text styles</a:t>
-            </a:r>
-          </a:p>
-          <a:p>
-            <a:pPr lvl="1"/>
-            <a:r>
-              <a:rPr lang="en-US" smtClean="0"/>
-              <a:t>Second level</a:t>
-            </a:r>
-          </a:p>
-          <a:p>
-            <a:pPr lvl="2"/>
-            <a:r>
-              <a:rPr lang="en-US" smtClean="0"/>
-              <a:t>Third level</a:t>
-            </a:r>
-          </a:p>
-          <a:p>
-            <a:pPr lvl="3"/>
-            <a:r>
-              <a:rPr lang="en-US" smtClean="0"/>
-              <a:t>Fourth level</a:t>
-            </a:r>
-          </a:p>
-          <a:p>
-            <a:pPr lvl="4"/>
-            <a:r>
-              <a:rPr lang="en-US" smtClean="0"/>
-              <a:t>Fifth level</a:t>
-            </a:r>
-            <a:endParaRPr lang="en-US" dirty="0"/>
-          </a:p>
-        </p:txBody>
-      </p:sp>
-      <p:sp>
-        <p:nvSpPr>
-          <p:cNvPr id="4" name="Content Placeholder 3"/>
-          <p:cNvSpPr>
-            <a:spLocks noGrp="1"/>
-          </p:cNvSpPr>
-          <p:nvPr>
-            <p:ph sz="half" idx="2"/>
-          </p:nvPr>
-        </p:nvSpPr>
-        <p:spPr>
-          <a:xfrm>
-            <a:off x="6267612" y="2057400"/>
-            <a:ext cx="4754880" cy="4023360"/>
-          </a:xfrm>
-        </p:spPr>
-        <p:txBody>
-          <a:bodyPr/>
-          <a:lstStyle>
-            <a:lvl1pPr>
-              <a:defRPr sz="2200"/>
-            </a:lvl1pPr>
-            <a:lvl2pPr>
-              <a:defRPr sz="2000"/>
-            </a:lvl2pPr>
-            <a:lvl3pPr>
-              <a:defRPr sz="1800"/>
-            </a:lvl3pPr>
-            <a:lvl4pPr>
-              <a:defRPr sz="1600"/>
-            </a:lvl4pPr>
-            <a:lvl5pPr>
-              <a:defRPr sz="1600"/>
-            </a:lvl5pPr>
-            <a:lvl6pPr>
-              <a:defRPr sz="1600"/>
-            </a:lvl6pPr>
-            <a:lvl7pPr>
-              <a:defRPr sz="1600"/>
-            </a:lvl7pPr>
-            <a:lvl8pPr>
-              <a:defRPr sz="1600"/>
-            </a:lvl8pPr>
-            <a:lvl9pPr>
-              <a:defRPr sz="1600"/>
-            </a:lvl9pPr>
-          </a:lstStyle>
-          <a:p>
-            <a:pPr lvl="0"/>
-            <a:r>
-              <a:rPr lang="en-US" smtClean="0"/>
-              <a:t>Click to edit Master text styles</a:t>
-            </a:r>
-          </a:p>
-          <a:p>
-            <a:pPr lvl="1"/>
-            <a:r>
-              <a:rPr lang="en-US" smtClean="0"/>
-              <a:t>Second level</a:t>
-            </a:r>
-          </a:p>
-          <a:p>
-            <a:pPr lvl="2"/>
-            <a:r>
-              <a:rPr lang="en-US" smtClean="0"/>
-              <a:t>Third level</a:t>
-            </a:r>
-          </a:p>
-          <a:p>
-            <a:pPr lvl="3"/>
-            <a:r>
-              <a:rPr lang="en-US" smtClean="0"/>
-              <a:t>Fourth level</a:t>
-            </a:r>
-          </a:p>
-          <a:p>
-            <a:pPr lvl="4"/>
-            <a:r>
-              <a:rPr lang="en-US" smtClean="0"/>
-              <a:t>Fifth level</a:t>
-            </a:r>
-            <a:endParaRPr lang="en-US" dirty="0"/>
-          </a:p>
-        </p:txBody>
-      </p:sp>
-      <p:sp>
-        <p:nvSpPr>
-          <p:cNvPr id="5" name="Date Placeholder 4"/>
-          <p:cNvSpPr>
-            <a:spLocks noGrp="1"/>
-          </p:cNvSpPr>
-          <p:nvPr>
-            <p:ph type="dt" sz="half" idx="10"/>
-          </p:nvPr>
-        </p:nvSpPr>
-        <p:spPr/>
-        <p:txBody>
-          <a:bodyPr/>
-          <a:lstStyle/>
-          <a:p>
-            <a:fld id="{BF8696C7-E952-45D4-832F-98B384FD62F5}" type="datetimeFigureOut">
-              <a:rPr lang="en-US" smtClean="0"/>
-              <a:t>9/20/2014</a:t>
-            </a:fld>
-            <a:endParaRPr lang="en-US"/>
-          </a:p>
-        </p:txBody>
-      </p:sp>
-      <p:sp>
-        <p:nvSpPr>
-          <p:cNvPr id="6" name="Footer Placeholder 5"/>
-          <p:cNvSpPr>
-            <a:spLocks noGrp="1"/>
-          </p:cNvSpPr>
-          <p:nvPr>
-            <p:ph type="ftr" sz="quarter" idx="11"/>
-          </p:nvPr>
-        </p:nvSpPr>
-        <p:spPr/>
-        <p:txBody>
-          <a:bodyPr/>
-          <a:lstStyle/>
-          <a:p>
-            <a:endParaRPr lang="en-US"/>
-          </a:p>
-        </p:txBody>
-      </p:sp>
-      <p:sp>
-        <p:nvSpPr>
-          <p:cNvPr id="7" name="Slide Number Placeholder 6"/>
-          <p:cNvSpPr>
-            <a:spLocks noGrp="1"/>
-          </p:cNvSpPr>
-          <p:nvPr>
-            <p:ph type="sldNum" sz="quarter" idx="12"/>
-          </p:nvPr>
-        </p:nvSpPr>
-        <p:spPr/>
-        <p:txBody>
-          <a:bodyPr/>
-          <a:lstStyle/>
-          <a:p>
-            <a:fld id="{EDF2E87F-37A5-41A1-B4A0-669ACBBAC3F7}" type="slidenum">
-              <a:rPr lang="en-US" smtClean="0"/>
-              <a:t>‹#›</a:t>
-            </a:fld>
-            <a:endParaRPr lang="en-US"/>
-          </a:p>
-        </p:txBody>
-      </p:sp>
-    </p:spTree>
-    <p:extLst>
-      <p:ext uri="{BB962C8B-B14F-4D97-AF65-F5344CB8AC3E}">
-        <p14:creationId xmlns:p14="http://schemas.microsoft.com/office/powerpoint/2010/main" val="263651922"/>
-      </p:ext>
-    </p:extLst>
-  </p:cSld>
-  <p:clrMapOvr>
-    <a:masterClrMapping/>
-  </p:clrMapOvr>
-</p:sldLayout>
-</file>
-
-<file path=ppt/slideLayouts/slideLayout49.xml><?xml version="1.0" encoding="utf-8"?>
-<p:sldLayout xmlns:a="http://schemas.openxmlformats.org/drawingml/2006/main" xmlns:r="http://schemas.openxmlformats.org/officeDocument/2006/relationships" xmlns:p="http://schemas.openxmlformats.org/presentationml/2006/main" type="twoTxTwoObj" preserve="1">
-  <p:cSld name="Comparison">
-    <p:spTree>
-      <p:nvGrpSpPr>
-        <p:cNvPr id="1" name=""/>
-        <p:cNvGrpSpPr/>
-        <p:nvPr/>
-      </p:nvGrpSpPr>
-      <p:grpSpPr>
-        <a:xfrm>
-          <a:off x="0" y="0"/>
-          <a:ext cx="0" cy="0"/>
-          <a:chOff x="0" y="0"/>
-          <a:chExt cx="0" cy="0"/>
-        </a:xfrm>
-      </p:grpSpPr>
-      <p:sp>
-        <p:nvSpPr>
-          <p:cNvPr id="10" name="Title 9"/>
-          <p:cNvSpPr>
-            <a:spLocks noGrp="1"/>
-          </p:cNvSpPr>
-          <p:nvPr>
-            <p:ph type="title"/>
-          </p:nvPr>
-        </p:nvSpPr>
-        <p:spPr/>
-        <p:txBody>
-          <a:bodyPr/>
-          <a:lstStyle/>
-          <a:p>
-            <a:r>
-              <a:rPr lang="en-US" smtClean="0"/>
-              <a:t>Click to edit Master title style</a:t>
-            </a:r>
-            <a:endParaRPr lang="en-US" dirty="0"/>
-          </a:p>
-        </p:txBody>
-      </p:sp>
-      <p:sp>
-        <p:nvSpPr>
-          <p:cNvPr id="3" name="Text Placeholder 2"/>
-          <p:cNvSpPr>
-            <a:spLocks noGrp="1"/>
-          </p:cNvSpPr>
-          <p:nvPr>
-            <p:ph type="body" idx="1"/>
-          </p:nvPr>
-        </p:nvSpPr>
-        <p:spPr>
-          <a:xfrm>
-            <a:off x="1143000" y="2001511"/>
-            <a:ext cx="4754880" cy="777240"/>
-          </a:xfrm>
-        </p:spPr>
-        <p:txBody>
-          <a:bodyPr anchor="ctr"/>
-          <a:lstStyle>
-            <a:lvl1pPr marL="0" indent="0">
-              <a:spcBef>
-                <a:spcPts val="0"/>
-              </a:spcBef>
-              <a:buNone/>
-              <a:defRPr sz="2400" b="1"/>
-            </a:lvl1pPr>
-            <a:lvl2pPr marL="457200" indent="0">
-              <a:buNone/>
-              <a:defRPr sz="2000" b="1"/>
-            </a:lvl2pPr>
-            <a:lvl3pPr marL="914400" indent="0">
-              <a:buNone/>
-              <a:defRPr sz="1800" b="1"/>
-            </a:lvl3pPr>
-            <a:lvl4pPr marL="1371600" indent="0">
-              <a:buNone/>
-              <a:defRPr sz="1600" b="1"/>
-            </a:lvl4pPr>
-            <a:lvl5pPr marL="1828800" indent="0">
-              <a:buNone/>
-              <a:defRPr sz="1600" b="1"/>
-            </a:lvl5pPr>
-            <a:lvl6pPr marL="2286000" indent="0">
-              <a:buNone/>
-              <a:defRPr sz="1600" b="1"/>
-            </a:lvl6pPr>
-            <a:lvl7pPr marL="2743200" indent="0">
-              <a:buNone/>
-              <a:defRPr sz="1600" b="1"/>
-            </a:lvl7pPr>
-            <a:lvl8pPr marL="3200400" indent="0">
-              <a:buNone/>
-              <a:defRPr sz="1600" b="1"/>
-            </a:lvl8pPr>
-            <a:lvl9pPr marL="3657600" indent="0">
-              <a:buNone/>
-              <a:defRPr sz="1600" b="1"/>
-            </a:lvl9pPr>
-          </a:lstStyle>
-          <a:p>
-            <a:pPr lvl="0"/>
-            <a:r>
-              <a:rPr lang="en-US" smtClean="0"/>
-              <a:t>Click to edit Master text styles</a:t>
-            </a:r>
-          </a:p>
-        </p:txBody>
-      </p:sp>
-      <p:sp>
-        <p:nvSpPr>
-          <p:cNvPr id="4" name="Content Placeholder 3"/>
-          <p:cNvSpPr>
-            <a:spLocks noGrp="1"/>
-          </p:cNvSpPr>
-          <p:nvPr>
-            <p:ph sz="half" idx="2"/>
-          </p:nvPr>
-        </p:nvSpPr>
-        <p:spPr>
-          <a:xfrm>
-            <a:off x="1143000" y="2721483"/>
-            <a:ext cx="4754880" cy="3383280"/>
-          </a:xfrm>
-        </p:spPr>
-        <p:txBody>
-          <a:bodyPr/>
-          <a:lstStyle>
-            <a:lvl1pPr>
-              <a:defRPr sz="2200"/>
-            </a:lvl1pPr>
-            <a:lvl2pPr>
-              <a:defRPr sz="2000"/>
-            </a:lvl2pPr>
-            <a:lvl3pPr>
-              <a:defRPr sz="1800"/>
-            </a:lvl3pPr>
-            <a:lvl4pPr>
-              <a:defRPr sz="1600"/>
-            </a:lvl4pPr>
-            <a:lvl5pPr>
-              <a:defRPr sz="1600"/>
-            </a:lvl5pPr>
-            <a:lvl6pPr>
-              <a:defRPr sz="1600"/>
-            </a:lvl6pPr>
-            <a:lvl7pPr>
-              <a:defRPr sz="1600"/>
-            </a:lvl7pPr>
-            <a:lvl8pPr>
-              <a:defRPr sz="1600"/>
-            </a:lvl8pPr>
-            <a:lvl9pPr>
-              <a:defRPr sz="1600"/>
-            </a:lvl9pPr>
-          </a:lstStyle>
-          <a:p>
-            <a:pPr lvl="0"/>
-            <a:r>
-              <a:rPr lang="en-US" smtClean="0"/>
-              <a:t>Click to edit Master text styles</a:t>
-            </a:r>
-          </a:p>
-          <a:p>
-            <a:pPr lvl="1"/>
-            <a:r>
-              <a:rPr lang="en-US" smtClean="0"/>
-              <a:t>Second level</a:t>
-            </a:r>
-          </a:p>
-          <a:p>
-            <a:pPr lvl="2"/>
-            <a:r>
-              <a:rPr lang="en-US" smtClean="0"/>
-              <a:t>Third level</a:t>
-            </a:r>
-          </a:p>
-          <a:p>
-            <a:pPr lvl="3"/>
-            <a:r>
-              <a:rPr lang="en-US" smtClean="0"/>
-              <a:t>Fourth level</a:t>
-            </a:r>
-          </a:p>
-          <a:p>
-            <a:pPr lvl="4"/>
-            <a:r>
-              <a:rPr lang="en-US" smtClean="0"/>
-              <a:t>Fifth level</a:t>
-            </a:r>
-            <a:endParaRPr lang="en-US" dirty="0"/>
-          </a:p>
-        </p:txBody>
-      </p:sp>
-      <p:sp>
-        <p:nvSpPr>
-          <p:cNvPr id="5" name="Text Placeholder 4"/>
-          <p:cNvSpPr>
-            <a:spLocks noGrp="1"/>
-          </p:cNvSpPr>
-          <p:nvPr>
-            <p:ph type="body" sz="quarter" idx="3"/>
-          </p:nvPr>
-        </p:nvSpPr>
-        <p:spPr>
-          <a:xfrm>
-            <a:off x="6269173" y="1999032"/>
-            <a:ext cx="4754880" cy="777240"/>
-          </a:xfrm>
-        </p:spPr>
-        <p:txBody>
-          <a:bodyPr anchor="ctr"/>
-          <a:lstStyle>
-            <a:lvl1pPr marL="0" indent="0">
-              <a:spcBef>
-                <a:spcPts val="0"/>
-              </a:spcBef>
-              <a:buNone/>
-              <a:defRPr sz="2400" b="1"/>
-            </a:lvl1pPr>
-            <a:lvl2pPr marL="457200" indent="0">
-              <a:buNone/>
-              <a:defRPr sz="2000" b="1"/>
-            </a:lvl2pPr>
-            <a:lvl3pPr marL="914400" indent="0">
-              <a:buNone/>
-              <a:defRPr sz="1800" b="1"/>
-            </a:lvl3pPr>
-            <a:lvl4pPr marL="1371600" indent="0">
-              <a:buNone/>
-              <a:defRPr sz="1600" b="1"/>
-            </a:lvl4pPr>
-            <a:lvl5pPr marL="1828800" indent="0">
-              <a:buNone/>
-              <a:defRPr sz="1600" b="1"/>
-            </a:lvl5pPr>
-            <a:lvl6pPr marL="2286000" indent="0">
-              <a:buNone/>
-              <a:defRPr sz="1600" b="1"/>
-            </a:lvl6pPr>
-            <a:lvl7pPr marL="2743200" indent="0">
-              <a:buNone/>
-              <a:defRPr sz="1600" b="1"/>
-            </a:lvl7pPr>
-            <a:lvl8pPr marL="3200400" indent="0">
-              <a:buNone/>
-              <a:defRPr sz="1600" b="1"/>
-            </a:lvl8pPr>
-            <a:lvl9pPr marL="3657600" indent="0">
-              <a:buNone/>
-              <a:defRPr sz="1600" b="1"/>
-            </a:lvl9pPr>
-          </a:lstStyle>
-          <a:p>
-            <a:pPr lvl="0"/>
-            <a:r>
-              <a:rPr lang="en-US" smtClean="0"/>
-              <a:t>Click to edit Master text styles</a:t>
-            </a:r>
-          </a:p>
-        </p:txBody>
-      </p:sp>
-      <p:sp>
-        <p:nvSpPr>
-          <p:cNvPr id="6" name="Content Placeholder 5"/>
-          <p:cNvSpPr>
-            <a:spLocks noGrp="1"/>
-          </p:cNvSpPr>
-          <p:nvPr>
-            <p:ph sz="quarter" idx="4"/>
-          </p:nvPr>
-        </p:nvSpPr>
-        <p:spPr>
-          <a:xfrm>
-            <a:off x="6269173" y="2719322"/>
-            <a:ext cx="4754880" cy="3383280"/>
-          </a:xfrm>
-        </p:spPr>
-        <p:txBody>
-          <a:bodyPr/>
-          <a:lstStyle>
-            <a:lvl1pPr>
-              <a:defRPr sz="2200"/>
-            </a:lvl1pPr>
-            <a:lvl2pPr>
-              <a:defRPr sz="2000"/>
-            </a:lvl2pPr>
-            <a:lvl3pPr>
-              <a:defRPr sz="1800"/>
-            </a:lvl3pPr>
-            <a:lvl4pPr>
-              <a:defRPr sz="1600"/>
-            </a:lvl4pPr>
-            <a:lvl5pPr>
-              <a:defRPr sz="1600"/>
-            </a:lvl5pPr>
-            <a:lvl6pPr>
-              <a:defRPr sz="1600"/>
-            </a:lvl6pPr>
-            <a:lvl7pPr>
-              <a:defRPr sz="1600"/>
-            </a:lvl7pPr>
-            <a:lvl8pPr>
-              <a:defRPr sz="1600"/>
-            </a:lvl8pPr>
-            <a:lvl9pPr>
-              <a:defRPr sz="1600"/>
-            </a:lvl9pPr>
-          </a:lstStyle>
-          <a:p>
-            <a:pPr lvl="0"/>
-            <a:r>
-              <a:rPr lang="en-US" smtClean="0"/>
-              <a:t>Click to edit Master text styles</a:t>
-            </a:r>
-          </a:p>
-          <a:p>
-            <a:pPr lvl="1"/>
-            <a:r>
-              <a:rPr lang="en-US" smtClean="0"/>
-              <a:t>Second level</a:t>
-            </a:r>
-          </a:p>
-          <a:p>
-            <a:pPr lvl="2"/>
-            <a:r>
-              <a:rPr lang="en-US" smtClean="0"/>
-              <a:t>Third level</a:t>
-            </a:r>
-          </a:p>
-          <a:p>
-            <a:pPr lvl="3"/>
-            <a:r>
-              <a:rPr lang="en-US" smtClean="0"/>
-              <a:t>Fourth level</a:t>
-            </a:r>
-          </a:p>
-          <a:p>
-            <a:pPr lvl="4"/>
-            <a:r>
-              <a:rPr lang="en-US" smtClean="0"/>
-              <a:t>Fifth level</a:t>
-            </a:r>
-            <a:endParaRPr lang="en-US" dirty="0"/>
-          </a:p>
-        </p:txBody>
-      </p:sp>
-      <p:sp>
-        <p:nvSpPr>
-          <p:cNvPr id="7" name="Date Placeholder 6"/>
-          <p:cNvSpPr>
-            <a:spLocks noGrp="1"/>
-          </p:cNvSpPr>
-          <p:nvPr>
-            <p:ph type="dt" sz="half" idx="10"/>
-          </p:nvPr>
-        </p:nvSpPr>
-        <p:spPr/>
-        <p:txBody>
-          <a:bodyPr/>
-          <a:lstStyle/>
-          <a:p>
-            <a:fld id="{BF8696C7-E952-45D4-832F-98B384FD62F5}" type="datetimeFigureOut">
-              <a:rPr lang="en-US" smtClean="0"/>
-              <a:t>9/20/2014</a:t>
-            </a:fld>
-            <a:endParaRPr lang="en-US"/>
-          </a:p>
-        </p:txBody>
-      </p:sp>
-      <p:sp>
-        <p:nvSpPr>
-          <p:cNvPr id="8" name="Footer Placeholder 7"/>
-          <p:cNvSpPr>
-            <a:spLocks noGrp="1"/>
-          </p:cNvSpPr>
-          <p:nvPr>
-            <p:ph type="ftr" sz="quarter" idx="11"/>
-          </p:nvPr>
-        </p:nvSpPr>
-        <p:spPr/>
-        <p:txBody>
-          <a:bodyPr/>
-          <a:lstStyle/>
-          <a:p>
-            <a:endParaRPr lang="en-US"/>
-          </a:p>
-        </p:txBody>
-      </p:sp>
-      <p:sp>
-        <p:nvSpPr>
-          <p:cNvPr id="9" name="Slide Number Placeholder 8"/>
-          <p:cNvSpPr>
-            <a:spLocks noGrp="1"/>
-          </p:cNvSpPr>
-          <p:nvPr>
-            <p:ph type="sldNum" sz="quarter" idx="12"/>
-          </p:nvPr>
-        </p:nvSpPr>
-        <p:spPr/>
-        <p:txBody>
-          <a:bodyPr/>
-          <a:lstStyle/>
-          <a:p>
-            <a:fld id="{EDF2E87F-37A5-41A1-B4A0-669ACBBAC3F7}" type="slidenum">
-              <a:rPr lang="en-US" smtClean="0"/>
-              <a:t>‹#›</a:t>
-            </a:fld>
-            <a:endParaRPr lang="en-US"/>
-          </a:p>
-        </p:txBody>
-      </p:sp>
-    </p:spTree>
-    <p:extLst>
-      <p:ext uri="{BB962C8B-B14F-4D97-AF65-F5344CB8AC3E}">
-        <p14:creationId xmlns:p14="http://schemas.microsoft.com/office/powerpoint/2010/main" val="1342951994"/>
       </p:ext>
     </p:extLst>
   </p:cSld>
@@ -13340,7 +11863,7 @@
           <a:p>
             <a:fld id="{BF8696C7-E952-45D4-832F-98B384FD62F5}" type="datetimeFigureOut">
               <a:rPr lang="en-US" smtClean="0"/>
-              <a:t>9/20/2014</a:t>
+              <a:t>9/13/2014</a:t>
             </a:fld>
             <a:endParaRPr lang="en-US"/>
           </a:p>
@@ -13488,1131 +12011,6 @@
 </p:sldLayout>
 </file>
 
-<file path=ppt/slideLayouts/slideLayout50.xml><?xml version="1.0" encoding="utf-8"?>
-<p:sldLayout xmlns:a="http://schemas.openxmlformats.org/drawingml/2006/main" xmlns:r="http://schemas.openxmlformats.org/officeDocument/2006/relationships" xmlns:p="http://schemas.openxmlformats.org/presentationml/2006/main" type="titleOnly" preserve="1">
-  <p:cSld name="Title Only">
-    <p:spTree>
-      <p:nvGrpSpPr>
-        <p:cNvPr id="1" name=""/>
-        <p:cNvGrpSpPr/>
-        <p:nvPr/>
-      </p:nvGrpSpPr>
-      <p:grpSpPr>
-        <a:xfrm>
-          <a:off x="0" y="0"/>
-          <a:ext cx="0" cy="0"/>
-          <a:chOff x="0" y="0"/>
-          <a:chExt cx="0" cy="0"/>
-        </a:xfrm>
-      </p:grpSpPr>
-      <p:sp>
-        <p:nvSpPr>
-          <p:cNvPr id="2" name="Title 1"/>
-          <p:cNvSpPr>
-            <a:spLocks noGrp="1"/>
-          </p:cNvSpPr>
-          <p:nvPr>
-            <p:ph type="title"/>
-          </p:nvPr>
-        </p:nvSpPr>
-        <p:spPr/>
-        <p:txBody>
-          <a:bodyPr/>
-          <a:lstStyle/>
-          <a:p>
-            <a:r>
-              <a:rPr lang="en-US" smtClean="0"/>
-              <a:t>Click to edit Master title style</a:t>
-            </a:r>
-            <a:endParaRPr lang="en-US" dirty="0"/>
-          </a:p>
-        </p:txBody>
-      </p:sp>
-      <p:sp>
-        <p:nvSpPr>
-          <p:cNvPr id="3" name="Date Placeholder 2"/>
-          <p:cNvSpPr>
-            <a:spLocks noGrp="1"/>
-          </p:cNvSpPr>
-          <p:nvPr>
-            <p:ph type="dt" sz="half" idx="10"/>
-          </p:nvPr>
-        </p:nvSpPr>
-        <p:spPr/>
-        <p:txBody>
-          <a:bodyPr/>
-          <a:lstStyle/>
-          <a:p>
-            <a:fld id="{BF8696C7-E952-45D4-832F-98B384FD62F5}" type="datetimeFigureOut">
-              <a:rPr lang="en-US" smtClean="0"/>
-              <a:t>9/20/2014</a:t>
-            </a:fld>
-            <a:endParaRPr lang="en-US"/>
-          </a:p>
-        </p:txBody>
-      </p:sp>
-      <p:sp>
-        <p:nvSpPr>
-          <p:cNvPr id="4" name="Footer Placeholder 3"/>
-          <p:cNvSpPr>
-            <a:spLocks noGrp="1"/>
-          </p:cNvSpPr>
-          <p:nvPr>
-            <p:ph type="ftr" sz="quarter" idx="11"/>
-          </p:nvPr>
-        </p:nvSpPr>
-        <p:spPr/>
-        <p:txBody>
-          <a:bodyPr/>
-          <a:lstStyle/>
-          <a:p>
-            <a:endParaRPr lang="en-US"/>
-          </a:p>
-        </p:txBody>
-      </p:sp>
-      <p:sp>
-        <p:nvSpPr>
-          <p:cNvPr id="5" name="Slide Number Placeholder 4"/>
-          <p:cNvSpPr>
-            <a:spLocks noGrp="1"/>
-          </p:cNvSpPr>
-          <p:nvPr>
-            <p:ph type="sldNum" sz="quarter" idx="12"/>
-          </p:nvPr>
-        </p:nvSpPr>
-        <p:spPr/>
-        <p:txBody>
-          <a:bodyPr/>
-          <a:lstStyle/>
-          <a:p>
-            <a:fld id="{EDF2E87F-37A5-41A1-B4A0-669ACBBAC3F7}" type="slidenum">
-              <a:rPr lang="en-US" smtClean="0"/>
-              <a:t>‹#›</a:t>
-            </a:fld>
-            <a:endParaRPr lang="en-US"/>
-          </a:p>
-        </p:txBody>
-      </p:sp>
-    </p:spTree>
-    <p:extLst>
-      <p:ext uri="{BB962C8B-B14F-4D97-AF65-F5344CB8AC3E}">
-        <p14:creationId xmlns:p14="http://schemas.microsoft.com/office/powerpoint/2010/main" val="331561329"/>
-      </p:ext>
-    </p:extLst>
-  </p:cSld>
-  <p:clrMapOvr>
-    <a:masterClrMapping/>
-  </p:clrMapOvr>
-</p:sldLayout>
-</file>
-
-<file path=ppt/slideLayouts/slideLayout51.xml><?xml version="1.0" encoding="utf-8"?>
-<p:sldLayout xmlns:a="http://schemas.openxmlformats.org/drawingml/2006/main" xmlns:r="http://schemas.openxmlformats.org/officeDocument/2006/relationships" xmlns:p="http://schemas.openxmlformats.org/presentationml/2006/main" type="blank" preserve="1">
-  <p:cSld name="Blank">
-    <p:spTree>
-      <p:nvGrpSpPr>
-        <p:cNvPr id="1" name=""/>
-        <p:cNvGrpSpPr/>
-        <p:nvPr/>
-      </p:nvGrpSpPr>
-      <p:grpSpPr>
-        <a:xfrm>
-          <a:off x="0" y="0"/>
-          <a:ext cx="0" cy="0"/>
-          <a:chOff x="0" y="0"/>
-          <a:chExt cx="0" cy="0"/>
-        </a:xfrm>
-      </p:grpSpPr>
-      <p:sp>
-        <p:nvSpPr>
-          <p:cNvPr id="2" name="Date Placeholder 1"/>
-          <p:cNvSpPr>
-            <a:spLocks noGrp="1"/>
-          </p:cNvSpPr>
-          <p:nvPr>
-            <p:ph type="dt" sz="half" idx="10"/>
-          </p:nvPr>
-        </p:nvSpPr>
-        <p:spPr/>
-        <p:txBody>
-          <a:bodyPr/>
-          <a:lstStyle/>
-          <a:p>
-            <a:fld id="{BF8696C7-E952-45D4-832F-98B384FD62F5}" type="datetimeFigureOut">
-              <a:rPr lang="en-US" smtClean="0"/>
-              <a:t>9/20/2014</a:t>
-            </a:fld>
-            <a:endParaRPr lang="en-US"/>
-          </a:p>
-        </p:txBody>
-      </p:sp>
-      <p:sp>
-        <p:nvSpPr>
-          <p:cNvPr id="3" name="Footer Placeholder 2"/>
-          <p:cNvSpPr>
-            <a:spLocks noGrp="1"/>
-          </p:cNvSpPr>
-          <p:nvPr>
-            <p:ph type="ftr" sz="quarter" idx="11"/>
-          </p:nvPr>
-        </p:nvSpPr>
-        <p:spPr/>
-        <p:txBody>
-          <a:bodyPr/>
-          <a:lstStyle/>
-          <a:p>
-            <a:endParaRPr lang="en-US"/>
-          </a:p>
-        </p:txBody>
-      </p:sp>
-      <p:sp>
-        <p:nvSpPr>
-          <p:cNvPr id="4" name="Slide Number Placeholder 3"/>
-          <p:cNvSpPr>
-            <a:spLocks noGrp="1"/>
-          </p:cNvSpPr>
-          <p:nvPr>
-            <p:ph type="sldNum" sz="quarter" idx="12"/>
-          </p:nvPr>
-        </p:nvSpPr>
-        <p:spPr/>
-        <p:txBody>
-          <a:bodyPr/>
-          <a:lstStyle/>
-          <a:p>
-            <a:fld id="{EDF2E87F-37A5-41A1-B4A0-669ACBBAC3F7}" type="slidenum">
-              <a:rPr lang="en-US" smtClean="0"/>
-              <a:t>‹#›</a:t>
-            </a:fld>
-            <a:endParaRPr lang="en-US"/>
-          </a:p>
-        </p:txBody>
-      </p:sp>
-    </p:spTree>
-    <p:extLst>
-      <p:ext uri="{BB962C8B-B14F-4D97-AF65-F5344CB8AC3E}">
-        <p14:creationId xmlns:p14="http://schemas.microsoft.com/office/powerpoint/2010/main" val="3971479651"/>
-      </p:ext>
-    </p:extLst>
-  </p:cSld>
-  <p:clrMapOvr>
-    <a:masterClrMapping/>
-  </p:clrMapOvr>
-</p:sldLayout>
-</file>
-
-<file path=ppt/slideLayouts/slideLayout52.xml><?xml version="1.0" encoding="utf-8"?>
-<p:sldLayout xmlns:a="http://schemas.openxmlformats.org/drawingml/2006/main" xmlns:r="http://schemas.openxmlformats.org/officeDocument/2006/relationships" xmlns:p="http://schemas.openxmlformats.org/presentationml/2006/main" type="objTx" preserve="1">
-  <p:cSld name="Content with Caption">
-    <p:spTree>
-      <p:nvGrpSpPr>
-        <p:cNvPr id="1" name=""/>
-        <p:cNvGrpSpPr/>
-        <p:nvPr/>
-      </p:nvGrpSpPr>
-      <p:grpSpPr>
-        <a:xfrm>
-          <a:off x="0" y="0"/>
-          <a:ext cx="0" cy="0"/>
-          <a:chOff x="0" y="0"/>
-          <a:chExt cx="0" cy="0"/>
-        </a:xfrm>
-      </p:grpSpPr>
-      <p:sp>
-        <p:nvSpPr>
-          <p:cNvPr id="2" name="Title 1"/>
-          <p:cNvSpPr>
-            <a:spLocks noGrp="1"/>
-          </p:cNvSpPr>
-          <p:nvPr>
-            <p:ph type="title"/>
-          </p:nvPr>
-        </p:nvSpPr>
-        <p:spPr>
-          <a:xfrm>
-            <a:off x="1143000" y="1097280"/>
-            <a:ext cx="3931920" cy="1737360"/>
-          </a:xfrm>
-        </p:spPr>
-        <p:txBody>
-          <a:bodyPr anchor="b">
-            <a:noAutofit/>
-          </a:bodyPr>
-          <a:lstStyle>
-            <a:lvl1pPr>
-              <a:lnSpc>
-                <a:spcPct val="90000"/>
-              </a:lnSpc>
-              <a:defRPr sz="4000" b="0"/>
-            </a:lvl1pPr>
-          </a:lstStyle>
-          <a:p>
-            <a:r>
-              <a:rPr lang="en-US" smtClean="0"/>
-              <a:t>Click to edit Master title style</a:t>
-            </a:r>
-            <a:endParaRPr lang="en-US" dirty="0"/>
-          </a:p>
-        </p:txBody>
-      </p:sp>
-      <p:sp>
-        <p:nvSpPr>
-          <p:cNvPr id="3" name="Content Placeholder 2"/>
-          <p:cNvSpPr>
-            <a:spLocks noGrp="1"/>
-          </p:cNvSpPr>
-          <p:nvPr>
-            <p:ph idx="1"/>
-          </p:nvPr>
-        </p:nvSpPr>
-        <p:spPr>
-          <a:xfrm>
-            <a:off x="5852159" y="1097280"/>
-            <a:ext cx="5212080" cy="4663440"/>
-          </a:xfrm>
-        </p:spPr>
-        <p:txBody>
-          <a:bodyPr/>
-          <a:lstStyle>
-            <a:lvl1pPr>
-              <a:defRPr sz="3200"/>
-            </a:lvl1pPr>
-            <a:lvl2pPr>
-              <a:defRPr sz="2800"/>
-            </a:lvl2pPr>
-            <a:lvl3pPr>
-              <a:defRPr sz="2400"/>
-            </a:lvl3pPr>
-            <a:lvl4pPr>
-              <a:defRPr sz="2000"/>
-            </a:lvl4pPr>
-            <a:lvl5pPr>
-              <a:defRPr sz="2000"/>
-            </a:lvl5pPr>
-            <a:lvl6pPr>
-              <a:defRPr sz="2000"/>
-            </a:lvl6pPr>
-            <a:lvl7pPr>
-              <a:defRPr sz="2000"/>
-            </a:lvl7pPr>
-            <a:lvl8pPr>
-              <a:defRPr sz="2000"/>
-            </a:lvl8pPr>
-            <a:lvl9pPr>
-              <a:defRPr sz="2000"/>
-            </a:lvl9pPr>
-          </a:lstStyle>
-          <a:p>
-            <a:pPr lvl="0"/>
-            <a:r>
-              <a:rPr lang="en-US" smtClean="0"/>
-              <a:t>Click to edit Master text styles</a:t>
-            </a:r>
-          </a:p>
-          <a:p>
-            <a:pPr lvl="1"/>
-            <a:r>
-              <a:rPr lang="en-US" smtClean="0"/>
-              <a:t>Second level</a:t>
-            </a:r>
-          </a:p>
-          <a:p>
-            <a:pPr lvl="2"/>
-            <a:r>
-              <a:rPr lang="en-US" smtClean="0"/>
-              <a:t>Third level</a:t>
-            </a:r>
-          </a:p>
-          <a:p>
-            <a:pPr lvl="3"/>
-            <a:r>
-              <a:rPr lang="en-US" smtClean="0"/>
-              <a:t>Fourth level</a:t>
-            </a:r>
-          </a:p>
-          <a:p>
-            <a:pPr lvl="4"/>
-            <a:r>
-              <a:rPr lang="en-US" smtClean="0"/>
-              <a:t>Fifth level</a:t>
-            </a:r>
-            <a:endParaRPr lang="en-US" dirty="0"/>
-          </a:p>
-        </p:txBody>
-      </p:sp>
-      <p:sp>
-        <p:nvSpPr>
-          <p:cNvPr id="4" name="Text Placeholder 3"/>
-          <p:cNvSpPr>
-            <a:spLocks noGrp="1"/>
-          </p:cNvSpPr>
-          <p:nvPr>
-            <p:ph type="body" sz="half" idx="2"/>
-          </p:nvPr>
-        </p:nvSpPr>
-        <p:spPr>
-          <a:xfrm>
-            <a:off x="1143000" y="2834640"/>
-            <a:ext cx="3931920" cy="3017520"/>
-          </a:xfrm>
-        </p:spPr>
-        <p:txBody>
-          <a:bodyPr>
-            <a:normAutofit/>
-          </a:bodyPr>
-          <a:lstStyle>
-            <a:lvl1pPr marL="0" indent="0">
-              <a:lnSpc>
-                <a:spcPct val="100000"/>
-              </a:lnSpc>
-              <a:spcBef>
-                <a:spcPts val="1000"/>
-              </a:spcBef>
-              <a:buNone/>
-              <a:defRPr sz="1700"/>
-            </a:lvl1pPr>
-            <a:lvl2pPr marL="457200" indent="0">
-              <a:buNone/>
-              <a:defRPr sz="1200"/>
-            </a:lvl2pPr>
-            <a:lvl3pPr marL="914400" indent="0">
-              <a:buNone/>
-              <a:defRPr sz="1000"/>
-            </a:lvl3pPr>
-            <a:lvl4pPr marL="1371600" indent="0">
-              <a:buNone/>
-              <a:defRPr sz="900"/>
-            </a:lvl4pPr>
-            <a:lvl5pPr marL="1828800" indent="0">
-              <a:buNone/>
-              <a:defRPr sz="900"/>
-            </a:lvl5pPr>
-            <a:lvl6pPr marL="2286000" indent="0">
-              <a:buNone/>
-              <a:defRPr sz="900"/>
-            </a:lvl6pPr>
-            <a:lvl7pPr marL="2743200" indent="0">
-              <a:buNone/>
-              <a:defRPr sz="900"/>
-            </a:lvl7pPr>
-            <a:lvl8pPr marL="3200400" indent="0">
-              <a:buNone/>
-              <a:defRPr sz="900"/>
-            </a:lvl8pPr>
-            <a:lvl9pPr marL="3657600" indent="0">
-              <a:buNone/>
-              <a:defRPr sz="900"/>
-            </a:lvl9pPr>
-          </a:lstStyle>
-          <a:p>
-            <a:pPr lvl="0"/>
-            <a:r>
-              <a:rPr lang="en-US" smtClean="0"/>
-              <a:t>Click to edit Master text styles</a:t>
-            </a:r>
-          </a:p>
-        </p:txBody>
-      </p:sp>
-      <p:sp>
-        <p:nvSpPr>
-          <p:cNvPr id="5" name="Date Placeholder 4"/>
-          <p:cNvSpPr>
-            <a:spLocks noGrp="1"/>
-          </p:cNvSpPr>
-          <p:nvPr>
-            <p:ph type="dt" sz="half" idx="10"/>
-          </p:nvPr>
-        </p:nvSpPr>
-        <p:spPr/>
-        <p:txBody>
-          <a:bodyPr/>
-          <a:lstStyle/>
-          <a:p>
-            <a:fld id="{BF8696C7-E952-45D4-832F-98B384FD62F5}" type="datetimeFigureOut">
-              <a:rPr lang="en-US" smtClean="0"/>
-              <a:t>9/20/2014</a:t>
-            </a:fld>
-            <a:endParaRPr lang="en-US"/>
-          </a:p>
-        </p:txBody>
-      </p:sp>
-      <p:sp>
-        <p:nvSpPr>
-          <p:cNvPr id="6" name="Footer Placeholder 5"/>
-          <p:cNvSpPr>
-            <a:spLocks noGrp="1"/>
-          </p:cNvSpPr>
-          <p:nvPr>
-            <p:ph type="ftr" sz="quarter" idx="11"/>
-          </p:nvPr>
-        </p:nvSpPr>
-        <p:spPr/>
-        <p:txBody>
-          <a:bodyPr/>
-          <a:lstStyle/>
-          <a:p>
-            <a:endParaRPr lang="en-US"/>
-          </a:p>
-        </p:txBody>
-      </p:sp>
-      <p:sp>
-        <p:nvSpPr>
-          <p:cNvPr id="7" name="Slide Number Placeholder 6"/>
-          <p:cNvSpPr>
-            <a:spLocks noGrp="1"/>
-          </p:cNvSpPr>
-          <p:nvPr>
-            <p:ph type="sldNum" sz="quarter" idx="12"/>
-          </p:nvPr>
-        </p:nvSpPr>
-        <p:spPr/>
-        <p:txBody>
-          <a:bodyPr/>
-          <a:lstStyle/>
-          <a:p>
-            <a:fld id="{EDF2E87F-37A5-41A1-B4A0-669ACBBAC3F7}" type="slidenum">
-              <a:rPr lang="en-US" smtClean="0"/>
-              <a:t>‹#›</a:t>
-            </a:fld>
-            <a:endParaRPr lang="en-US"/>
-          </a:p>
-        </p:txBody>
-      </p:sp>
-    </p:spTree>
-    <p:extLst>
-      <p:ext uri="{BB962C8B-B14F-4D97-AF65-F5344CB8AC3E}">
-        <p14:creationId xmlns:p14="http://schemas.microsoft.com/office/powerpoint/2010/main" val="1134281133"/>
-      </p:ext>
-    </p:extLst>
-  </p:cSld>
-  <p:clrMapOvr>
-    <a:masterClrMapping/>
-  </p:clrMapOvr>
-</p:sldLayout>
-</file>
-
-<file path=ppt/slideLayouts/slideLayout53.xml><?xml version="1.0" encoding="utf-8"?>
-<p:sldLayout xmlns:a="http://schemas.openxmlformats.org/drawingml/2006/main" xmlns:r="http://schemas.openxmlformats.org/officeDocument/2006/relationships" xmlns:p="http://schemas.openxmlformats.org/presentationml/2006/main" type="picTx" preserve="1">
-  <p:cSld name="Picture with Caption">
-    <p:spTree>
-      <p:nvGrpSpPr>
-        <p:cNvPr id="1" name=""/>
-        <p:cNvGrpSpPr/>
-        <p:nvPr/>
-      </p:nvGrpSpPr>
-      <p:grpSpPr>
-        <a:xfrm>
-          <a:off x="0" y="0"/>
-          <a:ext cx="0" cy="0"/>
-          <a:chOff x="0" y="0"/>
-          <a:chExt cx="0" cy="0"/>
-        </a:xfrm>
-      </p:grpSpPr>
-      <p:sp>
-        <p:nvSpPr>
-          <p:cNvPr id="2" name="Title 1"/>
-          <p:cNvSpPr>
-            <a:spLocks noGrp="1"/>
-          </p:cNvSpPr>
-          <p:nvPr>
-            <p:ph type="title"/>
-          </p:nvPr>
-        </p:nvSpPr>
-        <p:spPr>
-          <a:xfrm>
-            <a:off x="1143000" y="1097280"/>
-            <a:ext cx="3931920" cy="1737360"/>
-          </a:xfrm>
-        </p:spPr>
-        <p:txBody>
-          <a:bodyPr anchor="b">
-            <a:noAutofit/>
-          </a:bodyPr>
-          <a:lstStyle>
-            <a:lvl1pPr>
-              <a:lnSpc>
-                <a:spcPct val="90000"/>
-              </a:lnSpc>
-              <a:defRPr sz="4000" b="0"/>
-            </a:lvl1pPr>
-          </a:lstStyle>
-          <a:p>
-            <a:r>
-              <a:rPr lang="en-US" smtClean="0"/>
-              <a:t>Click to edit Master title style</a:t>
-            </a:r>
-            <a:endParaRPr lang="en-US" dirty="0"/>
-          </a:p>
-        </p:txBody>
-      </p:sp>
-      <p:sp>
-        <p:nvSpPr>
-          <p:cNvPr id="3" name="Picture Placeholder 2"/>
-          <p:cNvSpPr>
-            <a:spLocks noGrp="1" noChangeAspect="1"/>
-          </p:cNvSpPr>
-          <p:nvPr>
-            <p:ph type="pic" idx="1"/>
-          </p:nvPr>
-        </p:nvSpPr>
-        <p:spPr>
-          <a:xfrm>
-            <a:off x="5413248" y="1069847"/>
-            <a:ext cx="6099048" cy="4800600"/>
-          </a:xfrm>
-        </p:spPr>
-        <p:txBody>
-          <a:bodyPr lIns="274320" tIns="182880" anchor="t">
-            <a:normAutofit/>
-          </a:bodyPr>
-          <a:lstStyle>
-            <a:lvl1pPr marL="0" indent="0">
-              <a:buNone/>
-              <a:defRPr sz="2800"/>
-            </a:lvl1pPr>
-            <a:lvl2pPr marL="457200" indent="0">
-              <a:buNone/>
-              <a:defRPr sz="2800"/>
-            </a:lvl2pPr>
-            <a:lvl3pPr marL="914400" indent="0">
-              <a:buNone/>
-              <a:defRPr sz="2400"/>
-            </a:lvl3pPr>
-            <a:lvl4pPr marL="1371600" indent="0">
-              <a:buNone/>
-              <a:defRPr sz="2000"/>
-            </a:lvl4pPr>
-            <a:lvl5pPr marL="1828800" indent="0">
-              <a:buNone/>
-              <a:defRPr sz="2000"/>
-            </a:lvl5pPr>
-            <a:lvl6pPr marL="2286000" indent="0">
-              <a:buNone/>
-              <a:defRPr sz="2000"/>
-            </a:lvl6pPr>
-            <a:lvl7pPr marL="2743200" indent="0">
-              <a:buNone/>
-              <a:defRPr sz="2000"/>
-            </a:lvl7pPr>
-            <a:lvl8pPr marL="3200400" indent="0">
-              <a:buNone/>
-              <a:defRPr sz="2000"/>
-            </a:lvl8pPr>
-            <a:lvl9pPr marL="3657600" indent="0">
-              <a:buNone/>
-              <a:defRPr sz="2000"/>
-            </a:lvl9pPr>
-          </a:lstStyle>
-          <a:p>
-            <a:r>
-              <a:rPr lang="en-US" smtClean="0"/>
-              <a:t>Click icon to add picture</a:t>
-            </a:r>
-            <a:endParaRPr lang="en-US" dirty="0"/>
-          </a:p>
-        </p:txBody>
-      </p:sp>
-      <p:sp>
-        <p:nvSpPr>
-          <p:cNvPr id="4" name="Text Placeholder 3"/>
-          <p:cNvSpPr>
-            <a:spLocks noGrp="1"/>
-          </p:cNvSpPr>
-          <p:nvPr>
-            <p:ph type="body" sz="half" idx="2"/>
-          </p:nvPr>
-        </p:nvSpPr>
-        <p:spPr>
-          <a:xfrm>
-            <a:off x="1143000" y="2834640"/>
-            <a:ext cx="3931920" cy="2880360"/>
-          </a:xfrm>
-        </p:spPr>
-        <p:txBody>
-          <a:bodyPr>
-            <a:normAutofit/>
-          </a:bodyPr>
-          <a:lstStyle>
-            <a:lvl1pPr marL="0" indent="0">
-              <a:lnSpc>
-                <a:spcPct val="100000"/>
-              </a:lnSpc>
-              <a:spcBef>
-                <a:spcPts val="1000"/>
-              </a:spcBef>
-              <a:buNone/>
-              <a:defRPr sz="1700"/>
-            </a:lvl1pPr>
-            <a:lvl2pPr marL="457200" indent="0">
-              <a:buNone/>
-              <a:defRPr sz="1200"/>
-            </a:lvl2pPr>
-            <a:lvl3pPr marL="914400" indent="0">
-              <a:buNone/>
-              <a:defRPr sz="1000"/>
-            </a:lvl3pPr>
-            <a:lvl4pPr marL="1371600" indent="0">
-              <a:buNone/>
-              <a:defRPr sz="900"/>
-            </a:lvl4pPr>
-            <a:lvl5pPr marL="1828800" indent="0">
-              <a:buNone/>
-              <a:defRPr sz="900"/>
-            </a:lvl5pPr>
-            <a:lvl6pPr marL="2286000" indent="0">
-              <a:buNone/>
-              <a:defRPr sz="900"/>
-            </a:lvl6pPr>
-            <a:lvl7pPr marL="2743200" indent="0">
-              <a:buNone/>
-              <a:defRPr sz="900"/>
-            </a:lvl7pPr>
-            <a:lvl8pPr marL="3200400" indent="0">
-              <a:buNone/>
-              <a:defRPr sz="900"/>
-            </a:lvl8pPr>
-            <a:lvl9pPr marL="3657600" indent="0">
-              <a:buNone/>
-              <a:defRPr sz="900"/>
-            </a:lvl9pPr>
-          </a:lstStyle>
-          <a:p>
-            <a:pPr lvl="0"/>
-            <a:r>
-              <a:rPr lang="en-US" smtClean="0"/>
-              <a:t>Click to edit Master text styles</a:t>
-            </a:r>
-          </a:p>
-        </p:txBody>
-      </p:sp>
-      <p:sp>
-        <p:nvSpPr>
-          <p:cNvPr id="5" name="Date Placeholder 4"/>
-          <p:cNvSpPr>
-            <a:spLocks noGrp="1"/>
-          </p:cNvSpPr>
-          <p:nvPr>
-            <p:ph type="dt" sz="half" idx="10"/>
-          </p:nvPr>
-        </p:nvSpPr>
-        <p:spPr/>
-        <p:txBody>
-          <a:bodyPr/>
-          <a:lstStyle/>
-          <a:p>
-            <a:fld id="{BF8696C7-E952-45D4-832F-98B384FD62F5}" type="datetimeFigureOut">
-              <a:rPr lang="en-US" smtClean="0"/>
-              <a:t>9/20/2014</a:t>
-            </a:fld>
-            <a:endParaRPr lang="en-US"/>
-          </a:p>
-        </p:txBody>
-      </p:sp>
-      <p:sp>
-        <p:nvSpPr>
-          <p:cNvPr id="6" name="Footer Placeholder 5"/>
-          <p:cNvSpPr>
-            <a:spLocks noGrp="1"/>
-          </p:cNvSpPr>
-          <p:nvPr>
-            <p:ph type="ftr" sz="quarter" idx="11"/>
-          </p:nvPr>
-        </p:nvSpPr>
-        <p:spPr/>
-        <p:txBody>
-          <a:bodyPr/>
-          <a:lstStyle/>
-          <a:p>
-            <a:endParaRPr lang="en-US" dirty="0"/>
-          </a:p>
-        </p:txBody>
-      </p:sp>
-      <p:sp>
-        <p:nvSpPr>
-          <p:cNvPr id="7" name="Slide Number Placeholder 6"/>
-          <p:cNvSpPr>
-            <a:spLocks noGrp="1"/>
-          </p:cNvSpPr>
-          <p:nvPr>
-            <p:ph type="sldNum" sz="quarter" idx="12"/>
-          </p:nvPr>
-        </p:nvSpPr>
-        <p:spPr/>
-        <p:txBody>
-          <a:bodyPr/>
-          <a:lstStyle/>
-          <a:p>
-            <a:fld id="{EDF2E87F-37A5-41A1-B4A0-669ACBBAC3F7}" type="slidenum">
-              <a:rPr lang="en-US" smtClean="0"/>
-              <a:t>‹#›</a:t>
-            </a:fld>
-            <a:endParaRPr lang="en-US"/>
-          </a:p>
-        </p:txBody>
-      </p:sp>
-    </p:spTree>
-    <p:extLst>
-      <p:ext uri="{BB962C8B-B14F-4D97-AF65-F5344CB8AC3E}">
-        <p14:creationId xmlns:p14="http://schemas.microsoft.com/office/powerpoint/2010/main" val="545434536"/>
-      </p:ext>
-    </p:extLst>
-  </p:cSld>
-  <p:clrMapOvr>
-    <a:masterClrMapping/>
-  </p:clrMapOvr>
-</p:sldLayout>
-</file>
-
-<file path=ppt/slideLayouts/slideLayout54.xml><?xml version="1.0" encoding="utf-8"?>
-<p:sldLayout xmlns:a="http://schemas.openxmlformats.org/drawingml/2006/main" xmlns:r="http://schemas.openxmlformats.org/officeDocument/2006/relationships" xmlns:p="http://schemas.openxmlformats.org/presentationml/2006/main" type="vertTx" preserve="1">
-  <p:cSld name="Title and Vertical Text">
-    <p:spTree>
-      <p:nvGrpSpPr>
-        <p:cNvPr id="1" name=""/>
-        <p:cNvGrpSpPr/>
-        <p:nvPr/>
-      </p:nvGrpSpPr>
-      <p:grpSpPr>
-        <a:xfrm>
-          <a:off x="0" y="0"/>
-          <a:ext cx="0" cy="0"/>
-          <a:chOff x="0" y="0"/>
-          <a:chExt cx="0" cy="0"/>
-        </a:xfrm>
-      </p:grpSpPr>
-      <p:sp>
-        <p:nvSpPr>
-          <p:cNvPr id="2" name="Title 1"/>
-          <p:cNvSpPr>
-            <a:spLocks noGrp="1"/>
-          </p:cNvSpPr>
-          <p:nvPr>
-            <p:ph type="title"/>
-          </p:nvPr>
-        </p:nvSpPr>
-        <p:spPr/>
-        <p:txBody>
-          <a:bodyPr/>
-          <a:lstStyle/>
-          <a:p>
-            <a:r>
-              <a:rPr lang="en-US" smtClean="0"/>
-              <a:t>Click to edit Master title style</a:t>
-            </a:r>
-            <a:endParaRPr lang="en-US" dirty="0"/>
-          </a:p>
-        </p:txBody>
-      </p:sp>
-      <p:sp>
-        <p:nvSpPr>
-          <p:cNvPr id="3" name="Vertical Text Placeholder 2"/>
-          <p:cNvSpPr>
-            <a:spLocks noGrp="1"/>
-          </p:cNvSpPr>
-          <p:nvPr>
-            <p:ph type="body" orient="vert" idx="1"/>
-          </p:nvPr>
-        </p:nvSpPr>
-        <p:spPr/>
-        <p:txBody>
-          <a:bodyPr vert="eaVert"/>
-          <a:lstStyle/>
-          <a:p>
-            <a:pPr lvl="0"/>
-            <a:r>
-              <a:rPr lang="en-US" smtClean="0"/>
-              <a:t>Click to edit Master text styles</a:t>
-            </a:r>
-          </a:p>
-          <a:p>
-            <a:pPr lvl="1"/>
-            <a:r>
-              <a:rPr lang="en-US" smtClean="0"/>
-              <a:t>Second level</a:t>
-            </a:r>
-          </a:p>
-          <a:p>
-            <a:pPr lvl="2"/>
-            <a:r>
-              <a:rPr lang="en-US" smtClean="0"/>
-              <a:t>Third level</a:t>
-            </a:r>
-          </a:p>
-          <a:p>
-            <a:pPr lvl="3"/>
-            <a:r>
-              <a:rPr lang="en-US" smtClean="0"/>
-              <a:t>Fourth level</a:t>
-            </a:r>
-          </a:p>
-          <a:p>
-            <a:pPr lvl="4"/>
-            <a:r>
-              <a:rPr lang="en-US" smtClean="0"/>
-              <a:t>Fifth level</a:t>
-            </a:r>
-            <a:endParaRPr lang="en-US" dirty="0"/>
-          </a:p>
-        </p:txBody>
-      </p:sp>
-      <p:sp>
-        <p:nvSpPr>
-          <p:cNvPr id="4" name="Date Placeholder 3"/>
-          <p:cNvSpPr>
-            <a:spLocks noGrp="1"/>
-          </p:cNvSpPr>
-          <p:nvPr>
-            <p:ph type="dt" sz="half" idx="10"/>
-          </p:nvPr>
-        </p:nvSpPr>
-        <p:spPr/>
-        <p:txBody>
-          <a:bodyPr/>
-          <a:lstStyle/>
-          <a:p>
-            <a:fld id="{BF8696C7-E952-45D4-832F-98B384FD62F5}" type="datetimeFigureOut">
-              <a:rPr lang="en-US" smtClean="0"/>
-              <a:t>9/20/2014</a:t>
-            </a:fld>
-            <a:endParaRPr lang="en-US"/>
-          </a:p>
-        </p:txBody>
-      </p:sp>
-      <p:sp>
-        <p:nvSpPr>
-          <p:cNvPr id="5" name="Footer Placeholder 4"/>
-          <p:cNvSpPr>
-            <a:spLocks noGrp="1"/>
-          </p:cNvSpPr>
-          <p:nvPr>
-            <p:ph type="ftr" sz="quarter" idx="11"/>
-          </p:nvPr>
-        </p:nvSpPr>
-        <p:spPr/>
-        <p:txBody>
-          <a:bodyPr/>
-          <a:lstStyle/>
-          <a:p>
-            <a:endParaRPr lang="en-US"/>
-          </a:p>
-        </p:txBody>
-      </p:sp>
-      <p:sp>
-        <p:nvSpPr>
-          <p:cNvPr id="6" name="Slide Number Placeholder 5"/>
-          <p:cNvSpPr>
-            <a:spLocks noGrp="1"/>
-          </p:cNvSpPr>
-          <p:nvPr>
-            <p:ph type="sldNum" sz="quarter" idx="12"/>
-          </p:nvPr>
-        </p:nvSpPr>
-        <p:spPr/>
-        <p:txBody>
-          <a:bodyPr/>
-          <a:lstStyle/>
-          <a:p>
-            <a:fld id="{EDF2E87F-37A5-41A1-B4A0-669ACBBAC3F7}" type="slidenum">
-              <a:rPr lang="en-US" smtClean="0"/>
-              <a:t>‹#›</a:t>
-            </a:fld>
-            <a:endParaRPr lang="en-US"/>
-          </a:p>
-        </p:txBody>
-      </p:sp>
-    </p:spTree>
-    <p:extLst>
-      <p:ext uri="{BB962C8B-B14F-4D97-AF65-F5344CB8AC3E}">
-        <p14:creationId xmlns:p14="http://schemas.microsoft.com/office/powerpoint/2010/main" val="676788133"/>
-      </p:ext>
-    </p:extLst>
-  </p:cSld>
-  <p:clrMapOvr>
-    <a:masterClrMapping/>
-  </p:clrMapOvr>
-</p:sldLayout>
-</file>
-
-<file path=ppt/slideLayouts/slideLayout55.xml><?xml version="1.0" encoding="utf-8"?>
-<p:sldLayout xmlns:a="http://schemas.openxmlformats.org/drawingml/2006/main" xmlns:r="http://schemas.openxmlformats.org/officeDocument/2006/relationships" xmlns:p="http://schemas.openxmlformats.org/presentationml/2006/main" type="vertTitleAndTx" preserve="1">
-  <p:cSld name="Vertical Title and Text">
-    <p:spTree>
-      <p:nvGrpSpPr>
-        <p:cNvPr id="1" name=""/>
-        <p:cNvGrpSpPr/>
-        <p:nvPr/>
-      </p:nvGrpSpPr>
-      <p:grpSpPr>
-        <a:xfrm>
-          <a:off x="0" y="0"/>
-          <a:ext cx="0" cy="0"/>
-          <a:chOff x="0" y="0"/>
-          <a:chExt cx="0" cy="0"/>
-        </a:xfrm>
-      </p:grpSpPr>
-      <p:sp>
-        <p:nvSpPr>
-          <p:cNvPr id="2" name="Vertical Title 1"/>
-          <p:cNvSpPr>
-            <a:spLocks noGrp="1"/>
-          </p:cNvSpPr>
-          <p:nvPr>
-            <p:ph type="title" orient="vert"/>
-          </p:nvPr>
-        </p:nvSpPr>
-        <p:spPr>
-          <a:xfrm>
-            <a:off x="8724900" y="762000"/>
-            <a:ext cx="2324100" cy="5410200"/>
-          </a:xfrm>
-        </p:spPr>
-        <p:txBody>
-          <a:bodyPr vert="eaVert"/>
-          <a:lstStyle/>
-          <a:p>
-            <a:r>
-              <a:rPr lang="en-US" smtClean="0"/>
-              <a:t>Click to edit Master title style</a:t>
-            </a:r>
-            <a:endParaRPr lang="en-US" dirty="0"/>
-          </a:p>
-        </p:txBody>
-      </p:sp>
-      <p:sp>
-        <p:nvSpPr>
-          <p:cNvPr id="3" name="Vertical Text Placeholder 2"/>
-          <p:cNvSpPr>
-            <a:spLocks noGrp="1"/>
-          </p:cNvSpPr>
-          <p:nvPr>
-            <p:ph type="body" orient="vert" idx="1"/>
-          </p:nvPr>
-        </p:nvSpPr>
-        <p:spPr>
-          <a:xfrm>
-            <a:off x="1143000" y="762000"/>
-            <a:ext cx="7429500" cy="5410200"/>
-          </a:xfrm>
-        </p:spPr>
-        <p:txBody>
-          <a:bodyPr vert="eaVert"/>
-          <a:lstStyle/>
-          <a:p>
-            <a:pPr lvl="0"/>
-            <a:r>
-              <a:rPr lang="en-US" smtClean="0"/>
-              <a:t>Click to edit Master text styles</a:t>
-            </a:r>
-          </a:p>
-          <a:p>
-            <a:pPr lvl="1"/>
-            <a:r>
-              <a:rPr lang="en-US" smtClean="0"/>
-              <a:t>Second level</a:t>
-            </a:r>
-          </a:p>
-          <a:p>
-            <a:pPr lvl="2"/>
-            <a:r>
-              <a:rPr lang="en-US" smtClean="0"/>
-              <a:t>Third level</a:t>
-            </a:r>
-          </a:p>
-          <a:p>
-            <a:pPr lvl="3"/>
-            <a:r>
-              <a:rPr lang="en-US" smtClean="0"/>
-              <a:t>Fourth level</a:t>
-            </a:r>
-          </a:p>
-          <a:p>
-            <a:pPr lvl="4"/>
-            <a:r>
-              <a:rPr lang="en-US" smtClean="0"/>
-              <a:t>Fifth level</a:t>
-            </a:r>
-            <a:endParaRPr lang="en-US" dirty="0"/>
-          </a:p>
-        </p:txBody>
-      </p:sp>
-      <p:sp>
-        <p:nvSpPr>
-          <p:cNvPr id="4" name="Date Placeholder 3"/>
-          <p:cNvSpPr>
-            <a:spLocks noGrp="1"/>
-          </p:cNvSpPr>
-          <p:nvPr>
-            <p:ph type="dt" sz="half" idx="10"/>
-          </p:nvPr>
-        </p:nvSpPr>
-        <p:spPr/>
-        <p:txBody>
-          <a:bodyPr/>
-          <a:lstStyle/>
-          <a:p>
-            <a:fld id="{BF8696C7-E952-45D4-832F-98B384FD62F5}" type="datetimeFigureOut">
-              <a:rPr lang="en-US" smtClean="0"/>
-              <a:t>9/20/2014</a:t>
-            </a:fld>
-            <a:endParaRPr lang="en-US"/>
-          </a:p>
-        </p:txBody>
-      </p:sp>
-      <p:sp>
-        <p:nvSpPr>
-          <p:cNvPr id="5" name="Footer Placeholder 4"/>
-          <p:cNvSpPr>
-            <a:spLocks noGrp="1"/>
-          </p:cNvSpPr>
-          <p:nvPr>
-            <p:ph type="ftr" sz="quarter" idx="11"/>
-          </p:nvPr>
-        </p:nvSpPr>
-        <p:spPr/>
-        <p:txBody>
-          <a:bodyPr/>
-          <a:lstStyle/>
-          <a:p>
-            <a:endParaRPr lang="en-US"/>
-          </a:p>
-        </p:txBody>
-      </p:sp>
-      <p:sp>
-        <p:nvSpPr>
-          <p:cNvPr id="6" name="Slide Number Placeholder 5"/>
-          <p:cNvSpPr>
-            <a:spLocks noGrp="1"/>
-          </p:cNvSpPr>
-          <p:nvPr>
-            <p:ph type="sldNum" sz="quarter" idx="12"/>
-          </p:nvPr>
-        </p:nvSpPr>
-        <p:spPr/>
-        <p:txBody>
-          <a:bodyPr/>
-          <a:lstStyle/>
-          <a:p>
-            <a:fld id="{EDF2E87F-37A5-41A1-B4A0-669ACBBAC3F7}" type="slidenum">
-              <a:rPr lang="en-US" smtClean="0"/>
-              <a:t>‹#›</a:t>
-            </a:fld>
-            <a:endParaRPr lang="en-US"/>
-          </a:p>
-        </p:txBody>
-      </p:sp>
-    </p:spTree>
-    <p:extLst>
-      <p:ext uri="{BB962C8B-B14F-4D97-AF65-F5344CB8AC3E}">
-        <p14:creationId xmlns:p14="http://schemas.microsoft.com/office/powerpoint/2010/main" val="1609750868"/>
-      </p:ext>
-    </p:extLst>
-  </p:cSld>
-  <p:clrMapOvr>
-    <a:masterClrMapping/>
-  </p:clrMapOvr>
-</p:sldLayout>
-</file>
-
 <file path=ppt/slideLayouts/slideLayout6.xml><?xml version="1.0" encoding="utf-8"?>
 <p:sldLayout xmlns:a="http://schemas.openxmlformats.org/drawingml/2006/main" xmlns:r="http://schemas.openxmlformats.org/officeDocument/2006/relationships" xmlns:p="http://schemas.openxmlformats.org/presentationml/2006/main" type="titleOnly" preserve="1">
   <p:cSld name="Title Only">
@@ -14670,7 +12068,7 @@
           <a:p>
             <a:fld id="{BF8696C7-E952-45D4-832F-98B384FD62F5}" type="datetimeFigureOut">
               <a:rPr lang="en-US" smtClean="0"/>
-              <a:t>9/20/2014</a:t>
+              <a:t>9/13/2014</a:t>
             </a:fld>
             <a:endParaRPr lang="en-US"/>
           </a:p>
@@ -14847,7 +12245,7 @@
           <a:p>
             <a:fld id="{BF8696C7-E952-45D4-832F-98B384FD62F5}" type="datetimeFigureOut">
               <a:rPr lang="en-US" smtClean="0"/>
-              <a:t>9/20/2014</a:t>
+              <a:t>9/13/2014</a:t>
             </a:fld>
             <a:endParaRPr lang="en-US"/>
           </a:p>
@@ -15180,7 +12578,7 @@
           <a:p>
             <a:fld id="{BF8696C7-E952-45D4-832F-98B384FD62F5}" type="datetimeFigureOut">
               <a:rPr lang="en-US" smtClean="0"/>
-              <a:t>9/20/2014</a:t>
+              <a:t>9/13/2014</a:t>
             </a:fld>
             <a:endParaRPr lang="en-US"/>
           </a:p>
@@ -15525,7 +12923,7 @@
           <a:p>
             <a:fld id="{BF8696C7-E952-45D4-832F-98B384FD62F5}" type="datetimeFigureOut">
               <a:rPr lang="en-US" smtClean="0"/>
-              <a:t>9/20/2014</a:t>
+              <a:t>9/13/2014</a:t>
             </a:fld>
             <a:endParaRPr lang="en-US"/>
           </a:p>
@@ -17642,7 +15040,7 @@
           <a:p>
             <a:fld id="{BF8696C7-E952-45D4-832F-98B384FD62F5}" type="datetimeFigureOut">
               <a:rPr lang="en-US" smtClean="0"/>
-              <a:t>9/20/2014</a:t>
+              <a:t>9/13/2014</a:t>
             </a:fld>
             <a:endParaRPr lang="en-US"/>
           </a:p>
@@ -18433,7 +15831,7 @@
           <a:p>
             <a:fld id="{BF8696C7-E952-45D4-832F-98B384FD62F5}" type="datetimeFigureOut">
               <a:rPr lang="en-US" smtClean="0"/>
-              <a:t>9/20/2014</a:t>
+              <a:t>9/13/2014</a:t>
             </a:fld>
             <a:endParaRPr lang="en-US"/>
           </a:p>
@@ -19185,7 +16583,7 @@
           <a:p>
             <a:fld id="{BF8696C7-E952-45D4-832F-98B384FD62F5}" type="datetimeFigureOut">
               <a:rPr lang="en-US" smtClean="0"/>
-              <a:t>9/20/2014</a:t>
+              <a:t>9/13/2014</a:t>
             </a:fld>
             <a:endParaRPr lang="en-US"/>
           </a:p>
@@ -19692,643 +17090,6 @@
 </p:sldMaster>
 </file>
 
-<file path=ppt/slideMasters/slideMaster4.xml><?xml version="1.0" encoding="utf-8"?>
-<p:sldMaster xmlns:a="http://schemas.openxmlformats.org/drawingml/2006/main" xmlns:r="http://schemas.openxmlformats.org/officeDocument/2006/relationships" xmlns:p="http://schemas.openxmlformats.org/presentationml/2006/main">
-  <p:cSld>
-    <p:bg>
-      <p:bgPr>
-        <a:solidFill>
-          <a:schemeClr val="accent1"/>
-        </a:solidFill>
-        <a:effectLst/>
-      </p:bgPr>
-    </p:bg>
-    <p:spTree>
-      <p:nvGrpSpPr>
-        <p:cNvPr id="1" name=""/>
-        <p:cNvGrpSpPr/>
-        <p:nvPr/>
-      </p:nvGrpSpPr>
-      <p:grpSpPr>
-        <a:xfrm>
-          <a:off x="0" y="0"/>
-          <a:ext cx="0" cy="0"/>
-          <a:chOff x="0" y="0"/>
-          <a:chExt cx="0" cy="0"/>
-        </a:xfrm>
-      </p:grpSpPr>
-      <p:sp>
-        <p:nvSpPr>
-          <p:cNvPr id="7" name="Rectangle 6"/>
-          <p:cNvSpPr>
-            <a:spLocks noChangeAspect="1"/>
-          </p:cNvSpPr>
-          <p:nvPr/>
-        </p:nvSpPr>
-        <p:spPr>
-          <a:xfrm>
-            <a:off x="231140" y="243840"/>
-            <a:ext cx="11724640" cy="6377939"/>
-          </a:xfrm>
-          <a:prstGeom prst="rect">
-            <a:avLst/>
-          </a:prstGeom>
-          <a:solidFill>
-            <a:schemeClr val="bg1"/>
-          </a:solidFill>
-          <a:ln w="12700">
-            <a:noFill/>
-          </a:ln>
-        </p:spPr>
-        <p:style>
-          <a:lnRef idx="2">
-            <a:schemeClr val="accent1">
-              <a:shade val="50000"/>
-            </a:schemeClr>
-          </a:lnRef>
-          <a:fillRef idx="1">
-            <a:schemeClr val="accent1"/>
-          </a:fillRef>
-          <a:effectRef idx="0">
-            <a:schemeClr val="accent1"/>
-          </a:effectRef>
-          <a:fontRef idx="minor">
-            <a:schemeClr val="lt1"/>
-          </a:fontRef>
-        </p:style>
-      </p:sp>
-      <p:sp>
-        <p:nvSpPr>
-          <p:cNvPr id="2" name="Title Placeholder 1"/>
-          <p:cNvSpPr>
-            <a:spLocks noGrp="1"/>
-          </p:cNvSpPr>
-          <p:nvPr>
-            <p:ph type="title"/>
-          </p:nvPr>
-        </p:nvSpPr>
-        <p:spPr>
-          <a:xfrm>
-            <a:off x="1143000" y="609600"/>
-            <a:ext cx="9875520" cy="1356360"/>
-          </a:xfrm>
-          <a:prstGeom prst="rect">
-            <a:avLst/>
-          </a:prstGeom>
-        </p:spPr>
-        <p:txBody>
-          <a:bodyPr vert="horz" lIns="91440" tIns="45720" rIns="91440" bIns="45720" rtlCol="0" anchor="ctr">
-            <a:normAutofit/>
-          </a:bodyPr>
-          <a:lstStyle/>
-          <a:p>
-            <a:r>
-              <a:rPr lang="en-US" smtClean="0"/>
-              <a:t>Click to edit Master title style</a:t>
-            </a:r>
-            <a:endParaRPr lang="en-US" dirty="0"/>
-          </a:p>
-        </p:txBody>
-      </p:sp>
-      <p:sp>
-        <p:nvSpPr>
-          <p:cNvPr id="3" name="Text Placeholder 2"/>
-          <p:cNvSpPr>
-            <a:spLocks noGrp="1"/>
-          </p:cNvSpPr>
-          <p:nvPr>
-            <p:ph type="body" idx="1"/>
-          </p:nvPr>
-        </p:nvSpPr>
-        <p:spPr>
-          <a:xfrm>
-            <a:off x="1143000" y="2057400"/>
-            <a:ext cx="9872871" cy="4038600"/>
-          </a:xfrm>
-          <a:prstGeom prst="rect">
-            <a:avLst/>
-          </a:prstGeom>
-        </p:spPr>
-        <p:txBody>
-          <a:bodyPr vert="horz" lIns="91440" tIns="45720" rIns="91440" bIns="45720" rtlCol="0">
-            <a:normAutofit/>
-          </a:bodyPr>
-          <a:lstStyle/>
-          <a:p>
-            <a:pPr lvl="0"/>
-            <a:r>
-              <a:rPr lang="en-US" smtClean="0"/>
-              <a:t>Click to edit Master text styles</a:t>
-            </a:r>
-          </a:p>
-          <a:p>
-            <a:pPr lvl="1"/>
-            <a:r>
-              <a:rPr lang="en-US" smtClean="0"/>
-              <a:t>Second level</a:t>
-            </a:r>
-          </a:p>
-          <a:p>
-            <a:pPr lvl="2"/>
-            <a:r>
-              <a:rPr lang="en-US" smtClean="0"/>
-              <a:t>Third level</a:t>
-            </a:r>
-          </a:p>
-          <a:p>
-            <a:pPr lvl="3"/>
-            <a:r>
-              <a:rPr lang="en-US" smtClean="0"/>
-              <a:t>Fourth level</a:t>
-            </a:r>
-          </a:p>
-          <a:p>
-            <a:pPr lvl="4"/>
-            <a:r>
-              <a:rPr lang="en-US" smtClean="0"/>
-              <a:t>Fifth level</a:t>
-            </a:r>
-            <a:endParaRPr lang="en-US" dirty="0"/>
-          </a:p>
-        </p:txBody>
-      </p:sp>
-      <p:sp>
-        <p:nvSpPr>
-          <p:cNvPr id="4" name="Date Placeholder 3"/>
-          <p:cNvSpPr>
-            <a:spLocks noGrp="1"/>
-          </p:cNvSpPr>
-          <p:nvPr>
-            <p:ph type="dt" sz="half" idx="2"/>
-          </p:nvPr>
-        </p:nvSpPr>
-        <p:spPr>
-          <a:xfrm>
-            <a:off x="1142996" y="6223828"/>
-            <a:ext cx="2329074" cy="365125"/>
-          </a:xfrm>
-          <a:prstGeom prst="rect">
-            <a:avLst/>
-          </a:prstGeom>
-        </p:spPr>
-        <p:txBody>
-          <a:bodyPr vert="horz" lIns="91440" tIns="45720" rIns="91440" bIns="45720" rtlCol="0" anchor="ctr"/>
-          <a:lstStyle>
-            <a:lvl1pPr algn="l">
-              <a:defRPr sz="1200">
-                <a:solidFill>
-                  <a:schemeClr val="accent1"/>
-                </a:solidFill>
-              </a:defRPr>
-            </a:lvl1pPr>
-          </a:lstStyle>
-          <a:p>
-            <a:fld id="{BF8696C7-E952-45D4-832F-98B384FD62F5}" type="datetimeFigureOut">
-              <a:rPr lang="en-US" smtClean="0"/>
-              <a:t>9/20/2014</a:t>
-            </a:fld>
-            <a:endParaRPr lang="en-US"/>
-          </a:p>
-        </p:txBody>
-      </p:sp>
-      <p:sp>
-        <p:nvSpPr>
-          <p:cNvPr id="5" name="Footer Placeholder 4"/>
-          <p:cNvSpPr>
-            <a:spLocks noGrp="1"/>
-          </p:cNvSpPr>
-          <p:nvPr>
-            <p:ph type="ftr" sz="quarter" idx="3"/>
-          </p:nvPr>
-        </p:nvSpPr>
-        <p:spPr>
-          <a:xfrm>
-            <a:off x="3949148" y="6223828"/>
-            <a:ext cx="4717774" cy="365125"/>
-          </a:xfrm>
-          <a:prstGeom prst="rect">
-            <a:avLst/>
-          </a:prstGeom>
-        </p:spPr>
-        <p:txBody>
-          <a:bodyPr vert="horz" lIns="91440" tIns="45720" rIns="91440" bIns="45720" rtlCol="0" anchor="ctr"/>
-          <a:lstStyle>
-            <a:lvl1pPr algn="ctr">
-              <a:defRPr sz="1200">
-                <a:solidFill>
-                  <a:schemeClr val="accent1"/>
-                </a:solidFill>
-              </a:defRPr>
-            </a:lvl1pPr>
-          </a:lstStyle>
-          <a:p>
-            <a:endParaRPr lang="en-US"/>
-          </a:p>
-        </p:txBody>
-      </p:sp>
-      <p:sp>
-        <p:nvSpPr>
-          <p:cNvPr id="6" name="Slide Number Placeholder 5"/>
-          <p:cNvSpPr>
-            <a:spLocks noGrp="1"/>
-          </p:cNvSpPr>
-          <p:nvPr>
-            <p:ph type="sldNum" sz="quarter" idx="4"/>
-          </p:nvPr>
-        </p:nvSpPr>
-        <p:spPr>
-          <a:xfrm>
-            <a:off x="9329530" y="6223828"/>
-            <a:ext cx="1706217" cy="365125"/>
-          </a:xfrm>
-          <a:prstGeom prst="rect">
-            <a:avLst/>
-          </a:prstGeom>
-        </p:spPr>
-        <p:txBody>
-          <a:bodyPr vert="horz" lIns="91440" tIns="45720" rIns="91440" bIns="45720" rtlCol="0" anchor="ctr"/>
-          <a:lstStyle>
-            <a:lvl1pPr algn="r">
-              <a:defRPr sz="1200">
-                <a:solidFill>
-                  <a:schemeClr val="accent1"/>
-                </a:solidFill>
-              </a:defRPr>
-            </a:lvl1pPr>
-          </a:lstStyle>
-          <a:p>
-            <a:fld id="{EDF2E87F-37A5-41A1-B4A0-669ACBBAC3F7}" type="slidenum">
-              <a:rPr lang="en-US" smtClean="0"/>
-              <a:t>‹#›</a:t>
-            </a:fld>
-            <a:endParaRPr lang="en-US"/>
-          </a:p>
-        </p:txBody>
-      </p:sp>
-    </p:spTree>
-    <p:extLst>
-      <p:ext uri="{BB962C8B-B14F-4D97-AF65-F5344CB8AC3E}">
-        <p14:creationId xmlns:p14="http://schemas.microsoft.com/office/powerpoint/2010/main" val="4241265242"/>
-      </p:ext>
-    </p:extLst>
-  </p:cSld>
-  <p:clrMap bg1="lt1" tx1="dk1" bg2="lt2" tx2="dk2" accent1="accent1" accent2="accent2" accent3="accent3" accent4="accent4" accent5="accent5" accent6="accent6" hlink="hlink" folHlink="folHlink"/>
-  <p:sldLayoutIdLst>
-    <p:sldLayoutId id="2147483750" r:id="rId1"/>
-    <p:sldLayoutId id="2147483751" r:id="rId2"/>
-    <p:sldLayoutId id="2147483752" r:id="rId3"/>
-    <p:sldLayoutId id="2147483753" r:id="rId4"/>
-    <p:sldLayoutId id="2147483754" r:id="rId5"/>
-    <p:sldLayoutId id="2147483755" r:id="rId6"/>
-    <p:sldLayoutId id="2147483756" r:id="rId7"/>
-    <p:sldLayoutId id="2147483757" r:id="rId8"/>
-    <p:sldLayoutId id="2147483758" r:id="rId9"/>
-    <p:sldLayoutId id="2147483759" r:id="rId10"/>
-    <p:sldLayoutId id="2147483760" r:id="rId11"/>
-  </p:sldLayoutIdLst>
-  <p:txStyles>
-    <p:titleStyle>
-      <a:lvl1pPr algn="l" defTabSz="914400" rtl="0" eaLnBrk="1" latinLnBrk="0" hangingPunct="1">
-        <a:lnSpc>
-          <a:spcPct val="90000"/>
-        </a:lnSpc>
-        <a:spcBef>
-          <a:spcPct val="0"/>
-        </a:spcBef>
-        <a:buNone/>
-        <a:defRPr sz="4400" kern="1200">
-          <a:solidFill>
-            <a:schemeClr val="accent1"/>
-          </a:solidFill>
-          <a:latin typeface="+mj-lt"/>
-          <a:ea typeface="+mj-ea"/>
-          <a:cs typeface="+mj-cs"/>
-        </a:defRPr>
-      </a:lvl1pPr>
-    </p:titleStyle>
-    <p:bodyStyle>
-      <a:lvl1pPr marL="228600" indent="-182880" algn="l" defTabSz="914400" rtl="0" eaLnBrk="1" latinLnBrk="0" hangingPunct="1">
-        <a:lnSpc>
-          <a:spcPct val="90000"/>
-        </a:lnSpc>
-        <a:spcBef>
-          <a:spcPts val="1400"/>
-        </a:spcBef>
-        <a:buClr>
-          <a:schemeClr val="accent1"/>
-        </a:buClr>
-        <a:buSzPct val="80000"/>
-        <a:buFont typeface="Corbel" pitchFamily="34" charset="0"/>
-        <a:buChar char="•"/>
-        <a:defRPr sz="2200" kern="1200">
-          <a:solidFill>
-            <a:schemeClr val="accent1"/>
-          </a:solidFill>
-          <a:latin typeface="+mn-lt"/>
-          <a:ea typeface="+mn-ea"/>
-          <a:cs typeface="+mn-cs"/>
-        </a:defRPr>
-      </a:lvl1pPr>
-      <a:lvl2pPr marL="457200" indent="-182880" algn="l" defTabSz="914400" rtl="0" eaLnBrk="1" latinLnBrk="0" hangingPunct="1">
-        <a:lnSpc>
-          <a:spcPct val="90000"/>
-        </a:lnSpc>
-        <a:spcBef>
-          <a:spcPts val="200"/>
-        </a:spcBef>
-        <a:spcAft>
-          <a:spcPts val="400"/>
-        </a:spcAft>
-        <a:buClr>
-          <a:schemeClr val="accent1"/>
-        </a:buClr>
-        <a:buSzPct val="80000"/>
-        <a:buFont typeface="Corbel" pitchFamily="34" charset="0"/>
-        <a:buChar char="•"/>
-        <a:defRPr sz="2000" kern="1200">
-          <a:solidFill>
-            <a:schemeClr val="accent1"/>
-          </a:solidFill>
-          <a:latin typeface="+mn-lt"/>
-          <a:ea typeface="+mn-ea"/>
-          <a:cs typeface="+mn-cs"/>
-        </a:defRPr>
-      </a:lvl2pPr>
-      <a:lvl3pPr marL="731520" indent="-182880" algn="l" defTabSz="914400" rtl="0" eaLnBrk="1" latinLnBrk="0" hangingPunct="1">
-        <a:lnSpc>
-          <a:spcPct val="90000"/>
-        </a:lnSpc>
-        <a:spcBef>
-          <a:spcPts val="200"/>
-        </a:spcBef>
-        <a:spcAft>
-          <a:spcPts val="400"/>
-        </a:spcAft>
-        <a:buClr>
-          <a:schemeClr val="accent1"/>
-        </a:buClr>
-        <a:buSzPct val="80000"/>
-        <a:buFont typeface="Corbel" pitchFamily="34" charset="0"/>
-        <a:buChar char="•"/>
-        <a:defRPr sz="1800" kern="1200">
-          <a:solidFill>
-            <a:schemeClr val="accent1"/>
-          </a:solidFill>
-          <a:latin typeface="+mn-lt"/>
-          <a:ea typeface="+mn-ea"/>
-          <a:cs typeface="+mn-cs"/>
-        </a:defRPr>
-      </a:lvl3pPr>
-      <a:lvl4pPr marL="1005840" indent="-182880" algn="l" defTabSz="914400" rtl="0" eaLnBrk="1" latinLnBrk="0" hangingPunct="1">
-        <a:lnSpc>
-          <a:spcPct val="90000"/>
-        </a:lnSpc>
-        <a:spcBef>
-          <a:spcPts val="200"/>
-        </a:spcBef>
-        <a:spcAft>
-          <a:spcPts val="400"/>
-        </a:spcAft>
-        <a:buClr>
-          <a:schemeClr val="accent1"/>
-        </a:buClr>
-        <a:buSzPct val="80000"/>
-        <a:buFont typeface="Corbel" pitchFamily="34" charset="0"/>
-        <a:buChar char="•"/>
-        <a:defRPr sz="1600" kern="1200">
-          <a:solidFill>
-            <a:schemeClr val="accent1"/>
-          </a:solidFill>
-          <a:latin typeface="+mn-lt"/>
-          <a:ea typeface="+mn-ea"/>
-          <a:cs typeface="+mn-cs"/>
-        </a:defRPr>
-      </a:lvl4pPr>
-      <a:lvl5pPr marL="1280160" indent="-182880" algn="l" defTabSz="914400" rtl="0" eaLnBrk="1" latinLnBrk="0" hangingPunct="1">
-        <a:lnSpc>
-          <a:spcPct val="90000"/>
-        </a:lnSpc>
-        <a:spcBef>
-          <a:spcPts val="200"/>
-        </a:spcBef>
-        <a:spcAft>
-          <a:spcPts val="400"/>
-        </a:spcAft>
-        <a:buClr>
-          <a:schemeClr val="accent1"/>
-        </a:buClr>
-        <a:buSzPct val="80000"/>
-        <a:buFont typeface="Corbel" pitchFamily="34" charset="0"/>
-        <a:buChar char="•"/>
-        <a:defRPr sz="1600" kern="1200">
-          <a:solidFill>
-            <a:schemeClr val="accent1"/>
-          </a:solidFill>
-          <a:latin typeface="+mn-lt"/>
-          <a:ea typeface="+mn-ea"/>
-          <a:cs typeface="+mn-cs"/>
-        </a:defRPr>
-      </a:lvl5pPr>
-      <a:lvl6pPr marL="1600000" indent="-228600" algn="l" defTabSz="914400" rtl="0" eaLnBrk="1" latinLnBrk="0" hangingPunct="1">
-        <a:lnSpc>
-          <a:spcPct val="90000"/>
-        </a:lnSpc>
-        <a:spcBef>
-          <a:spcPts val="200"/>
-        </a:spcBef>
-        <a:spcAft>
-          <a:spcPts val="400"/>
-        </a:spcAft>
-        <a:buClr>
-          <a:schemeClr val="accent1"/>
-        </a:buClr>
-        <a:buSzPct val="80000"/>
-        <a:buFont typeface="Corbel" pitchFamily="34" charset="0"/>
-        <a:buChar char="•"/>
-        <a:defRPr sz="1600" kern="1200">
-          <a:solidFill>
-            <a:schemeClr val="accent1"/>
-          </a:solidFill>
-          <a:latin typeface="+mn-lt"/>
-          <a:ea typeface="+mn-ea"/>
-          <a:cs typeface="+mn-cs"/>
-        </a:defRPr>
-      </a:lvl6pPr>
-      <a:lvl7pPr marL="1900000" indent="-228600" algn="l" defTabSz="914400" rtl="0" eaLnBrk="1" latinLnBrk="0" hangingPunct="1">
-        <a:lnSpc>
-          <a:spcPct val="90000"/>
-        </a:lnSpc>
-        <a:spcBef>
-          <a:spcPts val="200"/>
-        </a:spcBef>
-        <a:spcAft>
-          <a:spcPts val="400"/>
-        </a:spcAft>
-        <a:buClr>
-          <a:schemeClr val="accent1"/>
-        </a:buClr>
-        <a:buSzPct val="80000"/>
-        <a:buFont typeface="Corbel" pitchFamily="34" charset="0"/>
-        <a:buChar char="•"/>
-        <a:defRPr sz="1600" kern="1200">
-          <a:solidFill>
-            <a:schemeClr val="accent1"/>
-          </a:solidFill>
-          <a:latin typeface="+mn-lt"/>
-          <a:ea typeface="+mn-ea"/>
-          <a:cs typeface="+mn-cs"/>
-        </a:defRPr>
-      </a:lvl7pPr>
-      <a:lvl8pPr marL="2200000" indent="-228600" algn="l" defTabSz="914400" rtl="0" eaLnBrk="1" latinLnBrk="0" hangingPunct="1">
-        <a:lnSpc>
-          <a:spcPct val="90000"/>
-        </a:lnSpc>
-        <a:spcBef>
-          <a:spcPts val="200"/>
-        </a:spcBef>
-        <a:spcAft>
-          <a:spcPts val="400"/>
-        </a:spcAft>
-        <a:buClr>
-          <a:schemeClr val="accent1"/>
-        </a:buClr>
-        <a:buSzPct val="80000"/>
-        <a:buFont typeface="Corbel" pitchFamily="34" charset="0"/>
-        <a:buChar char="•"/>
-        <a:defRPr sz="1600" kern="1200">
-          <a:solidFill>
-            <a:schemeClr val="accent1"/>
-          </a:solidFill>
-          <a:latin typeface="+mn-lt"/>
-          <a:ea typeface="+mn-ea"/>
-          <a:cs typeface="+mn-cs"/>
-        </a:defRPr>
-      </a:lvl8pPr>
-      <a:lvl9pPr marL="2500000" indent="-228600" algn="l" defTabSz="914400" rtl="0" eaLnBrk="1" latinLnBrk="0" hangingPunct="1">
-        <a:lnSpc>
-          <a:spcPct val="90000"/>
-        </a:lnSpc>
-        <a:spcBef>
-          <a:spcPts val="200"/>
-        </a:spcBef>
-        <a:spcAft>
-          <a:spcPts val="400"/>
-        </a:spcAft>
-        <a:buClr>
-          <a:schemeClr val="accent1"/>
-        </a:buClr>
-        <a:buSzPct val="80000"/>
-        <a:buFont typeface="Corbel" pitchFamily="34" charset="0"/>
-        <a:buChar char="•"/>
-        <a:defRPr sz="1600" kern="1200">
-          <a:solidFill>
-            <a:schemeClr val="accent1"/>
-          </a:solidFill>
-          <a:latin typeface="+mn-lt"/>
-          <a:ea typeface="+mn-ea"/>
-          <a:cs typeface="+mn-cs"/>
-        </a:defRPr>
-      </a:lvl9pPr>
-    </p:bodyStyle>
-    <p:otherStyle>
-      <a:defPPr>
-        <a:defRPr lang="en-US"/>
-      </a:defPPr>
-      <a:lvl1pPr marL="0" algn="l" defTabSz="914400" rtl="0" eaLnBrk="1" latinLnBrk="0" hangingPunct="1">
-        <a:defRPr sz="1800" kern="1200">
-          <a:solidFill>
-            <a:schemeClr val="tx1"/>
-          </a:solidFill>
-          <a:latin typeface="+mn-lt"/>
-          <a:ea typeface="+mn-ea"/>
-          <a:cs typeface="+mn-cs"/>
-        </a:defRPr>
-      </a:lvl1pPr>
-      <a:lvl2pPr marL="457200" algn="l" defTabSz="914400" rtl="0" eaLnBrk="1" latinLnBrk="0" hangingPunct="1">
-        <a:defRPr sz="1800" kern="1200">
-          <a:solidFill>
-            <a:schemeClr val="tx1"/>
-          </a:solidFill>
-          <a:latin typeface="+mn-lt"/>
-          <a:ea typeface="+mn-ea"/>
-          <a:cs typeface="+mn-cs"/>
-        </a:defRPr>
-      </a:lvl2pPr>
-      <a:lvl3pPr marL="914400" algn="l" defTabSz="914400" rtl="0" eaLnBrk="1" latinLnBrk="0" hangingPunct="1">
-        <a:defRPr sz="1800" kern="1200">
-          <a:solidFill>
-            <a:schemeClr val="tx1"/>
-          </a:solidFill>
-          <a:latin typeface="+mn-lt"/>
-          <a:ea typeface="+mn-ea"/>
-          <a:cs typeface="+mn-cs"/>
-        </a:defRPr>
-      </a:lvl3pPr>
-      <a:lvl4pPr marL="1371600" algn="l" defTabSz="914400" rtl="0" eaLnBrk="1" latinLnBrk="0" hangingPunct="1">
-        <a:defRPr sz="1800" kern="1200">
-          <a:solidFill>
-            <a:schemeClr val="tx1"/>
-          </a:solidFill>
-          <a:latin typeface="+mn-lt"/>
-          <a:ea typeface="+mn-ea"/>
-          <a:cs typeface="+mn-cs"/>
-        </a:defRPr>
-      </a:lvl4pPr>
-      <a:lvl5pPr marL="1828800" algn="l" defTabSz="914400" rtl="0" eaLnBrk="1" latinLnBrk="0" hangingPunct="1">
-        <a:defRPr sz="1800" kern="1200">
-          <a:solidFill>
-            <a:schemeClr val="tx1"/>
-          </a:solidFill>
-          <a:latin typeface="+mn-lt"/>
-          <a:ea typeface="+mn-ea"/>
-          <a:cs typeface="+mn-cs"/>
-        </a:defRPr>
-      </a:lvl5pPr>
-      <a:lvl6pPr marL="2286000" algn="l" defTabSz="914400" rtl="0" eaLnBrk="1" latinLnBrk="0" hangingPunct="1">
-        <a:defRPr sz="1800" kern="1200">
-          <a:solidFill>
-            <a:schemeClr val="tx1"/>
-          </a:solidFill>
-          <a:latin typeface="+mn-lt"/>
-          <a:ea typeface="+mn-ea"/>
-          <a:cs typeface="+mn-cs"/>
-        </a:defRPr>
-      </a:lvl6pPr>
-      <a:lvl7pPr marL="2743200" algn="l" defTabSz="914400" rtl="0" eaLnBrk="1" latinLnBrk="0" hangingPunct="1">
-        <a:defRPr sz="1800" kern="1200">
-          <a:solidFill>
-            <a:schemeClr val="tx1"/>
-          </a:solidFill>
-          <a:latin typeface="+mn-lt"/>
-          <a:ea typeface="+mn-ea"/>
-          <a:cs typeface="+mn-cs"/>
-        </a:defRPr>
-      </a:lvl7pPr>
-      <a:lvl8pPr marL="3200400" algn="l" defTabSz="914400" rtl="0" eaLnBrk="1" latinLnBrk="0" hangingPunct="1">
-        <a:defRPr sz="1800" kern="1200">
-          <a:solidFill>
-            <a:schemeClr val="tx1"/>
-          </a:solidFill>
-          <a:latin typeface="+mn-lt"/>
-          <a:ea typeface="+mn-ea"/>
-          <a:cs typeface="+mn-cs"/>
-        </a:defRPr>
-      </a:lvl8pPr>
-      <a:lvl9pPr marL="3657600" algn="l" defTabSz="914400" rtl="0" eaLnBrk="1" latinLnBrk="0" hangingPunct="1">
-        <a:defRPr sz="1800" kern="1200">
-          <a:solidFill>
-            <a:schemeClr val="tx1"/>
-          </a:solidFill>
-          <a:latin typeface="+mn-lt"/>
-          <a:ea typeface="+mn-ea"/>
-          <a:cs typeface="+mn-cs"/>
-        </a:defRPr>
-      </a:lvl9pPr>
-    </p:otherStyle>
-  </p:txStyles>
-</p:sldMaster>
-</file>
-
 <file path=ppt/slides/slide1.xml><?xml version="1.0" encoding="utf-8"?>
 <p:sld xmlns:a="http://schemas.openxmlformats.org/drawingml/2006/main" xmlns:r="http://schemas.openxmlformats.org/officeDocument/2006/relationships" xmlns:p="http://schemas.openxmlformats.org/presentationml/2006/main">
   <p:cSld>
@@ -20409,9 +17170,17 @@
             </a:r>
             <a:r>
               <a:rPr lang="en-US" smtClean="0"/>
-              <a:t> Hadoop</a:t>
-            </a:r>
-            <a:endParaRPr lang="en-US"/>
+              <a:t> </a:t>
+            </a:r>
+            <a:r>
+              <a:rPr lang="en-US" smtClean="0">
+                <a:latin typeface="Defused" panose="02000800000000020004" pitchFamily="2" charset="0"/>
+              </a:rPr>
+              <a:t>Hadoop</a:t>
+            </a:r>
+            <a:endParaRPr lang="en-US">
+              <a:latin typeface="Defused" panose="02000800000000020004" pitchFamily="2" charset="0"/>
+            </a:endParaRPr>
           </a:p>
         </p:txBody>
       </p:sp>
@@ -20545,573 +17314,562 @@
           <a:p>
             <a:pPr algn="just"/>
             <a:r>
-              <a:rPr lang="en-US" sz="2500" i="1" err="1">
+              <a:rPr lang="en-US" sz="3200" i="1" err="1">
                 <a:solidFill>
                   <a:schemeClr val="tx1"/>
                 </a:solidFill>
-                <a:latin typeface="Arial" panose="020B0604020202020204" pitchFamily="34" charset="0"/>
+                <a:latin typeface="Sitka Banner" panose="02000505000000020004" pitchFamily="2" charset="0"/>
                 <a:ea typeface="Kozuka Mincho Pro EL" panose="02020200000000000000" pitchFamily="18" charset="-128"/>
-                <a:cs typeface="Arial" panose="020B0604020202020204" pitchFamily="34" charset="0"/>
+                <a:cs typeface="Urdu Typesetting" panose="03020402040406030203" pitchFamily="66" charset="-78"/>
               </a:rPr>
               <a:t>Dự</a:t>
             </a:r>
             <a:r>
-              <a:rPr lang="en-US" sz="2500" i="1">
+              <a:rPr lang="en-US" sz="3200" i="1">
                 <a:solidFill>
                   <a:schemeClr val="tx1"/>
                 </a:solidFill>
-                <a:latin typeface="Arial" panose="020B0604020202020204" pitchFamily="34" charset="0"/>
+                <a:latin typeface="Sitka Banner" panose="02000505000000020004" pitchFamily="2" charset="0"/>
                 <a:ea typeface="Kozuka Mincho Pro EL" panose="02020200000000000000" pitchFamily="18" charset="-128"/>
-                <a:cs typeface="Arial" panose="020B0604020202020204" pitchFamily="34" charset="0"/>
+                <a:cs typeface="Urdu Typesetting" panose="03020402040406030203" pitchFamily="66" charset="-78"/>
               </a:rPr>
               <a:t> </a:t>
             </a:r>
             <a:r>
-              <a:rPr lang="en-US" sz="2500" i="1" err="1">
+              <a:rPr lang="en-US" sz="3200" i="1" err="1">
                 <a:solidFill>
                   <a:schemeClr val="tx1"/>
                 </a:solidFill>
-                <a:latin typeface="Arial" panose="020B0604020202020204" pitchFamily="34" charset="0"/>
+                <a:latin typeface="Sitka Banner" panose="02000505000000020004" pitchFamily="2" charset="0"/>
                 <a:ea typeface="Kozuka Mincho Pro EL" panose="02020200000000000000" pitchFamily="18" charset="-128"/>
-                <a:cs typeface="Arial" panose="020B0604020202020204" pitchFamily="34" charset="0"/>
+                <a:cs typeface="Urdu Typesetting" panose="03020402040406030203" pitchFamily="66" charset="-78"/>
               </a:rPr>
               <a:t>án</a:t>
             </a:r>
             <a:r>
-              <a:rPr lang="en-US" sz="2500" i="1">
+              <a:rPr lang="en-US" sz="3200" i="1">
                 <a:solidFill>
                   <a:schemeClr val="tx1"/>
                 </a:solidFill>
-                <a:latin typeface="Arial" panose="020B0604020202020204" pitchFamily="34" charset="0"/>
+                <a:latin typeface="Sitka Banner" panose="02000505000000020004" pitchFamily="2" charset="0"/>
                 <a:ea typeface="Kozuka Mincho Pro EL" panose="02020200000000000000" pitchFamily="18" charset="-128"/>
-                <a:cs typeface="Arial" panose="020B0604020202020204" pitchFamily="34" charset="0"/>
+                <a:cs typeface="Urdu Typesetting" panose="03020402040406030203" pitchFamily="66" charset="-78"/>
               </a:rPr>
               <a:t> </a:t>
             </a:r>
             <a:r>
-              <a:rPr lang="en-US" sz="2500" i="1" smtClean="0">
+              <a:rPr lang="en-US" sz="3200" i="1" smtClean="0">
                 <a:solidFill>
                   <a:schemeClr val="tx1"/>
                 </a:solidFill>
-                <a:latin typeface="Arial" panose="020B0604020202020204" pitchFamily="34" charset="0"/>
+                <a:latin typeface="Sitka Banner" panose="02000505000000020004" pitchFamily="2" charset="0"/>
                 <a:ea typeface="Kozuka Mincho Pro EL" panose="02020200000000000000" pitchFamily="18" charset="-128"/>
-                <a:cs typeface="Arial" panose="020B0604020202020204" pitchFamily="34" charset="0"/>
+                <a:cs typeface="Urdu Typesetting" panose="03020402040406030203" pitchFamily="66" charset="-78"/>
               </a:rPr>
               <a:t>Apache Hadoop </a:t>
             </a:r>
             <a:r>
-              <a:rPr lang="en-US" sz="2500" i="1" err="1" smtClean="0">
+              <a:rPr lang="en-US" sz="3200" i="1" err="1" smtClean="0">
                 <a:solidFill>
                   <a:schemeClr val="tx1"/>
                 </a:solidFill>
-                <a:latin typeface="Arial" panose="020B0604020202020204" pitchFamily="34" charset="0"/>
+                <a:latin typeface="Sitka Banner" panose="02000505000000020004" pitchFamily="2" charset="0"/>
                 <a:ea typeface="Kozuka Mincho Pro EL" panose="02020200000000000000" pitchFamily="18" charset="-128"/>
-                <a:cs typeface="Arial" panose="020B0604020202020204" pitchFamily="34" charset="0"/>
+                <a:cs typeface="Urdu Typesetting" panose="03020402040406030203" pitchFamily="66" charset="-78"/>
               </a:rPr>
               <a:t>là</a:t>
             </a:r>
             <a:r>
-              <a:rPr lang="en-US" sz="2500" i="1" smtClean="0">
+              <a:rPr lang="en-US" sz="3200" i="1" smtClean="0">
                 <a:solidFill>
                   <a:schemeClr val="tx1"/>
                 </a:solidFill>
-                <a:latin typeface="Arial" panose="020B0604020202020204" pitchFamily="34" charset="0"/>
+                <a:latin typeface="Sitka Banner" panose="02000505000000020004" pitchFamily="2" charset="0"/>
                 <a:ea typeface="Kozuka Mincho Pro EL" panose="02020200000000000000" pitchFamily="18" charset="-128"/>
-                <a:cs typeface="Arial" panose="020B0604020202020204" pitchFamily="34" charset="0"/>
+                <a:cs typeface="Urdu Typesetting" panose="03020402040406030203" pitchFamily="66" charset="-78"/>
               </a:rPr>
               <a:t> </a:t>
             </a:r>
             <a:r>
-              <a:rPr lang="en-US" sz="2500" i="1" err="1" smtClean="0">
+              <a:rPr lang="en-US" sz="3200" i="1" err="1" smtClean="0">
                 <a:solidFill>
                   <a:schemeClr val="tx1"/>
                 </a:solidFill>
-                <a:latin typeface="Arial" panose="020B0604020202020204" pitchFamily="34" charset="0"/>
+                <a:latin typeface="Sitka Banner" panose="02000505000000020004" pitchFamily="2" charset="0"/>
                 <a:ea typeface="Kozuka Mincho Pro EL" panose="02020200000000000000" pitchFamily="18" charset="-128"/>
-                <a:cs typeface="Arial" panose="020B0604020202020204" pitchFamily="34" charset="0"/>
+                <a:cs typeface="Urdu Typesetting" panose="03020402040406030203" pitchFamily="66" charset="-78"/>
               </a:rPr>
               <a:t>dự</a:t>
             </a:r>
             <a:r>
-              <a:rPr lang="en-US" sz="2500" i="1" smtClean="0">
+              <a:rPr lang="en-US" sz="3200" i="1" smtClean="0">
                 <a:solidFill>
                   <a:schemeClr val="tx1"/>
                 </a:solidFill>
-                <a:latin typeface="Arial" panose="020B0604020202020204" pitchFamily="34" charset="0"/>
+                <a:latin typeface="Sitka Banner" panose="02000505000000020004" pitchFamily="2" charset="0"/>
                 <a:ea typeface="Kozuka Mincho Pro EL" panose="02020200000000000000" pitchFamily="18" charset="-128"/>
-                <a:cs typeface="Arial" panose="020B0604020202020204" pitchFamily="34" charset="0"/>
+                <a:cs typeface="Urdu Typesetting" panose="03020402040406030203" pitchFamily="66" charset="-78"/>
               </a:rPr>
               <a:t> </a:t>
             </a:r>
             <a:r>
-              <a:rPr lang="en-US" sz="2500" i="1" err="1" smtClean="0">
+              <a:rPr lang="en-US" sz="3200" i="1" err="1" smtClean="0">
                 <a:solidFill>
                   <a:schemeClr val="tx1"/>
                 </a:solidFill>
-                <a:latin typeface="Arial" panose="020B0604020202020204" pitchFamily="34" charset="0"/>
+                <a:latin typeface="Sitka Banner" panose="02000505000000020004" pitchFamily="2" charset="0"/>
                 <a:ea typeface="Kozuka Mincho Pro EL" panose="02020200000000000000" pitchFamily="18" charset="-128"/>
-                <a:cs typeface="Arial" panose="020B0604020202020204" pitchFamily="34" charset="0"/>
+                <a:cs typeface="Urdu Typesetting" panose="03020402040406030203" pitchFamily="66" charset="-78"/>
               </a:rPr>
               <a:t>án</a:t>
             </a:r>
             <a:r>
-              <a:rPr lang="en-US" sz="2500" i="1" smtClean="0">
+              <a:rPr lang="en-US" sz="3200" i="1" smtClean="0">
                 <a:solidFill>
                   <a:schemeClr val="tx1"/>
                 </a:solidFill>
-                <a:latin typeface="Arial" panose="020B0604020202020204" pitchFamily="34" charset="0"/>
+                <a:latin typeface="Sitka Banner" panose="02000505000000020004" pitchFamily="2" charset="0"/>
                 <a:ea typeface="Kozuka Mincho Pro EL" panose="02020200000000000000" pitchFamily="18" charset="-128"/>
-                <a:cs typeface="Arial" panose="020B0604020202020204" pitchFamily="34" charset="0"/>
+                <a:cs typeface="Urdu Typesetting" panose="03020402040406030203" pitchFamily="66" charset="-78"/>
               </a:rPr>
               <a:t> </a:t>
             </a:r>
             <a:r>
-              <a:rPr lang="en-US" sz="2500" i="1" err="1">
+              <a:rPr lang="en-US" sz="3200" i="1" err="1">
                 <a:solidFill>
                   <a:schemeClr val="tx1"/>
                 </a:solidFill>
-                <a:latin typeface="Arial" panose="020B0604020202020204" pitchFamily="34" charset="0"/>
+                <a:latin typeface="Sitka Banner" panose="02000505000000020004" pitchFamily="2" charset="0"/>
                 <a:ea typeface="Kozuka Mincho Pro EL" panose="02020200000000000000" pitchFamily="18" charset="-128"/>
-                <a:cs typeface="Arial" panose="020B0604020202020204" pitchFamily="34" charset="0"/>
+                <a:cs typeface="Urdu Typesetting" panose="03020402040406030203" pitchFamily="66" charset="-78"/>
               </a:rPr>
               <a:t>phát</a:t>
             </a:r>
             <a:r>
-              <a:rPr lang="en-US" sz="2500" i="1">
+              <a:rPr lang="en-US" sz="3200" i="1">
                 <a:solidFill>
                   <a:schemeClr val="tx1"/>
                 </a:solidFill>
-                <a:latin typeface="Arial" panose="020B0604020202020204" pitchFamily="34" charset="0"/>
+                <a:latin typeface="Sitka Banner" panose="02000505000000020004" pitchFamily="2" charset="0"/>
                 <a:ea typeface="Kozuka Mincho Pro EL" panose="02020200000000000000" pitchFamily="18" charset="-128"/>
-                <a:cs typeface="Arial" panose="020B0604020202020204" pitchFamily="34" charset="0"/>
+                <a:cs typeface="Urdu Typesetting" panose="03020402040406030203" pitchFamily="66" charset="-78"/>
               </a:rPr>
               <a:t> </a:t>
             </a:r>
             <a:r>
-              <a:rPr lang="en-US" sz="2500" i="1" err="1">
+              <a:rPr lang="en-US" sz="3200" i="1" err="1">
                 <a:solidFill>
                   <a:schemeClr val="tx1"/>
                 </a:solidFill>
-                <a:latin typeface="Arial" panose="020B0604020202020204" pitchFamily="34" charset="0"/>
+                <a:latin typeface="Sitka Banner" panose="02000505000000020004" pitchFamily="2" charset="0"/>
                 <a:ea typeface="Kozuka Mincho Pro EL" panose="02020200000000000000" pitchFamily="18" charset="-128"/>
-                <a:cs typeface="Arial" panose="020B0604020202020204" pitchFamily="34" charset="0"/>
+                <a:cs typeface="Urdu Typesetting" panose="03020402040406030203" pitchFamily="66" charset="-78"/>
               </a:rPr>
               <a:t>triển</a:t>
             </a:r>
             <a:r>
-              <a:rPr lang="en-US" sz="2500" i="1">
+              <a:rPr lang="en-US" sz="3200" i="1">
                 <a:solidFill>
                   <a:schemeClr val="tx1"/>
                 </a:solidFill>
-                <a:latin typeface="Arial" panose="020B0604020202020204" pitchFamily="34" charset="0"/>
+                <a:latin typeface="Sitka Banner" panose="02000505000000020004" pitchFamily="2" charset="0"/>
                 <a:ea typeface="Kozuka Mincho Pro EL" panose="02020200000000000000" pitchFamily="18" charset="-128"/>
-                <a:cs typeface="Arial" panose="020B0604020202020204" pitchFamily="34" charset="0"/>
+                <a:cs typeface="Urdu Typesetting" panose="03020402040406030203" pitchFamily="66" charset="-78"/>
               </a:rPr>
               <a:t> </a:t>
             </a:r>
             <a:r>
-              <a:rPr lang="en-US" sz="2500" i="1" err="1">
+              <a:rPr lang="en-US" sz="3200" i="1" err="1">
                 <a:solidFill>
                   <a:schemeClr val="tx1"/>
                 </a:solidFill>
-                <a:latin typeface="Arial" panose="020B0604020202020204" pitchFamily="34" charset="0"/>
+                <a:latin typeface="Sitka Banner" panose="02000505000000020004" pitchFamily="2" charset="0"/>
                 <a:ea typeface="Kozuka Mincho Pro EL" panose="02020200000000000000" pitchFamily="18" charset="-128"/>
-                <a:cs typeface="Arial" panose="020B0604020202020204" pitchFamily="34" charset="0"/>
+                <a:cs typeface="Urdu Typesetting" panose="03020402040406030203" pitchFamily="66" charset="-78"/>
               </a:rPr>
               <a:t>phần</a:t>
             </a:r>
             <a:r>
-              <a:rPr lang="en-US" sz="2500" i="1">
+              <a:rPr lang="en-US" sz="3200" i="1">
                 <a:solidFill>
                   <a:schemeClr val="tx1"/>
                 </a:solidFill>
-                <a:latin typeface="Arial" panose="020B0604020202020204" pitchFamily="34" charset="0"/>
+                <a:latin typeface="Sitka Banner" panose="02000505000000020004" pitchFamily="2" charset="0"/>
                 <a:ea typeface="Kozuka Mincho Pro EL" panose="02020200000000000000" pitchFamily="18" charset="-128"/>
-                <a:cs typeface="Arial" panose="020B0604020202020204" pitchFamily="34" charset="0"/>
+                <a:cs typeface="Urdu Typesetting" panose="03020402040406030203" pitchFamily="66" charset="-78"/>
               </a:rPr>
               <a:t> </a:t>
             </a:r>
             <a:r>
-              <a:rPr lang="en-US" sz="2500" i="1" err="1">
+              <a:rPr lang="en-US" sz="3200" i="1" err="1">
                 <a:solidFill>
                   <a:schemeClr val="tx1"/>
                 </a:solidFill>
-                <a:latin typeface="Arial" panose="020B0604020202020204" pitchFamily="34" charset="0"/>
+                <a:latin typeface="Sitka Banner" panose="02000505000000020004" pitchFamily="2" charset="0"/>
                 <a:ea typeface="Kozuka Mincho Pro EL" panose="02020200000000000000" pitchFamily="18" charset="-128"/>
-                <a:cs typeface="Arial" panose="020B0604020202020204" pitchFamily="34" charset="0"/>
+                <a:cs typeface="Urdu Typesetting" panose="03020402040406030203" pitchFamily="66" charset="-78"/>
               </a:rPr>
               <a:t>mềm</a:t>
             </a:r>
             <a:r>
-              <a:rPr lang="en-US" sz="2500" i="1">
+              <a:rPr lang="en-US" sz="3200" i="1">
                 <a:solidFill>
                   <a:schemeClr val="tx1"/>
                 </a:solidFill>
-                <a:latin typeface="Arial" panose="020B0604020202020204" pitchFamily="34" charset="0"/>
+                <a:latin typeface="Sitka Banner" panose="02000505000000020004" pitchFamily="2" charset="0"/>
                 <a:ea typeface="Kozuka Mincho Pro EL" panose="02020200000000000000" pitchFamily="18" charset="-128"/>
-                <a:cs typeface="Arial" panose="020B0604020202020204" pitchFamily="34" charset="0"/>
+                <a:cs typeface="Urdu Typesetting" panose="03020402040406030203" pitchFamily="66" charset="-78"/>
               </a:rPr>
               <a:t> </a:t>
             </a:r>
             <a:r>
-              <a:rPr lang="en-US" sz="2500" i="1" err="1">
+              <a:rPr lang="en-US" sz="3200" i="1" err="1">
                 <a:solidFill>
                   <a:schemeClr val="tx1"/>
                 </a:solidFill>
-                <a:latin typeface="Arial" panose="020B0604020202020204" pitchFamily="34" charset="0"/>
+                <a:latin typeface="Sitka Banner" panose="02000505000000020004" pitchFamily="2" charset="0"/>
                 <a:ea typeface="Kozuka Mincho Pro EL" panose="02020200000000000000" pitchFamily="18" charset="-128"/>
-                <a:cs typeface="Arial" panose="020B0604020202020204" pitchFamily="34" charset="0"/>
+                <a:cs typeface="Urdu Typesetting" panose="03020402040406030203" pitchFamily="66" charset="-78"/>
               </a:rPr>
               <a:t>mã</a:t>
             </a:r>
             <a:r>
-              <a:rPr lang="en-US" sz="2500" i="1">
+              <a:rPr lang="en-US" sz="3200" i="1">
                 <a:solidFill>
                   <a:schemeClr val="tx1"/>
                 </a:solidFill>
-                <a:latin typeface="Arial" panose="020B0604020202020204" pitchFamily="34" charset="0"/>
+                <a:latin typeface="Sitka Banner" panose="02000505000000020004" pitchFamily="2" charset="0"/>
                 <a:ea typeface="Kozuka Mincho Pro EL" panose="02020200000000000000" pitchFamily="18" charset="-128"/>
-                <a:cs typeface="Arial" panose="020B0604020202020204" pitchFamily="34" charset="0"/>
+                <a:cs typeface="Urdu Typesetting" panose="03020402040406030203" pitchFamily="66" charset="-78"/>
               </a:rPr>
               <a:t> </a:t>
             </a:r>
             <a:r>
-              <a:rPr lang="en-US" sz="2500" i="1" err="1">
+              <a:rPr lang="en-US" sz="3200" i="1" err="1">
                 <a:solidFill>
                   <a:schemeClr val="tx1"/>
                 </a:solidFill>
-                <a:latin typeface="Arial" panose="020B0604020202020204" pitchFamily="34" charset="0"/>
+                <a:latin typeface="Sitka Banner" panose="02000505000000020004" pitchFamily="2" charset="0"/>
                 <a:ea typeface="Kozuka Mincho Pro EL" panose="02020200000000000000" pitchFamily="18" charset="-128"/>
-                <a:cs typeface="Arial" panose="020B0604020202020204" pitchFamily="34" charset="0"/>
+                <a:cs typeface="Urdu Typesetting" panose="03020402040406030203" pitchFamily="66" charset="-78"/>
               </a:rPr>
               <a:t>nguồn</a:t>
             </a:r>
             <a:r>
-              <a:rPr lang="en-US" sz="2500" i="1">
+              <a:rPr lang="en-US" sz="3200" i="1">
                 <a:solidFill>
                   <a:schemeClr val="tx1"/>
                 </a:solidFill>
-                <a:latin typeface="Arial" panose="020B0604020202020204" pitchFamily="34" charset="0"/>
+                <a:latin typeface="Sitka Banner" panose="02000505000000020004" pitchFamily="2" charset="0"/>
                 <a:ea typeface="Kozuka Mincho Pro EL" panose="02020200000000000000" pitchFamily="18" charset="-128"/>
-                <a:cs typeface="Arial" panose="020B0604020202020204" pitchFamily="34" charset="0"/>
+                <a:cs typeface="Urdu Typesetting" panose="03020402040406030203" pitchFamily="66" charset="-78"/>
               </a:rPr>
               <a:t> </a:t>
             </a:r>
             <a:r>
-              <a:rPr lang="en-US" sz="2500" i="1" err="1" smtClean="0">
+              <a:rPr lang="en-US" sz="3200" i="1" err="1" smtClean="0">
                 <a:solidFill>
                   <a:schemeClr val="tx1"/>
                 </a:solidFill>
-                <a:latin typeface="Arial" panose="020B0604020202020204" pitchFamily="34" charset="0"/>
+                <a:latin typeface="Sitka Banner" panose="02000505000000020004" pitchFamily="2" charset="0"/>
                 <a:ea typeface="Kozuka Mincho Pro EL" panose="02020200000000000000" pitchFamily="18" charset="-128"/>
-                <a:cs typeface="Arial" panose="020B0604020202020204" pitchFamily="34" charset="0"/>
+                <a:cs typeface="Urdu Typesetting" panose="03020402040406030203" pitchFamily="66" charset="-78"/>
               </a:rPr>
               <a:t>mở</a:t>
             </a:r>
             <a:r>
-              <a:rPr lang="en-US" sz="2500" i="1" smtClean="0">
+              <a:rPr lang="en-US" sz="3200" i="1" smtClean="0">
                 <a:solidFill>
                   <a:schemeClr val="tx1"/>
                 </a:solidFill>
-                <a:latin typeface="Arial" panose="020B0604020202020204" pitchFamily="34" charset="0"/>
+                <a:latin typeface="Sitka Banner" panose="02000505000000020004" pitchFamily="2" charset="0"/>
                 <a:ea typeface="Kozuka Mincho Pro EL" panose="02020200000000000000" pitchFamily="18" charset="-128"/>
-                <a:cs typeface="Arial" panose="020B0604020202020204" pitchFamily="34" charset="0"/>
+                <a:cs typeface="Urdu Typesetting" panose="03020402040406030203" pitchFamily="66" charset="-78"/>
               </a:rPr>
               <a:t> </a:t>
             </a:r>
             <a:r>
-              <a:rPr lang="en-US" sz="2500" i="1" err="1">
+              <a:rPr lang="en-US" sz="3200" i="1" err="1">
                 <a:solidFill>
                   <a:schemeClr val="tx1"/>
                 </a:solidFill>
-                <a:latin typeface="Arial" panose="020B0604020202020204" pitchFamily="34" charset="0"/>
+                <a:latin typeface="Sitka Banner" panose="02000505000000020004" pitchFamily="2" charset="0"/>
                 <a:ea typeface="Kozuka Mincho Pro EL" panose="02020200000000000000" pitchFamily="18" charset="-128"/>
-                <a:cs typeface="Arial" panose="020B0604020202020204" pitchFamily="34" charset="0"/>
+                <a:cs typeface="Urdu Typesetting" panose="03020402040406030203" pitchFamily="66" charset="-78"/>
               </a:rPr>
               <a:t>đáng</a:t>
             </a:r>
             <a:r>
-              <a:rPr lang="en-US" sz="2500" i="1">
+              <a:rPr lang="en-US" sz="3200" i="1">
                 <a:solidFill>
                   <a:schemeClr val="tx1"/>
                 </a:solidFill>
-                <a:latin typeface="Arial" panose="020B0604020202020204" pitchFamily="34" charset="0"/>
+                <a:latin typeface="Sitka Banner" panose="02000505000000020004" pitchFamily="2" charset="0"/>
                 <a:ea typeface="Kozuka Mincho Pro EL" panose="02020200000000000000" pitchFamily="18" charset="-128"/>
-                <a:cs typeface="Arial" panose="020B0604020202020204" pitchFamily="34" charset="0"/>
+                <a:cs typeface="Urdu Typesetting" panose="03020402040406030203" pitchFamily="66" charset="-78"/>
+              </a:rPr>
+              <a:t> tin </a:t>
+            </a:r>
+            <a:r>
+              <a:rPr lang="en-US" sz="3200" i="1" err="1" smtClean="0">
+                <a:solidFill>
+                  <a:schemeClr val="tx1"/>
+                </a:solidFill>
+                <a:latin typeface="Sitka Banner" panose="02000505000000020004" pitchFamily="2" charset="0"/>
+                <a:ea typeface="Kozuka Mincho Pro EL" panose="02020200000000000000" pitchFamily="18" charset="-128"/>
+                <a:cs typeface="Urdu Typesetting" panose="03020402040406030203" pitchFamily="66" charset="-78"/>
+              </a:rPr>
+              <a:t>cậy</a:t>
+            </a:r>
+            <a:r>
+              <a:rPr lang="en-US" sz="3200" i="1" smtClean="0">
+                <a:solidFill>
+                  <a:schemeClr val="tx1"/>
+                </a:solidFill>
+                <a:latin typeface="Sitka Banner" panose="02000505000000020004" pitchFamily="2" charset="0"/>
+                <a:ea typeface="Kozuka Mincho Pro EL" panose="02020200000000000000" pitchFamily="18" charset="-128"/>
+                <a:cs typeface="Urdu Typesetting" panose="03020402040406030203" pitchFamily="66" charset="-78"/>
+              </a:rPr>
+              <a:t>, </a:t>
+            </a:r>
+            <a:r>
+              <a:rPr lang="en-US" sz="3200" i="1" err="1" smtClean="0">
+                <a:solidFill>
+                  <a:schemeClr val="tx1"/>
+                </a:solidFill>
+                <a:latin typeface="Sitka Banner" panose="02000505000000020004" pitchFamily="2" charset="0"/>
+                <a:ea typeface="Kozuka Mincho Pro EL" panose="02020200000000000000" pitchFamily="18" charset="-128"/>
+                <a:cs typeface="Urdu Typesetting" panose="03020402040406030203" pitchFamily="66" charset="-78"/>
+              </a:rPr>
+              <a:t>có</a:t>
+            </a:r>
+            <a:r>
+              <a:rPr lang="en-US" sz="3200" i="1" smtClean="0">
+                <a:solidFill>
+                  <a:schemeClr val="tx1"/>
+                </a:solidFill>
+                <a:latin typeface="Sitka Banner" panose="02000505000000020004" pitchFamily="2" charset="0"/>
+                <a:ea typeface="Kozuka Mincho Pro EL" panose="02020200000000000000" pitchFamily="18" charset="-128"/>
+                <a:cs typeface="Urdu Typesetting" panose="03020402040406030203" pitchFamily="66" charset="-78"/>
               </a:rPr>
               <a:t> </a:t>
             </a:r>
             <a:r>
-              <a:rPr lang="en-US" sz="2500" i="1" smtClean="0">
+              <a:rPr lang="en-US" sz="3200" i="1" err="1">
                 <a:solidFill>
                   <a:schemeClr val="tx1"/>
                 </a:solidFill>
-                <a:latin typeface="Arial" panose="020B0604020202020204" pitchFamily="34" charset="0"/>
+                <a:latin typeface="Sitka Banner" panose="02000505000000020004" pitchFamily="2" charset="0"/>
                 <a:ea typeface="Kozuka Mincho Pro EL" panose="02020200000000000000" pitchFamily="18" charset="-128"/>
-                <a:cs typeface="Arial" panose="020B0604020202020204" pitchFamily="34" charset="0"/>
+                <a:cs typeface="Urdu Typesetting" panose="03020402040406030203" pitchFamily="66" charset="-78"/>
               </a:rPr>
-              <a:t>tin cậy</a:t>
-            </a:r>
-            <a:r>
-              <a:rPr lang="en-US" sz="2500" i="1" smtClean="0">
+              <a:t>khả</a:t>
+            </a:r>
+            <a:r>
+              <a:rPr lang="en-US" sz="3200" i="1">
                 <a:solidFill>
                   <a:schemeClr val="tx1"/>
                 </a:solidFill>
-                <a:latin typeface="Arial" panose="020B0604020202020204" pitchFamily="34" charset="0"/>
+                <a:latin typeface="Sitka Banner" panose="02000505000000020004" pitchFamily="2" charset="0"/>
                 <a:ea typeface="Kozuka Mincho Pro EL" panose="02020200000000000000" pitchFamily="18" charset="-128"/>
-                <a:cs typeface="Arial" panose="020B0604020202020204" pitchFamily="34" charset="0"/>
-              </a:rPr>
-              <a:t>, </a:t>
-            </a:r>
-            <a:r>
-              <a:rPr lang="en-US" sz="2500" i="1" err="1" smtClean="0">
-                <a:solidFill>
-                  <a:schemeClr val="tx1"/>
-                </a:solidFill>
-                <a:latin typeface="Arial" panose="020B0604020202020204" pitchFamily="34" charset="0"/>
-                <a:ea typeface="Kozuka Mincho Pro EL" panose="02020200000000000000" pitchFamily="18" charset="-128"/>
-                <a:cs typeface="Arial" panose="020B0604020202020204" pitchFamily="34" charset="0"/>
-              </a:rPr>
-              <a:t>có</a:t>
-            </a:r>
-            <a:r>
-              <a:rPr lang="en-US" sz="2500" i="1" smtClean="0">
-                <a:solidFill>
-                  <a:schemeClr val="tx1"/>
-                </a:solidFill>
-                <a:latin typeface="Arial" panose="020B0604020202020204" pitchFamily="34" charset="0"/>
-                <a:ea typeface="Kozuka Mincho Pro EL" panose="02020200000000000000" pitchFamily="18" charset="-128"/>
-                <a:cs typeface="Arial" panose="020B0604020202020204" pitchFamily="34" charset="0"/>
+                <a:cs typeface="Urdu Typesetting" panose="03020402040406030203" pitchFamily="66" charset="-78"/>
               </a:rPr>
               <a:t> </a:t>
             </a:r>
             <a:r>
-              <a:rPr lang="en-US" sz="2500" i="1" err="1">
+              <a:rPr lang="en-US" sz="3200" i="1" err="1">
                 <a:solidFill>
                   <a:schemeClr val="tx1"/>
                 </a:solidFill>
-                <a:latin typeface="Arial" panose="020B0604020202020204" pitchFamily="34" charset="0"/>
+                <a:latin typeface="Sitka Banner" panose="02000505000000020004" pitchFamily="2" charset="0"/>
                 <a:ea typeface="Kozuka Mincho Pro EL" panose="02020200000000000000" pitchFamily="18" charset="-128"/>
-                <a:cs typeface="Arial" panose="020B0604020202020204" pitchFamily="34" charset="0"/>
+                <a:cs typeface="Urdu Typesetting" panose="03020402040406030203" pitchFamily="66" charset="-78"/>
               </a:rPr>
-              <a:t>khả</a:t>
-            </a:r>
-            <a:r>
-              <a:rPr lang="en-US" sz="2500" i="1">
+              <a:t>năng</a:t>
+            </a:r>
+            <a:r>
+              <a:rPr lang="en-US" sz="3200" i="1">
                 <a:solidFill>
                   <a:schemeClr val="tx1"/>
                 </a:solidFill>
-                <a:latin typeface="Arial" panose="020B0604020202020204" pitchFamily="34" charset="0"/>
+                <a:latin typeface="Sitka Banner" panose="02000505000000020004" pitchFamily="2" charset="0"/>
                 <a:ea typeface="Kozuka Mincho Pro EL" panose="02020200000000000000" pitchFamily="18" charset="-128"/>
-                <a:cs typeface="Arial" panose="020B0604020202020204" pitchFamily="34" charset="0"/>
+                <a:cs typeface="Urdu Typesetting" panose="03020402040406030203" pitchFamily="66" charset="-78"/>
               </a:rPr>
               <a:t> </a:t>
             </a:r>
             <a:r>
-              <a:rPr lang="en-US" sz="2500" i="1" err="1">
+              <a:rPr lang="en-US" sz="3200" i="1" err="1">
                 <a:solidFill>
                   <a:schemeClr val="tx1"/>
                 </a:solidFill>
-                <a:latin typeface="Arial" panose="020B0604020202020204" pitchFamily="34" charset="0"/>
+                <a:latin typeface="Sitka Banner" panose="02000505000000020004" pitchFamily="2" charset="0"/>
                 <a:ea typeface="Kozuka Mincho Pro EL" panose="02020200000000000000" pitchFamily="18" charset="-128"/>
-                <a:cs typeface="Arial" panose="020B0604020202020204" pitchFamily="34" charset="0"/>
+                <a:cs typeface="Urdu Typesetting" panose="03020402040406030203" pitchFamily="66" charset="-78"/>
               </a:rPr>
-              <a:t>năng</a:t>
-            </a:r>
-            <a:r>
-              <a:rPr lang="en-US" sz="2500" i="1">
+              <a:t>mở</a:t>
+            </a:r>
+            <a:r>
+              <a:rPr lang="en-US" sz="3200" i="1">
                 <a:solidFill>
                   <a:schemeClr val="tx1"/>
                 </a:solidFill>
-                <a:latin typeface="Arial" panose="020B0604020202020204" pitchFamily="34" charset="0"/>
+                <a:latin typeface="Sitka Banner" panose="02000505000000020004" pitchFamily="2" charset="0"/>
                 <a:ea typeface="Kozuka Mincho Pro EL" panose="02020200000000000000" pitchFamily="18" charset="-128"/>
-                <a:cs typeface="Arial" panose="020B0604020202020204" pitchFamily="34" charset="0"/>
+                <a:cs typeface="Urdu Typesetting" panose="03020402040406030203" pitchFamily="66" charset="-78"/>
               </a:rPr>
               <a:t> </a:t>
             </a:r>
             <a:r>
-              <a:rPr lang="en-US" sz="2500" i="1" err="1">
+              <a:rPr lang="en-US" sz="3200" i="1" err="1" smtClean="0">
                 <a:solidFill>
                   <a:schemeClr val="tx1"/>
                 </a:solidFill>
-                <a:latin typeface="Arial" panose="020B0604020202020204" pitchFamily="34" charset="0"/>
+                <a:latin typeface="Sitka Banner" panose="02000505000000020004" pitchFamily="2" charset="0"/>
                 <a:ea typeface="Kozuka Mincho Pro EL" panose="02020200000000000000" pitchFamily="18" charset="-128"/>
-                <a:cs typeface="Arial" panose="020B0604020202020204" pitchFamily="34" charset="0"/>
+                <a:cs typeface="Urdu Typesetting" panose="03020402040406030203" pitchFamily="66" charset="-78"/>
               </a:rPr>
-              <a:t>mở</a:t>
-            </a:r>
-            <a:r>
-              <a:rPr lang="en-US" sz="2500" i="1">
+              <a:t>rộng</a:t>
+            </a:r>
+            <a:r>
+              <a:rPr lang="en-US" sz="3200" i="1" smtClean="0">
                 <a:solidFill>
                   <a:schemeClr val="tx1"/>
                 </a:solidFill>
-                <a:latin typeface="Arial" panose="020B0604020202020204" pitchFamily="34" charset="0"/>
+                <a:latin typeface="Sitka Banner" panose="02000505000000020004" pitchFamily="2" charset="0"/>
                 <a:ea typeface="Kozuka Mincho Pro EL" panose="02020200000000000000" pitchFamily="18" charset="-128"/>
-                <a:cs typeface="Arial" panose="020B0604020202020204" pitchFamily="34" charset="0"/>
+                <a:cs typeface="Urdu Typesetting" panose="03020402040406030203" pitchFamily="66" charset="-78"/>
               </a:rPr>
               <a:t> </a:t>
             </a:r>
             <a:r>
-              <a:rPr lang="en-US" sz="2500" i="1" err="1" smtClean="0">
+              <a:rPr lang="en-US" sz="3200" i="1" err="1" smtClean="0">
                 <a:solidFill>
                   <a:schemeClr val="tx1"/>
                 </a:solidFill>
-                <a:latin typeface="Arial" panose="020B0604020202020204" pitchFamily="34" charset="0"/>
+                <a:latin typeface="Sitka Banner" panose="02000505000000020004" pitchFamily="2" charset="0"/>
                 <a:ea typeface="Kozuka Mincho Pro EL" panose="02020200000000000000" pitchFamily="18" charset="-128"/>
-                <a:cs typeface="Arial" panose="020B0604020202020204" pitchFamily="34" charset="0"/>
+                <a:cs typeface="Urdu Typesetting" panose="03020402040406030203" pitchFamily="66" charset="-78"/>
               </a:rPr>
-              <a:t>rộng</a:t>
-            </a:r>
-            <a:r>
-              <a:rPr lang="en-US" sz="2500" i="1" smtClean="0">
+              <a:t>và</a:t>
+            </a:r>
+            <a:r>
+              <a:rPr lang="en-US" sz="3200" i="1" smtClean="0">
                 <a:solidFill>
                   <a:schemeClr val="tx1"/>
                 </a:solidFill>
-                <a:latin typeface="Arial" panose="020B0604020202020204" pitchFamily="34" charset="0"/>
+                <a:latin typeface="Sitka Banner" panose="02000505000000020004" pitchFamily="2" charset="0"/>
                 <a:ea typeface="Kozuka Mincho Pro EL" panose="02020200000000000000" pitchFamily="18" charset="-128"/>
-                <a:cs typeface="Arial" panose="020B0604020202020204" pitchFamily="34" charset="0"/>
+                <a:cs typeface="Urdu Typesetting" panose="03020402040406030203" pitchFamily="66" charset="-78"/>
               </a:rPr>
               <a:t> </a:t>
             </a:r>
             <a:r>
-              <a:rPr lang="en-US" sz="2500" i="1" err="1" smtClean="0">
+              <a:rPr lang="en-US" sz="3200" i="1" err="1" smtClean="0">
                 <a:solidFill>
                   <a:schemeClr val="tx1"/>
                 </a:solidFill>
-                <a:latin typeface="Arial" panose="020B0604020202020204" pitchFamily="34" charset="0"/>
+                <a:latin typeface="Sitka Banner" panose="02000505000000020004" pitchFamily="2" charset="0"/>
                 <a:ea typeface="Kozuka Mincho Pro EL" panose="02020200000000000000" pitchFamily="18" charset="-128"/>
-                <a:cs typeface="Arial" panose="020B0604020202020204" pitchFamily="34" charset="0"/>
+                <a:cs typeface="Urdu Typesetting" panose="03020402040406030203" pitchFamily="66" charset="-78"/>
               </a:rPr>
-              <a:t>và</a:t>
-            </a:r>
-            <a:r>
-              <a:rPr lang="en-US" sz="2500" i="1" smtClean="0">
+              <a:t>tính</a:t>
+            </a:r>
+            <a:r>
+              <a:rPr lang="en-US" sz="3200" i="1" smtClean="0">
                 <a:solidFill>
                   <a:schemeClr val="tx1"/>
                 </a:solidFill>
-                <a:latin typeface="Arial" panose="020B0604020202020204" pitchFamily="34" charset="0"/>
+                <a:latin typeface="Sitka Banner" panose="02000505000000020004" pitchFamily="2" charset="0"/>
                 <a:ea typeface="Kozuka Mincho Pro EL" panose="02020200000000000000" pitchFamily="18" charset="-128"/>
-                <a:cs typeface="Arial" panose="020B0604020202020204" pitchFamily="34" charset="0"/>
+                <a:cs typeface="Urdu Typesetting" panose="03020402040406030203" pitchFamily="66" charset="-78"/>
               </a:rPr>
               <a:t> </a:t>
             </a:r>
             <a:r>
-              <a:rPr lang="en-US" sz="2500" i="1" err="1" smtClean="0">
+              <a:rPr lang="en-US" sz="3200" i="1" err="1">
                 <a:solidFill>
                   <a:schemeClr val="tx1"/>
                 </a:solidFill>
-                <a:latin typeface="Arial" panose="020B0604020202020204" pitchFamily="34" charset="0"/>
+                <a:latin typeface="Sitka Banner" panose="02000505000000020004" pitchFamily="2" charset="0"/>
                 <a:ea typeface="Kozuka Mincho Pro EL" panose="02020200000000000000" pitchFamily="18" charset="-128"/>
-                <a:cs typeface="Arial" panose="020B0604020202020204" pitchFamily="34" charset="0"/>
+                <a:cs typeface="Urdu Typesetting" panose="03020402040406030203" pitchFamily="66" charset="-78"/>
               </a:rPr>
-              <a:t>tính</a:t>
-            </a:r>
-            <a:r>
-              <a:rPr lang="en-US" sz="2500" i="1" smtClean="0">
+              <a:t>toán</a:t>
+            </a:r>
+            <a:r>
+              <a:rPr lang="en-US" sz="3200" i="1">
                 <a:solidFill>
                   <a:schemeClr val="tx1"/>
                 </a:solidFill>
-                <a:latin typeface="Arial" panose="020B0604020202020204" pitchFamily="34" charset="0"/>
+                <a:latin typeface="Sitka Banner" panose="02000505000000020004" pitchFamily="2" charset="0"/>
                 <a:ea typeface="Kozuka Mincho Pro EL" panose="02020200000000000000" pitchFamily="18" charset="-128"/>
-                <a:cs typeface="Arial" panose="020B0604020202020204" pitchFamily="34" charset="0"/>
+                <a:cs typeface="Urdu Typesetting" panose="03020402040406030203" pitchFamily="66" charset="-78"/>
               </a:rPr>
               <a:t> </a:t>
             </a:r>
             <a:r>
-              <a:rPr lang="en-US" sz="2500" i="1" err="1">
+              <a:rPr lang="en-US" sz="3200" i="1" err="1">
                 <a:solidFill>
                   <a:schemeClr val="tx1"/>
                 </a:solidFill>
-                <a:latin typeface="Arial" panose="020B0604020202020204" pitchFamily="34" charset="0"/>
+                <a:latin typeface="Sitka Banner" panose="02000505000000020004" pitchFamily="2" charset="0"/>
                 <a:ea typeface="Kozuka Mincho Pro EL" panose="02020200000000000000" pitchFamily="18" charset="-128"/>
-                <a:cs typeface="Arial" panose="020B0604020202020204" pitchFamily="34" charset="0"/>
+                <a:cs typeface="Urdu Typesetting" panose="03020402040406030203" pitchFamily="66" charset="-78"/>
               </a:rPr>
-              <a:t>toán</a:t>
-            </a:r>
-            <a:r>
-              <a:rPr lang="en-US" sz="2500" i="1">
+              <a:t>phân</a:t>
+            </a:r>
+            <a:r>
+              <a:rPr lang="en-US" sz="3200" i="1">
                 <a:solidFill>
                   <a:schemeClr val="tx1"/>
                 </a:solidFill>
-                <a:latin typeface="Arial" panose="020B0604020202020204" pitchFamily="34" charset="0"/>
+                <a:latin typeface="Sitka Banner" panose="02000505000000020004" pitchFamily="2" charset="0"/>
                 <a:ea typeface="Kozuka Mincho Pro EL" panose="02020200000000000000" pitchFamily="18" charset="-128"/>
-                <a:cs typeface="Arial" panose="020B0604020202020204" pitchFamily="34" charset="0"/>
+                <a:cs typeface="Urdu Typesetting" panose="03020402040406030203" pitchFamily="66" charset="-78"/>
               </a:rPr>
               <a:t> </a:t>
             </a:r>
             <a:r>
-              <a:rPr lang="en-US" sz="2500" i="1" err="1">
+              <a:rPr lang="en-US" sz="3200" i="1" err="1">
                 <a:solidFill>
                   <a:schemeClr val="tx1"/>
                 </a:solidFill>
-                <a:latin typeface="Arial" panose="020B0604020202020204" pitchFamily="34" charset="0"/>
+                <a:latin typeface="Sitka Banner" panose="02000505000000020004" pitchFamily="2" charset="0"/>
                 <a:ea typeface="Kozuka Mincho Pro EL" panose="02020200000000000000" pitchFamily="18" charset="-128"/>
-                <a:cs typeface="Arial" panose="020B0604020202020204" pitchFamily="34" charset="0"/>
-              </a:rPr>
-              <a:t>phân</a:t>
-            </a:r>
-            <a:r>
-              <a:rPr lang="en-US" sz="2500" i="1">
-                <a:solidFill>
-                  <a:schemeClr val="tx1"/>
-                </a:solidFill>
-                <a:latin typeface="Arial" panose="020B0604020202020204" pitchFamily="34" charset="0"/>
-                <a:ea typeface="Kozuka Mincho Pro EL" panose="02020200000000000000" pitchFamily="18" charset="-128"/>
-                <a:cs typeface="Arial" panose="020B0604020202020204" pitchFamily="34" charset="0"/>
-              </a:rPr>
-              <a:t> </a:t>
-            </a:r>
-            <a:r>
-              <a:rPr lang="en-US" sz="2500" i="1" err="1">
-                <a:solidFill>
-                  <a:schemeClr val="tx1"/>
-                </a:solidFill>
-                <a:latin typeface="Arial" panose="020B0604020202020204" pitchFamily="34" charset="0"/>
-                <a:ea typeface="Kozuka Mincho Pro EL" panose="02020200000000000000" pitchFamily="18" charset="-128"/>
-                <a:cs typeface="Arial" panose="020B0604020202020204" pitchFamily="34" charset="0"/>
+                <a:cs typeface="Urdu Typesetting" panose="03020402040406030203" pitchFamily="66" charset="-78"/>
               </a:rPr>
               <a:t>tán</a:t>
             </a:r>
             <a:r>
-              <a:rPr lang="en-US" sz="2500" i="1" smtClean="0">
+              <a:rPr lang="en-US" sz="3200" i="1" smtClean="0">
                 <a:solidFill>
                   <a:schemeClr val="tx1"/>
                 </a:solidFill>
-                <a:latin typeface="Arial" panose="020B0604020202020204" pitchFamily="34" charset="0"/>
+                <a:latin typeface="Sitka Banner" panose="02000505000000020004" pitchFamily="2" charset="0"/>
                 <a:ea typeface="Kozuka Mincho Pro EL" panose="02020200000000000000" pitchFamily="18" charset="-128"/>
-                <a:cs typeface="Arial" panose="020B0604020202020204" pitchFamily="34" charset="0"/>
+                <a:cs typeface="Urdu Typesetting" panose="03020402040406030203" pitchFamily="66" charset="-78"/>
               </a:rPr>
               <a:t>. </a:t>
             </a:r>
             <a:r>
-              <a:rPr lang="en-US" sz="2500" i="1">
+              <a:rPr lang="en-US" sz="3200" i="1">
                 <a:solidFill>
                   <a:schemeClr val="tx1"/>
                 </a:solidFill>
-                <a:latin typeface="Arial" panose="020B0604020202020204" pitchFamily="34" charset="0"/>
+                <a:latin typeface="Sitka Banner" panose="02000505000000020004" pitchFamily="2" charset="0"/>
                 <a:ea typeface="Kozuka Mincho Pro EL" panose="02020200000000000000" pitchFamily="18" charset="-128"/>
-                <a:cs typeface="Arial" panose="020B0604020202020204" pitchFamily="34" charset="0"/>
+                <a:cs typeface="Urdu Typesetting" panose="03020402040406030203" pitchFamily="66" charset="-78"/>
               </a:rPr>
-              <a:t>Hadoop hỗ trợ một số công </a:t>
-            </a:r>
-            <a:r>
-              <a:rPr lang="en-US" sz="2500" i="1" smtClean="0">
-                <a:solidFill>
-                  <a:schemeClr val="tx1"/>
-                </a:solidFill>
-                <a:latin typeface="Arial" panose="020B0604020202020204" pitchFamily="34" charset="0"/>
-                <a:ea typeface="Kozuka Mincho Pro EL" panose="02020200000000000000" pitchFamily="18" charset="-128"/>
-                <a:cs typeface="Arial" panose="020B0604020202020204" pitchFamily="34" charset="0"/>
-              </a:rPr>
-              <a:t>cụ.</a:t>
-            </a:r>
-            <a:endParaRPr lang="en-US" sz="2500" i="1">
+              <a:t>Hadoop hỗ trợ một số công cụ </a:t>
+            </a:r>
+            <a:endParaRPr lang="en-US" sz="3200" i="1">
               <a:solidFill>
                 <a:schemeClr val="tx1"/>
               </a:solidFill>
-              <a:latin typeface="Arial" panose="020B0604020202020204" pitchFamily="34" charset="0"/>
+              <a:latin typeface="Sitka Banner" panose="02000505000000020004" pitchFamily="2" charset="0"/>
               <a:ea typeface="Kozuka Mincho Pro EL" panose="02020200000000000000" pitchFamily="18" charset="-128"/>
-              <a:cs typeface="Arial" panose="020B0604020202020204" pitchFamily="34" charset="0"/>
+              <a:cs typeface="Urdu Typesetting" panose="03020402040406030203" pitchFamily="66" charset="-78"/>
             </a:endParaRPr>
           </a:p>
         </p:txBody>
@@ -21129,98 +17887,62 @@
         <p:spPr/>
         <p:txBody>
           <a:bodyPr>
-            <a:normAutofit/>
+            <a:normAutofit fontScale="92500"/>
           </a:bodyPr>
           <a:lstStyle/>
           <a:p>
-            <a:pPr>
-              <a:buFont typeface="Wingdings" panose="05000000000000000000" pitchFamily="2" charset="2"/>
-              <a:buChar char="q"/>
-            </a:pPr>
-            <a:r>
-              <a:rPr lang="en-US" smtClean="0">
+            <a:r>
+              <a:rPr lang="en-US">
                 <a:solidFill>
                   <a:schemeClr val="tx1"/>
                 </a:solidFill>
-                <a:latin typeface="Arial" panose="020B0604020202020204" pitchFamily="34" charset="0"/>
-                <a:cs typeface="Arial" panose="020B0604020202020204" pitchFamily="34" charset="0"/>
+                <a:latin typeface="Times New Roman" panose="02020603050405020304" pitchFamily="18" charset="0"/>
+                <a:cs typeface="Times New Roman" panose="02020603050405020304" pitchFamily="18" charset="0"/>
               </a:rPr>
-              <a:t> Apache Avro</a:t>
-            </a:r>
-          </a:p>
-          <a:p>
-            <a:pPr>
-              <a:buFont typeface="Wingdings" panose="05000000000000000000" pitchFamily="2" charset="2"/>
-              <a:buChar char="q"/>
-            </a:pPr>
-            <a:r>
-              <a:rPr lang="en-US" smtClean="0">
+              <a:t>Apache Avro: Hệ thống dữ liệu tuần tự.</a:t>
+            </a:r>
+          </a:p>
+          <a:p>
+            <a:r>
+              <a:rPr lang="en-US">
                 <a:solidFill>
                   <a:schemeClr val="tx1"/>
                 </a:solidFill>
-                <a:latin typeface="Arial" panose="020B0604020202020204" pitchFamily="34" charset="0"/>
-                <a:cs typeface="Arial" panose="020B0604020202020204" pitchFamily="34" charset="0"/>
+                <a:latin typeface="Times New Roman" panose="02020603050405020304" pitchFamily="18" charset="0"/>
+                <a:cs typeface="Times New Roman" panose="02020603050405020304" pitchFamily="18" charset="0"/>
               </a:rPr>
-              <a:t> Apache Crunch</a:t>
-            </a:r>
-          </a:p>
-          <a:p>
-            <a:pPr>
-              <a:buFont typeface="Wingdings" panose="05000000000000000000" pitchFamily="2" charset="2"/>
-              <a:buChar char="q"/>
-            </a:pPr>
-            <a:r>
-              <a:rPr lang="en-US" smtClean="0">
+              <a:t>Apache Crunch: Là một thư viện Java API giúp cho những việc như thu thập và tập hợp dữ liệu trên MapReduce dễ dàng hơn.</a:t>
+            </a:r>
+          </a:p>
+          <a:p>
+            <a:r>
+              <a:rPr lang="en-US">
                 <a:solidFill>
                   <a:schemeClr val="tx1"/>
                 </a:solidFill>
-                <a:latin typeface="Arial" panose="020B0604020202020204" pitchFamily="34" charset="0"/>
-                <a:cs typeface="Arial" panose="020B0604020202020204" pitchFamily="34" charset="0"/>
+                <a:latin typeface="Times New Roman" panose="02020603050405020304" pitchFamily="18" charset="0"/>
+                <a:cs typeface="Times New Roman" panose="02020603050405020304" pitchFamily="18" charset="0"/>
               </a:rPr>
-              <a:t> Cloudera ML</a:t>
-            </a:r>
-          </a:p>
-          <a:p>
-            <a:pPr>
-              <a:buFont typeface="Wingdings" panose="05000000000000000000" pitchFamily="2" charset="2"/>
-              <a:buChar char="q"/>
-            </a:pPr>
-            <a:r>
-              <a:rPr lang="en-US" smtClean="0">
+              <a:t>Cloudera ML: một thư viện mã nguồn mở, tích hợp nhiều công cụ nhằm mục đích phân tích, mô hình hóa dữ liệu.</a:t>
+            </a:r>
+          </a:p>
+          <a:p>
+            <a:r>
+              <a:rPr lang="en-US">
                 <a:solidFill>
                   <a:schemeClr val="tx1"/>
                 </a:solidFill>
-                <a:latin typeface="Arial" panose="020B0604020202020204" pitchFamily="34" charset="0"/>
-                <a:cs typeface="Arial" panose="020B0604020202020204" pitchFamily="34" charset="0"/>
+                <a:latin typeface="Times New Roman" panose="02020603050405020304" pitchFamily="18" charset="0"/>
+                <a:cs typeface="Times New Roman" panose="02020603050405020304" pitchFamily="18" charset="0"/>
               </a:rPr>
-              <a:t> Cloudera </a:t>
-            </a:r>
-            <a:r>
-              <a:rPr lang="en-US">
-                <a:solidFill>
-                  <a:schemeClr val="tx1"/>
-                </a:solidFill>
-                <a:latin typeface="Arial" panose="020B0604020202020204" pitchFamily="34" charset="0"/>
-                <a:cs typeface="Arial" panose="020B0604020202020204" pitchFamily="34" charset="0"/>
-              </a:rPr>
-              <a:t>Development </a:t>
-            </a:r>
-            <a:r>
-              <a:rPr lang="en-US" smtClean="0">
-                <a:solidFill>
-                  <a:schemeClr val="tx1"/>
-                </a:solidFill>
-                <a:latin typeface="Arial" panose="020B0604020202020204" pitchFamily="34" charset="0"/>
-                <a:cs typeface="Arial" panose="020B0604020202020204" pitchFamily="34" charset="0"/>
-              </a:rPr>
-              <a:t>Kit</a:t>
-            </a:r>
+              <a:t>Cloudera Development Kit: là một tập hợp các thư viện mã nguồn mở và các công cụ giúp việc viết các ứng dụng trên Hadoop dễ dàng hơn. Nó nhắm vào các nhà phát triển đang cố gắng để xây dựng các ứng dụng trên Hadoop</a:t>
+            </a:r>
+          </a:p>
+          <a:p>
             <a:endParaRPr lang="en-US">
               <a:solidFill>
                 <a:schemeClr val="tx1"/>
               </a:solidFill>
-              <a:latin typeface="Arial" panose="020B0604020202020204" pitchFamily="34" charset="0"/>
-              <a:cs typeface="Arial" panose="020B0604020202020204" pitchFamily="34" charset="0"/>
             </a:endParaRPr>
           </a:p>
         </p:txBody>
@@ -21321,8 +18043,8 @@
                 <a:solidFill>
                   <a:schemeClr val="tx1"/>
                 </a:solidFill>
-                <a:latin typeface="Arial" panose="020B0604020202020204" pitchFamily="34" charset="0"/>
-                <a:cs typeface="Arial" panose="020B0604020202020204" pitchFamily="34" charset="0"/>
+                <a:latin typeface="Times New Roman" panose="02020603050405020304" pitchFamily="18" charset="0"/>
+                <a:cs typeface="Times New Roman" panose="02020603050405020304" pitchFamily="18" charset="0"/>
               </a:rPr>
               <a:t> </a:t>
             </a:r>
@@ -21331,8 +18053,8 @@
                 <a:solidFill>
                   <a:schemeClr val="tx1"/>
                 </a:solidFill>
-                <a:latin typeface="Arial" panose="020B0604020202020204" pitchFamily="34" charset="0"/>
-                <a:cs typeface="Arial" panose="020B0604020202020204" pitchFamily="34" charset="0"/>
+                <a:latin typeface="Times New Roman" panose="02020603050405020304" pitchFamily="18" charset="0"/>
+                <a:cs typeface="Times New Roman" panose="02020603050405020304" pitchFamily="18" charset="0"/>
               </a:rPr>
               <a:t>Apache Avro </a:t>
             </a:r>
@@ -21341,8 +18063,8 @@
                 <a:solidFill>
                   <a:schemeClr val="tx1"/>
                 </a:solidFill>
-                <a:latin typeface="Arial" panose="020B0604020202020204" pitchFamily="34" charset="0"/>
-                <a:cs typeface="Arial" panose="020B0604020202020204" pitchFamily="34" charset="0"/>
+                <a:latin typeface="Times New Roman" panose="02020603050405020304" pitchFamily="18" charset="0"/>
+                <a:cs typeface="Times New Roman" panose="02020603050405020304" pitchFamily="18" charset="0"/>
               </a:rPr>
               <a:t>là một hệ thống dữ liệu tuần tự.</a:t>
             </a:r>
@@ -21350,22 +18072,22 @@
               <a:solidFill>
                 <a:schemeClr val="tx1"/>
               </a:solidFill>
-              <a:latin typeface="Arial" panose="020B0604020202020204" pitchFamily="34" charset="0"/>
-              <a:cs typeface="Arial" panose="020B0604020202020204" pitchFamily="34" charset="0"/>
+              <a:latin typeface="Times New Roman" panose="02020603050405020304" pitchFamily="18" charset="0"/>
+              <a:cs typeface="Times New Roman" panose="02020603050405020304" pitchFamily="18" charset="0"/>
             </a:endParaRPr>
           </a:p>
           <a:p>
             <a:pPr lvl="1">
-              <a:buFont typeface="Wingdings" panose="05000000000000000000" pitchFamily="2" charset="2"/>
-              <a:buChar char="Ø"/>
+              <a:buFont typeface="Arial" panose="020B0604020202020204" pitchFamily="34" charset="0"/>
+              <a:buChar char="•"/>
             </a:pPr>
             <a:r>
               <a:rPr lang="en-US" sz="2200" smtClean="0">
                 <a:solidFill>
                   <a:schemeClr val="tx1"/>
                 </a:solidFill>
-                <a:latin typeface="Arial" panose="020B0604020202020204" pitchFamily="34" charset="0"/>
-                <a:cs typeface="Arial" panose="020B0604020202020204" pitchFamily="34" charset="0"/>
+                <a:latin typeface="Times New Roman" panose="02020603050405020304" pitchFamily="18" charset="0"/>
+                <a:cs typeface="Times New Roman" panose="02020603050405020304" pitchFamily="18" charset="0"/>
               </a:rPr>
               <a:t> Giúp giải quyết các vấn đề liên quan </a:t>
             </a:r>
@@ -21374,34 +18096,44 @@
                 <a:solidFill>
                   <a:schemeClr val="tx1"/>
                 </a:solidFill>
-                <a:latin typeface="Arial" panose="020B0604020202020204" pitchFamily="34" charset="0"/>
-                <a:cs typeface="Arial" panose="020B0604020202020204" pitchFamily="34" charset="0"/>
+                <a:latin typeface="Times New Roman" panose="02020603050405020304" pitchFamily="18" charset="0"/>
+                <a:cs typeface="Times New Roman" panose="02020603050405020304" pitchFamily="18" charset="0"/>
               </a:rPr>
-              <a:t>records, arrays, unions, </a:t>
+              <a:t>records, arrays, unions</a:t>
+            </a:r>
+            <a:r>
+              <a:rPr lang="en-US" sz="2200">
+                <a:solidFill>
+                  <a:schemeClr val="tx1"/>
+                </a:solidFill>
+                <a:latin typeface="Times New Roman" panose="02020603050405020304" pitchFamily="18" charset="0"/>
+                <a:cs typeface="Times New Roman" panose="02020603050405020304" pitchFamily="18" charset="0"/>
+              </a:rPr>
+              <a:t>, </a:t>
             </a:r>
             <a:r>
               <a:rPr lang="en-US" sz="2200" smtClean="0">
                 <a:solidFill>
                   <a:schemeClr val="tx1"/>
                 </a:solidFill>
-                <a:latin typeface="Arial" panose="020B0604020202020204" pitchFamily="34" charset="0"/>
-                <a:cs typeface="Arial" panose="020B0604020202020204" pitchFamily="34" charset="0"/>
+                <a:latin typeface="Times New Roman" panose="02020603050405020304" pitchFamily="18" charset="0"/>
+                <a:cs typeface="Times New Roman" panose="02020603050405020304" pitchFamily="18" charset="0"/>
               </a:rPr>
               <a:t>enums. Giúp đọc ghi dữ liệu mà không tạo ra mã con.</a:t>
             </a:r>
           </a:p>
           <a:p>
             <a:pPr lvl="1">
-              <a:buFont typeface="Wingdings" panose="05000000000000000000" pitchFamily="2" charset="2"/>
-              <a:buChar char="Ø"/>
+              <a:buFont typeface="Arial" panose="020B0604020202020204" pitchFamily="34" charset="0"/>
+              <a:buChar char="•"/>
             </a:pPr>
             <a:r>
               <a:rPr lang="en-US" sz="2200" smtClean="0">
                 <a:solidFill>
                   <a:schemeClr val="tx1"/>
                 </a:solidFill>
-                <a:latin typeface="Arial" panose="020B0604020202020204" pitchFamily="34" charset="0"/>
-                <a:cs typeface="Arial" panose="020B0604020202020204" pitchFamily="34" charset="0"/>
+                <a:latin typeface="Times New Roman" panose="02020603050405020304" pitchFamily="18" charset="0"/>
+                <a:cs typeface="Times New Roman" panose="02020603050405020304" pitchFamily="18" charset="0"/>
               </a:rPr>
               <a:t> Avro </a:t>
             </a:r>
@@ -21410,54 +18142,94 @@
                 <a:solidFill>
                   <a:schemeClr val="tx1"/>
                 </a:solidFill>
-                <a:latin typeface="Arial" panose="020B0604020202020204" pitchFamily="34" charset="0"/>
-                <a:cs typeface="Arial" panose="020B0604020202020204" pitchFamily="34" charset="0"/>
+                <a:latin typeface="Times New Roman" panose="02020603050405020304" pitchFamily="18" charset="0"/>
+                <a:cs typeface="Times New Roman" panose="02020603050405020304" pitchFamily="18" charset="0"/>
               </a:rPr>
-              <a:t>có khả năng phù hợp với rất nhiều ngôn ngữ khác nhau như Java, C, C ++, C #, Python, Ruby, vv… </a:t>
+              <a:t>có khả năng phù hợp với rất nhiều ngôn ngữ khác nhau như Java, C, C ++, C #, Python, Ruby, vv</a:t>
+            </a:r>
+            <a:r>
+              <a:rPr lang="en-US" sz="2200">
+                <a:solidFill>
+                  <a:schemeClr val="tx1"/>
+                </a:solidFill>
+                <a:latin typeface="Times New Roman" panose="02020603050405020304" pitchFamily="18" charset="0"/>
+                <a:cs typeface="Times New Roman" panose="02020603050405020304" pitchFamily="18" charset="0"/>
+              </a:rPr>
+              <a:t>… </a:t>
             </a:r>
             <a:r>
               <a:rPr lang="en-US" sz="2200" smtClean="0">
                 <a:solidFill>
                   <a:schemeClr val="tx1"/>
                 </a:solidFill>
-                <a:latin typeface="Arial" panose="020B0604020202020204" pitchFamily="34" charset="0"/>
-                <a:cs typeface="Arial" panose="020B0604020202020204" pitchFamily="34" charset="0"/>
+                <a:latin typeface="Times New Roman" panose="02020603050405020304" pitchFamily="18" charset="0"/>
+                <a:cs typeface="Times New Roman" panose="02020603050405020304" pitchFamily="18" charset="0"/>
               </a:rPr>
               <a:t>và có thể sử dụng nhiều công cụ.</a:t>
             </a:r>
           </a:p>
           <a:p>
             <a:pPr lvl="1">
-              <a:buFont typeface="Wingdings" panose="05000000000000000000" pitchFamily="2" charset="2"/>
-              <a:buChar char="Ø"/>
+              <a:buFont typeface="Arial" panose="020B0604020202020204" pitchFamily="34" charset="0"/>
+              <a:buChar char="•"/>
             </a:pPr>
             <a:r>
               <a:rPr lang="en-US" sz="2200" smtClean="0">
                 <a:solidFill>
                   <a:schemeClr val="tx1"/>
                 </a:solidFill>
-                <a:latin typeface="Arial" panose="020B0604020202020204" pitchFamily="34" charset="0"/>
-                <a:cs typeface="Arial" panose="020B0604020202020204" pitchFamily="34" charset="0"/>
+                <a:latin typeface="Times New Roman" panose="02020603050405020304" pitchFamily="18" charset="0"/>
+                <a:cs typeface="Times New Roman" panose="02020603050405020304" pitchFamily="18" charset="0"/>
               </a:rPr>
-              <a:t>Mục tiêu </a:t>
+              <a:t> Một trong những mục </a:t>
             </a:r>
             <a:r>
               <a:rPr lang="en-US" sz="2200">
                 <a:solidFill>
                   <a:schemeClr val="tx1"/>
                 </a:solidFill>
-                <a:latin typeface="Arial" panose="020B0604020202020204" pitchFamily="34" charset="0"/>
-                <a:cs typeface="Arial" panose="020B0604020202020204" pitchFamily="34" charset="0"/>
+                <a:latin typeface="Times New Roman" panose="02020603050405020304" pitchFamily="18" charset="0"/>
+                <a:cs typeface="Times New Roman" panose="02020603050405020304" pitchFamily="18" charset="0"/>
               </a:rPr>
-              <a:t>là một tập hợp các định dạng </a:t>
+              <a:t>tiêu </a:t>
             </a:r>
             <a:r>
               <a:rPr lang="en-US" sz="2200" smtClean="0">
                 <a:solidFill>
                   <a:schemeClr val="tx1"/>
                 </a:solidFill>
-                <a:latin typeface="Arial" panose="020B0604020202020204" pitchFamily="34" charset="0"/>
-                <a:cs typeface="Arial" panose="020B0604020202020204" pitchFamily="34" charset="0"/>
+                <a:latin typeface="Times New Roman" panose="02020603050405020304" pitchFamily="18" charset="0"/>
+                <a:cs typeface="Times New Roman" panose="02020603050405020304" pitchFamily="18" charset="0"/>
+              </a:rPr>
+              <a:t>của </a:t>
+            </a:r>
+            <a:r>
+              <a:rPr lang="en-US" sz="2200">
+                <a:solidFill>
+                  <a:schemeClr val="tx1"/>
+                </a:solidFill>
+                <a:latin typeface="Times New Roman" panose="02020603050405020304" pitchFamily="18" charset="0"/>
+                <a:cs typeface="Times New Roman" panose="02020603050405020304" pitchFamily="18" charset="0"/>
+              </a:rPr>
+              <a:t>Avro là một tập hợp các định </a:t>
+            </a:r>
+            <a:r>
+              <a:rPr lang="en-US" sz="2200">
+                <a:solidFill>
+                  <a:schemeClr val="tx1"/>
+                </a:solidFill>
+                <a:latin typeface="Times New Roman" panose="02020603050405020304" pitchFamily="18" charset="0"/>
+                <a:cs typeface="Times New Roman" panose="02020603050405020304" pitchFamily="18" charset="0"/>
+              </a:rPr>
+              <a:t>dạng </a:t>
+            </a:r>
+            <a:r>
+              <a:rPr lang="en-US" sz="2200" smtClean="0">
+                <a:solidFill>
+                  <a:schemeClr val="tx1"/>
+                </a:solidFill>
+                <a:latin typeface="Times New Roman" panose="02020603050405020304" pitchFamily="18" charset="0"/>
+                <a:cs typeface="Times New Roman" panose="02020603050405020304" pitchFamily="18" charset="0"/>
               </a:rPr>
               <a:t>dữ liệu </a:t>
             </a:r>
@@ -21466,8 +18238,8 @@
                 <a:solidFill>
                   <a:schemeClr val="tx1"/>
                 </a:solidFill>
-                <a:latin typeface="Arial" panose="020B0604020202020204" pitchFamily="34" charset="0"/>
-                <a:cs typeface="Arial" panose="020B0604020202020204" pitchFamily="34" charset="0"/>
+                <a:latin typeface="Times New Roman" panose="02020603050405020304" pitchFamily="18" charset="0"/>
+                <a:cs typeface="Times New Roman" panose="02020603050405020304" pitchFamily="18" charset="0"/>
               </a:rPr>
               <a:t>tuần </a:t>
             </a:r>
@@ -21476,8 +18248,8 @@
                 <a:solidFill>
                   <a:schemeClr val="tx1"/>
                 </a:solidFill>
-                <a:latin typeface="Arial" panose="020B0604020202020204" pitchFamily="34" charset="0"/>
-                <a:cs typeface="Arial" panose="020B0604020202020204" pitchFamily="34" charset="0"/>
+                <a:latin typeface="Times New Roman" panose="02020603050405020304" pitchFamily="18" charset="0"/>
+                <a:cs typeface="Times New Roman" panose="02020603050405020304" pitchFamily="18" charset="0"/>
               </a:rPr>
               <a:t>tự, giúp </a:t>
             </a:r>
@@ -21486,18 +18258,28 @@
                 <a:solidFill>
                   <a:schemeClr val="tx1"/>
                 </a:solidFill>
-                <a:latin typeface="Arial" panose="020B0604020202020204" pitchFamily="34" charset="0"/>
-                <a:cs typeface="Arial" panose="020B0604020202020204" pitchFamily="34" charset="0"/>
+                <a:latin typeface="Times New Roman" panose="02020603050405020304" pitchFamily="18" charset="0"/>
+                <a:cs typeface="Times New Roman" panose="02020603050405020304" pitchFamily="18" charset="0"/>
               </a:rPr>
-              <a:t>sử dụng </a:t>
+              <a:t>sử </a:t>
+            </a:r>
+            <a:r>
+              <a:rPr lang="en-US" sz="2200">
+                <a:solidFill>
+                  <a:schemeClr val="tx1"/>
+                </a:solidFill>
+                <a:latin typeface="Times New Roman" panose="02020603050405020304" pitchFamily="18" charset="0"/>
+                <a:cs typeface="Times New Roman" panose="02020603050405020304" pitchFamily="18" charset="0"/>
+              </a:rPr>
+              <a:t>dụng </a:t>
             </a:r>
             <a:r>
               <a:rPr lang="en-US" sz="2200" smtClean="0">
                 <a:solidFill>
                   <a:schemeClr val="tx1"/>
                 </a:solidFill>
-                <a:latin typeface="Arial" panose="020B0604020202020204" pitchFamily="34" charset="0"/>
-                <a:cs typeface="Arial" panose="020B0604020202020204" pitchFamily="34" charset="0"/>
+                <a:latin typeface="Times New Roman" panose="02020603050405020304" pitchFamily="18" charset="0"/>
+                <a:cs typeface="Times New Roman" panose="02020603050405020304" pitchFamily="18" charset="0"/>
               </a:rPr>
               <a:t>tất </a:t>
             </a:r>
@@ -21506,37 +18288,160 @@
                 <a:solidFill>
                   <a:schemeClr val="tx1"/>
                 </a:solidFill>
-                <a:latin typeface="Arial" panose="020B0604020202020204" pitchFamily="34" charset="0"/>
-                <a:cs typeface="Arial" panose="020B0604020202020204" pitchFamily="34" charset="0"/>
+                <a:latin typeface="Times New Roman" panose="02020603050405020304" pitchFamily="18" charset="0"/>
+                <a:cs typeface="Times New Roman" panose="02020603050405020304" pitchFamily="18" charset="0"/>
               </a:rPr>
-              <a:t>nền tảng dữ liệu mà bạn đang sử </a:t>
+              <a:t>nền tảng dữ liệu mà bạn đang sử dụng, không chỉ trong một tập hợp </a:t>
+            </a:r>
+            <a:r>
+              <a:rPr lang="en-US" sz="2200">
+                <a:solidFill>
+                  <a:schemeClr val="tx1"/>
+                </a:solidFill>
+                <a:latin typeface="Times New Roman" panose="02020603050405020304" pitchFamily="18" charset="0"/>
+                <a:cs typeface="Times New Roman" panose="02020603050405020304" pitchFamily="18" charset="0"/>
+              </a:rPr>
+              <a:t>con </a:t>
             </a:r>
             <a:r>
               <a:rPr lang="en-US" sz="2200" smtClean="0">
                 <a:solidFill>
                   <a:schemeClr val="tx1"/>
                 </a:solidFill>
-                <a:latin typeface="Arial" panose="020B0604020202020204" pitchFamily="34" charset="0"/>
-                <a:cs typeface="Arial" panose="020B0604020202020204" pitchFamily="34" charset="0"/>
+                <a:latin typeface="Times New Roman" panose="02020603050405020304" pitchFamily="18" charset="0"/>
+                <a:cs typeface="Times New Roman" panose="02020603050405020304" pitchFamily="18" charset="0"/>
               </a:rPr>
-              <a:t>dụng</a:t>
+              <a:t>mà còn của cả các </a:t>
             </a:r>
             <a:r>
               <a:rPr lang="en-US" sz="2200">
                 <a:solidFill>
                   <a:schemeClr val="tx1"/>
                 </a:solidFill>
-                <a:latin typeface="Arial" panose="020B0604020202020204" pitchFamily="34" charset="0"/>
-                <a:cs typeface="Arial" panose="020B0604020202020204" pitchFamily="34" charset="0"/>
+                <a:latin typeface="Times New Roman" panose="02020603050405020304" pitchFamily="18" charset="0"/>
+                <a:cs typeface="Times New Roman" panose="02020603050405020304" pitchFamily="18" charset="0"/>
               </a:rPr>
-              <a:t>.</a:t>
-            </a:r>
+              <a:t>thành phần. Vì vậy, MapReduce, lợn, Hive, Crunch</a:t>
+            </a:r>
+            <a:r>
+              <a:rPr lang="en-US" sz="2200">
+                <a:solidFill>
+                  <a:schemeClr val="tx1"/>
+                </a:solidFill>
+                <a:latin typeface="Times New Roman" panose="02020603050405020304" pitchFamily="18" charset="0"/>
+                <a:cs typeface="Times New Roman" panose="02020603050405020304" pitchFamily="18" charset="0"/>
+              </a:rPr>
+              <a:t>, </a:t>
+            </a:r>
+            <a:r>
+              <a:rPr lang="en-US" sz="2200">
+                <a:solidFill>
+                  <a:schemeClr val="tx1"/>
+                </a:solidFill>
+                <a:latin typeface="Times New Roman" panose="02020603050405020304" pitchFamily="18" charset="0"/>
+                <a:cs typeface="Times New Roman" panose="02020603050405020304" pitchFamily="18" charset="0"/>
+              </a:rPr>
+              <a:t>Flume</a:t>
+            </a:r>
+            <a:r>
+              <a:rPr lang="en-US" sz="2200" smtClean="0">
+                <a:solidFill>
+                  <a:schemeClr val="tx1"/>
+                </a:solidFill>
+                <a:latin typeface="Times New Roman" panose="02020603050405020304" pitchFamily="18" charset="0"/>
+                <a:cs typeface="Times New Roman" panose="02020603050405020304" pitchFamily="18" charset="0"/>
+              </a:rPr>
+              <a:t>, </a:t>
+            </a:r>
+            <a:r>
+              <a:rPr lang="en-US" sz="2200">
+                <a:solidFill>
+                  <a:schemeClr val="tx1"/>
+                </a:solidFill>
+                <a:latin typeface="Times New Roman" panose="02020603050405020304" pitchFamily="18" charset="0"/>
+                <a:cs typeface="Times New Roman" panose="02020603050405020304" pitchFamily="18" charset="0"/>
+              </a:rPr>
+              <a:t>Sqoop</a:t>
+            </a:r>
+            <a:r>
+              <a:rPr lang="en-US" sz="2200">
+                <a:solidFill>
+                  <a:schemeClr val="tx1"/>
+                </a:solidFill>
+                <a:latin typeface="Times New Roman" panose="02020603050405020304" pitchFamily="18" charset="0"/>
+                <a:cs typeface="Times New Roman" panose="02020603050405020304" pitchFamily="18" charset="0"/>
+              </a:rPr>
+              <a:t>, </a:t>
+            </a:r>
+            <a:r>
+              <a:rPr lang="en-US" sz="2200" smtClean="0">
+                <a:solidFill>
+                  <a:schemeClr val="tx1"/>
+                </a:solidFill>
+                <a:latin typeface="Times New Roman" panose="02020603050405020304" pitchFamily="18" charset="0"/>
+                <a:cs typeface="Times New Roman" panose="02020603050405020304" pitchFamily="18" charset="0"/>
+              </a:rPr>
+              <a:t>vv… </a:t>
+            </a:r>
+            <a:r>
+              <a:rPr lang="en-US" sz="2200">
+                <a:solidFill>
+                  <a:schemeClr val="tx1"/>
+                </a:solidFill>
+                <a:latin typeface="Times New Roman" panose="02020603050405020304" pitchFamily="18" charset="0"/>
+                <a:cs typeface="Times New Roman" panose="02020603050405020304" pitchFamily="18" charset="0"/>
+              </a:rPr>
+              <a:t>tất </a:t>
+            </a:r>
+            <a:r>
+              <a:rPr lang="en-US" sz="2200">
+                <a:solidFill>
+                  <a:schemeClr val="tx1"/>
+                </a:solidFill>
+                <a:latin typeface="Times New Roman" panose="02020603050405020304" pitchFamily="18" charset="0"/>
+                <a:cs typeface="Times New Roman" panose="02020603050405020304" pitchFamily="18" charset="0"/>
+              </a:rPr>
+              <a:t>cả </a:t>
+            </a:r>
+            <a:r>
+              <a:rPr lang="en-US" sz="2200" smtClean="0">
+                <a:solidFill>
+                  <a:schemeClr val="tx1"/>
+                </a:solidFill>
+                <a:latin typeface="Times New Roman" panose="02020603050405020304" pitchFamily="18" charset="0"/>
+                <a:cs typeface="Times New Roman" panose="02020603050405020304" pitchFamily="18" charset="0"/>
+              </a:rPr>
+              <a:t>đều được </a:t>
+            </a:r>
+            <a:r>
+              <a:rPr lang="en-US" sz="2200">
+                <a:solidFill>
+                  <a:schemeClr val="tx1"/>
+                </a:solidFill>
+                <a:latin typeface="Times New Roman" panose="02020603050405020304" pitchFamily="18" charset="0"/>
+                <a:cs typeface="Times New Roman" panose="02020603050405020304" pitchFamily="18" charset="0"/>
+              </a:rPr>
+              <a:t>hỗ trợ Avro.</a:t>
+            </a:r>
+            <a:endParaRPr lang="en-US" sz="2200" smtClean="0">
+              <a:solidFill>
+                <a:schemeClr val="tx1"/>
+              </a:solidFill>
+              <a:latin typeface="Times New Roman" panose="02020603050405020304" pitchFamily="18" charset="0"/>
+              <a:cs typeface="Times New Roman" panose="02020603050405020304" pitchFamily="18" charset="0"/>
+            </a:endParaRPr>
+          </a:p>
+          <a:p>
+            <a:pPr>
+              <a:buFont typeface="Arial" panose="020B0604020202020204" pitchFamily="34" charset="0"/>
+              <a:buChar char="•"/>
+            </a:pPr>
             <a:endParaRPr lang="en-US" sz="2200">
               <a:solidFill>
                 <a:schemeClr val="tx1"/>
               </a:solidFill>
-              <a:latin typeface="Arial" panose="020B0604020202020204" pitchFamily="34" charset="0"/>
-              <a:cs typeface="Arial" panose="020B0604020202020204" pitchFamily="34" charset="0"/>
+              <a:latin typeface="Times New Roman" panose="02020603050405020304" pitchFamily="18" charset="0"/>
+              <a:cs typeface="Times New Roman" panose="02020603050405020304" pitchFamily="18" charset="0"/>
             </a:endParaRPr>
           </a:p>
         </p:txBody>
@@ -21662,8 +18567,8 @@
                 <a:solidFill>
                   <a:schemeClr val="tx1"/>
                 </a:solidFill>
-                <a:latin typeface="Arial" panose="020B0604020202020204" pitchFamily="34" charset="0"/>
-                <a:cs typeface="Arial" panose="020B0604020202020204" pitchFamily="34" charset="0"/>
+                <a:latin typeface="Times New Roman" panose="02020603050405020304" pitchFamily="18" charset="0"/>
+                <a:cs typeface="Times New Roman" panose="02020603050405020304" pitchFamily="18" charset="0"/>
               </a:rPr>
               <a:t>Apache Crunch</a:t>
             </a:r>
@@ -21672,8 +18577,8 @@
                 <a:solidFill>
                   <a:schemeClr val="tx1"/>
                 </a:solidFill>
-                <a:latin typeface="Arial" panose="020B0604020202020204" pitchFamily="34" charset="0"/>
-                <a:cs typeface="Arial" panose="020B0604020202020204" pitchFamily="34" charset="0"/>
+                <a:latin typeface="Times New Roman" panose="02020603050405020304" pitchFamily="18" charset="0"/>
+                <a:cs typeface="Times New Roman" panose="02020603050405020304" pitchFamily="18" charset="0"/>
               </a:rPr>
               <a:t> </a:t>
             </a:r>
@@ -21682,8 +18587,8 @@
                 <a:solidFill>
                   <a:schemeClr val="tx1"/>
                 </a:solidFill>
-                <a:latin typeface="Arial" panose="020B0604020202020204" pitchFamily="34" charset="0"/>
-                <a:cs typeface="Arial" panose="020B0604020202020204" pitchFamily="34" charset="0"/>
+                <a:latin typeface="Times New Roman" panose="02020603050405020304" pitchFamily="18" charset="0"/>
+                <a:cs typeface="Times New Roman" panose="02020603050405020304" pitchFamily="18" charset="0"/>
               </a:rPr>
               <a:t>là </a:t>
             </a:r>
@@ -21692,18 +18597,28 @@
                 <a:solidFill>
                   <a:schemeClr val="tx1"/>
                 </a:solidFill>
-                <a:latin typeface="Arial" panose="020B0604020202020204" pitchFamily="34" charset="0"/>
-                <a:cs typeface="Arial" panose="020B0604020202020204" pitchFamily="34" charset="0"/>
+                <a:latin typeface="Times New Roman" panose="02020603050405020304" pitchFamily="18" charset="0"/>
+                <a:cs typeface="Times New Roman" panose="02020603050405020304" pitchFamily="18" charset="0"/>
               </a:rPr>
-              <a:t>một thư viện Java API giúp cho việc như thu thập và tập hợp dữ liệu trên MapReduce </a:t>
+              <a:t>một thư viện Java API giúp cho việc như thu thập và tập hợp dữ liệu trên </a:t>
+            </a:r>
+            <a:r>
+              <a:rPr lang="en-US" sz="2200">
+                <a:solidFill>
+                  <a:schemeClr val="tx1"/>
+                </a:solidFill>
+                <a:latin typeface="Times New Roman" panose="02020603050405020304" pitchFamily="18" charset="0"/>
+                <a:cs typeface="Times New Roman" panose="02020603050405020304" pitchFamily="18" charset="0"/>
+              </a:rPr>
+              <a:t>MapReduce </a:t>
             </a:r>
             <a:r>
               <a:rPr lang="en-US" sz="2200" smtClean="0">
                 <a:solidFill>
                   <a:schemeClr val="tx1"/>
                 </a:solidFill>
-                <a:latin typeface="Arial" panose="020B0604020202020204" pitchFamily="34" charset="0"/>
-                <a:cs typeface="Arial" panose="020B0604020202020204" pitchFamily="34" charset="0"/>
+                <a:latin typeface="Times New Roman" panose="02020603050405020304" pitchFamily="18" charset="0"/>
+                <a:cs typeface="Times New Roman" panose="02020603050405020304" pitchFamily="18" charset="0"/>
               </a:rPr>
               <a:t>dễ dàng hơn. </a:t>
             </a:r>
@@ -21712,73 +18627,182 @@
                 <a:solidFill>
                   <a:schemeClr val="tx1"/>
                 </a:solidFill>
-                <a:latin typeface="Arial" panose="020B0604020202020204" pitchFamily="34" charset="0"/>
-                <a:cs typeface="Arial" panose="020B0604020202020204" pitchFamily="34" charset="0"/>
+                <a:latin typeface="Times New Roman" panose="02020603050405020304" pitchFamily="18" charset="0"/>
+                <a:cs typeface="Times New Roman" panose="02020603050405020304" pitchFamily="18" charset="0"/>
               </a:rPr>
-              <a:t>Được tạo ra để giúp cho công việc xử lí dữ liệu với Pig và Hive được dễ dàng </a:t>
+              <a:t>Được tạo ra để giúp cho công việc xử lí dữ liệu với Pig và Hive được dễ </a:t>
+            </a:r>
+            <a:r>
+              <a:rPr lang="en-US" sz="2200">
+                <a:solidFill>
+                  <a:schemeClr val="tx1"/>
+                </a:solidFill>
+                <a:latin typeface="Times New Roman" panose="02020603050405020304" pitchFamily="18" charset="0"/>
+                <a:cs typeface="Times New Roman" panose="02020603050405020304" pitchFamily="18" charset="0"/>
+              </a:rPr>
+              <a:t>dàng </a:t>
             </a:r>
             <a:r>
               <a:rPr lang="en-US" sz="2200" smtClean="0">
                 <a:solidFill>
                   <a:schemeClr val="tx1"/>
                 </a:solidFill>
-                <a:latin typeface="Arial" panose="020B0604020202020204" pitchFamily="34" charset="0"/>
-                <a:cs typeface="Arial" panose="020B0604020202020204" pitchFamily="34" charset="0"/>
+                <a:latin typeface="Times New Roman" panose="02020603050405020304" pitchFamily="18" charset="0"/>
+                <a:cs typeface="Times New Roman" panose="02020603050405020304" pitchFamily="18" charset="0"/>
               </a:rPr>
-              <a:t>hơn, giúp </a:t>
-            </a:r>
+              <a:t>hơn</a:t>
+            </a:r>
+          </a:p>
+          <a:p>
+            <a:pPr algn="just"/>
             <a:r>
               <a:rPr lang="en-US" sz="2200">
                 <a:solidFill>
                   <a:schemeClr val="tx1"/>
                 </a:solidFill>
-                <a:latin typeface="Arial" panose="020B0604020202020204" pitchFamily="34" charset="0"/>
-                <a:cs typeface="Arial" panose="020B0604020202020204" pitchFamily="34" charset="0"/>
+                <a:latin typeface="Times New Roman" panose="02020603050405020304" pitchFamily="18" charset="0"/>
+                <a:cs typeface="Times New Roman" panose="02020603050405020304" pitchFamily="18" charset="0"/>
               </a:rPr>
-              <a:t>đơn giản hóa quá trình tạo đường truyền dữ liệu trên Apache Hadoop</a:t>
+              <a:t>Apache Crunch phát triển và hỗ trợ </a:t>
+            </a:r>
+            <a:r>
+              <a:rPr lang="en-US" sz="2200">
+                <a:solidFill>
+                  <a:schemeClr val="tx1"/>
+                </a:solidFill>
+                <a:latin typeface="Times New Roman" panose="02020603050405020304" pitchFamily="18" charset="0"/>
+                <a:cs typeface="Times New Roman" panose="02020603050405020304" pitchFamily="18" charset="0"/>
+              </a:rPr>
+              <a:t>Java </a:t>
             </a:r>
             <a:r>
               <a:rPr lang="en-US" sz="2200" smtClean="0">
                 <a:solidFill>
                   <a:schemeClr val="tx1"/>
                 </a:solidFill>
-                <a:latin typeface="Arial" panose="020B0604020202020204" pitchFamily="34" charset="0"/>
-                <a:cs typeface="Arial" panose="020B0604020202020204" pitchFamily="34" charset="0"/>
+                <a:latin typeface="Times New Roman" panose="02020603050405020304" pitchFamily="18" charset="0"/>
+                <a:cs typeface="Times New Roman" panose="02020603050405020304" pitchFamily="18" charset="0"/>
               </a:rPr>
-              <a:t>.</a:t>
-            </a:r>
-          </a:p>
-          <a:p>
-            <a:pPr marL="91440" lvl="1" indent="-91440" algn="just">
-              <a:spcBef>
-                <a:spcPts val="1200"/>
-              </a:spcBef>
-              <a:spcAft>
-                <a:spcPts val="200"/>
-              </a:spcAft>
-              <a:buSzPct val="100000"/>
-              <a:buFont typeface="Calibri" panose="020F0502020204030204" pitchFamily="34" charset="0"/>
-              <a:buChar char=" "/>
-            </a:pPr>
+              <a:t>API giúp </a:t>
+            </a:r>
+            <a:r>
+              <a:rPr lang="en-US" sz="2200">
+                <a:solidFill>
+                  <a:schemeClr val="tx1"/>
+                </a:solidFill>
+                <a:latin typeface="Times New Roman" panose="02020603050405020304" pitchFamily="18" charset="0"/>
+                <a:cs typeface="Times New Roman" panose="02020603050405020304" pitchFamily="18" charset="0"/>
+              </a:rPr>
+              <a:t>đơn giản hóa quá trình tạo đường truyền dữ liệu trên Apache Hadoop. Các API Crunch được dựa trên mô </a:t>
+            </a:r>
+            <a:r>
+              <a:rPr lang="en-US" sz="2200">
+                <a:solidFill>
+                  <a:schemeClr val="tx1"/>
+                </a:solidFill>
+                <a:latin typeface="Times New Roman" panose="02020603050405020304" pitchFamily="18" charset="0"/>
+                <a:cs typeface="Times New Roman" panose="02020603050405020304" pitchFamily="18" charset="0"/>
+              </a:rPr>
+              <a:t>hình </a:t>
+            </a:r>
             <a:r>
               <a:rPr lang="en-US" sz="2200" smtClean="0">
                 <a:solidFill>
                   <a:schemeClr val="tx1"/>
                 </a:solidFill>
-                <a:latin typeface="Arial" panose="020B0604020202020204" pitchFamily="34" charset="0"/>
-                <a:cs typeface="Arial" panose="020B0604020202020204" pitchFamily="34" charset="0"/>
+                <a:latin typeface="Times New Roman" panose="02020603050405020304" pitchFamily="18" charset="0"/>
+                <a:cs typeface="Times New Roman" panose="02020603050405020304" pitchFamily="18" charset="0"/>
               </a:rPr>
-              <a:t> Ưu </a:t>
+              <a:t>FlumeJava </a:t>
             </a:r>
             <a:r>
               <a:rPr lang="en-US" sz="2200">
                 <a:solidFill>
                   <a:schemeClr val="tx1"/>
                 </a:solidFill>
-                <a:latin typeface="Arial" panose="020B0604020202020204" pitchFamily="34" charset="0"/>
-                <a:cs typeface="Arial" panose="020B0604020202020204" pitchFamily="34" charset="0"/>
+                <a:latin typeface="Times New Roman" panose="02020603050405020304" pitchFamily="18" charset="0"/>
+                <a:cs typeface="Times New Roman" panose="02020603050405020304" pitchFamily="18" charset="0"/>
               </a:rPr>
-              <a:t>điểm của Crunch.</a:t>
+              <a:t>(</a:t>
+            </a:r>
+            <a:r>
+              <a:rPr lang="en-US" sz="2200" smtClean="0">
+                <a:solidFill>
+                  <a:schemeClr val="tx1"/>
+                </a:solidFill>
+                <a:latin typeface="Times New Roman" panose="02020603050405020304" pitchFamily="18" charset="0"/>
+                <a:cs typeface="Times New Roman" panose="02020603050405020304" pitchFamily="18" charset="0"/>
+              </a:rPr>
+              <a:t>PDF)</a:t>
+            </a:r>
+            <a:r>
+              <a:rPr lang="en-US" sz="2200">
+                <a:solidFill>
+                  <a:schemeClr val="tx1"/>
+                </a:solidFill>
+                <a:latin typeface="Times New Roman" panose="02020603050405020304" pitchFamily="18" charset="0"/>
+                <a:cs typeface="Times New Roman" panose="02020603050405020304" pitchFamily="18" charset="0"/>
+              </a:rPr>
+              <a:t> , là thư viện mà Google sử dụng để xây dựng đường truyền dữ liệu </a:t>
+            </a:r>
+            <a:r>
+              <a:rPr lang="en-US" sz="2200">
+                <a:solidFill>
+                  <a:schemeClr val="tx1"/>
+                </a:solidFill>
+                <a:latin typeface="Times New Roman" panose="02020603050405020304" pitchFamily="18" charset="0"/>
+                <a:cs typeface="Times New Roman" panose="02020603050405020304" pitchFamily="18" charset="0"/>
+              </a:rPr>
+              <a:t>MapReduce </a:t>
+            </a:r>
+            <a:r>
+              <a:rPr lang="en-US" sz="2200" smtClean="0">
+                <a:solidFill>
+                  <a:schemeClr val="tx1"/>
+                </a:solidFill>
+                <a:latin typeface="Times New Roman" panose="02020603050405020304" pitchFamily="18" charset="0"/>
+                <a:cs typeface="Times New Roman" panose="02020603050405020304" pitchFamily="18" charset="0"/>
+              </a:rPr>
+              <a:t>riêng </a:t>
+            </a:r>
+            <a:r>
+              <a:rPr lang="en-US" sz="2200">
+                <a:solidFill>
+                  <a:schemeClr val="tx1"/>
+                </a:solidFill>
+                <a:latin typeface="Times New Roman" panose="02020603050405020304" pitchFamily="18" charset="0"/>
+                <a:cs typeface="Times New Roman" panose="02020603050405020304" pitchFamily="18" charset="0"/>
+              </a:rPr>
+              <a:t>của họ</a:t>
+            </a:r>
+            <a:r>
+              <a:rPr lang="en-US" sz="2200">
+                <a:solidFill>
+                  <a:schemeClr val="tx1"/>
+                </a:solidFill>
+                <a:latin typeface="Times New Roman" panose="02020603050405020304" pitchFamily="18" charset="0"/>
+                <a:cs typeface="Times New Roman" panose="02020603050405020304" pitchFamily="18" charset="0"/>
+              </a:rPr>
+              <a:t>. </a:t>
+            </a:r>
+            <a:endParaRPr lang="en-US" sz="2200" smtClean="0">
+              <a:solidFill>
+                <a:schemeClr val="tx1"/>
+              </a:solidFill>
+              <a:latin typeface="Times New Roman" panose="02020603050405020304" pitchFamily="18" charset="0"/>
+              <a:cs typeface="Times New Roman" panose="02020603050405020304" pitchFamily="18" charset="0"/>
+            </a:endParaRPr>
+          </a:p>
+          <a:p>
+            <a:r>
+              <a:rPr lang="en-US" sz="2200">
+                <a:solidFill>
+                  <a:schemeClr val="tx1"/>
+                </a:solidFill>
+                <a:latin typeface="Times New Roman" panose="02020603050405020304" pitchFamily="18" charset="0"/>
+                <a:cs typeface="Times New Roman" panose="02020603050405020304" pitchFamily="18" charset="0"/>
+              </a:rPr>
+              <a:t>Ưu điểm của Crunch.</a:t>
             </a:r>
           </a:p>
           <a:p>
@@ -21791,8 +18815,8 @@
                 <a:solidFill>
                   <a:schemeClr val="tx1"/>
                 </a:solidFill>
-                <a:latin typeface="Arial" panose="020B0604020202020204" pitchFamily="34" charset="0"/>
-                <a:cs typeface="Arial" panose="020B0604020202020204" pitchFamily="34" charset="0"/>
+                <a:latin typeface="Times New Roman" panose="02020603050405020304" pitchFamily="18" charset="0"/>
+                <a:cs typeface="Times New Roman" panose="02020603050405020304" pitchFamily="18" charset="0"/>
               </a:rPr>
               <a:t> Nó </a:t>
             </a:r>
@@ -21801,8 +18825,8 @@
                 <a:solidFill>
                   <a:schemeClr val="tx1"/>
                 </a:solidFill>
-                <a:latin typeface="Arial" panose="020B0604020202020204" pitchFamily="34" charset="0"/>
-                <a:cs typeface="Arial" panose="020B0604020202020204" pitchFamily="34" charset="0"/>
+                <a:latin typeface="Times New Roman" panose="02020603050405020304" pitchFamily="18" charset="0"/>
+                <a:cs typeface="Times New Roman" panose="02020603050405020304" pitchFamily="18" charset="0"/>
               </a:rPr>
               <a:t>chỉ là Java. Bạn có thể truy cập một ngôn ngữ lập trình một cách đầy đủ.</a:t>
             </a:r>
@@ -21817,8 +18841,8 @@
                 <a:solidFill>
                   <a:schemeClr val="tx1"/>
                 </a:solidFill>
-                <a:latin typeface="Arial" panose="020B0604020202020204" pitchFamily="34" charset="0"/>
-                <a:cs typeface="Arial" panose="020B0604020202020204" pitchFamily="34" charset="0"/>
+                <a:latin typeface="Times New Roman" panose="02020603050405020304" pitchFamily="18" charset="0"/>
+                <a:cs typeface="Times New Roman" panose="02020603050405020304" pitchFamily="18" charset="0"/>
               </a:rPr>
               <a:t> Bạn </a:t>
             </a:r>
@@ -21827,8 +18851,8 @@
                 <a:solidFill>
                   <a:schemeClr val="tx1"/>
                 </a:solidFill>
-                <a:latin typeface="Arial" panose="020B0604020202020204" pitchFamily="34" charset="0"/>
-                <a:cs typeface="Arial" panose="020B0604020202020204" pitchFamily="34" charset="0"/>
+                <a:latin typeface="Times New Roman" panose="02020603050405020304" pitchFamily="18" charset="0"/>
+                <a:cs typeface="Times New Roman" panose="02020603050405020304" pitchFamily="18" charset="0"/>
               </a:rPr>
               <a:t>không cần phải tìm hiểu Pig.</a:t>
             </a:r>
@@ -21843,8 +18867,8 @@
                 <a:solidFill>
                   <a:schemeClr val="tx1"/>
                 </a:solidFill>
-                <a:latin typeface="Arial" panose="020B0604020202020204" pitchFamily="34" charset="0"/>
-                <a:cs typeface="Arial" panose="020B0604020202020204" pitchFamily="34" charset="0"/>
+                <a:latin typeface="Times New Roman" panose="02020603050405020304" pitchFamily="18" charset="0"/>
+                <a:cs typeface="Times New Roman" panose="02020603050405020304" pitchFamily="18" charset="0"/>
               </a:rPr>
               <a:t> Tương </a:t>
             </a:r>
@@ -21853,8 +18877,8 @@
                 <a:solidFill>
                   <a:schemeClr val="tx1"/>
                 </a:solidFill>
-                <a:latin typeface="Arial" panose="020B0604020202020204" pitchFamily="34" charset="0"/>
-                <a:cs typeface="Arial" panose="020B0604020202020204" pitchFamily="34" charset="0"/>
+                <a:latin typeface="Times New Roman" panose="02020603050405020304" pitchFamily="18" charset="0"/>
+                <a:cs typeface="Times New Roman" panose="02020603050405020304" pitchFamily="18" charset="0"/>
               </a:rPr>
               <a:t>thích tốt với nhiều loại hệ thống. </a:t>
             </a:r>
@@ -21869,8 +18893,8 @@
                 <a:solidFill>
                   <a:schemeClr val="tx1"/>
                 </a:solidFill>
-                <a:latin typeface="Arial" panose="020B0604020202020204" pitchFamily="34" charset="0"/>
-                <a:cs typeface="Arial" panose="020B0604020202020204" pitchFamily="34" charset="0"/>
+                <a:latin typeface="Times New Roman" panose="02020603050405020304" pitchFamily="18" charset="0"/>
+                <a:cs typeface="Times New Roman" panose="02020603050405020304" pitchFamily="18" charset="0"/>
               </a:rPr>
               <a:t> Nó </a:t>
             </a:r>
@@ -21879,11 +18903,28 @@
                 <a:solidFill>
                   <a:schemeClr val="tx1"/>
                 </a:solidFill>
-                <a:latin typeface="Arial" panose="020B0604020202020204" pitchFamily="34" charset="0"/>
-                <a:cs typeface="Arial" panose="020B0604020202020204" pitchFamily="34" charset="0"/>
+                <a:latin typeface="Times New Roman" panose="02020603050405020304" pitchFamily="18" charset="0"/>
+                <a:cs typeface="Times New Roman" panose="02020603050405020304" pitchFamily="18" charset="0"/>
               </a:rPr>
-              <a:t>được xây dựng như một thư viện mô-đun để tái sử dụng. </a:t>
-            </a:r>
+              <a:t>được xây dựng như một thư viện mô-đun để tái sử dụng.</a:t>
+            </a:r>
+            <a:r>
+              <a:rPr lang="en-US" sz="2200">
+                <a:solidFill>
+                  <a:schemeClr val="tx1"/>
+                </a:solidFill>
+                <a:latin typeface="Times New Roman" panose="02020603050405020304" pitchFamily="18" charset="0"/>
+                <a:cs typeface="Times New Roman" panose="02020603050405020304" pitchFamily="18" charset="0"/>
+              </a:rPr>
+              <a:t> </a:t>
+            </a:r>
+            <a:endParaRPr lang="en-US" sz="2200">
+              <a:solidFill>
+                <a:schemeClr val="tx1"/>
+              </a:solidFill>
+              <a:latin typeface="Times New Roman" panose="02020603050405020304" pitchFamily="18" charset="0"/>
+              <a:cs typeface="Times New Roman" panose="02020603050405020304" pitchFamily="18" charset="0"/>
+            </a:endParaRPr>
           </a:p>
           <a:p>
             <a:pPr>
@@ -21894,8 +18935,8 @@
               <a:solidFill>
                 <a:schemeClr val="tx1"/>
               </a:solidFill>
-              <a:latin typeface="Arial" panose="020B0604020202020204" pitchFamily="34" charset="0"/>
-              <a:cs typeface="Arial" panose="020B0604020202020204" pitchFamily="34" charset="0"/>
+              <a:latin typeface="Times New Roman" panose="02020603050405020304" pitchFamily="18" charset="0"/>
+              <a:cs typeface="Times New Roman" panose="02020603050405020304" pitchFamily="18" charset="0"/>
             </a:endParaRPr>
           </a:p>
         </p:txBody>
@@ -21985,8 +19026,8 @@
                 <a:solidFill>
                   <a:schemeClr val="tx1"/>
                 </a:solidFill>
-                <a:latin typeface="Arial" panose="020B0604020202020204" pitchFamily="34" charset="0"/>
-                <a:cs typeface="Arial" panose="020B0604020202020204" pitchFamily="34" charset="0"/>
+                <a:latin typeface="Times New Roman" panose="02020603050405020304" pitchFamily="18" charset="0"/>
+                <a:cs typeface="Times New Roman" panose="02020603050405020304" pitchFamily="18" charset="0"/>
               </a:rPr>
               <a:t>Cloudera ML</a:t>
             </a:r>
@@ -21995,18 +19036,28 @@
                 <a:solidFill>
                   <a:schemeClr val="tx1"/>
                 </a:solidFill>
-                <a:latin typeface="Arial" panose="020B0604020202020204" pitchFamily="34" charset="0"/>
-                <a:cs typeface="Arial" panose="020B0604020202020204" pitchFamily="34" charset="0"/>
+                <a:latin typeface="Times New Roman" panose="02020603050405020304" pitchFamily="18" charset="0"/>
+                <a:cs typeface="Times New Roman" panose="02020603050405020304" pitchFamily="18" charset="0"/>
               </a:rPr>
-              <a:t> (machine learning) là một thư viện mã nguồn mở, tích hợp nhiều công cụ nhằm mục đích phân tích, mô hình hóa dữ </a:t>
+              <a:t> (machine learning) là một thư viện mã nguồn mở, tích hợp nhiều công cụ nhằm mục đích phân tích, mô hình hóa </a:t>
+            </a:r>
+            <a:r>
+              <a:rPr lang="en-US" sz="2200">
+                <a:solidFill>
+                  <a:schemeClr val="tx1"/>
+                </a:solidFill>
+                <a:latin typeface="Times New Roman" panose="02020603050405020304" pitchFamily="18" charset="0"/>
+                <a:cs typeface="Times New Roman" panose="02020603050405020304" pitchFamily="18" charset="0"/>
+              </a:rPr>
+              <a:t>dữ </a:t>
             </a:r>
             <a:r>
               <a:rPr lang="en-US" sz="2200" smtClean="0">
                 <a:solidFill>
                   <a:schemeClr val="tx1"/>
                 </a:solidFill>
-                <a:latin typeface="Arial" panose="020B0604020202020204" pitchFamily="34" charset="0"/>
-                <a:cs typeface="Arial" panose="020B0604020202020204" pitchFamily="34" charset="0"/>
+                <a:latin typeface="Times New Roman" panose="02020603050405020304" pitchFamily="18" charset="0"/>
+                <a:cs typeface="Times New Roman" panose="02020603050405020304" pitchFamily="18" charset="0"/>
               </a:rPr>
               <a:t>liệu. </a:t>
             </a:r>
@@ -22015,18 +19066,28 @@
                 <a:solidFill>
                   <a:schemeClr val="tx1"/>
                 </a:solidFill>
-                <a:latin typeface="Arial" panose="020B0604020202020204" pitchFamily="34" charset="0"/>
-                <a:cs typeface="Arial" panose="020B0604020202020204" pitchFamily="34" charset="0"/>
+                <a:latin typeface="Times New Roman" panose="02020603050405020304" pitchFamily="18" charset="0"/>
+                <a:cs typeface="Times New Roman" panose="02020603050405020304" pitchFamily="18" charset="0"/>
               </a:rPr>
-              <a:t>Nó được xây dựng bằng cách sử dụng Crunch, từ đó thúc đẩy nhiều dự án hiện có</a:t>
+              <a:t>Nó được xây dựng bằng cách sử dụng Crunch, từ đó thúc đẩy nhiều dự án hiện </a:t>
+            </a:r>
+            <a:r>
+              <a:rPr lang="en-US" sz="2200">
+                <a:solidFill>
+                  <a:schemeClr val="tx1"/>
+                </a:solidFill>
+                <a:latin typeface="Times New Roman" panose="02020603050405020304" pitchFamily="18" charset="0"/>
+                <a:cs typeface="Times New Roman" panose="02020603050405020304" pitchFamily="18" charset="0"/>
+              </a:rPr>
+              <a:t>có</a:t>
             </a:r>
             <a:r>
               <a:rPr lang="en-US" sz="2200" smtClean="0">
                 <a:solidFill>
                   <a:schemeClr val="tx1"/>
                 </a:solidFill>
-                <a:latin typeface="Arial" panose="020B0604020202020204" pitchFamily="34" charset="0"/>
-                <a:cs typeface="Arial" panose="020B0604020202020204" pitchFamily="34" charset="0"/>
+                <a:latin typeface="Times New Roman" panose="02020603050405020304" pitchFamily="18" charset="0"/>
+                <a:cs typeface="Times New Roman" panose="02020603050405020304" pitchFamily="18" charset="0"/>
               </a:rPr>
               <a:t>.</a:t>
             </a:r>
@@ -22037,8 +19098,8 @@
                 <a:solidFill>
                   <a:schemeClr val="tx1"/>
                 </a:solidFill>
-                <a:latin typeface="Arial" panose="020B0604020202020204" pitchFamily="34" charset="0"/>
-                <a:cs typeface="Arial" panose="020B0604020202020204" pitchFamily="34" charset="0"/>
+                <a:latin typeface="Times New Roman" panose="02020603050405020304" pitchFamily="18" charset="0"/>
+                <a:cs typeface="Times New Roman" panose="02020603050405020304" pitchFamily="18" charset="0"/>
               </a:rPr>
               <a:t>Ví dụ về </a:t>
             </a:r>
@@ -22047,18 +19108,28 @@
                 <a:solidFill>
                   <a:schemeClr val="tx1"/>
                 </a:solidFill>
-                <a:latin typeface="Arial" panose="020B0604020202020204" pitchFamily="34" charset="0"/>
-                <a:cs typeface="Arial" panose="020B0604020202020204" pitchFamily="34" charset="0"/>
+                <a:latin typeface="Times New Roman" panose="02020603050405020304" pitchFamily="18" charset="0"/>
+                <a:cs typeface="Times New Roman" panose="02020603050405020304" pitchFamily="18" charset="0"/>
               </a:rPr>
-              <a:t>định dạng vector: rất nhiều ML liên quan đến việc chuyển đổi dữ liệu thô, đó là danh sách các định dạng vector cho các thuật toán trong machine </a:t>
+              <a:t>định dạng vector: rất nhiều ML liên quan đến việc chuyển đổi dữ liệu thô, đó là danh sách các định dạng vector cho các thuật toán trong </a:t>
+            </a:r>
+            <a:r>
+              <a:rPr lang="en-US" sz="2200">
+                <a:solidFill>
+                  <a:schemeClr val="tx1"/>
+                </a:solidFill>
+                <a:latin typeface="Times New Roman" panose="02020603050405020304" pitchFamily="18" charset="0"/>
+                <a:cs typeface="Times New Roman" panose="02020603050405020304" pitchFamily="18" charset="0"/>
+              </a:rPr>
+              <a:t>machine </a:t>
             </a:r>
             <a:r>
               <a:rPr lang="en-US" sz="2200" smtClean="0">
                 <a:solidFill>
                   <a:schemeClr val="tx1"/>
                 </a:solidFill>
-                <a:latin typeface="Arial" panose="020B0604020202020204" pitchFamily="34" charset="0"/>
-                <a:cs typeface="Arial" panose="020B0604020202020204" pitchFamily="34" charset="0"/>
+                <a:latin typeface="Times New Roman" panose="02020603050405020304" pitchFamily="18" charset="0"/>
+                <a:cs typeface="Times New Roman" panose="02020603050405020304" pitchFamily="18" charset="0"/>
               </a:rPr>
               <a:t>learning.</a:t>
             </a:r>
@@ -22066,8 +19137,8 @@
               <a:solidFill>
                 <a:schemeClr val="tx1"/>
               </a:solidFill>
-              <a:latin typeface="Arial" panose="020B0604020202020204" pitchFamily="34" charset="0"/>
-              <a:cs typeface="Arial" panose="020B0604020202020204" pitchFamily="34" charset="0"/>
+              <a:latin typeface="Times New Roman" panose="02020603050405020304" pitchFamily="18" charset="0"/>
+              <a:cs typeface="Times New Roman" panose="02020603050405020304" pitchFamily="18" charset="0"/>
             </a:endParaRPr>
           </a:p>
         </p:txBody>
@@ -22208,18 +19279,28 @@
                 <a:solidFill>
                   <a:schemeClr val="tx1"/>
                 </a:solidFill>
-                <a:latin typeface="Arial" panose="020B0604020202020204" pitchFamily="34" charset="0"/>
-                <a:cs typeface="Arial" panose="020B0604020202020204" pitchFamily="34" charset="0"/>
+                <a:latin typeface="Times New Roman" panose="02020603050405020304" pitchFamily="18" charset="0"/>
+                <a:cs typeface="Times New Roman" panose="02020603050405020304" pitchFamily="18" charset="0"/>
               </a:rPr>
-              <a:t>Cloudera Development </a:t>
+              <a:t>Cloudera </a:t>
+            </a:r>
+            <a:r>
+              <a:rPr lang="en-US" sz="2200" b="1">
+                <a:solidFill>
+                  <a:schemeClr val="tx1"/>
+                </a:solidFill>
+                <a:latin typeface="Times New Roman" panose="02020603050405020304" pitchFamily="18" charset="0"/>
+                <a:cs typeface="Times New Roman" panose="02020603050405020304" pitchFamily="18" charset="0"/>
+              </a:rPr>
+              <a:t>Development </a:t>
             </a:r>
             <a:r>
               <a:rPr lang="en-US" sz="2200" b="1" smtClean="0">
                 <a:solidFill>
                   <a:schemeClr val="tx1"/>
                 </a:solidFill>
-                <a:latin typeface="Arial" panose="020B0604020202020204" pitchFamily="34" charset="0"/>
-                <a:cs typeface="Arial" panose="020B0604020202020204" pitchFamily="34" charset="0"/>
+                <a:latin typeface="Times New Roman" panose="02020603050405020304" pitchFamily="18" charset="0"/>
+                <a:cs typeface="Times New Roman" panose="02020603050405020304" pitchFamily="18" charset="0"/>
               </a:rPr>
               <a:t>Kit </a:t>
             </a:r>
@@ -22228,8 +19309,8 @@
                 <a:solidFill>
                   <a:schemeClr val="tx1"/>
                 </a:solidFill>
-                <a:latin typeface="Arial" panose="020B0604020202020204" pitchFamily="34" charset="0"/>
-                <a:cs typeface="Arial" panose="020B0604020202020204" pitchFamily="34" charset="0"/>
+                <a:latin typeface="Times New Roman" panose="02020603050405020304" pitchFamily="18" charset="0"/>
+                <a:cs typeface="Times New Roman" panose="02020603050405020304" pitchFamily="18" charset="0"/>
               </a:rPr>
               <a:t>(CDK</a:t>
             </a:r>
@@ -22238,181 +19319,186 @@
                 <a:solidFill>
                   <a:schemeClr val="tx1"/>
                 </a:solidFill>
-                <a:latin typeface="Arial" panose="020B0604020202020204" pitchFamily="34" charset="0"/>
-                <a:cs typeface="Arial" panose="020B0604020202020204" pitchFamily="34" charset="0"/>
+                <a:latin typeface="Times New Roman" panose="02020603050405020304" pitchFamily="18" charset="0"/>
+                <a:cs typeface="Times New Roman" panose="02020603050405020304" pitchFamily="18" charset="0"/>
               </a:rPr>
-              <a:t>) là một tập hợp các thư viện mã nguồn mở và các công cụ giúp việc viết các ứng dụng trên Hadoop dễ dàng hơn. Nó nhắm vào các nhà phát triển đang cố gắng để xây dựng các ứng dụng trên </a:t>
+              <a:t>) là một tập hợp các thư viện mã nguồn mở và các công cụ giúp việc viết các ứng dụng trên Hadoop dễ dàng hơn. Nó nhắm vào các nhà phát triển đang cố gắng để xây dựng các ứng dụng </a:t>
+            </a:r>
+            <a:r>
+              <a:rPr lang="en-US" sz="2200">
+                <a:solidFill>
+                  <a:schemeClr val="tx1"/>
+                </a:solidFill>
+                <a:latin typeface="Times New Roman" panose="02020603050405020304" pitchFamily="18" charset="0"/>
+                <a:cs typeface="Times New Roman" panose="02020603050405020304" pitchFamily="18" charset="0"/>
+              </a:rPr>
+              <a:t>trên </a:t>
             </a:r>
             <a:r>
               <a:rPr lang="en-US" sz="2200" smtClean="0">
                 <a:solidFill>
                   <a:schemeClr val="tx1"/>
                 </a:solidFill>
-                <a:latin typeface="Arial" panose="020B0604020202020204" pitchFamily="34" charset="0"/>
-                <a:cs typeface="Arial" panose="020B0604020202020204" pitchFamily="34" charset="0"/>
+                <a:latin typeface="Times New Roman" panose="02020603050405020304" pitchFamily="18" charset="0"/>
+                <a:cs typeface="Times New Roman" panose="02020603050405020304" pitchFamily="18" charset="0"/>
               </a:rPr>
               <a:t>Hadoop.</a:t>
             </a:r>
           </a:p>
           <a:p>
-            <a:pPr algn="just">
-              <a:buFont typeface="Wingdings" panose="05000000000000000000" pitchFamily="2" charset="2"/>
-              <a:buChar char="Ø"/>
-            </a:pPr>
+            <a:pPr algn="just"/>
+            <a:r>
+              <a:rPr lang="en-US" sz="2200">
+                <a:solidFill>
+                  <a:schemeClr val="tx1"/>
+                </a:solidFill>
+                <a:latin typeface="Times New Roman" panose="02020603050405020304" pitchFamily="18" charset="0"/>
+                <a:cs typeface="Times New Roman" panose="02020603050405020304" pitchFamily="18" charset="0"/>
+              </a:rPr>
+              <a:t>CDK có kiến ​​trúc là một hệ thống mô-đun lỏng, bạn có thể sử dụng các mô-đun độc lập </a:t>
+            </a:r>
+            <a:r>
+              <a:rPr lang="en-US" sz="2200">
+                <a:solidFill>
+                  <a:schemeClr val="tx1"/>
+                </a:solidFill>
+                <a:latin typeface="Times New Roman" panose="02020603050405020304" pitchFamily="18" charset="0"/>
+                <a:cs typeface="Times New Roman" panose="02020603050405020304" pitchFamily="18" charset="0"/>
+              </a:rPr>
+              <a:t>với </a:t>
+            </a:r>
             <a:r>
               <a:rPr lang="en-US" sz="2200" smtClean="0">
                 <a:solidFill>
                   <a:schemeClr val="tx1"/>
                 </a:solidFill>
-                <a:latin typeface="Arial" panose="020B0604020202020204" pitchFamily="34" charset="0"/>
-                <a:cs typeface="Arial" panose="020B0604020202020204" pitchFamily="34" charset="0"/>
+                <a:latin typeface="Times New Roman" panose="02020603050405020304" pitchFamily="18" charset="0"/>
+                <a:cs typeface="Times New Roman" panose="02020603050405020304" pitchFamily="18" charset="0"/>
               </a:rPr>
-              <a:t> CDK </a:t>
+              <a:t>nhau. </a:t>
             </a:r>
             <a:r>
               <a:rPr lang="en-US" sz="2200">
                 <a:solidFill>
                   <a:schemeClr val="tx1"/>
                 </a:solidFill>
-                <a:latin typeface="Arial" panose="020B0604020202020204" pitchFamily="34" charset="0"/>
-                <a:cs typeface="Arial" panose="020B0604020202020204" pitchFamily="34" charset="0"/>
+                <a:latin typeface="Times New Roman" panose="02020603050405020304" pitchFamily="18" charset="0"/>
+                <a:cs typeface="Times New Roman" panose="02020603050405020304" pitchFamily="18" charset="0"/>
               </a:rPr>
-              <a:t>có kiến ​​trúc là một hệ thống mô-đun </a:t>
+              <a:t>Nó đã được xây dựng trong dạng nén, và trong các chính sách xung quanh tập tin cũng như thư mục bố trí, để bạn không phải lặp lại nhiều lần những </a:t>
+            </a:r>
+            <a:r>
+              <a:rPr lang="en-US" sz="2200">
+                <a:solidFill>
+                  <a:schemeClr val="tx1"/>
+                </a:solidFill>
+                <a:latin typeface="Times New Roman" panose="02020603050405020304" pitchFamily="18" charset="0"/>
+                <a:cs typeface="Times New Roman" panose="02020603050405020304" pitchFamily="18" charset="0"/>
+              </a:rPr>
+              <a:t>lựa </a:t>
             </a:r>
             <a:r>
               <a:rPr lang="en-US" sz="2200" smtClean="0">
                 <a:solidFill>
                   <a:schemeClr val="tx1"/>
                 </a:solidFill>
-                <a:latin typeface="Arial" panose="020B0604020202020204" pitchFamily="34" charset="0"/>
-                <a:cs typeface="Arial" panose="020B0604020202020204" pitchFamily="34" charset="0"/>
+                <a:latin typeface="Times New Roman" panose="02020603050405020304" pitchFamily="18" charset="0"/>
+                <a:cs typeface="Times New Roman" panose="02020603050405020304" pitchFamily="18" charset="0"/>
               </a:rPr>
-              <a:t>lỏng</a:t>
-            </a:r>
+              <a:t>chọn. </a:t>
+            </a:r>
+            <a:r>
+              <a:rPr lang="en-US" sz="2200">
+                <a:solidFill>
+                  <a:schemeClr val="tx1"/>
+                </a:solidFill>
+                <a:latin typeface="Times New Roman" panose="02020603050405020304" pitchFamily="18" charset="0"/>
+                <a:cs typeface="Times New Roman" panose="02020603050405020304" pitchFamily="18" charset="0"/>
+              </a:rPr>
+              <a:t>Nó cũng có các nhà cung cấp plugin cho hệ thống </a:t>
+            </a:r>
+            <a:r>
+              <a:rPr lang="en-US" sz="2200">
+                <a:solidFill>
+                  <a:schemeClr val="tx1"/>
+                </a:solidFill>
+                <a:latin typeface="Times New Roman" panose="02020603050405020304" pitchFamily="18" charset="0"/>
+                <a:cs typeface="Times New Roman" panose="02020603050405020304" pitchFamily="18" charset="0"/>
+              </a:rPr>
+              <a:t>hiện </a:t>
+            </a:r>
+            <a:r>
+              <a:rPr lang="en-US" sz="2200" smtClean="0">
+                <a:solidFill>
+                  <a:schemeClr val="tx1"/>
+                </a:solidFill>
+                <a:latin typeface="Times New Roman" panose="02020603050405020304" pitchFamily="18" charset="0"/>
+                <a:cs typeface="Times New Roman" panose="02020603050405020304" pitchFamily="18" charset="0"/>
+              </a:rPr>
+              <a:t>có. </a:t>
+            </a:r>
+            <a:r>
+              <a:rPr lang="en-US" sz="2200">
+                <a:solidFill>
+                  <a:schemeClr val="tx1"/>
+                </a:solidFill>
+                <a:latin typeface="Times New Roman" panose="02020603050405020304" pitchFamily="18" charset="0"/>
+                <a:cs typeface="Times New Roman" panose="02020603050405020304" pitchFamily="18" charset="0"/>
+              </a:rPr>
+              <a:t>CDK cung cấp một sơ đồ quản lí cho khối lượng dữ liệu khổng lồ mà không người dùng không cần phải xác định toàn bộ khối dữ liệu.</a:t>
+            </a:r>
+          </a:p>
+          <a:p>
+            <a:pPr algn="just"/>
+            <a:r>
+              <a:rPr lang="en-US" sz="2200">
+                <a:solidFill>
+                  <a:schemeClr val="tx1"/>
+                </a:solidFill>
+                <a:latin typeface="Times New Roman" panose="02020603050405020304" pitchFamily="18" charset="0"/>
+                <a:cs typeface="Times New Roman" panose="02020603050405020304" pitchFamily="18" charset="0"/>
+              </a:rPr>
+              <a:t>CDK cung cấp một sơ đồ quản lí cho khối lượng dữ liệu khổng </a:t>
+            </a:r>
+            <a:r>
+              <a:rPr lang="en-US" sz="2200">
+                <a:solidFill>
+                  <a:schemeClr val="tx1"/>
+                </a:solidFill>
+                <a:latin typeface="Times New Roman" panose="02020603050405020304" pitchFamily="18" charset="0"/>
+                <a:cs typeface="Times New Roman" panose="02020603050405020304" pitchFamily="18" charset="0"/>
+              </a:rPr>
+              <a:t>lồ </a:t>
+            </a:r>
+            <a:r>
+              <a:rPr lang="en-US" sz="2200" smtClean="0">
+                <a:solidFill>
+                  <a:schemeClr val="tx1"/>
+                </a:solidFill>
+                <a:latin typeface="Times New Roman" panose="02020603050405020304" pitchFamily="18" charset="0"/>
+                <a:cs typeface="Times New Roman" panose="02020603050405020304" pitchFamily="18" charset="0"/>
+              </a:rPr>
+              <a:t>mà </a:t>
+            </a:r>
+            <a:r>
+              <a:rPr lang="en-US" sz="2200">
+                <a:solidFill>
+                  <a:schemeClr val="tx1"/>
+                </a:solidFill>
+                <a:latin typeface="Times New Roman" panose="02020603050405020304" pitchFamily="18" charset="0"/>
+                <a:cs typeface="Times New Roman" panose="02020603050405020304" pitchFamily="18" charset="0"/>
+              </a:rPr>
+              <a:t>người dùng không cần phải xác định toàn bộ khối dữ liệu.</a:t>
+            </a:r>
+          </a:p>
+          <a:p>
+            <a:pPr algn="just"/>
             <a:endParaRPr lang="en-US" sz="2200">
               <a:solidFill>
                 <a:schemeClr val="tx1"/>
               </a:solidFill>
-              <a:latin typeface="Arial" panose="020B0604020202020204" pitchFamily="34" charset="0"/>
-              <a:cs typeface="Arial" panose="020B0604020202020204" pitchFamily="34" charset="0"/>
-            </a:endParaRPr>
-          </a:p>
-          <a:p>
-            <a:pPr algn="just">
-              <a:buFont typeface="Wingdings" panose="05000000000000000000" pitchFamily="2" charset="2"/>
-              <a:buChar char="Ø"/>
-            </a:pPr>
-            <a:r>
-              <a:rPr lang="en-US" sz="2200" smtClean="0">
-                <a:solidFill>
-                  <a:schemeClr val="tx1"/>
-                </a:solidFill>
-                <a:latin typeface="Arial" panose="020B0604020202020204" pitchFamily="34" charset="0"/>
-                <a:cs typeface="Arial" panose="020B0604020202020204" pitchFamily="34" charset="0"/>
-              </a:rPr>
-              <a:t> Nó </a:t>
-            </a:r>
-            <a:r>
-              <a:rPr lang="en-US" sz="2200">
-                <a:solidFill>
-                  <a:schemeClr val="tx1"/>
-                </a:solidFill>
-                <a:latin typeface="Arial" panose="020B0604020202020204" pitchFamily="34" charset="0"/>
-                <a:cs typeface="Arial" panose="020B0604020202020204" pitchFamily="34" charset="0"/>
-              </a:rPr>
-              <a:t>đã được xây dựng trong dạng </a:t>
-            </a:r>
-            <a:r>
-              <a:rPr lang="en-US" sz="2200" smtClean="0">
-                <a:solidFill>
-                  <a:schemeClr val="tx1"/>
-                </a:solidFill>
-                <a:latin typeface="Arial" panose="020B0604020202020204" pitchFamily="34" charset="0"/>
-                <a:cs typeface="Arial" panose="020B0604020202020204" pitchFamily="34" charset="0"/>
-              </a:rPr>
-              <a:t>nén</a:t>
-            </a:r>
-          </a:p>
-          <a:p>
-            <a:pPr algn="just">
-              <a:buFont typeface="Wingdings" panose="05000000000000000000" pitchFamily="2" charset="2"/>
-              <a:buChar char="Ø"/>
-            </a:pPr>
-            <a:r>
-              <a:rPr lang="en-US" sz="2200" smtClean="0">
-                <a:solidFill>
-                  <a:schemeClr val="tx1"/>
-                </a:solidFill>
-                <a:latin typeface="Arial" panose="020B0604020202020204" pitchFamily="34" charset="0"/>
-                <a:cs typeface="Arial" panose="020B0604020202020204" pitchFamily="34" charset="0"/>
-              </a:rPr>
-              <a:t> Nó </a:t>
-            </a:r>
-            <a:r>
-              <a:rPr lang="en-US" sz="2200">
-                <a:solidFill>
-                  <a:schemeClr val="tx1"/>
-                </a:solidFill>
-                <a:latin typeface="Arial" panose="020B0604020202020204" pitchFamily="34" charset="0"/>
-                <a:cs typeface="Arial" panose="020B0604020202020204" pitchFamily="34" charset="0"/>
-              </a:rPr>
-              <a:t>cũng có các nhà cung cấp plugin cho hệ thống hiện </a:t>
-            </a:r>
-            <a:r>
-              <a:rPr lang="en-US" sz="2200" smtClean="0">
-                <a:solidFill>
-                  <a:schemeClr val="tx1"/>
-                </a:solidFill>
-                <a:latin typeface="Arial" panose="020B0604020202020204" pitchFamily="34" charset="0"/>
-                <a:cs typeface="Arial" panose="020B0604020202020204" pitchFamily="34" charset="0"/>
-              </a:rPr>
-              <a:t>có. </a:t>
-            </a:r>
-            <a:endParaRPr lang="en-US" sz="2200" smtClean="0">
-              <a:solidFill>
-                <a:schemeClr val="tx1"/>
-              </a:solidFill>
-              <a:latin typeface="Arial" panose="020B0604020202020204" pitchFamily="34" charset="0"/>
-              <a:cs typeface="Arial" panose="020B0604020202020204" pitchFamily="34" charset="0"/>
-            </a:endParaRPr>
-          </a:p>
-          <a:p>
-            <a:pPr algn="just">
-              <a:buFont typeface="Wingdings" panose="05000000000000000000" pitchFamily="2" charset="2"/>
-              <a:buChar char="Ø"/>
-            </a:pPr>
-            <a:r>
-              <a:rPr lang="en-US" sz="2200" smtClean="0">
-                <a:solidFill>
-                  <a:schemeClr val="tx1"/>
-                </a:solidFill>
-                <a:latin typeface="Arial" panose="020B0604020202020204" pitchFamily="34" charset="0"/>
-                <a:cs typeface="Arial" panose="020B0604020202020204" pitchFamily="34" charset="0"/>
-              </a:rPr>
-              <a:t> CDK </a:t>
-            </a:r>
-            <a:r>
-              <a:rPr lang="en-US" sz="2200">
-                <a:solidFill>
-                  <a:schemeClr val="tx1"/>
-                </a:solidFill>
-                <a:latin typeface="Arial" panose="020B0604020202020204" pitchFamily="34" charset="0"/>
-                <a:cs typeface="Arial" panose="020B0604020202020204" pitchFamily="34" charset="0"/>
-              </a:rPr>
-              <a:t>cung cấp một sơ đồ quản lí cho khối lượng dữ liệu khổng lồ mà không người dùng không cần phải xác định toàn bộ khối dữ liệu.</a:t>
-            </a:r>
-          </a:p>
-          <a:p>
-            <a:pPr algn="just">
-              <a:buFont typeface="Wingdings" panose="05000000000000000000" pitchFamily="2" charset="2"/>
-              <a:buChar char="Ø"/>
-            </a:pPr>
-            <a:endParaRPr lang="en-US" sz="2200">
-              <a:solidFill>
-                <a:schemeClr val="tx1"/>
-              </a:solidFill>
-              <a:latin typeface="Arial" panose="020B0604020202020204" pitchFamily="34" charset="0"/>
-              <a:cs typeface="Arial" panose="020B0604020202020204" pitchFamily="34" charset="0"/>
+              <a:latin typeface="Times New Roman" panose="02020603050405020304" pitchFamily="18" charset="0"/>
+              <a:cs typeface="Times New Roman" panose="02020603050405020304" pitchFamily="18" charset="0"/>
             </a:endParaRPr>
           </a:p>
         </p:txBody>
@@ -22468,18 +19554,34 @@
                 <a:solidFill>
                   <a:schemeClr val="tx1"/>
                 </a:solidFill>
-                <a:latin typeface="Leelawadee" panose="020B0502040204020203" pitchFamily="34" charset="-34"/>
-                <a:cs typeface="Leelawadee" panose="020B0502040204020203" pitchFamily="34" charset="-34"/>
+                <a:latin typeface="Lucida Calligraphy" panose="03010101010101010101" pitchFamily="66" charset="0"/>
               </a:rPr>
-              <a:t>Thanks For </a:t>
+              <a:t>Thanks </a:t>
+            </a:r>
+            <a:r>
+              <a:rPr lang="en-US" smtClean="0">
+                <a:solidFill>
+                  <a:schemeClr val="tx1"/>
+                </a:solidFill>
+                <a:latin typeface="Lucida Calligraphy" panose="03010101010101010101" pitchFamily="66" charset="0"/>
+              </a:rPr>
+              <a:t>F</a:t>
+            </a:r>
+            <a:r>
+              <a:rPr lang="en-US" smtClean="0">
+                <a:solidFill>
+                  <a:schemeClr val="tx1"/>
+                </a:solidFill>
+                <a:latin typeface="Lucida Calligraphy" panose="03010101010101010101" pitchFamily="66" charset="0"/>
+              </a:rPr>
+              <a:t>or </a:t>
             </a:r>
             <a:r>
               <a:rPr lang="en-US">
                 <a:solidFill>
                   <a:schemeClr val="tx1"/>
                 </a:solidFill>
-                <a:latin typeface="Leelawadee" panose="020B0502040204020203" pitchFamily="34" charset="-34"/>
-                <a:cs typeface="Leelawadee" panose="020B0502040204020203" pitchFamily="34" charset="-34"/>
+                <a:latin typeface="Lucida Calligraphy" panose="03010101010101010101" pitchFamily="66" charset="0"/>
               </a:rPr>
               <a:t>W</a:t>
             </a:r>
@@ -22488,8 +19590,7 @@
                 <a:solidFill>
                   <a:schemeClr val="tx1"/>
                 </a:solidFill>
-                <a:latin typeface="Leelawadee" panose="020B0502040204020203" pitchFamily="34" charset="-34"/>
-                <a:cs typeface="Leelawadee" panose="020B0502040204020203" pitchFamily="34" charset="-34"/>
+                <a:latin typeface="Lucida Calligraphy" panose="03010101010101010101" pitchFamily="66" charset="0"/>
               </a:rPr>
               <a:t>atching</a:t>
             </a:r>
@@ -22497,8 +19598,7 @@
               <a:solidFill>
                 <a:schemeClr val="tx1"/>
               </a:solidFill>
-              <a:latin typeface="Leelawadee" panose="020B0502040204020203" pitchFamily="34" charset="-34"/>
-              <a:cs typeface="Leelawadee" panose="020B0502040204020203" pitchFamily="34" charset="-34"/>
+              <a:latin typeface="Lucida Calligraphy" panose="03010101010101010101" pitchFamily="66" charset="0"/>
             </a:endParaRPr>
           </a:p>
         </p:txBody>
@@ -22527,8 +19627,8 @@
         </p:blipFill>
         <p:spPr>
           <a:xfrm>
-            <a:off x="2298492" y="2093976"/>
-            <a:ext cx="7601111" cy="2134028"/>
+            <a:off x="2045165" y="1906073"/>
+            <a:ext cx="8162630" cy="2291676"/>
           </a:xfrm>
         </p:spPr>
       </p:pic>
@@ -23302,241 +20402,4 @@
     </a:ext>
   </a:extLst>
 </a:theme>
-</file>
-
-<file path=ppt/theme/theme4.xml><?xml version="1.0" encoding="utf-8"?>
-<a:theme xmlns:a="http://schemas.openxmlformats.org/drawingml/2006/main" name="Basis">
-  <a:themeElements>
-    <a:clrScheme name="Basis">
-      <a:dk1>
-        <a:srgbClr val="000000"/>
-      </a:dk1>
-      <a:lt1>
-        <a:srgbClr val="FFFFFF"/>
-      </a:lt1>
-      <a:dk2>
-        <a:srgbClr val="565349"/>
-      </a:dk2>
-      <a:lt2>
-        <a:srgbClr val="DDDDDD"/>
-      </a:lt2>
-      <a:accent1>
-        <a:srgbClr val="A6B727"/>
-      </a:accent1>
-      <a:accent2>
-        <a:srgbClr val="DF5327"/>
-      </a:accent2>
-      <a:accent3>
-        <a:srgbClr val="FE9E00"/>
-      </a:accent3>
-      <a:accent4>
-        <a:srgbClr val="418AB3"/>
-      </a:accent4>
-      <a:accent5>
-        <a:srgbClr val="D7D447"/>
-      </a:accent5>
-      <a:accent6>
-        <a:srgbClr val="818183"/>
-      </a:accent6>
-      <a:hlink>
-        <a:srgbClr val="F59E00"/>
-      </a:hlink>
-      <a:folHlink>
-        <a:srgbClr val="B2B2B2"/>
-      </a:folHlink>
-    </a:clrScheme>
-    <a:fontScheme name="Basis">
-      <a:majorFont>
-        <a:latin typeface="Corbel" panose="020B0503020204020204"/>
-        <a:ea typeface=""/>
-        <a:cs typeface=""/>
-        <a:font script="Jpan" typeface="ＭＳ ゴシック"/>
-        <a:font script="Hang" typeface="맑은 고딕"/>
-        <a:font script="Hans" typeface="宋体"/>
-        <a:font script="Hant" typeface="新細明體"/>
-        <a:font script="Arab" typeface="Tahoma"/>
-        <a:font script="Hebr" typeface="Gisha"/>
-        <a:font script="Thai" typeface="DilleniaUPC"/>
-        <a:font script="Ethi" typeface="Nyala"/>
-        <a:font script="Beng" typeface="Vrinda"/>
-        <a:font script="Gujr" typeface="Shruti"/>
-        <a:font script="Khmr" typeface="DaunPenh"/>
-        <a:font script="Knda" typeface="Tunga"/>
-        <a:font script="Guru" typeface="Raavi"/>
-        <a:font script="Cans" typeface="Euphemia"/>
-        <a:font script="Cher" typeface="Plantagenet Cherokee"/>
-        <a:font script="Yiii" typeface="Microsoft Yi Baiti"/>
-        <a:font script="Tibt" typeface="Microsoft Himalaya"/>
-        <a:font script="Thaa" typeface="MV Boli"/>
-        <a:font script="Deva" typeface="Mangal"/>
-        <a:font script="Telu" typeface="Gautami"/>
-        <a:font script="Taml" typeface="Latha"/>
-        <a:font script="Syrc" typeface="Estrangelo Edessa"/>
-        <a:font script="Orya" typeface="Kalinga"/>
-        <a:font script="Mlym" typeface="Kartika"/>
-        <a:font script="Laoo" typeface="DokChampa"/>
-        <a:font script="Sinh" typeface="Iskoola Pota"/>
-        <a:font script="Mong" typeface="Mongolian Baiti"/>
-        <a:font script="Viet" typeface="Tahoma"/>
-        <a:font script="Uigh" typeface="Microsoft Uighur"/>
-        <a:font script="Geor" typeface="Sylfaen"/>
-      </a:majorFont>
-      <a:minorFont>
-        <a:latin typeface="Corbel" panose="020B0503020204020204"/>
-        <a:ea typeface=""/>
-        <a:cs typeface=""/>
-        <a:font script="Jpan" typeface="ＭＳ ゴシック"/>
-        <a:font script="Hang" typeface="맑은 고딕"/>
-        <a:font script="Hans" typeface="宋体"/>
-        <a:font script="Hant" typeface="新細明體"/>
-        <a:font script="Arab" typeface="Tahoma"/>
-        <a:font script="Hebr" typeface="Gisha"/>
-        <a:font script="Thai" typeface="DilleniaUPC"/>
-        <a:font script="Ethi" typeface="Nyala"/>
-        <a:font script="Beng" typeface="Vrinda"/>
-        <a:font script="Gujr" typeface="Shruti"/>
-        <a:font script="Khmr" typeface="DaunPenh"/>
-        <a:font script="Knda" typeface="Tunga"/>
-        <a:font script="Guru" typeface="Raavi"/>
-        <a:font script="Cans" typeface="Euphemia"/>
-        <a:font script="Cher" typeface="Plantagenet Cherokee"/>
-        <a:font script="Yiii" typeface="Microsoft Yi Baiti"/>
-        <a:font script="Tibt" typeface="Microsoft Himalaya"/>
-        <a:font script="Thaa" typeface="MV Boli"/>
-        <a:font script="Deva" typeface="Mangal"/>
-        <a:font script="Telu" typeface="Gautami"/>
-        <a:font script="Taml" typeface="Latha"/>
-        <a:font script="Syrc" typeface="Estrangelo Edessa"/>
-        <a:font script="Orya" typeface="Kalinga"/>
-        <a:font script="Mlym" typeface="Kartika"/>
-        <a:font script="Laoo" typeface="DokChampa"/>
-        <a:font script="Sinh" typeface="Iskoola Pota"/>
-        <a:font script="Mong" typeface="Mongolian Baiti"/>
-        <a:font script="Viet" typeface="Verdana"/>
-        <a:font script="Uigh" typeface="Microsoft Uighur"/>
-        <a:font script="Geor" typeface="Sylfaen"/>
-      </a:minorFont>
-    </a:fontScheme>
-    <a:fmtScheme name="Basis">
-      <a:fillStyleLst>
-        <a:solidFill>
-          <a:schemeClr val="phClr"/>
-        </a:solidFill>
-        <a:solidFill>
-          <a:schemeClr val="phClr">
-            <a:tint val="55000"/>
-            <a:satMod val="130000"/>
-          </a:schemeClr>
-        </a:solidFill>
-        <a:gradFill rotWithShape="1">
-          <a:gsLst>
-            <a:gs pos="0">
-              <a:schemeClr val="phClr"/>
-            </a:gs>
-            <a:gs pos="90000">
-              <a:schemeClr val="phClr">
-                <a:shade val="100000"/>
-                <a:satMod val="105000"/>
-              </a:schemeClr>
-            </a:gs>
-            <a:gs pos="100000">
-              <a:schemeClr val="phClr">
-                <a:shade val="80000"/>
-                <a:satMod val="120000"/>
-              </a:schemeClr>
-            </a:gs>
-          </a:gsLst>
-          <a:path path="circle">
-            <a:fillToRect l="100000" t="100000" r="100000" b="100000"/>
-          </a:path>
-        </a:gradFill>
-      </a:fillStyleLst>
-      <a:lnStyleLst>
-        <a:ln w="10000" cap="flat" cmpd="sng" algn="ctr">
-          <a:solidFill>
-            <a:schemeClr val="phClr"/>
-          </a:solidFill>
-          <a:prstDash val="solid"/>
-        </a:ln>
-        <a:ln w="19050" cap="flat" cmpd="sng" algn="ctr">
-          <a:solidFill>
-            <a:schemeClr val="phClr"/>
-          </a:solidFill>
-          <a:prstDash val="solid"/>
-        </a:ln>
-        <a:ln w="53975" cap="flat" cmpd="dbl" algn="ctr">
-          <a:solidFill>
-            <a:schemeClr val="phClr"/>
-          </a:solidFill>
-          <a:prstDash val="solid"/>
-        </a:ln>
-      </a:lnStyleLst>
-      <a:effectStyleLst>
-        <a:effectStyle>
-          <a:effectLst/>
-        </a:effectStyle>
-        <a:effectStyle>
-          <a:effectLst>
-            <a:outerShdw blurRad="38100" dist="25400" dir="5400000" rotWithShape="0">
-              <a:srgbClr val="000000">
-                <a:alpha val="45000"/>
-              </a:srgbClr>
-            </a:outerShdw>
-          </a:effectLst>
-        </a:effectStyle>
-        <a:effectStyle>
-          <a:effectLst>
-            <a:outerShdw blurRad="38100" dist="25400" dir="5400000" rotWithShape="0">
-              <a:srgbClr val="000000">
-                <a:alpha val="45000"/>
-              </a:srgbClr>
-            </a:outerShdw>
-          </a:effectLst>
-          <a:scene3d>
-            <a:camera prst="orthographicFront">
-              <a:rot lat="0" lon="0" rev="0"/>
-            </a:camera>
-            <a:lightRig rig="brightRoom" dir="t"/>
-          </a:scene3d>
-          <a:sp3d extrusionH="12700" contourW="25400" prstMaterial="flat">
-            <a:bevelT w="63500" h="152400" prst="angle"/>
-            <a:contourClr>
-              <a:schemeClr val="phClr">
-                <a:shade val="27000"/>
-                <a:satMod val="120000"/>
-              </a:schemeClr>
-            </a:contourClr>
-          </a:sp3d>
-        </a:effectStyle>
-      </a:effectStyleLst>
-      <a:bgFillStyleLst>
-        <a:solidFill>
-          <a:schemeClr val="phClr"/>
-        </a:solidFill>
-        <a:solidFill>
-          <a:schemeClr val="phClr">
-            <a:tint val="95000"/>
-            <a:shade val="95000"/>
-            <a:satMod val="140000"/>
-          </a:schemeClr>
-        </a:solidFill>
-        <a:solidFill>
-          <a:schemeClr val="phClr">
-            <a:tint val="90000"/>
-            <a:shade val="85000"/>
-            <a:satMod val="160000"/>
-            <a:lumMod val="110000"/>
-          </a:schemeClr>
-        </a:solidFill>
-      </a:bgFillStyleLst>
-    </a:fmtScheme>
-  </a:themeElements>
-  <a:objectDefaults/>
-  <a:extraClrSchemeLst/>
-  <a:extLst>
-    <a:ext uri="{05A4C25C-085E-4340-85A3-A5531E510DB2}">
-      <thm15:themeFamily xmlns:thm15="http://schemas.microsoft.com/office/thememl/2012/main" name="Basis" id="{5665723A-49BA-4B57-8411-A56F8F207965}" vid="{90E45F77-AEFC-46EF-A7C1-5B338C297B02}"/>
-    </a:ext>
-  </a:extLst>
-</a:theme>
 </file>